--- a/实验3-探索性分析.pptx
+++ b/实验3-探索性分析.pptx
@@ -26,16 +26,17 @@
     <p:sldId id="277" r:id="rId20"/>
     <p:sldId id="278" r:id="rId21"/>
     <p:sldId id="280" r:id="rId22"/>
-    <p:sldId id="279" r:id="rId23"/>
-    <p:sldId id="261" r:id="rId24"/>
-    <p:sldId id="262" r:id="rId25"/>
-    <p:sldId id="263" r:id="rId26"/>
-    <p:sldId id="267" r:id="rId27"/>
-    <p:sldId id="264" r:id="rId28"/>
-    <p:sldId id="265" r:id="rId29"/>
-    <p:sldId id="266" r:id="rId30"/>
-    <p:sldId id="268" r:id="rId31"/>
-    <p:sldId id="269" r:id="rId32"/>
+    <p:sldId id="288" r:id="rId23"/>
+    <p:sldId id="279" r:id="rId24"/>
+    <p:sldId id="261" r:id="rId25"/>
+    <p:sldId id="262" r:id="rId26"/>
+    <p:sldId id="263" r:id="rId27"/>
+    <p:sldId id="267" r:id="rId28"/>
+    <p:sldId id="264" r:id="rId29"/>
+    <p:sldId id="265" r:id="rId30"/>
+    <p:sldId id="266" r:id="rId31"/>
+    <p:sldId id="268" r:id="rId32"/>
+    <p:sldId id="269" r:id="rId33"/>
   </p:sldIdLst>
   <p:sldSz cx="12192000" cy="6858000"/>
   <p:notesSz cx="6858000" cy="9144000"/>
@@ -368,7 +369,7 @@
           <a:p>
             <a:fld id="{22B5609F-EBEC-463B-AA32-A5BE38243DB0}" type="datetimeFigureOut">
               <a:rPr lang="zh-CN" altLang="en-US" smtClean="0"/>
-              <a:t>2017/10/6</a:t>
+              <a:t>2017/10/7</a:t>
             </a:fld>
             <a:endParaRPr lang="zh-CN" altLang="en-US"/>
           </a:p>
@@ -576,7 +577,7 @@
           <a:p>
             <a:fld id="{22B5609F-EBEC-463B-AA32-A5BE38243DB0}" type="datetimeFigureOut">
               <a:rPr lang="zh-CN" altLang="en-US" smtClean="0"/>
-              <a:t>2017/10/6</a:t>
+              <a:t>2017/10/7</a:t>
             </a:fld>
             <a:endParaRPr lang="zh-CN" altLang="en-US"/>
           </a:p>
@@ -832,7 +833,7 @@
           <a:p>
             <a:fld id="{22B5609F-EBEC-463B-AA32-A5BE38243DB0}" type="datetimeFigureOut">
               <a:rPr lang="zh-CN" altLang="en-US" smtClean="0"/>
-              <a:t>2017/10/6</a:t>
+              <a:t>2017/10/7</a:t>
             </a:fld>
             <a:endParaRPr lang="zh-CN" altLang="en-US"/>
           </a:p>
@@ -1043,7 +1044,7 @@
           <a:p>
             <a:fld id="{22B5609F-EBEC-463B-AA32-A5BE38243DB0}" type="datetimeFigureOut">
               <a:rPr lang="zh-CN" altLang="en-US" smtClean="0"/>
-              <a:t>2017/10/6</a:t>
+              <a:t>2017/10/7</a:t>
             </a:fld>
             <a:endParaRPr lang="zh-CN" altLang="en-US"/>
           </a:p>
@@ -1385,7 +1386,7 @@
           <a:p>
             <a:fld id="{22B5609F-EBEC-463B-AA32-A5BE38243DB0}" type="datetimeFigureOut">
               <a:rPr lang="zh-CN" altLang="en-US" smtClean="0"/>
-              <a:t>2017/10/6</a:t>
+              <a:t>2017/10/7</a:t>
             </a:fld>
             <a:endParaRPr lang="zh-CN" altLang="en-US"/>
           </a:p>
@@ -1660,7 +1661,7 @@
           <a:p>
             <a:fld id="{22B5609F-EBEC-463B-AA32-A5BE38243DB0}" type="datetimeFigureOut">
               <a:rPr lang="zh-CN" altLang="en-US" smtClean="0"/>
-              <a:t>2017/10/6</a:t>
+              <a:t>2017/10/7</a:t>
             </a:fld>
             <a:endParaRPr lang="zh-CN" altLang="en-US"/>
           </a:p>
@@ -2039,7 +2040,7 @@
           <a:p>
             <a:fld id="{22B5609F-EBEC-463B-AA32-A5BE38243DB0}" type="datetimeFigureOut">
               <a:rPr lang="zh-CN" altLang="en-US" smtClean="0"/>
-              <a:t>2017/10/6</a:t>
+              <a:t>2017/10/7</a:t>
             </a:fld>
             <a:endParaRPr lang="zh-CN" altLang="en-US"/>
           </a:p>
@@ -2157,7 +2158,7 @@
           <a:p>
             <a:fld id="{22B5609F-EBEC-463B-AA32-A5BE38243DB0}" type="datetimeFigureOut">
               <a:rPr lang="zh-CN" altLang="en-US" smtClean="0"/>
-              <a:t>2017/10/6</a:t>
+              <a:t>2017/10/7</a:t>
             </a:fld>
             <a:endParaRPr lang="zh-CN" altLang="en-US"/>
           </a:p>
@@ -2343,7 +2344,7 @@
           <a:p>
             <a:fld id="{22B5609F-EBEC-463B-AA32-A5BE38243DB0}" type="datetimeFigureOut">
               <a:rPr lang="zh-CN" altLang="en-US" smtClean="0"/>
-              <a:t>2017/10/6</a:t>
+              <a:t>2017/10/7</a:t>
             </a:fld>
             <a:endParaRPr lang="zh-CN" altLang="en-US"/>
           </a:p>
@@ -2704,7 +2705,7 @@
           <a:p>
             <a:fld id="{22B5609F-EBEC-463B-AA32-A5BE38243DB0}" type="datetimeFigureOut">
               <a:rPr lang="zh-CN" altLang="en-US" smtClean="0"/>
-              <a:t>2017/10/6</a:t>
+              <a:t>2017/10/7</a:t>
             </a:fld>
             <a:endParaRPr lang="zh-CN" altLang="en-US"/>
           </a:p>
@@ -3086,7 +3087,7 @@
           <a:p>
             <a:fld id="{22B5609F-EBEC-463B-AA32-A5BE38243DB0}" type="datetimeFigureOut">
               <a:rPr lang="zh-CN" altLang="en-US" smtClean="0"/>
-              <a:t>2017/10/6</a:t>
+              <a:t>2017/10/7</a:t>
             </a:fld>
             <a:endParaRPr lang="zh-CN" altLang="en-US"/>
           </a:p>
@@ -3373,7 +3374,7 @@
           <a:p>
             <a:fld id="{22B5609F-EBEC-463B-AA32-A5BE38243DB0}" type="datetimeFigureOut">
               <a:rPr lang="zh-CN" altLang="en-US" smtClean="0"/>
-              <a:t>2017/10/6</a:t>
+              <a:t>2017/10/7</a:t>
             </a:fld>
             <a:endParaRPr lang="zh-CN" altLang="en-US"/>
           </a:p>
@@ -4865,20 +4866,7 @@
                   <a:effectLst/>
                   <a:latin typeface="Lucida Console" panose="020B0609040504020204" pitchFamily="49" charset="0"/>
                 </a:rPr>
-                <a:t>&gt; </a:t>
-              </a:r>
-              <a:r>
-                <a:rPr kumimoji="0" lang="zh-CN" altLang="zh-CN" sz="1200" b="0" i="0" u="none" strike="noStrike" cap="none" normalizeH="0" baseline="0" dirty="0" smtClean="0">
-                  <a:ln>
-                    <a:noFill/>
-                  </a:ln>
-                  <a:solidFill>
-                    <a:srgbClr val="0000FF"/>
-                  </a:solidFill>
-                  <a:effectLst/>
-                  <a:latin typeface="Lucida Console" panose="020B0609040504020204" pitchFamily="49" charset="0"/>
-                </a:rPr>
-                <a:t>staff$over25&lt;-ifelse(staff$age&gt;25,1,0) </a:t>
+                <a:t>&gt; staff$over25&lt;-ifelse(staff$age&gt;25,1,0) </a:t>
               </a:r>
               <a:endParaRPr kumimoji="0" lang="en-US" altLang="zh-CN" sz="1200" b="0" i="0" u="none" strike="noStrike" cap="none" normalizeH="0" baseline="0" dirty="0" smtClean="0">
                 <a:ln>
@@ -7427,11 +7415,7 @@
           <a:p>
             <a:r>
               <a:rPr lang="zh-CN" altLang="en-US" dirty="0" smtClean="0"/>
-              <a:t>交叉</a:t>
-            </a:r>
-            <a:r>
-              <a:rPr lang="zh-CN" altLang="en-US" dirty="0" smtClean="0"/>
-              <a:t>表（列联表）</a:t>
+              <a:t>交叉表（列联表）</a:t>
             </a:r>
             <a:endParaRPr lang="zh-CN" altLang="en-US" dirty="0"/>
           </a:p>
@@ -7863,11 +7847,7 @@
             </a:r>
             <a:r>
               <a:rPr lang="zh-CN" altLang="en-US" dirty="0" smtClean="0"/>
-              <a:t>甚至包括</a:t>
-            </a:r>
-            <a:r>
-              <a:rPr lang="zh-CN" altLang="en-US" dirty="0" smtClean="0"/>
-              <a:t>许多想不到的符号，如括号</a:t>
+              <a:t>甚至包括许多想不到的符号，如括号</a:t>
             </a:r>
             <a:r>
               <a:rPr lang="en-US" altLang="zh-CN" dirty="0" smtClean="0"/>
@@ -7875,15 +7855,7 @@
             </a:r>
             <a:r>
               <a:rPr lang="zh-CN" altLang="en-US" dirty="0" smtClean="0"/>
-              <a:t>，都是</a:t>
-            </a:r>
-            <a:r>
-              <a:rPr lang="zh-CN" altLang="en-US" dirty="0" smtClean="0"/>
-              <a:t>函数，只是这些函数形式并非我们通常理解的左侧函数名右侧参数的形式，而是函数名在数据</a:t>
-            </a:r>
-            <a:r>
-              <a:rPr lang="zh-CN" altLang="en-US" dirty="0" smtClean="0"/>
-              <a:t>中间，将两边数据作为其参数。</a:t>
+              <a:t>，都是函数，只是这些函数形式并非我们通常理解的左侧函数名右侧参数的形式，而是函数名在数据中间，将两边数据作为其参数。</a:t>
             </a:r>
             <a:endParaRPr lang="en-US" altLang="zh-CN" dirty="0" smtClean="0"/>
           </a:p>
@@ -7908,15 +7880,7 @@
             </a:r>
             <a:r>
               <a:rPr lang="zh-CN" altLang="en-US" dirty="0" smtClean="0"/>
-              <a:t>的函数体系当中，左右侧都被视为创建公式的参数，左侧参数根据环境有时</a:t>
-            </a:r>
-            <a:r>
-              <a:rPr lang="zh-CN" altLang="en-US" dirty="0" smtClean="0"/>
-              <a:t>可以空缺</a:t>
-            </a:r>
-            <a:r>
-              <a:rPr lang="zh-CN" altLang="en-US" dirty="0" smtClean="0"/>
-              <a:t>，而右侧参数多数不可省。如：</a:t>
+              <a:t>的函数体系当中，左右侧都被视为创建公式的参数，左侧参数根据环境有时可以空缺，而右侧参数多数不可省。如：</a:t>
             </a:r>
             <a:endParaRPr lang="zh-CN" altLang="en-US" dirty="0"/>
           </a:p>
@@ -10475,12 +10439,12 @@
           <a:lstStyle/>
           <a:p>
             <a:r>
-              <a:rPr lang="zh-CN" altLang="en-US" dirty="0" smtClean="0"/>
-              <a:t>数据集的通道符号</a:t>
-            </a:r>
-            <a:r>
-              <a:rPr lang="en-US" altLang="zh-CN" dirty="0" smtClean="0"/>
-              <a:t>%&gt;%</a:t>
+              <a:rPr lang="en-US" altLang="zh-CN" dirty="0" err="1" smtClean="0"/>
+              <a:t>dplyr</a:t>
+            </a:r>
+            <a:r>
+              <a:rPr lang="zh-CN" altLang="en-US" dirty="0" smtClean="0"/>
+              <a:t>中的实用函数</a:t>
             </a:r>
             <a:endParaRPr lang="zh-CN" altLang="en-US" dirty="0"/>
           </a:p>
@@ -10501,376 +10465,197 @@
           <a:bodyPr/>
           <a:lstStyle/>
           <a:p>
-            <a:r>
-              <a:rPr lang="zh-CN" altLang="en-US" dirty="0" smtClean="0"/>
-              <a:t>数据集操作的函数中，第一个参数都是数据集，</a:t>
-            </a:r>
-            <a:r>
-              <a:rPr lang="en-US" altLang="zh-CN" dirty="0" smtClean="0"/>
-              <a:t>%&gt;%</a:t>
-            </a:r>
-            <a:r>
-              <a:rPr lang="zh-CN" altLang="en-US" dirty="0" smtClean="0"/>
-              <a:t>通道符号可以使得后续代码中省去第一个参数，简化代码复杂程度</a:t>
-            </a:r>
-            <a:endParaRPr lang="en-US" altLang="zh-CN" dirty="0" smtClean="0"/>
-          </a:p>
-          <a:p>
-            <a:endParaRPr lang="en-US" altLang="zh-CN" dirty="0"/>
-          </a:p>
-          <a:p>
-            <a:endParaRPr lang="en-US" altLang="zh-CN" dirty="0" smtClean="0"/>
-          </a:p>
-          <a:p>
             <a:pPr marL="0" indent="0">
               <a:buNone/>
             </a:pPr>
             <a:r>
               <a:rPr lang="zh-CN" altLang="en-US" dirty="0" smtClean="0"/>
-              <a:t>以上代码中第一行制定了要对数据集</a:t>
-            </a:r>
+              <a:t>内部函数</a:t>
+            </a:r>
+            <a:endParaRPr lang="en-US" altLang="zh-CN" dirty="0" smtClean="0"/>
+          </a:p>
+          <a:p>
+            <a:pPr marL="0" indent="0">
+              <a:buNone/>
+            </a:pPr>
             <a:r>
               <a:rPr lang="en-US" altLang="zh-CN" dirty="0" smtClean="0"/>
-              <a:t>iris</a:t>
-            </a:r>
-            <a:r>
-              <a:rPr lang="zh-CN" altLang="en-US" dirty="0" smtClean="0"/>
-              <a:t>操作，</a:t>
+              <a:t>n() #</a:t>
+            </a:r>
+            <a:r>
+              <a:rPr lang="zh-CN" altLang="en-US" dirty="0" smtClean="0"/>
+              <a:t>仅用于</a:t>
+            </a:r>
+            <a:r>
+              <a:rPr lang="en-US" altLang="zh-CN" dirty="0" err="1" smtClean="0"/>
+              <a:t>summarise</a:t>
             </a:r>
             <a:r>
               <a:rPr lang="en-US" altLang="zh-CN" dirty="0" smtClean="0"/>
-              <a:t>%&gt;%</a:t>
-            </a:r>
-            <a:r>
-              <a:rPr lang="zh-CN" altLang="en-US" dirty="0" smtClean="0"/>
-              <a:t>将该</a:t>
+              <a:t>() mutate() filter() </a:t>
+            </a:r>
+            <a:r>
+              <a:rPr lang="zh-CN" altLang="en-US" dirty="0" smtClean="0"/>
+              <a:t>三个函数的参数当中，取对象个数</a:t>
+            </a:r>
+            <a:endParaRPr lang="en-US" altLang="zh-CN" dirty="0" smtClean="0"/>
+          </a:p>
+          <a:p>
+            <a:pPr marL="0" indent="0">
+              <a:buNone/>
+            </a:pPr>
+            <a:r>
+              <a:rPr lang="en-US" altLang="zh-CN" dirty="0" err="1" smtClean="0"/>
+              <a:t>desc</a:t>
             </a:r>
             <a:r>
               <a:rPr lang="en-US" altLang="zh-CN" dirty="0" smtClean="0"/>
-              <a:t>iris</a:t>
-            </a:r>
-            <a:r>
-              <a:rPr lang="zh-CN" altLang="en-US" dirty="0" smtClean="0"/>
-              <a:t>传递到了后续函数第一个参数中，因此我们不必再重复写入</a:t>
+              <a:t>() #</a:t>
+            </a:r>
+            <a:r>
+              <a:rPr lang="zh-CN" altLang="en-US" dirty="0" smtClean="0"/>
+              <a:t>主要用于</a:t>
             </a:r>
             <a:r>
               <a:rPr lang="en-US" altLang="zh-CN" dirty="0" smtClean="0"/>
-              <a:t>iris</a:t>
+              <a:t>arrange() </a:t>
+            </a:r>
+            <a:r>
+              <a:rPr lang="zh-CN" altLang="en-US" dirty="0" smtClean="0"/>
+              <a:t>令排序对象逆向排序</a:t>
+            </a:r>
+            <a:endParaRPr lang="en-US" altLang="zh-CN" dirty="0" smtClean="0"/>
+          </a:p>
+          <a:p>
+            <a:pPr marL="0" indent="0">
+              <a:buNone/>
+            </a:pPr>
+            <a:r>
+              <a:rPr lang="zh-CN" altLang="en-US" dirty="0" smtClean="0"/>
+              <a:t>通用函数</a:t>
+            </a:r>
+            <a:endParaRPr lang="en-US" altLang="zh-CN" dirty="0" smtClean="0"/>
+          </a:p>
+          <a:p>
+            <a:pPr marL="0" indent="0">
+              <a:buNone/>
+            </a:pPr>
+            <a:r>
+              <a:rPr lang="en-US" altLang="zh-CN" dirty="0" err="1" smtClean="0"/>
+              <a:t>na_if</a:t>
+            </a:r>
+            <a:r>
+              <a:rPr lang="en-US" altLang="zh-CN" dirty="0" smtClean="0"/>
+              <a:t>(</a:t>
+            </a:r>
+            <a:r>
+              <a:rPr lang="en-US" altLang="zh-CN" dirty="0" err="1" smtClean="0"/>
+              <a:t>x,y</a:t>
+            </a:r>
+            <a:r>
+              <a:rPr lang="en-US" altLang="zh-CN" dirty="0" smtClean="0"/>
+              <a:t>) #x</a:t>
+            </a:r>
+            <a:r>
+              <a:rPr lang="zh-CN" altLang="en-US" dirty="0" smtClean="0"/>
+              <a:t>中哪个数与</a:t>
+            </a:r>
+            <a:r>
+              <a:rPr lang="en-US" altLang="zh-CN" dirty="0" smtClean="0"/>
+              <a:t>y</a:t>
+            </a:r>
+            <a:r>
+              <a:rPr lang="zh-CN" altLang="en-US" dirty="0" smtClean="0"/>
+              <a:t>相等就将哪个数变成空缺值</a:t>
+            </a:r>
+            <a:r>
+              <a:rPr lang="en-US" altLang="zh-CN" dirty="0" smtClean="0"/>
+              <a:t>NA</a:t>
+            </a:r>
+          </a:p>
+          <a:p>
+            <a:pPr marL="0" indent="0">
+              <a:buNone/>
+            </a:pPr>
+            <a:r>
+              <a:rPr lang="en-US" altLang="zh-CN" dirty="0" smtClean="0"/>
+              <a:t>coalesce(</a:t>
+            </a:r>
+            <a:r>
+              <a:rPr lang="en-US" altLang="zh-CN" dirty="0" err="1" smtClean="0"/>
+              <a:t>x,y</a:t>
+            </a:r>
+            <a:r>
+              <a:rPr lang="en-US" altLang="zh-CN" dirty="0" smtClean="0"/>
+              <a:t>) #</a:t>
+            </a:r>
+            <a:r>
+              <a:rPr lang="zh-CN" altLang="en-US" dirty="0" smtClean="0"/>
+              <a:t>将</a:t>
+            </a:r>
+            <a:r>
+              <a:rPr lang="en-US" altLang="zh-CN" dirty="0" smtClean="0"/>
+              <a:t>x</a:t>
+            </a:r>
+            <a:r>
+              <a:rPr lang="zh-CN" altLang="en-US" dirty="0" smtClean="0"/>
+              <a:t>中的</a:t>
+            </a:r>
+            <a:r>
+              <a:rPr lang="en-US" altLang="zh-CN" dirty="0" smtClean="0"/>
+              <a:t>NA</a:t>
+            </a:r>
+            <a:r>
+              <a:rPr lang="zh-CN" altLang="en-US" dirty="0" smtClean="0"/>
+              <a:t>替换成</a:t>
+            </a:r>
+            <a:r>
+              <a:rPr lang="en-US" altLang="zh-CN" dirty="0" smtClean="0"/>
+              <a:t>y</a:t>
+            </a:r>
+          </a:p>
+          <a:p>
+            <a:pPr marL="0" indent="0">
+              <a:buNone/>
+            </a:pPr>
+            <a:r>
+              <a:rPr lang="en-US" altLang="zh-CN" dirty="0" smtClean="0"/>
+              <a:t>distinct(</a:t>
+            </a:r>
+            <a:r>
+              <a:rPr lang="en-US" altLang="zh-CN" dirty="0" err="1" smtClean="0"/>
+              <a:t>df</a:t>
+            </a:r>
+            <a:r>
+              <a:rPr lang="en-US" altLang="zh-CN" dirty="0" smtClean="0"/>
+              <a:t>) #</a:t>
+            </a:r>
+            <a:r>
+              <a:rPr lang="zh-CN" altLang="en-US" dirty="0" smtClean="0"/>
+              <a:t>对于数据集</a:t>
+            </a:r>
+            <a:r>
+              <a:rPr lang="en-US" altLang="zh-CN" dirty="0" err="1" smtClean="0"/>
+              <a:t>df</a:t>
+            </a:r>
+            <a:r>
+              <a:rPr lang="zh-CN" altLang="en-US" dirty="0" smtClean="0"/>
+              <a:t>，去掉重复的对象</a:t>
             </a:r>
             <a:endParaRPr lang="zh-CN" altLang="en-US" dirty="0"/>
-          </a:p>
-        </p:txBody>
-      </p:sp>
-      <p:sp>
-        <p:nvSpPr>
-          <p:cNvPr id="4" name="Rectangle 1"/>
-          <p:cNvSpPr>
-            <a:spLocks noChangeArrowheads="1"/>
-          </p:cNvSpPr>
-          <p:nvPr/>
-        </p:nvSpPr>
-        <p:spPr bwMode="auto">
-          <a:xfrm>
-            <a:off x="1284514" y="2700440"/>
-            <a:ext cx="2789225" cy="738664"/>
-          </a:xfrm>
-          <a:prstGeom prst="rect">
-            <a:avLst/>
-          </a:prstGeom>
-          <a:solidFill>
-            <a:srgbClr val="FFFFFF"/>
-          </a:solidFill>
-          <a:ln>
-            <a:noFill/>
-          </a:ln>
-          <a:effectLst/>
-          <a:extLst>
-            <a:ext uri="{91240B29-F687-4F45-9708-019B960494DF}">
-              <a14:hiddenLine xmlns:a14="http://schemas.microsoft.com/office/drawing/2010/main" w="9525">
-                <a:solidFill>
-                  <a:schemeClr val="tx1"/>
-                </a:solidFill>
-                <a:miter lim="800000"/>
-                <a:headEnd/>
-                <a:tailEnd/>
-              </a14:hiddenLine>
-            </a:ext>
-            <a:ext uri="{AF507438-7753-43E0-B8FC-AC1667EBCBE1}">
-              <a14:hiddenEffects xmlns:a14="http://schemas.microsoft.com/office/drawing/2010/main">
-                <a:effectLst>
-                  <a:outerShdw dist="35921" dir="2700000" algn="ctr" rotWithShape="0">
-                    <a:schemeClr val="bg2"/>
-                  </a:outerShdw>
-                </a:effectLst>
-              </a14:hiddenEffects>
-            </a:ext>
-          </a:extLst>
-        </p:spPr>
-        <p:txBody>
-          <a:bodyPr vert="horz" wrap="none" lIns="0" tIns="0" rIns="0" bIns="0" numCol="1" anchor="ctr" anchorCtr="0" compatLnSpc="1">
-            <a:prstTxWarp prst="textNoShape">
-              <a:avLst/>
-            </a:prstTxWarp>
-            <a:spAutoFit/>
-          </a:bodyPr>
-          <a:lstStyle/>
-          <a:p>
-            <a:pPr marL="0" marR="0" lvl="0" indent="0" algn="l" defTabSz="914400" rtl="0" eaLnBrk="0" fontAlgn="base" latinLnBrk="0" hangingPunct="0">
-              <a:lnSpc>
-                <a:spcPct val="100000"/>
-              </a:lnSpc>
-              <a:spcBef>
-                <a:spcPct val="0"/>
-              </a:spcBef>
-              <a:spcAft>
-                <a:spcPct val="0"/>
-              </a:spcAft>
-              <a:buClrTx/>
-              <a:buSzTx/>
-              <a:buFontTx/>
-              <a:buNone/>
-              <a:tabLst/>
-            </a:pPr>
-            <a:r>
-              <a:rPr kumimoji="0" lang="zh-CN" altLang="zh-CN" sz="1200" b="0" i="0" u="none" strike="noStrike" cap="none" normalizeH="0" baseline="0" dirty="0" smtClean="0">
-                <a:ln>
-                  <a:noFill/>
-                </a:ln>
-                <a:solidFill>
-                  <a:srgbClr val="0000FF"/>
-                </a:solidFill>
-                <a:effectLst/>
-                <a:latin typeface="Lucida Console" panose="020B0609040504020204" pitchFamily="49" charset="0"/>
-              </a:rPr>
-              <a:t>&gt; </a:t>
-            </a:r>
-            <a:r>
-              <a:rPr lang="en-US" altLang="zh-CN" sz="1200" dirty="0" smtClean="0">
-                <a:solidFill>
-                  <a:srgbClr val="0000FF"/>
-                </a:solidFill>
-                <a:latin typeface="Lucida Console" panose="020B0609040504020204" pitchFamily="49" charset="0"/>
-              </a:rPr>
-              <a:t>Arthritis</a:t>
-            </a:r>
-            <a:r>
-              <a:rPr kumimoji="0" lang="zh-CN" altLang="zh-CN" sz="1200" b="0" i="0" u="none" strike="noStrike" cap="none" normalizeH="0" baseline="0" dirty="0" smtClean="0">
-                <a:ln>
-                  <a:noFill/>
-                </a:ln>
-                <a:solidFill>
-                  <a:srgbClr val="0000FF"/>
-                </a:solidFill>
-                <a:effectLst/>
-                <a:latin typeface="Lucida Console" panose="020B0609040504020204" pitchFamily="49" charset="0"/>
-              </a:rPr>
-              <a:t> %&gt;% </a:t>
-            </a:r>
-            <a:endParaRPr kumimoji="0" lang="en-US" altLang="zh-CN" sz="1200" b="0" i="0" u="none" strike="noStrike" cap="none" normalizeH="0" baseline="0" dirty="0" smtClean="0">
-              <a:ln>
-                <a:noFill/>
-              </a:ln>
-              <a:solidFill>
-                <a:srgbClr val="0000FF"/>
-              </a:solidFill>
-              <a:effectLst/>
-              <a:latin typeface="Lucida Console" panose="020B0609040504020204" pitchFamily="49" charset="0"/>
-            </a:endParaRPr>
-          </a:p>
-          <a:p>
-            <a:pPr marL="0" marR="0" lvl="0" indent="0" algn="l" defTabSz="914400" rtl="0" eaLnBrk="0" fontAlgn="base" latinLnBrk="0" hangingPunct="0">
-              <a:lnSpc>
-                <a:spcPct val="100000"/>
-              </a:lnSpc>
-              <a:spcBef>
-                <a:spcPct val="0"/>
-              </a:spcBef>
-              <a:spcAft>
-                <a:spcPct val="0"/>
-              </a:spcAft>
-              <a:buClrTx/>
-              <a:buSzTx/>
-              <a:buFontTx/>
-              <a:buNone/>
-              <a:tabLst/>
-            </a:pPr>
-            <a:r>
-              <a:rPr kumimoji="0" lang="zh-CN" altLang="zh-CN" sz="1200" b="0" i="0" u="none" strike="noStrike" cap="none" normalizeH="0" baseline="0" dirty="0" smtClean="0">
-                <a:ln>
-                  <a:noFill/>
-                </a:ln>
-                <a:solidFill>
-                  <a:srgbClr val="0000FF"/>
-                </a:solidFill>
-                <a:effectLst/>
-                <a:latin typeface="Lucida Console" panose="020B0609040504020204" pitchFamily="49" charset="0"/>
-              </a:rPr>
-              <a:t>+ group_by(</a:t>
-            </a:r>
-            <a:r>
-              <a:rPr kumimoji="0" lang="en-US" altLang="zh-CN" sz="1200" b="0" i="0" u="none" strike="noStrike" cap="none" normalizeH="0" baseline="0" dirty="0" smtClean="0">
-                <a:ln>
-                  <a:noFill/>
-                </a:ln>
-                <a:solidFill>
-                  <a:srgbClr val="0000FF"/>
-                </a:solidFill>
-                <a:effectLst/>
-                <a:latin typeface="Lucida Console" panose="020B0609040504020204" pitchFamily="49" charset="0"/>
-              </a:rPr>
-              <a:t>Treatment</a:t>
-            </a:r>
-            <a:r>
-              <a:rPr kumimoji="0" lang="zh-CN" altLang="zh-CN" sz="1200" b="0" i="0" u="none" strike="noStrike" cap="none" normalizeH="0" baseline="0" dirty="0" smtClean="0">
-                <a:ln>
-                  <a:noFill/>
-                </a:ln>
-                <a:solidFill>
-                  <a:srgbClr val="0000FF"/>
-                </a:solidFill>
-                <a:effectLst/>
-                <a:latin typeface="Lucida Console" panose="020B0609040504020204" pitchFamily="49" charset="0"/>
-              </a:rPr>
-              <a:t>)%&gt;% </a:t>
-            </a:r>
-            <a:endParaRPr kumimoji="0" lang="en-US" altLang="zh-CN" sz="1200" b="0" i="0" u="none" strike="noStrike" cap="none" normalizeH="0" baseline="0" dirty="0" smtClean="0">
-              <a:ln>
-                <a:noFill/>
-              </a:ln>
-              <a:solidFill>
-                <a:srgbClr val="0000FF"/>
-              </a:solidFill>
-              <a:effectLst/>
-              <a:latin typeface="Lucida Console" panose="020B0609040504020204" pitchFamily="49" charset="0"/>
-            </a:endParaRPr>
-          </a:p>
-          <a:p>
-            <a:pPr marL="0" marR="0" lvl="0" indent="0" algn="l" defTabSz="914400" rtl="0" eaLnBrk="0" fontAlgn="base" latinLnBrk="0" hangingPunct="0">
-              <a:lnSpc>
-                <a:spcPct val="100000"/>
-              </a:lnSpc>
-              <a:spcBef>
-                <a:spcPct val="0"/>
-              </a:spcBef>
-              <a:spcAft>
-                <a:spcPct val="0"/>
-              </a:spcAft>
-              <a:buClrTx/>
-              <a:buSzTx/>
-              <a:buFontTx/>
-              <a:buNone/>
-              <a:tabLst/>
-            </a:pPr>
-            <a:r>
-              <a:rPr kumimoji="0" lang="zh-CN" altLang="zh-CN" sz="1200" b="0" i="0" u="none" strike="noStrike" cap="none" normalizeH="0" baseline="0" dirty="0" smtClean="0">
-                <a:ln>
-                  <a:noFill/>
-                </a:ln>
-                <a:solidFill>
-                  <a:srgbClr val="0000FF"/>
-                </a:solidFill>
-                <a:effectLst/>
-                <a:latin typeface="Lucida Console" panose="020B0609040504020204" pitchFamily="49" charset="0"/>
-              </a:rPr>
-              <a:t>+ summarise(avg=mean(</a:t>
-            </a:r>
-            <a:r>
-              <a:rPr kumimoji="0" lang="en-US" altLang="zh-CN" sz="1200" b="0" i="0" u="none" strike="noStrike" cap="none" normalizeH="0" baseline="0" dirty="0" smtClean="0">
-                <a:ln>
-                  <a:noFill/>
-                </a:ln>
-                <a:solidFill>
-                  <a:srgbClr val="0000FF"/>
-                </a:solidFill>
-                <a:effectLst/>
-                <a:latin typeface="Lucida Console" panose="020B0609040504020204" pitchFamily="49" charset="0"/>
-              </a:rPr>
-              <a:t>Age</a:t>
-            </a:r>
-            <a:r>
-              <a:rPr kumimoji="0" lang="zh-CN" altLang="zh-CN" sz="1200" b="0" i="0" u="none" strike="noStrike" cap="none" normalizeH="0" baseline="0" dirty="0" smtClean="0">
-                <a:ln>
-                  <a:noFill/>
-                </a:ln>
-                <a:solidFill>
-                  <a:srgbClr val="0000FF"/>
-                </a:solidFill>
-                <a:effectLst/>
-                <a:latin typeface="Lucida Console" panose="020B0609040504020204" pitchFamily="49" charset="0"/>
-              </a:rPr>
-              <a:t>))%&gt;% </a:t>
-            </a:r>
-            <a:endParaRPr kumimoji="0" lang="en-US" altLang="zh-CN" sz="1200" b="0" i="0" u="none" strike="noStrike" cap="none" normalizeH="0" baseline="0" dirty="0" smtClean="0">
-              <a:ln>
-                <a:noFill/>
-              </a:ln>
-              <a:solidFill>
-                <a:srgbClr val="0000FF"/>
-              </a:solidFill>
-              <a:effectLst/>
-              <a:latin typeface="Lucida Console" panose="020B0609040504020204" pitchFamily="49" charset="0"/>
-            </a:endParaRPr>
-          </a:p>
-          <a:p>
-            <a:pPr marL="0" marR="0" lvl="0" indent="0" algn="l" defTabSz="914400" rtl="0" eaLnBrk="0" fontAlgn="base" latinLnBrk="0" hangingPunct="0">
-              <a:lnSpc>
-                <a:spcPct val="100000"/>
-              </a:lnSpc>
-              <a:spcBef>
-                <a:spcPct val="0"/>
-              </a:spcBef>
-              <a:spcAft>
-                <a:spcPct val="0"/>
-              </a:spcAft>
-              <a:buClrTx/>
-              <a:buSzTx/>
-              <a:buFontTx/>
-              <a:buNone/>
-              <a:tabLst/>
-            </a:pPr>
-            <a:r>
-              <a:rPr kumimoji="0" lang="zh-CN" altLang="zh-CN" sz="1200" b="0" i="0" u="none" strike="noStrike" cap="none" normalizeH="0" baseline="0" dirty="0" smtClean="0">
-                <a:ln>
-                  <a:noFill/>
-                </a:ln>
-                <a:solidFill>
-                  <a:srgbClr val="0000FF"/>
-                </a:solidFill>
-                <a:effectLst/>
-                <a:latin typeface="Lucida Console" panose="020B0609040504020204" pitchFamily="49" charset="0"/>
-              </a:rPr>
-              <a:t>+ arrange(avg)</a:t>
-            </a:r>
-            <a:endParaRPr kumimoji="0" lang="zh-CN" altLang="zh-CN" sz="2800" b="0" i="0" u="none" strike="noStrike" cap="none" normalizeH="0" baseline="0" dirty="0" smtClean="0">
-              <a:ln>
-                <a:noFill/>
-              </a:ln>
-              <a:solidFill>
-                <a:schemeClr val="tx1"/>
-              </a:solidFill>
-              <a:effectLst/>
-              <a:latin typeface="Arial" panose="020B0604020202020204" pitchFamily="34" charset="0"/>
-            </a:endParaRPr>
           </a:p>
         </p:txBody>
       </p:sp>
     </p:spTree>
     <p:extLst>
       <p:ext uri="{BB962C8B-B14F-4D97-AF65-F5344CB8AC3E}">
-        <p14:creationId xmlns:p14="http://schemas.microsoft.com/office/powerpoint/2010/main" val="1773113539"/>
+        <p14:creationId xmlns:p14="http://schemas.microsoft.com/office/powerpoint/2010/main" val="396400056"/>
       </p:ext>
     </p:extLst>
   </p:cSld>
   <p:clrMapOvr>
     <a:masterClrMapping/>
   </p:clrMapOvr>
-  <p:timing>
-    <p:tnLst>
-      <p:par>
-        <p:cTn id="1" dur="indefinite" restart="never" nodeType="tmRoot"/>
-      </p:par>
-    </p:tnLst>
-  </p:timing>
 </p:sld>
 </file>
 
@@ -10907,20 +10692,12 @@
           <a:lstStyle/>
           <a:p>
             <a:r>
+              <a:rPr lang="zh-CN" altLang="en-US" dirty="0" smtClean="0"/>
+              <a:t>数据集的通道符号</a:t>
+            </a:r>
+            <a:r>
               <a:rPr lang="en-US" altLang="zh-CN" dirty="0" smtClean="0"/>
-              <a:t>4 </a:t>
-            </a:r>
-            <a:r>
-              <a:rPr lang="zh-CN" altLang="en-US" dirty="0" smtClean="0"/>
-              <a:t>数据可视化</a:t>
-            </a:r>
-            <a:r>
-              <a:rPr lang="en-US" altLang="zh-CN" dirty="0" smtClean="0"/>
-              <a:t>-</a:t>
-            </a:r>
-            <a:r>
-              <a:rPr lang="zh-CN" altLang="en-US" dirty="0" smtClean="0"/>
-              <a:t>基础作图</a:t>
+              <a:t>%&gt;%</a:t>
             </a:r>
             <a:endParaRPr lang="zh-CN" altLang="en-US" dirty="0"/>
           </a:p>
@@ -10943,36 +10720,361 @@
           <a:p>
             <a:r>
               <a:rPr lang="zh-CN" altLang="en-US" dirty="0" smtClean="0"/>
-              <a:t>条形图</a:t>
+              <a:t>数据集操作的函数中，第一个参数都是数据集，</a:t>
+            </a:r>
+            <a:r>
+              <a:rPr lang="en-US" altLang="zh-CN" dirty="0" smtClean="0"/>
+              <a:t>%&gt;%</a:t>
+            </a:r>
+            <a:r>
+              <a:rPr lang="zh-CN" altLang="en-US" dirty="0" smtClean="0"/>
+              <a:t>通道符号可以使得后续代码中省去第一个参数，简化代码复杂程度</a:t>
             </a:r>
             <a:endParaRPr lang="en-US" altLang="zh-CN" dirty="0" smtClean="0"/>
           </a:p>
           <a:p>
-            <a:r>
-              <a:rPr lang="zh-CN" altLang="en-US" dirty="0"/>
-              <a:t>直方图</a:t>
-            </a:r>
-          </a:p>
-          <a:p>
-            <a:r>
-              <a:rPr lang="zh-CN" altLang="en-US" dirty="0" smtClean="0"/>
-              <a:t>饼图</a:t>
-            </a:r>
+            <a:endParaRPr lang="en-US" altLang="zh-CN" dirty="0"/>
+          </a:p>
+          <a:p>
             <a:endParaRPr lang="en-US" altLang="zh-CN" dirty="0" smtClean="0"/>
           </a:p>
           <a:p>
-            <a:r>
-              <a:rPr lang="zh-CN" altLang="en-US" dirty="0" smtClean="0"/>
-              <a:t>箱型图</a:t>
-            </a:r>
-            <a:endParaRPr lang="en-US" altLang="zh-CN" dirty="0" smtClean="0"/>
+            <a:pPr marL="0" indent="0">
+              <a:buNone/>
+            </a:pPr>
+            <a:r>
+              <a:rPr lang="zh-CN" altLang="en-US" dirty="0" smtClean="0"/>
+              <a:t>以上代码中第一行制定了要对数据集</a:t>
+            </a:r>
+            <a:r>
+              <a:rPr lang="en-US" altLang="zh-CN" dirty="0" smtClean="0"/>
+              <a:t>iris</a:t>
+            </a:r>
+            <a:r>
+              <a:rPr lang="zh-CN" altLang="en-US" dirty="0" smtClean="0"/>
+              <a:t>操作，</a:t>
+            </a:r>
+            <a:r>
+              <a:rPr lang="en-US" altLang="zh-CN" dirty="0" smtClean="0"/>
+              <a:t>%&gt;%</a:t>
+            </a:r>
+            <a:r>
+              <a:rPr lang="zh-CN" altLang="en-US" dirty="0" smtClean="0"/>
+              <a:t>将该</a:t>
+            </a:r>
+            <a:r>
+              <a:rPr lang="en-US" altLang="zh-CN" dirty="0" smtClean="0"/>
+              <a:t>iris</a:t>
+            </a:r>
+            <a:r>
+              <a:rPr lang="zh-CN" altLang="en-US" dirty="0" smtClean="0"/>
+              <a:t>传递到了后续函数第一个参数中，因此我们不必再重复写入</a:t>
+            </a:r>
+            <a:r>
+              <a:rPr lang="en-US" altLang="zh-CN" dirty="0" smtClean="0"/>
+              <a:t>iris</a:t>
+            </a:r>
+            <a:endParaRPr lang="zh-CN" altLang="en-US" dirty="0"/>
+          </a:p>
+        </p:txBody>
+      </p:sp>
+      <p:sp>
+        <p:nvSpPr>
+          <p:cNvPr id="4" name="Rectangle 1"/>
+          <p:cNvSpPr>
+            <a:spLocks noChangeArrowheads="1"/>
+          </p:cNvSpPr>
+          <p:nvPr/>
+        </p:nvSpPr>
+        <p:spPr bwMode="auto">
+          <a:xfrm>
+            <a:off x="1284514" y="2700440"/>
+            <a:ext cx="2789225" cy="738664"/>
+          </a:xfrm>
+          <a:prstGeom prst="rect">
+            <a:avLst/>
+          </a:prstGeom>
+          <a:solidFill>
+            <a:srgbClr val="FFFFFF"/>
+          </a:solidFill>
+          <a:ln>
+            <a:noFill/>
+          </a:ln>
+          <a:effectLst/>
+          <a:extLst>
+            <a:ext uri="{91240B29-F687-4F45-9708-019B960494DF}">
+              <a14:hiddenLine xmlns:a14="http://schemas.microsoft.com/office/drawing/2010/main" w="9525">
+                <a:solidFill>
+                  <a:schemeClr val="tx1"/>
+                </a:solidFill>
+                <a:miter lim="800000"/>
+                <a:headEnd/>
+                <a:tailEnd/>
+              </a14:hiddenLine>
+            </a:ext>
+            <a:ext uri="{AF507438-7753-43E0-B8FC-AC1667EBCBE1}">
+              <a14:hiddenEffects xmlns:a14="http://schemas.microsoft.com/office/drawing/2010/main">
+                <a:effectLst>
+                  <a:outerShdw dist="35921" dir="2700000" algn="ctr" rotWithShape="0">
+                    <a:schemeClr val="bg2"/>
+                  </a:outerShdw>
+                </a:effectLst>
+              </a14:hiddenEffects>
+            </a:ext>
+          </a:extLst>
+        </p:spPr>
+        <p:txBody>
+          <a:bodyPr vert="horz" wrap="none" lIns="0" tIns="0" rIns="0" bIns="0" numCol="1" anchor="ctr" anchorCtr="0" compatLnSpc="1">
+            <a:prstTxWarp prst="textNoShape">
+              <a:avLst/>
+            </a:prstTxWarp>
+            <a:spAutoFit/>
+          </a:bodyPr>
+          <a:lstStyle/>
+          <a:p>
+            <a:pPr marL="0" marR="0" lvl="0" indent="0" algn="l" defTabSz="914400" rtl="0" eaLnBrk="0" fontAlgn="base" latinLnBrk="0" hangingPunct="0">
+              <a:lnSpc>
+                <a:spcPct val="100000"/>
+              </a:lnSpc>
+              <a:spcBef>
+                <a:spcPct val="0"/>
+              </a:spcBef>
+              <a:spcAft>
+                <a:spcPct val="0"/>
+              </a:spcAft>
+              <a:buClrTx/>
+              <a:buSzTx/>
+              <a:buFontTx/>
+              <a:buNone/>
+              <a:tabLst/>
+            </a:pPr>
+            <a:r>
+              <a:rPr kumimoji="0" lang="zh-CN" altLang="zh-CN" sz="1200" b="0" i="0" u="none" strike="noStrike" cap="none" normalizeH="0" baseline="0" dirty="0" smtClean="0">
+                <a:ln>
+                  <a:noFill/>
+                </a:ln>
+                <a:solidFill>
+                  <a:srgbClr val="0000FF"/>
+                </a:solidFill>
+                <a:effectLst/>
+                <a:latin typeface="Lucida Console" panose="020B0609040504020204" pitchFamily="49" charset="0"/>
+              </a:rPr>
+              <a:t>&gt; </a:t>
+            </a:r>
+            <a:r>
+              <a:rPr lang="en-US" altLang="zh-CN" sz="1200" dirty="0" smtClean="0">
+                <a:solidFill>
+                  <a:srgbClr val="0000FF"/>
+                </a:solidFill>
+                <a:latin typeface="Lucida Console" panose="020B0609040504020204" pitchFamily="49" charset="0"/>
+              </a:rPr>
+              <a:t>Arthritis</a:t>
+            </a:r>
+            <a:r>
+              <a:rPr kumimoji="0" lang="zh-CN" altLang="zh-CN" sz="1200" b="0" i="0" u="none" strike="noStrike" cap="none" normalizeH="0" baseline="0" dirty="0" smtClean="0">
+                <a:ln>
+                  <a:noFill/>
+                </a:ln>
+                <a:solidFill>
+                  <a:srgbClr val="0000FF"/>
+                </a:solidFill>
+                <a:effectLst/>
+                <a:latin typeface="Lucida Console" panose="020B0609040504020204" pitchFamily="49" charset="0"/>
+              </a:rPr>
+              <a:t> %&gt;% </a:t>
+            </a:r>
+            <a:endParaRPr kumimoji="0" lang="en-US" altLang="zh-CN" sz="1200" b="0" i="0" u="none" strike="noStrike" cap="none" normalizeH="0" baseline="0" dirty="0" smtClean="0">
+              <a:ln>
+                <a:noFill/>
+              </a:ln>
+              <a:solidFill>
+                <a:srgbClr val="0000FF"/>
+              </a:solidFill>
+              <a:effectLst/>
+              <a:latin typeface="Lucida Console" panose="020B0609040504020204" pitchFamily="49" charset="0"/>
+            </a:endParaRPr>
+          </a:p>
+          <a:p>
+            <a:pPr marL="0" marR="0" lvl="0" indent="0" algn="l" defTabSz="914400" rtl="0" eaLnBrk="0" fontAlgn="base" latinLnBrk="0" hangingPunct="0">
+              <a:lnSpc>
+                <a:spcPct val="100000"/>
+              </a:lnSpc>
+              <a:spcBef>
+                <a:spcPct val="0"/>
+              </a:spcBef>
+              <a:spcAft>
+                <a:spcPct val="0"/>
+              </a:spcAft>
+              <a:buClrTx/>
+              <a:buSzTx/>
+              <a:buFontTx/>
+              <a:buNone/>
+              <a:tabLst/>
+            </a:pPr>
+            <a:r>
+              <a:rPr kumimoji="0" lang="zh-CN" altLang="zh-CN" sz="1200" b="0" i="0" u="none" strike="noStrike" cap="none" normalizeH="0" baseline="0" dirty="0" smtClean="0">
+                <a:ln>
+                  <a:noFill/>
+                </a:ln>
+                <a:solidFill>
+                  <a:srgbClr val="0000FF"/>
+                </a:solidFill>
+                <a:effectLst/>
+                <a:latin typeface="Lucida Console" panose="020B0609040504020204" pitchFamily="49" charset="0"/>
+              </a:rPr>
+              <a:t>+ group_by(</a:t>
+            </a:r>
+            <a:r>
+              <a:rPr kumimoji="0" lang="en-US" altLang="zh-CN" sz="1200" b="0" i="0" u="none" strike="noStrike" cap="none" normalizeH="0" baseline="0" dirty="0" smtClean="0">
+                <a:ln>
+                  <a:noFill/>
+                </a:ln>
+                <a:solidFill>
+                  <a:srgbClr val="0000FF"/>
+                </a:solidFill>
+                <a:effectLst/>
+                <a:latin typeface="Lucida Console" panose="020B0609040504020204" pitchFamily="49" charset="0"/>
+              </a:rPr>
+              <a:t>Treatment</a:t>
+            </a:r>
+            <a:r>
+              <a:rPr kumimoji="0" lang="zh-CN" altLang="zh-CN" sz="1200" b="0" i="0" u="none" strike="noStrike" cap="none" normalizeH="0" baseline="0" dirty="0" smtClean="0">
+                <a:ln>
+                  <a:noFill/>
+                </a:ln>
+                <a:solidFill>
+                  <a:srgbClr val="0000FF"/>
+                </a:solidFill>
+                <a:effectLst/>
+                <a:latin typeface="Lucida Console" panose="020B0609040504020204" pitchFamily="49" charset="0"/>
+              </a:rPr>
+              <a:t>)%&gt;% </a:t>
+            </a:r>
+            <a:endParaRPr kumimoji="0" lang="en-US" altLang="zh-CN" sz="1200" b="0" i="0" u="none" strike="noStrike" cap="none" normalizeH="0" baseline="0" dirty="0" smtClean="0">
+              <a:ln>
+                <a:noFill/>
+              </a:ln>
+              <a:solidFill>
+                <a:srgbClr val="0000FF"/>
+              </a:solidFill>
+              <a:effectLst/>
+              <a:latin typeface="Lucida Console" panose="020B0609040504020204" pitchFamily="49" charset="0"/>
+            </a:endParaRPr>
+          </a:p>
+          <a:p>
+            <a:pPr marL="0" marR="0" lvl="0" indent="0" algn="l" defTabSz="914400" rtl="0" eaLnBrk="0" fontAlgn="base" latinLnBrk="0" hangingPunct="0">
+              <a:lnSpc>
+                <a:spcPct val="100000"/>
+              </a:lnSpc>
+              <a:spcBef>
+                <a:spcPct val="0"/>
+              </a:spcBef>
+              <a:spcAft>
+                <a:spcPct val="0"/>
+              </a:spcAft>
+              <a:buClrTx/>
+              <a:buSzTx/>
+              <a:buFontTx/>
+              <a:buNone/>
+              <a:tabLst/>
+            </a:pPr>
+            <a:r>
+              <a:rPr kumimoji="0" lang="zh-CN" altLang="zh-CN" sz="1200" b="0" i="0" u="none" strike="noStrike" cap="none" normalizeH="0" baseline="0" dirty="0" smtClean="0">
+                <a:ln>
+                  <a:noFill/>
+                </a:ln>
+                <a:solidFill>
+                  <a:srgbClr val="0000FF"/>
+                </a:solidFill>
+                <a:effectLst/>
+                <a:latin typeface="Lucida Console" panose="020B0609040504020204" pitchFamily="49" charset="0"/>
+              </a:rPr>
+              <a:t>+ summarise(avg=mean(</a:t>
+            </a:r>
+            <a:r>
+              <a:rPr kumimoji="0" lang="en-US" altLang="zh-CN" sz="1200" b="0" i="0" u="none" strike="noStrike" cap="none" normalizeH="0" baseline="0" dirty="0" smtClean="0">
+                <a:ln>
+                  <a:noFill/>
+                </a:ln>
+                <a:solidFill>
+                  <a:srgbClr val="0000FF"/>
+                </a:solidFill>
+                <a:effectLst/>
+                <a:latin typeface="Lucida Console" panose="020B0609040504020204" pitchFamily="49" charset="0"/>
+              </a:rPr>
+              <a:t>Age</a:t>
+            </a:r>
+            <a:r>
+              <a:rPr kumimoji="0" lang="zh-CN" altLang="zh-CN" sz="1200" b="0" i="0" u="none" strike="noStrike" cap="none" normalizeH="0" baseline="0" dirty="0" smtClean="0">
+                <a:ln>
+                  <a:noFill/>
+                </a:ln>
+                <a:solidFill>
+                  <a:srgbClr val="0000FF"/>
+                </a:solidFill>
+                <a:effectLst/>
+                <a:latin typeface="Lucida Console" panose="020B0609040504020204" pitchFamily="49" charset="0"/>
+              </a:rPr>
+              <a:t>))%&gt;% </a:t>
+            </a:r>
+            <a:endParaRPr kumimoji="0" lang="en-US" altLang="zh-CN" sz="1200" b="0" i="0" u="none" strike="noStrike" cap="none" normalizeH="0" baseline="0" dirty="0" smtClean="0">
+              <a:ln>
+                <a:noFill/>
+              </a:ln>
+              <a:solidFill>
+                <a:srgbClr val="0000FF"/>
+              </a:solidFill>
+              <a:effectLst/>
+              <a:latin typeface="Lucida Console" panose="020B0609040504020204" pitchFamily="49" charset="0"/>
+            </a:endParaRPr>
+          </a:p>
+          <a:p>
+            <a:pPr marL="0" marR="0" lvl="0" indent="0" algn="l" defTabSz="914400" rtl="0" eaLnBrk="0" fontAlgn="base" latinLnBrk="0" hangingPunct="0">
+              <a:lnSpc>
+                <a:spcPct val="100000"/>
+              </a:lnSpc>
+              <a:spcBef>
+                <a:spcPct val="0"/>
+              </a:spcBef>
+              <a:spcAft>
+                <a:spcPct val="0"/>
+              </a:spcAft>
+              <a:buClrTx/>
+              <a:buSzTx/>
+              <a:buFontTx/>
+              <a:buNone/>
+              <a:tabLst/>
+            </a:pPr>
+            <a:r>
+              <a:rPr kumimoji="0" lang="zh-CN" altLang="zh-CN" sz="1200" b="0" i="0" u="none" strike="noStrike" cap="none" normalizeH="0" baseline="0" dirty="0" smtClean="0">
+                <a:ln>
+                  <a:noFill/>
+                </a:ln>
+                <a:solidFill>
+                  <a:srgbClr val="0000FF"/>
+                </a:solidFill>
+                <a:effectLst/>
+                <a:latin typeface="Lucida Console" panose="020B0609040504020204" pitchFamily="49" charset="0"/>
+              </a:rPr>
+              <a:t>+ arrange(avg)</a:t>
+            </a:r>
+            <a:endParaRPr kumimoji="0" lang="zh-CN" altLang="zh-CN" sz="2800" b="0" i="0" u="none" strike="noStrike" cap="none" normalizeH="0" baseline="0" dirty="0" smtClean="0">
+              <a:ln>
+                <a:noFill/>
+              </a:ln>
+              <a:solidFill>
+                <a:schemeClr val="tx1"/>
+              </a:solidFill>
+              <a:effectLst/>
+              <a:latin typeface="Arial" panose="020B0604020202020204" pitchFamily="34" charset="0"/>
+            </a:endParaRPr>
           </a:p>
         </p:txBody>
       </p:sp>
     </p:spTree>
     <p:extLst>
       <p:ext uri="{BB962C8B-B14F-4D97-AF65-F5344CB8AC3E}">
-        <p14:creationId xmlns:p14="http://schemas.microsoft.com/office/powerpoint/2010/main" val="3078605337"/>
+        <p14:creationId xmlns:p14="http://schemas.microsoft.com/office/powerpoint/2010/main" val="1773113539"/>
       </p:ext>
     </p:extLst>
   </p:cSld>
@@ -11022,24 +11124,20 @@
           <a:lstStyle/>
           <a:p>
             <a:r>
-              <a:rPr lang="en-US" altLang="zh-CN" dirty="0"/>
+              <a:rPr lang="en-US" altLang="zh-CN" dirty="0" smtClean="0"/>
               <a:t>4 </a:t>
             </a:r>
             <a:r>
-              <a:rPr lang="zh-CN" altLang="en-US" dirty="0"/>
+              <a:rPr lang="zh-CN" altLang="en-US" dirty="0" smtClean="0"/>
               <a:t>数据可视化</a:t>
             </a:r>
             <a:r>
-              <a:rPr lang="en-US" altLang="zh-CN" dirty="0"/>
+              <a:rPr lang="en-US" altLang="zh-CN" dirty="0" smtClean="0"/>
               <a:t>-</a:t>
             </a:r>
             <a:r>
-              <a:rPr lang="zh-CN" altLang="en-US" dirty="0"/>
-              <a:t>基础</a:t>
-            </a:r>
-            <a:r>
-              <a:rPr lang="zh-CN" altLang="en-US" dirty="0" smtClean="0"/>
-              <a:t>作图</a:t>
+              <a:rPr lang="zh-CN" altLang="en-US" dirty="0" smtClean="0"/>
+              <a:t>基础作图</a:t>
             </a:r>
             <a:endParaRPr lang="zh-CN" altLang="en-US" dirty="0"/>
           </a:p>
@@ -11060,91 +11158,38 @@
           <a:bodyPr/>
           <a:lstStyle/>
           <a:p>
-            <a:pPr marL="0" indent="0">
-              <a:buNone/>
-            </a:pPr>
+            <a:r>
+              <a:rPr lang="zh-CN" altLang="en-US" dirty="0" smtClean="0"/>
+              <a:t>条形图</a:t>
+            </a:r>
+            <a:endParaRPr lang="en-US" altLang="zh-CN" dirty="0" smtClean="0"/>
+          </a:p>
+          <a:p>
             <a:r>
               <a:rPr lang="zh-CN" altLang="en-US" dirty="0"/>
-              <a:t>细讲</a:t>
-            </a:r>
-            <a:r>
-              <a:rPr lang="en-US" altLang="zh-CN" dirty="0" smtClean="0"/>
-              <a:t>plot</a:t>
-            </a:r>
-            <a:r>
-              <a:rPr lang="zh-CN" altLang="en-US" dirty="0" smtClean="0"/>
-              <a:t>的参数</a:t>
+              <a:t>直方图</a:t>
+            </a:r>
+          </a:p>
+          <a:p>
+            <a:r>
+              <a:rPr lang="zh-CN" altLang="en-US" dirty="0" smtClean="0"/>
+              <a:t>饼图</a:t>
             </a:r>
             <a:endParaRPr lang="en-US" altLang="zh-CN" dirty="0" smtClean="0"/>
           </a:p>
           <a:p>
             <a:r>
-              <a:rPr lang="en-US" altLang="zh-CN" dirty="0" smtClean="0"/>
-              <a:t>help(“plot”) # </a:t>
-            </a:r>
-            <a:r>
-              <a:rPr lang="zh-CN" altLang="en-US" dirty="0" smtClean="0"/>
-              <a:t>查看</a:t>
-            </a:r>
-            <a:r>
-              <a:rPr lang="en-US" altLang="zh-CN" dirty="0" smtClean="0"/>
-              <a:t>plot</a:t>
-            </a:r>
-            <a:r>
-              <a:rPr lang="zh-CN" altLang="en-US" dirty="0" smtClean="0"/>
-              <a:t>的帮助文档</a:t>
+              <a:rPr lang="zh-CN" altLang="en-US" dirty="0" smtClean="0"/>
+              <a:t>箱型图</a:t>
             </a:r>
             <a:endParaRPr lang="en-US" altLang="zh-CN" dirty="0" smtClean="0"/>
-          </a:p>
-          <a:p>
-            <a:r>
-              <a:rPr lang="en-US" altLang="zh-CN" dirty="0" smtClean="0"/>
-              <a:t>plot</a:t>
-            </a:r>
-            <a:r>
-              <a:rPr lang="zh-CN" altLang="en-US" dirty="0" smtClean="0"/>
-              <a:t>是一般通用型的画图命令，它可以做出大多数基础类型的数据分析图</a:t>
-            </a:r>
-            <a:endParaRPr lang="en-US" altLang="zh-CN" dirty="0" smtClean="0"/>
-          </a:p>
-          <a:p>
-            <a:r>
-              <a:rPr lang="zh-CN" altLang="en-US" dirty="0" smtClean="0"/>
-              <a:t>在做同一个图片时只能出现一个</a:t>
-            </a:r>
-            <a:r>
-              <a:rPr lang="en-US" altLang="zh-CN" dirty="0" smtClean="0"/>
-              <a:t>plot</a:t>
-            </a:r>
-          </a:p>
-          <a:p>
-            <a:r>
-              <a:rPr lang="en-US" altLang="zh-CN" dirty="0" smtClean="0"/>
-              <a:t>plot</a:t>
-            </a:r>
-            <a:r>
-              <a:rPr lang="zh-CN" altLang="en-US" dirty="0" smtClean="0"/>
-              <a:t>的参数与大多数画图命令的参数格式是相近甚至相同的，因此详细掌握</a:t>
-            </a:r>
-            <a:r>
-              <a:rPr lang="en-US" altLang="zh-CN" dirty="0" smtClean="0"/>
-              <a:t>plot</a:t>
-            </a:r>
-            <a:r>
-              <a:rPr lang="zh-CN" altLang="en-US" dirty="0" smtClean="0"/>
-              <a:t>参数可以帮助你迅速学会几乎所有类型画图方法</a:t>
-            </a:r>
-            <a:endParaRPr lang="en-US" altLang="zh-CN" dirty="0" smtClean="0"/>
-          </a:p>
-          <a:p>
-            <a:endParaRPr lang="zh-CN" altLang="en-US" dirty="0"/>
           </a:p>
         </p:txBody>
       </p:sp>
     </p:spTree>
     <p:extLst>
       <p:ext uri="{BB962C8B-B14F-4D97-AF65-F5344CB8AC3E}">
-        <p14:creationId xmlns:p14="http://schemas.microsoft.com/office/powerpoint/2010/main" val="3679304741"/>
+        <p14:creationId xmlns:p14="http://schemas.microsoft.com/office/powerpoint/2010/main" val="3078605337"/>
       </p:ext>
     </p:extLst>
   </p:cSld>
@@ -11188,23 +11233,32 @@
             <p:ph type="title"/>
           </p:nvPr>
         </p:nvSpPr>
-        <p:spPr>
-          <a:xfrm>
-            <a:off x="1097280" y="1037063"/>
-            <a:ext cx="10058400" cy="613317"/>
-          </a:xfrm>
-        </p:spPr>
+        <p:spPr/>
         <p:txBody>
-          <a:bodyPr>
-            <a:normAutofit/>
-          </a:bodyPr>
+          <a:bodyPr/>
           <a:lstStyle/>
           <a:p>
             <a:r>
-              <a:rPr lang="zh-CN" altLang="en-US" sz="2400" dirty="0" smtClean="0"/>
-              <a:t>内置参数</a:t>
-            </a:r>
-            <a:endParaRPr lang="zh-CN" altLang="en-US" sz="2400" dirty="0"/>
+              <a:rPr lang="en-US" altLang="zh-CN" dirty="0"/>
+              <a:t>4 </a:t>
+            </a:r>
+            <a:r>
+              <a:rPr lang="zh-CN" altLang="en-US" dirty="0"/>
+              <a:t>数据可视化</a:t>
+            </a:r>
+            <a:r>
+              <a:rPr lang="en-US" altLang="zh-CN" dirty="0"/>
+              <a:t>-</a:t>
+            </a:r>
+            <a:r>
+              <a:rPr lang="zh-CN" altLang="en-US" dirty="0"/>
+              <a:t>基础</a:t>
+            </a:r>
+            <a:r>
+              <a:rPr lang="zh-CN" altLang="en-US" dirty="0" smtClean="0"/>
+              <a:t>作图</a:t>
+            </a:r>
+            <a:endParaRPr lang="zh-CN" altLang="en-US" dirty="0"/>
           </a:p>
         </p:txBody>
       </p:sp>
@@ -11227,226 +11281,75 @@
               <a:buNone/>
             </a:pPr>
             <a:r>
+              <a:rPr lang="zh-CN" altLang="en-US" dirty="0"/>
+              <a:t>细讲</a:t>
+            </a:r>
+            <a:r>
               <a:rPr lang="en-US" altLang="zh-CN" dirty="0" smtClean="0"/>
-              <a:t>plot(</a:t>
-            </a:r>
-            <a:r>
-              <a:rPr lang="en-US" altLang="zh-CN" dirty="0" err="1" smtClean="0"/>
-              <a:t>x,y</a:t>
-            </a:r>
+              <a:t>plot</a:t>
+            </a:r>
+            <a:r>
+              <a:rPr lang="zh-CN" altLang="en-US" dirty="0" smtClean="0"/>
+              <a:t>的参数</a:t>
+            </a:r>
+            <a:endParaRPr lang="en-US" altLang="zh-CN" dirty="0" smtClean="0"/>
+          </a:p>
+          <a:p>
             <a:r>
               <a:rPr lang="en-US" altLang="zh-CN" dirty="0" smtClean="0"/>
-              <a:t>,……</a:t>
-            </a:r>
-            <a:r>
-              <a:rPr lang="zh-CN" altLang="en-US" dirty="0" smtClean="0"/>
-              <a:t>）</a:t>
+              <a:t>help(“plot”) # </a:t>
+            </a:r>
+            <a:r>
+              <a:rPr lang="zh-CN" altLang="en-US" dirty="0" smtClean="0"/>
+              <a:t>查看</a:t>
+            </a:r>
+            <a:r>
+              <a:rPr lang="en-US" altLang="zh-CN" dirty="0" smtClean="0"/>
+              <a:t>plot</a:t>
+            </a:r>
+            <a:r>
+              <a:rPr lang="zh-CN" altLang="en-US" dirty="0" smtClean="0"/>
+              <a:t>的帮助文档</a:t>
             </a:r>
             <a:endParaRPr lang="en-US" altLang="zh-CN" dirty="0" smtClean="0"/>
           </a:p>
           <a:p>
-            <a:pPr marL="0" indent="0">
-              <a:buNone/>
-            </a:pPr>
-            <a:r>
-              <a:rPr lang="zh-CN" altLang="en-US" dirty="0" smtClean="0"/>
-              <a:t>除变量</a:t>
-            </a:r>
             <a:r>
               <a:rPr lang="en-US" altLang="zh-CN" dirty="0" smtClean="0"/>
-              <a:t>x</a:t>
-            </a:r>
-            <a:r>
-              <a:rPr lang="zh-CN" altLang="en-US" dirty="0" smtClean="0"/>
-              <a:t>和</a:t>
+              <a:t>plot</a:t>
+            </a:r>
+            <a:r>
+              <a:rPr lang="zh-CN" altLang="en-US" dirty="0" smtClean="0"/>
+              <a:t>是一般通用型的画图命令，它可以做出大多数基础类型的数据分析图</a:t>
+            </a:r>
+            <a:endParaRPr lang="en-US" altLang="zh-CN" dirty="0" smtClean="0"/>
+          </a:p>
+          <a:p>
+            <a:r>
+              <a:rPr lang="zh-CN" altLang="en-US" dirty="0" smtClean="0"/>
+              <a:t>在做同一个图片时只能出现一个</a:t>
             </a:r>
             <a:r>
               <a:rPr lang="en-US" altLang="zh-CN" dirty="0" smtClean="0"/>
-              <a:t>y</a:t>
-            </a:r>
-            <a:r>
-              <a:rPr lang="zh-CN" altLang="en-US" dirty="0" smtClean="0"/>
-              <a:t>是必要输入参数以外，后边的参数均可以省略（即采用默认参数）</a:t>
-            </a:r>
-            <a:endParaRPr lang="en-US" altLang="zh-CN" dirty="0" smtClean="0"/>
-          </a:p>
-          <a:p>
-            <a:pPr marL="0" indent="0">
-              <a:buNone/>
-            </a:pPr>
-            <a:r>
-              <a:rPr lang="zh-CN" altLang="en-US" dirty="0" smtClean="0"/>
-              <a:t>主要参数有</a:t>
-            </a:r>
-            <a:endParaRPr lang="en-US" altLang="zh-CN" dirty="0" smtClean="0"/>
-          </a:p>
-          <a:p>
-            <a:pPr marL="0" indent="0">
-              <a:buNone/>
-            </a:pPr>
+              <a:t>plot</a:t>
+            </a:r>
+          </a:p>
+          <a:p>
             <a:r>
               <a:rPr lang="en-US" altLang="zh-CN" dirty="0" smtClean="0"/>
-              <a:t>type </a:t>
-            </a:r>
-            <a:r>
-              <a:rPr lang="zh-CN" altLang="en-US" dirty="0" smtClean="0"/>
-              <a:t>点线类型</a:t>
-            </a:r>
-            <a:endParaRPr lang="en-US" altLang="zh-CN" dirty="0" smtClean="0"/>
-          </a:p>
-          <a:p>
-            <a:pPr lvl="1"/>
+              <a:t>plot</a:t>
+            </a:r>
+            <a:r>
+              <a:rPr lang="zh-CN" altLang="en-US" dirty="0" smtClean="0"/>
+              <a:t>的参数与大多数画图命令的参数格式是相近甚至相同的，因此详细掌握</a:t>
+            </a:r>
             <a:r>
               <a:rPr lang="en-US" altLang="zh-CN" dirty="0" smtClean="0"/>
-              <a:t>“p” </a:t>
-            </a:r>
-            <a:r>
-              <a:rPr lang="zh-CN" altLang="en-US" dirty="0"/>
-              <a:t> </a:t>
-            </a:r>
-            <a:r>
-              <a:rPr lang="en-US" altLang="zh-CN" dirty="0" smtClean="0"/>
-              <a:t>for points</a:t>
-            </a:r>
-          </a:p>
-          <a:p>
-            <a:pPr lvl="1"/>
-            <a:r>
-              <a:rPr lang="en-US" altLang="zh-CN" dirty="0" smtClean="0"/>
-              <a:t>“l” for lines</a:t>
-            </a:r>
-          </a:p>
-          <a:p>
-            <a:pPr lvl="1"/>
-            <a:r>
-              <a:rPr lang="en-US" altLang="zh-CN" dirty="0" smtClean="0"/>
-              <a:t>“b” for both</a:t>
-            </a:r>
-          </a:p>
-          <a:p>
-            <a:pPr lvl="1"/>
-            <a:r>
-              <a:rPr lang="en-US" altLang="zh-CN" dirty="0" smtClean="0"/>
-              <a:t>“c” for the lines part alone of “b”</a:t>
-            </a:r>
-          </a:p>
-          <a:p>
-            <a:pPr lvl="1"/>
-            <a:r>
-              <a:rPr lang="en-US" altLang="zh-CN" dirty="0" smtClean="0"/>
-              <a:t>“h” for ‘histogram’ like vertical lines</a:t>
-            </a:r>
-          </a:p>
-          <a:p>
-            <a:pPr lvl="1"/>
-            <a:r>
-              <a:rPr lang="en-US" altLang="zh-CN" dirty="0" smtClean="0"/>
-              <a:t>“s” or “S” for stair steps</a:t>
-            </a:r>
-            <a:endParaRPr lang="zh-CN" altLang="en-US" dirty="0"/>
-          </a:p>
-        </p:txBody>
-      </p:sp>
-      <p:sp>
-        <p:nvSpPr>
-          <p:cNvPr id="4" name="文本框 3"/>
-          <p:cNvSpPr txBox="1"/>
-          <p:nvPr/>
-        </p:nvSpPr>
-        <p:spPr>
-          <a:xfrm>
-            <a:off x="5925758" y="3300095"/>
-            <a:ext cx="2675220" cy="2031325"/>
-          </a:xfrm>
-          <a:prstGeom prst="rect">
-            <a:avLst/>
-          </a:prstGeom>
-          <a:noFill/>
-        </p:spPr>
-        <p:txBody>
-          <a:bodyPr wrap="none" rtlCol="0">
-            <a:spAutoFit/>
-          </a:bodyPr>
-          <a:lstStyle/>
-          <a:p>
-            <a:r>
-              <a:rPr lang="en-US" altLang="zh-CN" dirty="0" smtClean="0"/>
-              <a:t>main:</a:t>
-            </a:r>
-            <a:r>
-              <a:rPr lang="zh-CN" altLang="en-US" dirty="0" smtClean="0"/>
-              <a:t>全局标题</a:t>
-            </a:r>
-            <a:endParaRPr lang="en-US" altLang="zh-CN" dirty="0" smtClean="0"/>
-          </a:p>
-          <a:p>
-            <a:r>
-              <a:rPr lang="en-US" altLang="zh-CN" dirty="0" smtClean="0"/>
-              <a:t>sub:</a:t>
-            </a:r>
-            <a:r>
-              <a:rPr lang="zh-CN" altLang="en-US" dirty="0" smtClean="0"/>
-              <a:t>次级标题</a:t>
-            </a:r>
-            <a:endParaRPr lang="en-US" altLang="zh-CN" dirty="0" smtClean="0"/>
-          </a:p>
-          <a:p>
-            <a:r>
-              <a:rPr lang="en-US" altLang="zh-CN" dirty="0" smtClean="0"/>
-              <a:t>axis:</a:t>
-            </a:r>
-            <a:r>
-              <a:rPr lang="zh-CN" altLang="en-US" dirty="0" smtClean="0"/>
-              <a:t>设置坐标轴刻度范围</a:t>
-            </a:r>
-            <a:endParaRPr lang="en-US" altLang="zh-CN" dirty="0" smtClean="0"/>
-          </a:p>
-          <a:p>
-            <a:r>
-              <a:rPr lang="en-US" altLang="zh-CN" dirty="0" err="1" smtClean="0"/>
-              <a:t>xlab</a:t>
-            </a:r>
-            <a:r>
-              <a:rPr lang="zh-CN" altLang="en-US" dirty="0" smtClean="0"/>
-              <a:t>： </a:t>
-            </a:r>
-            <a:r>
-              <a:rPr lang="en-US" altLang="zh-CN" dirty="0" smtClean="0"/>
-              <a:t>x</a:t>
-            </a:r>
-            <a:r>
-              <a:rPr lang="zh-CN" altLang="en-US" dirty="0" smtClean="0"/>
-              <a:t>轴标题</a:t>
-            </a:r>
-            <a:endParaRPr lang="en-US" altLang="zh-CN" dirty="0" smtClean="0"/>
-          </a:p>
-          <a:p>
-            <a:r>
-              <a:rPr lang="en-US" altLang="zh-CN" dirty="0" err="1" smtClean="0"/>
-              <a:t>ylab</a:t>
-            </a:r>
-            <a:r>
-              <a:rPr lang="zh-CN" altLang="en-US" dirty="0" smtClean="0"/>
-              <a:t>：</a:t>
-            </a:r>
-            <a:r>
-              <a:rPr lang="en-US" altLang="zh-CN" dirty="0" smtClean="0"/>
-              <a:t>y</a:t>
-            </a:r>
-            <a:r>
-              <a:rPr lang="zh-CN" altLang="en-US" dirty="0" smtClean="0"/>
-              <a:t>轴标题</a:t>
-            </a:r>
-            <a:endParaRPr lang="en-US" altLang="zh-CN" dirty="0" smtClean="0"/>
-          </a:p>
-          <a:p>
-            <a:r>
-              <a:rPr lang="en-US" altLang="zh-CN" dirty="0" smtClean="0"/>
-              <a:t>legend:</a:t>
-            </a:r>
-            <a:r>
-              <a:rPr lang="zh-CN" altLang="en-US" dirty="0" smtClean="0"/>
-              <a:t>图例</a:t>
+              <a:t>plot</a:t>
+            </a:r>
+            <a:r>
+              <a:rPr lang="zh-CN" altLang="en-US" dirty="0" smtClean="0"/>
+              <a:t>参数可以帮助你迅速学会几乎所有类型画图方法</a:t>
             </a:r>
             <a:endParaRPr lang="en-US" altLang="zh-CN" dirty="0" smtClean="0"/>
           </a:p>
@@ -11458,7 +11361,7 @@
     </p:spTree>
     <p:extLst>
       <p:ext uri="{BB962C8B-B14F-4D97-AF65-F5344CB8AC3E}">
-        <p14:creationId xmlns:p14="http://schemas.microsoft.com/office/powerpoint/2010/main" val="1314602501"/>
+        <p14:creationId xmlns:p14="http://schemas.microsoft.com/office/powerpoint/2010/main" val="3679304741"/>
       </p:ext>
     </p:extLst>
   </p:cSld>
@@ -11502,7 +11405,12 @@
             <p:ph type="title"/>
           </p:nvPr>
         </p:nvSpPr>
-        <p:spPr/>
+        <p:spPr>
+          <a:xfrm>
+            <a:off x="1097280" y="1037063"/>
+            <a:ext cx="10058400" cy="613317"/>
+          </a:xfrm>
+        </p:spPr>
         <p:txBody>
           <a:bodyPr>
             <a:normAutofit/>
@@ -11510,10 +11418,10 @@
           <a:lstStyle/>
           <a:p>
             <a:r>
-              <a:rPr lang="zh-CN" altLang="en-US" sz="3600" dirty="0" smtClean="0"/>
-              <a:t>文本参数</a:t>
-            </a:r>
-            <a:endParaRPr lang="zh-CN" altLang="en-US" sz="3600" dirty="0"/>
+              <a:rPr lang="zh-CN" altLang="en-US" sz="2400" dirty="0" smtClean="0"/>
+              <a:t>内置参数</a:t>
+            </a:r>
+            <a:endParaRPr lang="zh-CN" altLang="en-US" sz="2400" dirty="0"/>
           </a:p>
         </p:txBody>
       </p:sp>
@@ -11532,93 +11440,42 @@
           <a:bodyPr/>
           <a:lstStyle/>
           <a:p>
-            <a:r>
-              <a:rPr lang="zh-CN" altLang="en-US" dirty="0" smtClean="0"/>
-              <a:t>标题</a:t>
+            <a:pPr marL="0" indent="0">
+              <a:buNone/>
+            </a:pPr>
+            <a:r>
+              <a:rPr lang="en-US" altLang="zh-CN" dirty="0" smtClean="0"/>
+              <a:t>plot(</a:t>
+            </a:r>
+            <a:r>
+              <a:rPr lang="en-US" altLang="zh-CN" dirty="0" err="1" smtClean="0"/>
+              <a:t>x,y</a:t>
+            </a:r>
+            <a:r>
+              <a:rPr lang="en-US" altLang="zh-CN" dirty="0" smtClean="0"/>
+              <a:t>,……</a:t>
+            </a:r>
+            <a:r>
+              <a:rPr lang="zh-CN" altLang="en-US" dirty="0" smtClean="0"/>
+              <a:t>）</a:t>
             </a:r>
             <a:endParaRPr lang="en-US" altLang="zh-CN" dirty="0" smtClean="0"/>
           </a:p>
           <a:p>
-            <a:pPr lvl="1"/>
-            <a:r>
-              <a:rPr lang="zh-CN" altLang="en-US" dirty="0"/>
-              <a:t>下</a:t>
-            </a:r>
-            <a:r>
-              <a:rPr lang="zh-CN" altLang="en-US" dirty="0" smtClean="0"/>
-              <a:t>图中使用了专门给当前</a:t>
+            <a:pPr marL="0" indent="0">
+              <a:buNone/>
+            </a:pPr>
+            <a:r>
+              <a:rPr lang="zh-CN" altLang="en-US" dirty="0" smtClean="0"/>
+              <a:t>除变量</a:t>
             </a:r>
             <a:r>
               <a:rPr lang="en-US" altLang="zh-CN" dirty="0" smtClean="0"/>
-              <a:t>active</a:t>
-            </a:r>
-            <a:r>
-              <a:rPr lang="zh-CN" altLang="en-US" dirty="0" smtClean="0"/>
-              <a:t>图片添加标题的命令，与</a:t>
-            </a:r>
-            <a:r>
-              <a:rPr lang="en-US" altLang="zh-CN" dirty="0" smtClean="0"/>
-              <a:t>plot</a:t>
-            </a:r>
-            <a:r>
-              <a:rPr lang="zh-CN" altLang="en-US" dirty="0" smtClean="0"/>
-              <a:t>内部参数一致</a:t>
-            </a:r>
-            <a:endParaRPr lang="en-US" altLang="zh-CN" dirty="0" smtClean="0"/>
-          </a:p>
-          <a:p>
-            <a:pPr lvl="1"/>
-            <a:r>
-              <a:rPr lang="zh-CN" altLang="en-US" dirty="0" smtClean="0"/>
-              <a:t>其中涉及参数</a:t>
-            </a:r>
-            <a:endParaRPr lang="en-US" altLang="zh-CN" dirty="0" smtClean="0"/>
-          </a:p>
-          <a:p>
-            <a:pPr lvl="2"/>
-            <a:r>
-              <a:rPr lang="en-US" altLang="zh-CN" dirty="0" smtClean="0"/>
-              <a:t>main </a:t>
-            </a:r>
-            <a:r>
-              <a:rPr lang="zh-CN" altLang="en-US" dirty="0" smtClean="0"/>
-              <a:t>图片标题</a:t>
-            </a:r>
-            <a:endParaRPr lang="en-US" altLang="zh-CN" dirty="0" smtClean="0"/>
-          </a:p>
-          <a:p>
-            <a:pPr lvl="2"/>
-            <a:r>
-              <a:rPr lang="en-US" altLang="zh-CN" dirty="0" smtClean="0"/>
-              <a:t>sub </a:t>
-            </a:r>
-            <a:r>
-              <a:rPr lang="zh-CN" altLang="en-US" dirty="0" smtClean="0"/>
-              <a:t>图片副标题</a:t>
-            </a:r>
-            <a:endParaRPr lang="en-US" altLang="zh-CN" dirty="0" smtClean="0"/>
-          </a:p>
-          <a:p>
-            <a:pPr lvl="2"/>
-            <a:r>
-              <a:rPr lang="en-US" altLang="zh-CN" dirty="0" err="1" smtClean="0"/>
-              <a:t>xlab</a:t>
-            </a:r>
-            <a:r>
-              <a:rPr lang="en-US" altLang="zh-CN" dirty="0" smtClean="0"/>
-              <a:t> </a:t>
-            </a:r>
-            <a:r>
-              <a:rPr lang="en-US" altLang="zh-CN" dirty="0" err="1" smtClean="0"/>
-              <a:t>ylab</a:t>
-            </a:r>
-            <a:r>
-              <a:rPr lang="en-US" altLang="zh-CN" dirty="0" smtClean="0"/>
-              <a:t> x</a:t>
-            </a:r>
-            <a:r>
-              <a:rPr lang="zh-CN" altLang="en-US" dirty="0" smtClean="0"/>
-              <a:t>轴和</a:t>
+              <a:t>x</a:t>
+            </a:r>
+            <a:r>
+              <a:rPr lang="zh-CN" altLang="en-US" dirty="0" smtClean="0"/>
+              <a:t>和</a:t>
             </a:r>
             <a:r>
               <a:rPr lang="en-US" altLang="zh-CN" dirty="0" smtClean="0"/>
@@ -11626,55 +11483,82 @@
             </a:r>
             <a:r>
               <a:rPr lang="zh-CN" altLang="en-US" dirty="0" smtClean="0"/>
-              <a:t>轴标题</a:t>
+              <a:t>是必要输入参数以外，后边的参数均可以省略（即采用默认参数）</a:t>
             </a:r>
             <a:endParaRPr lang="en-US" altLang="zh-CN" dirty="0" smtClean="0"/>
           </a:p>
           <a:p>
-            <a:pPr lvl="2"/>
+            <a:pPr marL="0" indent="0">
+              <a:buNone/>
+            </a:pPr>
+            <a:r>
+              <a:rPr lang="zh-CN" altLang="en-US" dirty="0" smtClean="0"/>
+              <a:t>主要参数有</a:t>
+            </a:r>
+            <a:endParaRPr lang="en-US" altLang="zh-CN" dirty="0" smtClean="0"/>
+          </a:p>
+          <a:p>
+            <a:pPr marL="0" indent="0">
+              <a:buNone/>
+            </a:pPr>
             <a:r>
               <a:rPr lang="en-US" altLang="zh-CN" dirty="0" smtClean="0"/>
-              <a:t>col. </a:t>
-            </a:r>
-            <a:r>
-              <a:rPr lang="zh-CN" altLang="en-US" dirty="0" smtClean="0"/>
-              <a:t>为</a:t>
-            </a:r>
+              <a:t>type </a:t>
+            </a:r>
+            <a:r>
+              <a:rPr lang="zh-CN" altLang="en-US" dirty="0" smtClean="0"/>
+              <a:t>点线类型</a:t>
+            </a:r>
+            <a:endParaRPr lang="en-US" altLang="zh-CN" dirty="0" smtClean="0"/>
+          </a:p>
+          <a:p>
+            <a:pPr lvl="1"/>
             <a:r>
               <a:rPr lang="en-US" altLang="zh-CN" dirty="0" smtClean="0"/>
-              <a:t>main sub </a:t>
-            </a:r>
-            <a:r>
-              <a:rPr lang="en-US" altLang="zh-CN" dirty="0" err="1" smtClean="0"/>
-              <a:t>xlab</a:t>
+              <a:t>“p” </a:t>
+            </a:r>
+            <a:r>
+              <a:rPr lang="zh-CN" altLang="en-US" dirty="0"/>
+              <a:t> </a:t>
             </a:r>
             <a:r>
               <a:rPr lang="en-US" altLang="zh-CN" dirty="0" smtClean="0"/>
-              <a:t> </a:t>
-            </a:r>
-            <a:r>
-              <a:rPr lang="en-US" altLang="zh-CN" dirty="0" err="1" smtClean="0"/>
-              <a:t>ylab</a:t>
-            </a:r>
-            <a:r>
-              <a:rPr lang="zh-CN" altLang="en-US" dirty="0" smtClean="0"/>
-              <a:t>等配置颜色</a:t>
-            </a:r>
-            <a:endParaRPr lang="en-US" altLang="zh-CN" dirty="0" smtClean="0"/>
+              <a:t>for points</a:t>
+            </a:r>
           </a:p>
           <a:p>
             <a:pPr lvl="1"/>
             <a:r>
-              <a:rPr lang="zh-CN" altLang="en-US" dirty="0" smtClean="0"/>
-              <a:t>以上参数都可以合并在</a:t>
-            </a:r>
-            <a:r>
               <a:rPr lang="en-US" altLang="zh-CN" dirty="0" smtClean="0"/>
-              <a:t>plot</a:t>
-            </a:r>
-            <a:r>
-              <a:rPr lang="zh-CN" altLang="en-US" dirty="0" smtClean="0"/>
-              <a:t>命令当中进行</a:t>
+              <a:t>“l” for lines</a:t>
+            </a:r>
+          </a:p>
+          <a:p>
+            <a:pPr lvl="1"/>
+            <a:r>
+              <a:rPr lang="en-US" altLang="zh-CN" dirty="0" smtClean="0"/>
+              <a:t>“b” for both</a:t>
+            </a:r>
+          </a:p>
+          <a:p>
+            <a:pPr lvl="1"/>
+            <a:r>
+              <a:rPr lang="en-US" altLang="zh-CN" dirty="0" smtClean="0"/>
+              <a:t>“c” for the lines part alone of “b”</a:t>
+            </a:r>
+          </a:p>
+          <a:p>
+            <a:pPr lvl="1"/>
+            <a:r>
+              <a:rPr lang="en-US" altLang="zh-CN" dirty="0" smtClean="0"/>
+              <a:t>“h” for ‘histogram’ like vertical lines</a:t>
+            </a:r>
+          </a:p>
+          <a:p>
+            <a:pPr lvl="1"/>
+            <a:r>
+              <a:rPr lang="en-US" altLang="zh-CN" dirty="0" smtClean="0"/>
+              <a:t>“s” or “S” for stair steps</a:t>
             </a:r>
             <a:endParaRPr lang="zh-CN" altLang="en-US" dirty="0"/>
           </a:p>
@@ -11682,353 +11566,116 @@
       </p:sp>
       <p:sp>
         <p:nvSpPr>
-          <p:cNvPr id="4" name="Rectangle 6"/>
-          <p:cNvSpPr>
-            <a:spLocks noChangeArrowheads="1"/>
-          </p:cNvSpPr>
+          <p:cNvPr id="4" name="文本框 3"/>
+          <p:cNvSpPr txBox="1"/>
           <p:nvPr/>
         </p:nvSpPr>
-        <p:spPr bwMode="auto">
+        <p:spPr>
           <a:xfrm>
-            <a:off x="1706135" y="4492757"/>
-            <a:ext cx="5680432" cy="957355"/>
+            <a:off x="5925758" y="3300095"/>
+            <a:ext cx="2675220" cy="2031325"/>
           </a:xfrm>
           <a:prstGeom prst="rect">
             <a:avLst/>
           </a:prstGeom>
           <a:noFill/>
-          <a:ln w="19050">
-            <a:solidFill>
-              <a:schemeClr val="hlink"/>
-            </a:solidFill>
-            <a:miter lim="800000"/>
-            <a:headEnd/>
-            <a:tailEnd/>
-          </a:ln>
-          <a:effectLst/>
-          <a:extLst>
-            <a:ext uri="{909E8E84-426E-40dd-AFC4-6F175D3DCCD1}">
-              <a14:hiddenFill xmlns:lc="http://schemas.openxmlformats.org/drawingml/2006/lockedCanvas" xmlns:a14="http://schemas.microsoft.com/office/drawing/2010/main" xmlns="">
-                <a:solidFill>
-                  <a:schemeClr val="accent1"/>
-                </a:solidFill>
-              </a14:hiddenFill>
-            </a:ext>
-            <a:ext uri="{AF507438-7753-43e0-B8FC-AC1667EBCBE1}">
-              <a14:hiddenEffects xmlns:lc="http://schemas.openxmlformats.org/drawingml/2006/lockedCanvas" xmlns:a14="http://schemas.microsoft.com/office/drawing/2010/main" xmlns="">
-                <a:effectLst>
-                  <a:outerShdw blurRad="63500" dist="12700" dir="2700000" algn="ctr" rotWithShape="0">
-                    <a:schemeClr val="hlink">
-                      <a:gamma/>
-                      <a:shade val="60000"/>
-                      <a:invGamma/>
-                      <a:alpha val="75000"/>
-                    </a:schemeClr>
-                  </a:outerShdw>
-                </a:effectLst>
-              </a14:hiddenEffects>
-            </a:ext>
-          </a:extLst>
         </p:spPr>
         <p:txBody>
-          <a:bodyPr wrap="square" tIns="90000" bIns="90000">
+          <a:bodyPr wrap="none" rtlCol="0">
             <a:spAutoFit/>
           </a:bodyPr>
-          <a:lstStyle>
-            <a:defPPr>
-              <a:defRPr lang="en-US"/>
-            </a:defPPr>
-            <a:lvl1pPr algn="l" rtl="0" fontAlgn="base">
-              <a:spcBef>
-                <a:spcPct val="0"/>
-              </a:spcBef>
-              <a:spcAft>
-                <a:spcPct val="0"/>
-              </a:spcAft>
-              <a:defRPr sz="2000" kern="1200">
-                <a:solidFill>
-                  <a:schemeClr val="tx1"/>
-                </a:solidFill>
-                <a:latin typeface="Helvetica" panose="020B0604020202020204" pitchFamily="34" charset="0"/>
-                <a:ea typeface="MS PGothic" panose="020B0600070205080204" pitchFamily="34" charset="-128"/>
-                <a:cs typeface="+mn-cs"/>
-              </a:defRPr>
-            </a:lvl1pPr>
-            <a:lvl2pPr marL="457200" algn="l" rtl="0" fontAlgn="base">
-              <a:spcBef>
-                <a:spcPct val="0"/>
-              </a:spcBef>
-              <a:spcAft>
-                <a:spcPct val="0"/>
-              </a:spcAft>
-              <a:defRPr sz="2000" kern="1200">
-                <a:solidFill>
-                  <a:schemeClr val="tx1"/>
-                </a:solidFill>
-                <a:latin typeface="Helvetica" panose="020B0604020202020204" pitchFamily="34" charset="0"/>
-                <a:ea typeface="MS PGothic" panose="020B0600070205080204" pitchFamily="34" charset="-128"/>
-                <a:cs typeface="+mn-cs"/>
-              </a:defRPr>
-            </a:lvl2pPr>
-            <a:lvl3pPr marL="914400" algn="l" rtl="0" fontAlgn="base">
-              <a:spcBef>
-                <a:spcPct val="0"/>
-              </a:spcBef>
-              <a:spcAft>
-                <a:spcPct val="0"/>
-              </a:spcAft>
-              <a:defRPr sz="2000" kern="1200">
-                <a:solidFill>
-                  <a:schemeClr val="tx1"/>
-                </a:solidFill>
-                <a:latin typeface="Helvetica" panose="020B0604020202020204" pitchFamily="34" charset="0"/>
-                <a:ea typeface="MS PGothic" panose="020B0600070205080204" pitchFamily="34" charset="-128"/>
-                <a:cs typeface="+mn-cs"/>
-              </a:defRPr>
-            </a:lvl3pPr>
-            <a:lvl4pPr marL="1371600" algn="l" rtl="0" fontAlgn="base">
-              <a:spcBef>
-                <a:spcPct val="0"/>
-              </a:spcBef>
-              <a:spcAft>
-                <a:spcPct val="0"/>
-              </a:spcAft>
-              <a:defRPr sz="2000" kern="1200">
-                <a:solidFill>
-                  <a:schemeClr val="tx1"/>
-                </a:solidFill>
-                <a:latin typeface="Helvetica" panose="020B0604020202020204" pitchFamily="34" charset="0"/>
-                <a:ea typeface="MS PGothic" panose="020B0600070205080204" pitchFamily="34" charset="-128"/>
-                <a:cs typeface="+mn-cs"/>
-              </a:defRPr>
-            </a:lvl4pPr>
-            <a:lvl5pPr marL="1828800" algn="l" rtl="0" fontAlgn="base">
-              <a:spcBef>
-                <a:spcPct val="0"/>
-              </a:spcBef>
-              <a:spcAft>
-                <a:spcPct val="0"/>
-              </a:spcAft>
-              <a:defRPr sz="2000" kern="1200">
-                <a:solidFill>
-                  <a:schemeClr val="tx1"/>
-                </a:solidFill>
-                <a:latin typeface="Helvetica" panose="020B0604020202020204" pitchFamily="34" charset="0"/>
-                <a:ea typeface="MS PGothic" panose="020B0600070205080204" pitchFamily="34" charset="-128"/>
-                <a:cs typeface="+mn-cs"/>
-              </a:defRPr>
-            </a:lvl5pPr>
-            <a:lvl6pPr marL="2286000" algn="l" defTabSz="914400" rtl="0" eaLnBrk="1" latinLnBrk="0" hangingPunct="1">
-              <a:defRPr sz="2000" kern="1200">
-                <a:solidFill>
-                  <a:schemeClr val="tx1"/>
-                </a:solidFill>
-                <a:latin typeface="Helvetica" panose="020B0604020202020204" pitchFamily="34" charset="0"/>
-                <a:ea typeface="MS PGothic" panose="020B0600070205080204" pitchFamily="34" charset="-128"/>
-                <a:cs typeface="+mn-cs"/>
-              </a:defRPr>
-            </a:lvl6pPr>
-            <a:lvl7pPr marL="2743200" algn="l" defTabSz="914400" rtl="0" eaLnBrk="1" latinLnBrk="0" hangingPunct="1">
-              <a:defRPr sz="2000" kern="1200">
-                <a:solidFill>
-                  <a:schemeClr val="tx1"/>
-                </a:solidFill>
-                <a:latin typeface="Helvetica" panose="020B0604020202020204" pitchFamily="34" charset="0"/>
-                <a:ea typeface="MS PGothic" panose="020B0600070205080204" pitchFamily="34" charset="-128"/>
-                <a:cs typeface="+mn-cs"/>
-              </a:defRPr>
-            </a:lvl7pPr>
-            <a:lvl8pPr marL="3200400" algn="l" defTabSz="914400" rtl="0" eaLnBrk="1" latinLnBrk="0" hangingPunct="1">
-              <a:defRPr sz="2000" kern="1200">
-                <a:solidFill>
-                  <a:schemeClr val="tx1"/>
-                </a:solidFill>
-                <a:latin typeface="Helvetica" panose="020B0604020202020204" pitchFamily="34" charset="0"/>
-                <a:ea typeface="MS PGothic" panose="020B0600070205080204" pitchFamily="34" charset="-128"/>
-                <a:cs typeface="+mn-cs"/>
-              </a:defRPr>
-            </a:lvl8pPr>
-            <a:lvl9pPr marL="3657600" algn="l" defTabSz="914400" rtl="0" eaLnBrk="1" latinLnBrk="0" hangingPunct="1">
-              <a:defRPr sz="2000" kern="1200">
-                <a:solidFill>
-                  <a:schemeClr val="tx1"/>
-                </a:solidFill>
-                <a:latin typeface="Helvetica" panose="020B0604020202020204" pitchFamily="34" charset="0"/>
-                <a:ea typeface="MS PGothic" panose="020B0600070205080204" pitchFamily="34" charset="-128"/>
-                <a:cs typeface="+mn-cs"/>
-              </a:defRPr>
-            </a:lvl9pPr>
-          </a:lstStyle>
-          <a:p>
-            <a:pPr eaLnBrk="0" hangingPunct="0">
-              <a:lnSpc>
-                <a:spcPct val="120000"/>
-              </a:lnSpc>
-              <a:defRPr/>
-            </a:pPr>
-            <a:r>
-              <a:rPr lang="en-US" sz="1400" dirty="0" smtClean="0">
-                <a:solidFill>
-                  <a:srgbClr val="0000FF"/>
-                </a:solidFill>
-                <a:latin typeface="Times New Roman" panose="02020603050405020304" pitchFamily="18" charset="0"/>
-                <a:ea typeface="ＭＳ Ｐゴシック" charset="0"/>
-                <a:cs typeface="Times New Roman" panose="02020603050405020304" pitchFamily="18" charset="0"/>
-              </a:rPr>
-              <a:t>&gt;title(main=“main title”, sub=“sub-title”, </a:t>
-            </a:r>
-            <a:r>
-              <a:rPr lang="en-US" sz="1400" dirty="0" err="1" smtClean="0">
-                <a:solidFill>
-                  <a:srgbClr val="0000FF"/>
-                </a:solidFill>
-                <a:latin typeface="Times New Roman" panose="02020603050405020304" pitchFamily="18" charset="0"/>
-                <a:ea typeface="ＭＳ Ｐゴシック" charset="0"/>
-                <a:cs typeface="Times New Roman" panose="02020603050405020304" pitchFamily="18" charset="0"/>
-              </a:rPr>
+          <a:lstStyle/>
+          <a:p>
+            <a:r>
+              <a:rPr lang="en-US" altLang="zh-CN" dirty="0" smtClean="0"/>
+              <a:t>main:</a:t>
+            </a:r>
+            <a:r>
+              <a:rPr lang="zh-CN" altLang="en-US" dirty="0" smtClean="0"/>
+              <a:t>全局标题</a:t>
+            </a:r>
+            <a:endParaRPr lang="en-US" altLang="zh-CN" dirty="0" smtClean="0"/>
+          </a:p>
+          <a:p>
+            <a:r>
+              <a:rPr lang="en-US" altLang="zh-CN" dirty="0" smtClean="0"/>
+              <a:t>sub:</a:t>
+            </a:r>
+            <a:r>
+              <a:rPr lang="zh-CN" altLang="en-US" dirty="0" smtClean="0"/>
+              <a:t>次级标题</a:t>
+            </a:r>
+            <a:endParaRPr lang="en-US" altLang="zh-CN" dirty="0" smtClean="0"/>
+          </a:p>
+          <a:p>
+            <a:r>
+              <a:rPr lang="en-US" altLang="zh-CN" dirty="0" smtClean="0"/>
+              <a:t>axis:</a:t>
+            </a:r>
+            <a:r>
+              <a:rPr lang="zh-CN" altLang="en-US" dirty="0" smtClean="0"/>
+              <a:t>设置坐标轴刻度范围</a:t>
+            </a:r>
+            <a:endParaRPr lang="en-US" altLang="zh-CN" dirty="0" smtClean="0"/>
+          </a:p>
+          <a:p>
+            <a:r>
+              <a:rPr lang="en-US" altLang="zh-CN" dirty="0" err="1" smtClean="0"/>
               <a:t>xlab</a:t>
             </a:r>
             <a:r>
-              <a:rPr lang="en-US" sz="1400" dirty="0" smtClean="0">
-                <a:solidFill>
-                  <a:srgbClr val="0000FF"/>
-                </a:solidFill>
-                <a:latin typeface="Times New Roman" panose="02020603050405020304" pitchFamily="18" charset="0"/>
-                <a:ea typeface="ＭＳ Ｐゴシック" charset="0"/>
-                <a:cs typeface="Times New Roman" panose="02020603050405020304" pitchFamily="18" charset="0"/>
-              </a:rPr>
-              <a:t>=“This is label of x”, </a:t>
-            </a:r>
-            <a:r>
-              <a:rPr lang="en-US" sz="1400" dirty="0" err="1" smtClean="0">
-                <a:solidFill>
-                  <a:srgbClr val="0000FF"/>
-                </a:solidFill>
-                <a:latin typeface="Times New Roman" panose="02020603050405020304" pitchFamily="18" charset="0"/>
-                <a:ea typeface="ＭＳ Ｐゴシック" charset="0"/>
-                <a:cs typeface="Times New Roman" panose="02020603050405020304" pitchFamily="18" charset="0"/>
-              </a:rPr>
+              <a:rPr lang="zh-CN" altLang="en-US" dirty="0" smtClean="0"/>
+              <a:t>： </a:t>
+            </a:r>
+            <a:r>
+              <a:rPr lang="en-US" altLang="zh-CN" dirty="0" smtClean="0"/>
+              <a:t>x</a:t>
+            </a:r>
+            <a:r>
+              <a:rPr lang="zh-CN" altLang="en-US" dirty="0" smtClean="0"/>
+              <a:t>轴标题</a:t>
+            </a:r>
+            <a:endParaRPr lang="en-US" altLang="zh-CN" dirty="0" smtClean="0"/>
+          </a:p>
+          <a:p>
+            <a:r>
+              <a:rPr lang="en-US" altLang="zh-CN" dirty="0" err="1" smtClean="0"/>
               <a:t>ylab</a:t>
             </a:r>
             <a:r>
-              <a:rPr lang="en-US" sz="1400" dirty="0" smtClean="0">
-                <a:solidFill>
-                  <a:srgbClr val="0000FF"/>
-                </a:solidFill>
-                <a:latin typeface="Times New Roman" panose="02020603050405020304" pitchFamily="18" charset="0"/>
-                <a:ea typeface="ＭＳ Ｐゴシック" charset="0"/>
-                <a:cs typeface="Times New Roman" panose="02020603050405020304" pitchFamily="18" charset="0"/>
-              </a:rPr>
-              <a:t>=“this is y label”, </a:t>
-            </a:r>
-            <a:r>
-              <a:rPr lang="en-US" sz="1400" dirty="0" err="1" smtClean="0">
-                <a:solidFill>
-                  <a:srgbClr val="0000FF"/>
-                </a:solidFill>
-                <a:latin typeface="Times New Roman" panose="02020603050405020304" pitchFamily="18" charset="0"/>
-                <a:ea typeface="ＭＳ Ｐゴシック" charset="0"/>
-                <a:cs typeface="Times New Roman" panose="02020603050405020304" pitchFamily="18" charset="0"/>
-              </a:rPr>
-              <a:t>col.main</a:t>
-            </a:r>
-            <a:r>
-              <a:rPr lang="en-US" sz="1400" dirty="0" smtClean="0">
-                <a:solidFill>
-                  <a:srgbClr val="0000FF"/>
-                </a:solidFill>
-                <a:latin typeface="Times New Roman" panose="02020603050405020304" pitchFamily="18" charset="0"/>
-                <a:ea typeface="ＭＳ Ｐゴシック" charset="0"/>
-                <a:cs typeface="Times New Roman" panose="02020603050405020304" pitchFamily="18" charset="0"/>
-              </a:rPr>
-              <a:t>=“green”,</a:t>
-            </a:r>
-            <a:r>
-              <a:rPr lang="en-US" sz="1400" dirty="0" err="1" smtClean="0">
-                <a:solidFill>
-                  <a:srgbClr val="0000FF"/>
-                </a:solidFill>
-                <a:latin typeface="Times New Roman" panose="02020603050405020304" pitchFamily="18" charset="0"/>
-                <a:ea typeface="ＭＳ Ｐゴシック" charset="0"/>
-                <a:cs typeface="Times New Roman" panose="02020603050405020304" pitchFamily="18" charset="0"/>
-              </a:rPr>
-              <a:t>col.sub</a:t>
-            </a:r>
-            <a:r>
-              <a:rPr lang="en-US" sz="1400" dirty="0" smtClean="0">
-                <a:solidFill>
-                  <a:srgbClr val="0000FF"/>
-                </a:solidFill>
-                <a:latin typeface="Times New Roman" panose="02020603050405020304" pitchFamily="18" charset="0"/>
-                <a:ea typeface="ＭＳ Ｐゴシック" charset="0"/>
-                <a:cs typeface="Times New Roman" panose="02020603050405020304" pitchFamily="18" charset="0"/>
-              </a:rPr>
-              <a:t>=“red”,</a:t>
-            </a:r>
-            <a:r>
-              <a:rPr lang="en-US" sz="1400" dirty="0" err="1" smtClean="0">
-                <a:solidFill>
-                  <a:srgbClr val="0000FF"/>
-                </a:solidFill>
-                <a:latin typeface="Times New Roman" panose="02020603050405020304" pitchFamily="18" charset="0"/>
-                <a:ea typeface="ＭＳ Ｐゴシック" charset="0"/>
-                <a:cs typeface="Times New Roman" panose="02020603050405020304" pitchFamily="18" charset="0"/>
-              </a:rPr>
-              <a:t>col.lab</a:t>
-            </a:r>
-            <a:r>
-              <a:rPr lang="en-US" sz="1400" dirty="0" smtClean="0">
-                <a:solidFill>
-                  <a:srgbClr val="0000FF"/>
-                </a:solidFill>
-                <a:latin typeface="Times New Roman" panose="02020603050405020304" pitchFamily="18" charset="0"/>
-                <a:ea typeface="ＭＳ Ｐゴシック" charset="0"/>
-                <a:cs typeface="Times New Roman" panose="02020603050405020304" pitchFamily="18" charset="0"/>
-              </a:rPr>
-              <a:t>=“blue”)</a:t>
-            </a:r>
-            <a:endParaRPr lang="en-US" sz="1400" dirty="0">
-              <a:solidFill>
-                <a:srgbClr val="0000FF"/>
-              </a:solidFill>
-              <a:latin typeface="Times New Roman" panose="02020603050405020304" pitchFamily="18" charset="0"/>
-              <a:ea typeface="ＭＳ Ｐゴシック" charset="0"/>
-              <a:cs typeface="Times New Roman" panose="02020603050405020304" pitchFamily="18" charset="0"/>
-            </a:endParaRPr>
-          </a:p>
-          <a:p>
-            <a:pPr eaLnBrk="0" hangingPunct="0">
-              <a:lnSpc>
-                <a:spcPct val="120000"/>
-              </a:lnSpc>
-              <a:defRPr/>
-            </a:pPr>
-            <a:r>
-              <a:rPr lang="en-US" sz="1400" dirty="0" smtClean="0">
-                <a:solidFill>
-                  <a:srgbClr val="0000FF"/>
-                </a:solidFill>
-                <a:latin typeface="Times New Roman" panose="02020603050405020304" pitchFamily="18" charset="0"/>
-                <a:ea typeface="ＭＳ Ｐゴシック" charset="0"/>
-                <a:cs typeface="Times New Roman" panose="02020603050405020304" pitchFamily="18" charset="0"/>
-              </a:rPr>
-              <a:t>&gt;</a:t>
-            </a:r>
-            <a:endParaRPr lang="en-US" sz="1400" dirty="0">
-              <a:solidFill>
-                <a:srgbClr val="0000FF"/>
-              </a:solidFill>
-              <a:latin typeface="Times New Roman" panose="02020603050405020304" pitchFamily="18" charset="0"/>
-              <a:ea typeface="ＭＳ Ｐゴシック" charset="0"/>
-              <a:cs typeface="Times New Roman" panose="02020603050405020304" pitchFamily="18" charset="0"/>
-            </a:endParaRPr>
+              <a:rPr lang="zh-CN" altLang="en-US" dirty="0" smtClean="0"/>
+              <a:t>：</a:t>
+            </a:r>
+            <a:r>
+              <a:rPr lang="en-US" altLang="zh-CN" dirty="0" smtClean="0"/>
+              <a:t>y</a:t>
+            </a:r>
+            <a:r>
+              <a:rPr lang="zh-CN" altLang="en-US" dirty="0" smtClean="0"/>
+              <a:t>轴标题</a:t>
+            </a:r>
+            <a:endParaRPr lang="en-US" altLang="zh-CN" dirty="0" smtClean="0"/>
+          </a:p>
+          <a:p>
+            <a:r>
+              <a:rPr lang="en-US" altLang="zh-CN" dirty="0" smtClean="0"/>
+              <a:t>legend:</a:t>
+            </a:r>
+            <a:r>
+              <a:rPr lang="zh-CN" altLang="en-US" dirty="0" smtClean="0"/>
+              <a:t>图例</a:t>
+            </a:r>
+            <a:endParaRPr lang="en-US" altLang="zh-CN" dirty="0" smtClean="0"/>
+          </a:p>
+          <a:p>
+            <a:endParaRPr lang="zh-CN" altLang="en-US" dirty="0"/>
           </a:p>
         </p:txBody>
       </p:sp>
     </p:spTree>
     <p:extLst>
       <p:ext uri="{BB962C8B-B14F-4D97-AF65-F5344CB8AC3E}">
-        <p14:creationId xmlns:p14="http://schemas.microsoft.com/office/powerpoint/2010/main" val="1520989649"/>
+        <p14:creationId xmlns:p14="http://schemas.microsoft.com/office/powerpoint/2010/main" val="1314602501"/>
       </p:ext>
     </p:extLst>
   </p:cSld>
@@ -12080,10 +11727,10 @@
           <a:lstStyle/>
           <a:p>
             <a:r>
-              <a:rPr lang="zh-CN" altLang="en-US" sz="2800" dirty="0" smtClean="0"/>
-              <a:t>设置坐标轴范围</a:t>
-            </a:r>
-            <a:endParaRPr lang="zh-CN" altLang="en-US" sz="2800" dirty="0"/>
+              <a:rPr lang="zh-CN" altLang="en-US" sz="3600" dirty="0" smtClean="0"/>
+              <a:t>文本参数</a:t>
+            </a:r>
+            <a:endParaRPr lang="zh-CN" altLang="en-US" sz="3600" dirty="0"/>
           </a:p>
         </p:txBody>
       </p:sp>
@@ -12102,14 +11749,503 @@
           <a:bodyPr/>
           <a:lstStyle/>
           <a:p>
-            <a:endParaRPr lang="zh-CN" altLang="en-US"/>
+            <a:r>
+              <a:rPr lang="zh-CN" altLang="en-US" dirty="0" smtClean="0"/>
+              <a:t>标题</a:t>
+            </a:r>
+            <a:endParaRPr lang="en-US" altLang="zh-CN" dirty="0" smtClean="0"/>
+          </a:p>
+          <a:p>
+            <a:pPr lvl="1"/>
+            <a:r>
+              <a:rPr lang="zh-CN" altLang="en-US" dirty="0"/>
+              <a:t>下</a:t>
+            </a:r>
+            <a:r>
+              <a:rPr lang="zh-CN" altLang="en-US" dirty="0" smtClean="0"/>
+              <a:t>图中使用了专门给当前</a:t>
+            </a:r>
+            <a:r>
+              <a:rPr lang="en-US" altLang="zh-CN" dirty="0" smtClean="0"/>
+              <a:t>active</a:t>
+            </a:r>
+            <a:r>
+              <a:rPr lang="zh-CN" altLang="en-US" dirty="0" smtClean="0"/>
+              <a:t>图片添加标题的命令，与</a:t>
+            </a:r>
+            <a:r>
+              <a:rPr lang="en-US" altLang="zh-CN" dirty="0" smtClean="0"/>
+              <a:t>plot</a:t>
+            </a:r>
+            <a:r>
+              <a:rPr lang="zh-CN" altLang="en-US" dirty="0" smtClean="0"/>
+              <a:t>内部参数一致</a:t>
+            </a:r>
+            <a:endParaRPr lang="en-US" altLang="zh-CN" dirty="0" smtClean="0"/>
+          </a:p>
+          <a:p>
+            <a:pPr lvl="1"/>
+            <a:r>
+              <a:rPr lang="zh-CN" altLang="en-US" dirty="0" smtClean="0"/>
+              <a:t>其中涉及参数</a:t>
+            </a:r>
+            <a:endParaRPr lang="en-US" altLang="zh-CN" dirty="0" smtClean="0"/>
+          </a:p>
+          <a:p>
+            <a:pPr lvl="2"/>
+            <a:r>
+              <a:rPr lang="en-US" altLang="zh-CN" dirty="0" smtClean="0"/>
+              <a:t>main </a:t>
+            </a:r>
+            <a:r>
+              <a:rPr lang="zh-CN" altLang="en-US" dirty="0" smtClean="0"/>
+              <a:t>图片标题</a:t>
+            </a:r>
+            <a:endParaRPr lang="en-US" altLang="zh-CN" dirty="0" smtClean="0"/>
+          </a:p>
+          <a:p>
+            <a:pPr lvl="2"/>
+            <a:r>
+              <a:rPr lang="en-US" altLang="zh-CN" dirty="0" smtClean="0"/>
+              <a:t>sub </a:t>
+            </a:r>
+            <a:r>
+              <a:rPr lang="zh-CN" altLang="en-US" dirty="0" smtClean="0"/>
+              <a:t>图片副标题</a:t>
+            </a:r>
+            <a:endParaRPr lang="en-US" altLang="zh-CN" dirty="0" smtClean="0"/>
+          </a:p>
+          <a:p>
+            <a:pPr lvl="2"/>
+            <a:r>
+              <a:rPr lang="en-US" altLang="zh-CN" dirty="0" err="1" smtClean="0"/>
+              <a:t>xlab</a:t>
+            </a:r>
+            <a:r>
+              <a:rPr lang="en-US" altLang="zh-CN" dirty="0" smtClean="0"/>
+              <a:t> </a:t>
+            </a:r>
+            <a:r>
+              <a:rPr lang="en-US" altLang="zh-CN" dirty="0" err="1" smtClean="0"/>
+              <a:t>ylab</a:t>
+            </a:r>
+            <a:r>
+              <a:rPr lang="en-US" altLang="zh-CN" dirty="0" smtClean="0"/>
+              <a:t> x</a:t>
+            </a:r>
+            <a:r>
+              <a:rPr lang="zh-CN" altLang="en-US" dirty="0" smtClean="0"/>
+              <a:t>轴和</a:t>
+            </a:r>
+            <a:r>
+              <a:rPr lang="en-US" altLang="zh-CN" dirty="0" smtClean="0"/>
+              <a:t>y</a:t>
+            </a:r>
+            <a:r>
+              <a:rPr lang="zh-CN" altLang="en-US" dirty="0" smtClean="0"/>
+              <a:t>轴标题</a:t>
+            </a:r>
+            <a:endParaRPr lang="en-US" altLang="zh-CN" dirty="0" smtClean="0"/>
+          </a:p>
+          <a:p>
+            <a:pPr lvl="2"/>
+            <a:r>
+              <a:rPr lang="en-US" altLang="zh-CN" dirty="0" smtClean="0"/>
+              <a:t>col. </a:t>
+            </a:r>
+            <a:r>
+              <a:rPr lang="zh-CN" altLang="en-US" dirty="0" smtClean="0"/>
+              <a:t>为</a:t>
+            </a:r>
+            <a:r>
+              <a:rPr lang="en-US" altLang="zh-CN" dirty="0" smtClean="0"/>
+              <a:t>main sub </a:t>
+            </a:r>
+            <a:r>
+              <a:rPr lang="en-US" altLang="zh-CN" dirty="0" err="1" smtClean="0"/>
+              <a:t>xlab</a:t>
+            </a:r>
+            <a:r>
+              <a:rPr lang="en-US" altLang="zh-CN" dirty="0" smtClean="0"/>
+              <a:t> </a:t>
+            </a:r>
+            <a:r>
+              <a:rPr lang="en-US" altLang="zh-CN" dirty="0" err="1" smtClean="0"/>
+              <a:t>ylab</a:t>
+            </a:r>
+            <a:r>
+              <a:rPr lang="zh-CN" altLang="en-US" dirty="0" smtClean="0"/>
+              <a:t>等配置颜色</a:t>
+            </a:r>
+            <a:endParaRPr lang="en-US" altLang="zh-CN" dirty="0" smtClean="0"/>
+          </a:p>
+          <a:p>
+            <a:pPr lvl="1"/>
+            <a:r>
+              <a:rPr lang="zh-CN" altLang="en-US" dirty="0" smtClean="0"/>
+              <a:t>以上参数都可以合并在</a:t>
+            </a:r>
+            <a:r>
+              <a:rPr lang="en-US" altLang="zh-CN" dirty="0" smtClean="0"/>
+              <a:t>plot</a:t>
+            </a:r>
+            <a:r>
+              <a:rPr lang="zh-CN" altLang="en-US" dirty="0" smtClean="0"/>
+              <a:t>命令当中进行</a:t>
+            </a:r>
+            <a:endParaRPr lang="zh-CN" altLang="en-US" dirty="0"/>
+          </a:p>
+        </p:txBody>
+      </p:sp>
+      <p:sp>
+        <p:nvSpPr>
+          <p:cNvPr id="4" name="Rectangle 6"/>
+          <p:cNvSpPr>
+            <a:spLocks noChangeArrowheads="1"/>
+          </p:cNvSpPr>
+          <p:nvPr/>
+        </p:nvSpPr>
+        <p:spPr bwMode="auto">
+          <a:xfrm>
+            <a:off x="1706135" y="4492757"/>
+            <a:ext cx="5680432" cy="957355"/>
+          </a:xfrm>
+          <a:prstGeom prst="rect">
+            <a:avLst/>
+          </a:prstGeom>
+          <a:noFill/>
+          <a:ln w="19050">
+            <a:solidFill>
+              <a:schemeClr val="hlink"/>
+            </a:solidFill>
+            <a:miter lim="800000"/>
+            <a:headEnd/>
+            <a:tailEnd/>
+          </a:ln>
+          <a:effectLst/>
+          <a:extLst>
+            <a:ext uri="{909E8E84-426E-40dd-AFC4-6F175D3DCCD1}">
+              <a14:hiddenFill xmlns="" xmlns:a14="http://schemas.microsoft.com/office/drawing/2010/main" xmlns:lc="http://schemas.openxmlformats.org/drawingml/2006/lockedCanvas">
+                <a:solidFill>
+                  <a:schemeClr val="accent1"/>
+                </a:solidFill>
+              </a14:hiddenFill>
+            </a:ext>
+            <a:ext uri="{AF507438-7753-43e0-B8FC-AC1667EBCBE1}">
+              <a14:hiddenEffects xmlns="" xmlns:a14="http://schemas.microsoft.com/office/drawing/2010/main" xmlns:lc="http://schemas.openxmlformats.org/drawingml/2006/lockedCanvas">
+                <a:effectLst>
+                  <a:outerShdw blurRad="63500" dist="12700" dir="2700000" algn="ctr" rotWithShape="0">
+                    <a:schemeClr val="hlink">
+                      <a:gamma/>
+                      <a:shade val="60000"/>
+                      <a:invGamma/>
+                      <a:alpha val="75000"/>
+                    </a:schemeClr>
+                  </a:outerShdw>
+                </a:effectLst>
+              </a14:hiddenEffects>
+            </a:ext>
+          </a:extLst>
+        </p:spPr>
+        <p:txBody>
+          <a:bodyPr wrap="square" tIns="90000" bIns="90000">
+            <a:spAutoFit/>
+          </a:bodyPr>
+          <a:lstStyle>
+            <a:defPPr>
+              <a:defRPr lang="en-US"/>
+            </a:defPPr>
+            <a:lvl1pPr algn="l" rtl="0" fontAlgn="base">
+              <a:spcBef>
+                <a:spcPct val="0"/>
+              </a:spcBef>
+              <a:spcAft>
+                <a:spcPct val="0"/>
+              </a:spcAft>
+              <a:defRPr sz="2000" kern="1200">
+                <a:solidFill>
+                  <a:schemeClr val="tx1"/>
+                </a:solidFill>
+                <a:latin typeface="Helvetica" panose="020B0604020202020204" pitchFamily="34" charset="0"/>
+                <a:ea typeface="MS PGothic" panose="020B0600070205080204" pitchFamily="34" charset="-128"/>
+                <a:cs typeface="+mn-cs"/>
+              </a:defRPr>
+            </a:lvl1pPr>
+            <a:lvl2pPr marL="457200" algn="l" rtl="0" fontAlgn="base">
+              <a:spcBef>
+                <a:spcPct val="0"/>
+              </a:spcBef>
+              <a:spcAft>
+                <a:spcPct val="0"/>
+              </a:spcAft>
+              <a:defRPr sz="2000" kern="1200">
+                <a:solidFill>
+                  <a:schemeClr val="tx1"/>
+                </a:solidFill>
+                <a:latin typeface="Helvetica" panose="020B0604020202020204" pitchFamily="34" charset="0"/>
+                <a:ea typeface="MS PGothic" panose="020B0600070205080204" pitchFamily="34" charset="-128"/>
+                <a:cs typeface="+mn-cs"/>
+              </a:defRPr>
+            </a:lvl2pPr>
+            <a:lvl3pPr marL="914400" algn="l" rtl="0" fontAlgn="base">
+              <a:spcBef>
+                <a:spcPct val="0"/>
+              </a:spcBef>
+              <a:spcAft>
+                <a:spcPct val="0"/>
+              </a:spcAft>
+              <a:defRPr sz="2000" kern="1200">
+                <a:solidFill>
+                  <a:schemeClr val="tx1"/>
+                </a:solidFill>
+                <a:latin typeface="Helvetica" panose="020B0604020202020204" pitchFamily="34" charset="0"/>
+                <a:ea typeface="MS PGothic" panose="020B0600070205080204" pitchFamily="34" charset="-128"/>
+                <a:cs typeface="+mn-cs"/>
+              </a:defRPr>
+            </a:lvl3pPr>
+            <a:lvl4pPr marL="1371600" algn="l" rtl="0" fontAlgn="base">
+              <a:spcBef>
+                <a:spcPct val="0"/>
+              </a:spcBef>
+              <a:spcAft>
+                <a:spcPct val="0"/>
+              </a:spcAft>
+              <a:defRPr sz="2000" kern="1200">
+                <a:solidFill>
+                  <a:schemeClr val="tx1"/>
+                </a:solidFill>
+                <a:latin typeface="Helvetica" panose="020B0604020202020204" pitchFamily="34" charset="0"/>
+                <a:ea typeface="MS PGothic" panose="020B0600070205080204" pitchFamily="34" charset="-128"/>
+                <a:cs typeface="+mn-cs"/>
+              </a:defRPr>
+            </a:lvl4pPr>
+            <a:lvl5pPr marL="1828800" algn="l" rtl="0" fontAlgn="base">
+              <a:spcBef>
+                <a:spcPct val="0"/>
+              </a:spcBef>
+              <a:spcAft>
+                <a:spcPct val="0"/>
+              </a:spcAft>
+              <a:defRPr sz="2000" kern="1200">
+                <a:solidFill>
+                  <a:schemeClr val="tx1"/>
+                </a:solidFill>
+                <a:latin typeface="Helvetica" panose="020B0604020202020204" pitchFamily="34" charset="0"/>
+                <a:ea typeface="MS PGothic" panose="020B0600070205080204" pitchFamily="34" charset="-128"/>
+                <a:cs typeface="+mn-cs"/>
+              </a:defRPr>
+            </a:lvl5pPr>
+            <a:lvl6pPr marL="2286000" algn="l" defTabSz="914400" rtl="0" eaLnBrk="1" latinLnBrk="0" hangingPunct="1">
+              <a:defRPr sz="2000" kern="1200">
+                <a:solidFill>
+                  <a:schemeClr val="tx1"/>
+                </a:solidFill>
+                <a:latin typeface="Helvetica" panose="020B0604020202020204" pitchFamily="34" charset="0"/>
+                <a:ea typeface="MS PGothic" panose="020B0600070205080204" pitchFamily="34" charset="-128"/>
+                <a:cs typeface="+mn-cs"/>
+              </a:defRPr>
+            </a:lvl6pPr>
+            <a:lvl7pPr marL="2743200" algn="l" defTabSz="914400" rtl="0" eaLnBrk="1" latinLnBrk="0" hangingPunct="1">
+              <a:defRPr sz="2000" kern="1200">
+                <a:solidFill>
+                  <a:schemeClr val="tx1"/>
+                </a:solidFill>
+                <a:latin typeface="Helvetica" panose="020B0604020202020204" pitchFamily="34" charset="0"/>
+                <a:ea typeface="MS PGothic" panose="020B0600070205080204" pitchFamily="34" charset="-128"/>
+                <a:cs typeface="+mn-cs"/>
+              </a:defRPr>
+            </a:lvl7pPr>
+            <a:lvl8pPr marL="3200400" algn="l" defTabSz="914400" rtl="0" eaLnBrk="1" latinLnBrk="0" hangingPunct="1">
+              <a:defRPr sz="2000" kern="1200">
+                <a:solidFill>
+                  <a:schemeClr val="tx1"/>
+                </a:solidFill>
+                <a:latin typeface="Helvetica" panose="020B0604020202020204" pitchFamily="34" charset="0"/>
+                <a:ea typeface="MS PGothic" panose="020B0600070205080204" pitchFamily="34" charset="-128"/>
+                <a:cs typeface="+mn-cs"/>
+              </a:defRPr>
+            </a:lvl8pPr>
+            <a:lvl9pPr marL="3657600" algn="l" defTabSz="914400" rtl="0" eaLnBrk="1" latinLnBrk="0" hangingPunct="1">
+              <a:defRPr sz="2000" kern="1200">
+                <a:solidFill>
+                  <a:schemeClr val="tx1"/>
+                </a:solidFill>
+                <a:latin typeface="Helvetica" panose="020B0604020202020204" pitchFamily="34" charset="0"/>
+                <a:ea typeface="MS PGothic" panose="020B0600070205080204" pitchFamily="34" charset="-128"/>
+                <a:cs typeface="+mn-cs"/>
+              </a:defRPr>
+            </a:lvl9pPr>
+          </a:lstStyle>
+          <a:p>
+            <a:pPr eaLnBrk="0" hangingPunct="0">
+              <a:lnSpc>
+                <a:spcPct val="120000"/>
+              </a:lnSpc>
+              <a:defRPr/>
+            </a:pPr>
+            <a:r>
+              <a:rPr lang="en-US" sz="1400" dirty="0" smtClean="0">
+                <a:solidFill>
+                  <a:srgbClr val="0000FF"/>
+                </a:solidFill>
+                <a:latin typeface="Times New Roman" panose="02020603050405020304" pitchFamily="18" charset="0"/>
+                <a:ea typeface="ＭＳ Ｐゴシック" charset="0"/>
+                <a:cs typeface="Times New Roman" panose="02020603050405020304" pitchFamily="18" charset="0"/>
+              </a:rPr>
+              <a:t>&gt;title(main=“main title”, sub=“sub-title”, </a:t>
+            </a:r>
+            <a:r>
+              <a:rPr lang="en-US" sz="1400" dirty="0" err="1" smtClean="0">
+                <a:solidFill>
+                  <a:srgbClr val="0000FF"/>
+                </a:solidFill>
+                <a:latin typeface="Times New Roman" panose="02020603050405020304" pitchFamily="18" charset="0"/>
+                <a:ea typeface="ＭＳ Ｐゴシック" charset="0"/>
+                <a:cs typeface="Times New Roman" panose="02020603050405020304" pitchFamily="18" charset="0"/>
+              </a:rPr>
+              <a:t>xlab</a:t>
+            </a:r>
+            <a:r>
+              <a:rPr lang="en-US" sz="1400" dirty="0" smtClean="0">
+                <a:solidFill>
+                  <a:srgbClr val="0000FF"/>
+                </a:solidFill>
+                <a:latin typeface="Times New Roman" panose="02020603050405020304" pitchFamily="18" charset="0"/>
+                <a:ea typeface="ＭＳ Ｐゴシック" charset="0"/>
+                <a:cs typeface="Times New Roman" panose="02020603050405020304" pitchFamily="18" charset="0"/>
+              </a:rPr>
+              <a:t>=“This is label of x”, </a:t>
+            </a:r>
+            <a:r>
+              <a:rPr lang="en-US" sz="1400" dirty="0" err="1" smtClean="0">
+                <a:solidFill>
+                  <a:srgbClr val="0000FF"/>
+                </a:solidFill>
+                <a:latin typeface="Times New Roman" panose="02020603050405020304" pitchFamily="18" charset="0"/>
+                <a:ea typeface="ＭＳ Ｐゴシック" charset="0"/>
+                <a:cs typeface="Times New Roman" panose="02020603050405020304" pitchFamily="18" charset="0"/>
+              </a:rPr>
+              <a:t>ylab</a:t>
+            </a:r>
+            <a:r>
+              <a:rPr lang="en-US" sz="1400" dirty="0" smtClean="0">
+                <a:solidFill>
+                  <a:srgbClr val="0000FF"/>
+                </a:solidFill>
+                <a:latin typeface="Times New Roman" panose="02020603050405020304" pitchFamily="18" charset="0"/>
+                <a:ea typeface="ＭＳ Ｐゴシック" charset="0"/>
+                <a:cs typeface="Times New Roman" panose="02020603050405020304" pitchFamily="18" charset="0"/>
+              </a:rPr>
+              <a:t>=“this is y label”, </a:t>
+            </a:r>
+            <a:r>
+              <a:rPr lang="en-US" sz="1400" dirty="0" err="1" smtClean="0">
+                <a:solidFill>
+                  <a:srgbClr val="0000FF"/>
+                </a:solidFill>
+                <a:latin typeface="Times New Roman" panose="02020603050405020304" pitchFamily="18" charset="0"/>
+                <a:ea typeface="ＭＳ Ｐゴシック" charset="0"/>
+                <a:cs typeface="Times New Roman" panose="02020603050405020304" pitchFamily="18" charset="0"/>
+              </a:rPr>
+              <a:t>col.main</a:t>
+            </a:r>
+            <a:r>
+              <a:rPr lang="en-US" sz="1400" dirty="0" smtClean="0">
+                <a:solidFill>
+                  <a:srgbClr val="0000FF"/>
+                </a:solidFill>
+                <a:latin typeface="Times New Roman" panose="02020603050405020304" pitchFamily="18" charset="0"/>
+                <a:ea typeface="ＭＳ Ｐゴシック" charset="0"/>
+                <a:cs typeface="Times New Roman" panose="02020603050405020304" pitchFamily="18" charset="0"/>
+              </a:rPr>
+              <a:t>=“green”,</a:t>
+            </a:r>
+            <a:r>
+              <a:rPr lang="en-US" sz="1400" dirty="0" err="1" smtClean="0">
+                <a:solidFill>
+                  <a:srgbClr val="0000FF"/>
+                </a:solidFill>
+                <a:latin typeface="Times New Roman" panose="02020603050405020304" pitchFamily="18" charset="0"/>
+                <a:ea typeface="ＭＳ Ｐゴシック" charset="0"/>
+                <a:cs typeface="Times New Roman" panose="02020603050405020304" pitchFamily="18" charset="0"/>
+              </a:rPr>
+              <a:t>col.sub</a:t>
+            </a:r>
+            <a:r>
+              <a:rPr lang="en-US" sz="1400" dirty="0" smtClean="0">
+                <a:solidFill>
+                  <a:srgbClr val="0000FF"/>
+                </a:solidFill>
+                <a:latin typeface="Times New Roman" panose="02020603050405020304" pitchFamily="18" charset="0"/>
+                <a:ea typeface="ＭＳ Ｐゴシック" charset="0"/>
+                <a:cs typeface="Times New Roman" panose="02020603050405020304" pitchFamily="18" charset="0"/>
+              </a:rPr>
+              <a:t>=“red”,</a:t>
+            </a:r>
+            <a:r>
+              <a:rPr lang="en-US" sz="1400" dirty="0" err="1" smtClean="0">
+                <a:solidFill>
+                  <a:srgbClr val="0000FF"/>
+                </a:solidFill>
+                <a:latin typeface="Times New Roman" panose="02020603050405020304" pitchFamily="18" charset="0"/>
+                <a:ea typeface="ＭＳ Ｐゴシック" charset="0"/>
+                <a:cs typeface="Times New Roman" panose="02020603050405020304" pitchFamily="18" charset="0"/>
+              </a:rPr>
+              <a:t>col.lab</a:t>
+            </a:r>
+            <a:r>
+              <a:rPr lang="en-US" sz="1400" dirty="0" smtClean="0">
+                <a:solidFill>
+                  <a:srgbClr val="0000FF"/>
+                </a:solidFill>
+                <a:latin typeface="Times New Roman" panose="02020603050405020304" pitchFamily="18" charset="0"/>
+                <a:ea typeface="ＭＳ Ｐゴシック" charset="0"/>
+                <a:cs typeface="Times New Roman" panose="02020603050405020304" pitchFamily="18" charset="0"/>
+              </a:rPr>
+              <a:t>=“blue”)</a:t>
+            </a:r>
+            <a:endParaRPr lang="en-US" sz="1400" dirty="0">
+              <a:solidFill>
+                <a:srgbClr val="0000FF"/>
+              </a:solidFill>
+              <a:latin typeface="Times New Roman" panose="02020603050405020304" pitchFamily="18" charset="0"/>
+              <a:ea typeface="ＭＳ Ｐゴシック" charset="0"/>
+              <a:cs typeface="Times New Roman" panose="02020603050405020304" pitchFamily="18" charset="0"/>
+            </a:endParaRPr>
+          </a:p>
+          <a:p>
+            <a:pPr eaLnBrk="0" hangingPunct="0">
+              <a:lnSpc>
+                <a:spcPct val="120000"/>
+              </a:lnSpc>
+              <a:defRPr/>
+            </a:pPr>
+            <a:r>
+              <a:rPr lang="en-US" sz="1400" dirty="0" smtClean="0">
+                <a:solidFill>
+                  <a:srgbClr val="0000FF"/>
+                </a:solidFill>
+                <a:latin typeface="Times New Roman" panose="02020603050405020304" pitchFamily="18" charset="0"/>
+                <a:ea typeface="ＭＳ Ｐゴシック" charset="0"/>
+                <a:cs typeface="Times New Roman" panose="02020603050405020304" pitchFamily="18" charset="0"/>
+              </a:rPr>
+              <a:t>&gt;</a:t>
+            </a:r>
+            <a:endParaRPr lang="en-US" sz="1400" dirty="0">
+              <a:solidFill>
+                <a:srgbClr val="0000FF"/>
+              </a:solidFill>
+              <a:latin typeface="Times New Roman" panose="02020603050405020304" pitchFamily="18" charset="0"/>
+              <a:ea typeface="ＭＳ Ｐゴシック" charset="0"/>
+              <a:cs typeface="Times New Roman" panose="02020603050405020304" pitchFamily="18" charset="0"/>
+            </a:endParaRPr>
           </a:p>
         </p:txBody>
       </p:sp>
     </p:spTree>
     <p:extLst>
       <p:ext uri="{BB962C8B-B14F-4D97-AF65-F5344CB8AC3E}">
-        <p14:creationId xmlns:p14="http://schemas.microsoft.com/office/powerpoint/2010/main" val="3606073058"/>
+        <p14:creationId xmlns:p14="http://schemas.microsoft.com/office/powerpoint/2010/main" val="1520989649"/>
       </p:ext>
     </p:extLst>
   </p:cSld>
@@ -12153,12 +12289,7 @@
             <p:ph type="title"/>
           </p:nvPr>
         </p:nvSpPr>
-        <p:spPr>
-          <a:xfrm>
-            <a:off x="1097280" y="1078173"/>
-            <a:ext cx="10058400" cy="604596"/>
-          </a:xfrm>
-        </p:spPr>
+        <p:spPr/>
         <p:txBody>
           <a:bodyPr>
             <a:normAutofit/>
@@ -12166,10 +12297,10 @@
           <a:lstStyle/>
           <a:p>
             <a:r>
-              <a:rPr lang="zh-CN" altLang="en-US" sz="2400" dirty="0" smtClean="0"/>
-              <a:t>图形参数</a:t>
-            </a:r>
-            <a:endParaRPr lang="zh-CN" altLang="en-US" sz="2400" dirty="0"/>
+              <a:rPr lang="zh-CN" altLang="en-US" sz="2800" dirty="0" smtClean="0"/>
+              <a:t>设置坐标轴范围</a:t>
+            </a:r>
+            <a:endParaRPr lang="zh-CN" altLang="en-US" sz="2800" dirty="0"/>
           </a:p>
         </p:txBody>
       </p:sp>
@@ -12188,159 +12319,14 @@
           <a:bodyPr/>
           <a:lstStyle/>
           <a:p>
-            <a:r>
-              <a:rPr lang="en-US" altLang="zh-CN" dirty="0" smtClean="0"/>
-              <a:t>par : </a:t>
-            </a:r>
-            <a:r>
-              <a:rPr lang="zh-CN" altLang="en-US" dirty="0" smtClean="0"/>
-              <a:t>设置或查看图形参数</a:t>
-            </a:r>
-            <a:endParaRPr lang="en-US" altLang="zh-CN" dirty="0" smtClean="0"/>
-          </a:p>
-          <a:p>
-            <a:r>
-              <a:rPr lang="en-US" altLang="zh-CN" dirty="0" smtClean="0"/>
-              <a:t>help(“par”) </a:t>
-            </a:r>
-            <a:r>
-              <a:rPr lang="zh-CN" altLang="en-US" dirty="0" smtClean="0"/>
-              <a:t>参看</a:t>
-            </a:r>
-            <a:r>
-              <a:rPr lang="en-US" altLang="zh-CN" dirty="0" smtClean="0"/>
-              <a:t>par</a:t>
-            </a:r>
-            <a:r>
-              <a:rPr lang="zh-CN" altLang="en-US" dirty="0" smtClean="0"/>
-              <a:t>的说明文档</a:t>
-            </a:r>
-            <a:endParaRPr lang="en-US" altLang="zh-CN" dirty="0" smtClean="0"/>
-          </a:p>
-          <a:p>
-            <a:pPr marL="0" indent="0">
-              <a:buNone/>
-            </a:pPr>
-            <a:r>
-              <a:rPr lang="en-US" altLang="zh-CN" dirty="0" err="1" smtClean="0"/>
-              <a:t>dev.new</a:t>
-            </a:r>
-            <a:r>
-              <a:rPr lang="en-US" altLang="zh-CN" dirty="0" smtClean="0"/>
-              <a:t>() #</a:t>
-            </a:r>
-            <a:r>
-              <a:rPr lang="zh-CN" altLang="en-US" dirty="0" smtClean="0"/>
-              <a:t>创建一个新的空白画图板</a:t>
-            </a:r>
-            <a:endParaRPr lang="en-US" altLang="zh-CN" dirty="0" smtClean="0"/>
-          </a:p>
-          <a:p>
-            <a:pPr marL="0" indent="0">
-              <a:buNone/>
-            </a:pPr>
-            <a:r>
-              <a:rPr lang="en-US" altLang="zh-CN" dirty="0" smtClean="0"/>
-              <a:t>par() #</a:t>
-            </a:r>
-            <a:r>
-              <a:rPr lang="zh-CN" altLang="en-US" dirty="0" smtClean="0"/>
-              <a:t>默认状态下返回当前图形参数设置</a:t>
-            </a:r>
-            <a:endParaRPr lang="en-US" altLang="zh-CN" dirty="0" smtClean="0"/>
-          </a:p>
-          <a:p>
-            <a:pPr marL="0" indent="0">
-              <a:buNone/>
-            </a:pPr>
-            <a:r>
-              <a:rPr lang="en-US" altLang="zh-CN" dirty="0" smtClean="0"/>
-              <a:t>par(</a:t>
-            </a:r>
-            <a:r>
-              <a:rPr lang="en-US" altLang="zh-CN" dirty="0" err="1" smtClean="0"/>
-              <a:t>optionname</a:t>
-            </a:r>
-            <a:r>
-              <a:rPr lang="en-US" altLang="zh-CN" dirty="0" smtClean="0"/>
-              <a:t>=name,……) #</a:t>
-            </a:r>
-            <a:r>
-              <a:rPr lang="zh-CN" altLang="en-US" dirty="0" smtClean="0"/>
-              <a:t>修改图形参数</a:t>
-            </a:r>
-            <a:endParaRPr lang="en-US" altLang="zh-CN" dirty="0" smtClean="0"/>
-          </a:p>
-          <a:p>
-            <a:pPr marL="0" indent="0">
-              <a:buNone/>
-            </a:pPr>
-            <a:r>
-              <a:rPr lang="en-US" altLang="zh-CN" dirty="0" err="1" smtClean="0"/>
-              <a:t>opar</a:t>
-            </a:r>
-            <a:r>
-              <a:rPr lang="en-US" altLang="zh-CN" dirty="0" smtClean="0"/>
-              <a:t>&lt;- par(</a:t>
-            </a:r>
-            <a:r>
-              <a:rPr lang="en-US" altLang="zh-CN" dirty="0" err="1" smtClean="0"/>
-              <a:t>no.readonly</a:t>
-            </a:r>
-            <a:r>
-              <a:rPr lang="en-US" altLang="zh-CN" dirty="0" smtClean="0"/>
-              <a:t>=TRUE) #</a:t>
-            </a:r>
-            <a:r>
-              <a:rPr lang="zh-CN" altLang="en-US" dirty="0" smtClean="0"/>
-              <a:t>生成可修改的图形参数，并保存在变量</a:t>
-            </a:r>
-            <a:r>
-              <a:rPr lang="en-US" altLang="zh-CN" dirty="0" err="1" smtClean="0"/>
-              <a:t>opar</a:t>
-            </a:r>
-            <a:r>
-              <a:rPr lang="zh-CN" altLang="en-US" dirty="0" smtClean="0"/>
-              <a:t>当中，</a:t>
-            </a:r>
-            <a:endParaRPr lang="en-US" altLang="zh-CN" dirty="0" smtClean="0"/>
-          </a:p>
-          <a:p>
-            <a:pPr marL="0" indent="0">
-              <a:buNone/>
-            </a:pPr>
-            <a:r>
-              <a:rPr lang="en-US" altLang="zh-CN" dirty="0" smtClean="0"/>
-              <a:t>par(</a:t>
-            </a:r>
-            <a:r>
-              <a:rPr lang="en-US" altLang="zh-CN" dirty="0" err="1" smtClean="0"/>
-              <a:t>opar</a:t>
-            </a:r>
-            <a:r>
-              <a:rPr lang="en-US" altLang="zh-CN" dirty="0" smtClean="0"/>
-              <a:t>) #</a:t>
-            </a:r>
-            <a:r>
-              <a:rPr lang="zh-CN" altLang="en-US" dirty="0" smtClean="0"/>
-              <a:t>恢复存储在变量</a:t>
-            </a:r>
-            <a:r>
-              <a:rPr lang="en-US" altLang="zh-CN" dirty="0" err="1" smtClean="0"/>
-              <a:t>opar</a:t>
-            </a:r>
-            <a:r>
-              <a:rPr lang="zh-CN" altLang="en-US" dirty="0" smtClean="0"/>
-              <a:t>中的参数设置</a:t>
-            </a:r>
-            <a:endParaRPr lang="zh-CN" altLang="en-US" dirty="0"/>
+            <a:endParaRPr lang="zh-CN" altLang="en-US"/>
           </a:p>
         </p:txBody>
       </p:sp>
     </p:spTree>
     <p:extLst>
       <p:ext uri="{BB962C8B-B14F-4D97-AF65-F5344CB8AC3E}">
-        <p14:creationId xmlns:p14="http://schemas.microsoft.com/office/powerpoint/2010/main" val="3717153628"/>
+        <p14:creationId xmlns:p14="http://schemas.microsoft.com/office/powerpoint/2010/main" val="3606073058"/>
       </p:ext>
     </p:extLst>
   </p:cSld>
@@ -12384,7 +12370,12 @@
             <p:ph type="title"/>
           </p:nvPr>
         </p:nvSpPr>
-        <p:spPr/>
+        <p:spPr>
+          <a:xfrm>
+            <a:off x="1097280" y="1078173"/>
+            <a:ext cx="10058400" cy="604596"/>
+          </a:xfrm>
+        </p:spPr>
         <p:txBody>
           <a:bodyPr>
             <a:normAutofit/>
@@ -12392,10 +12383,10 @@
           <a:lstStyle/>
           <a:p>
             <a:r>
-              <a:rPr lang="zh-CN" altLang="en-US" sz="3200" dirty="0" smtClean="0"/>
-              <a:t>界面参数</a:t>
-            </a:r>
-            <a:endParaRPr lang="zh-CN" altLang="en-US" sz="3200" dirty="0"/>
+              <a:rPr lang="zh-CN" altLang="en-US" sz="2400" dirty="0" smtClean="0"/>
+              <a:t>图形参数</a:t>
+            </a:r>
+            <a:endParaRPr lang="zh-CN" altLang="en-US" sz="2400" dirty="0"/>
           </a:p>
         </p:txBody>
       </p:sp>
@@ -12414,6 +12405,151 @@
           <a:bodyPr/>
           <a:lstStyle/>
           <a:p>
+            <a:r>
+              <a:rPr lang="en-US" altLang="zh-CN" dirty="0" smtClean="0"/>
+              <a:t>par : </a:t>
+            </a:r>
+            <a:r>
+              <a:rPr lang="zh-CN" altLang="en-US" dirty="0" smtClean="0"/>
+              <a:t>设置或查看图形参数</a:t>
+            </a:r>
+            <a:endParaRPr lang="en-US" altLang="zh-CN" dirty="0" smtClean="0"/>
+          </a:p>
+          <a:p>
+            <a:r>
+              <a:rPr lang="en-US" altLang="zh-CN" dirty="0" smtClean="0"/>
+              <a:t>help(“par”) </a:t>
+            </a:r>
+            <a:r>
+              <a:rPr lang="zh-CN" altLang="en-US" dirty="0" smtClean="0"/>
+              <a:t>参看</a:t>
+            </a:r>
+            <a:r>
+              <a:rPr lang="en-US" altLang="zh-CN" dirty="0" smtClean="0"/>
+              <a:t>par</a:t>
+            </a:r>
+            <a:r>
+              <a:rPr lang="zh-CN" altLang="en-US" dirty="0" smtClean="0"/>
+              <a:t>的说明文档</a:t>
+            </a:r>
+            <a:endParaRPr lang="en-US" altLang="zh-CN" dirty="0" smtClean="0"/>
+          </a:p>
+          <a:p>
+            <a:pPr marL="0" indent="0">
+              <a:buNone/>
+            </a:pPr>
+            <a:r>
+              <a:rPr lang="en-US" altLang="zh-CN" dirty="0" err="1" smtClean="0"/>
+              <a:t>dev.new</a:t>
+            </a:r>
+            <a:r>
+              <a:rPr lang="en-US" altLang="zh-CN" dirty="0" smtClean="0"/>
+              <a:t>() #</a:t>
+            </a:r>
+            <a:r>
+              <a:rPr lang="zh-CN" altLang="en-US" dirty="0" smtClean="0"/>
+              <a:t>创建一个新的空白画图板</a:t>
+            </a:r>
+            <a:endParaRPr lang="en-US" altLang="zh-CN" dirty="0" smtClean="0"/>
+          </a:p>
+          <a:p>
+            <a:pPr marL="0" indent="0">
+              <a:buNone/>
+            </a:pPr>
+            <a:r>
+              <a:rPr lang="en-US" altLang="zh-CN" dirty="0" smtClean="0"/>
+              <a:t>par() #</a:t>
+            </a:r>
+            <a:r>
+              <a:rPr lang="zh-CN" altLang="en-US" dirty="0" smtClean="0"/>
+              <a:t>默认状态下返回当前图形参数设置</a:t>
+            </a:r>
+            <a:endParaRPr lang="en-US" altLang="zh-CN" dirty="0" smtClean="0"/>
+          </a:p>
+          <a:p>
+            <a:pPr marL="0" indent="0">
+              <a:buNone/>
+            </a:pPr>
+            <a:r>
+              <a:rPr lang="en-US" altLang="zh-CN" dirty="0" smtClean="0"/>
+              <a:t>par(</a:t>
+            </a:r>
+            <a:r>
+              <a:rPr lang="en-US" altLang="zh-CN" dirty="0" err="1" smtClean="0"/>
+              <a:t>optionname</a:t>
+            </a:r>
+            <a:r>
+              <a:rPr lang="en-US" altLang="zh-CN" dirty="0" smtClean="0"/>
+              <a:t>=name,……) #</a:t>
+            </a:r>
+            <a:r>
+              <a:rPr lang="zh-CN" altLang="en-US" dirty="0" smtClean="0"/>
+              <a:t>修改图形参数</a:t>
+            </a:r>
+            <a:endParaRPr lang="en-US" altLang="zh-CN" dirty="0" smtClean="0"/>
+          </a:p>
+          <a:p>
+            <a:pPr marL="0" indent="0">
+              <a:buNone/>
+            </a:pPr>
+            <a:r>
+              <a:rPr lang="en-US" altLang="zh-CN" dirty="0" err="1" smtClean="0"/>
+              <a:t>opar</a:t>
+            </a:r>
+            <a:r>
+              <a:rPr lang="en-US" altLang="zh-CN" dirty="0" smtClean="0"/>
+              <a:t>&lt;- par(</a:t>
+            </a:r>
+            <a:r>
+              <a:rPr lang="en-US" altLang="zh-CN" dirty="0" err="1" smtClean="0"/>
+              <a:t>no.readonly</a:t>
+            </a:r>
+            <a:r>
+              <a:rPr lang="en-US" altLang="zh-CN" dirty="0" smtClean="0"/>
+              <a:t>=TRUE) #</a:t>
+            </a:r>
+            <a:r>
+              <a:rPr lang="zh-CN" altLang="en-US" dirty="0" smtClean="0"/>
+              <a:t>生成可修改的图形参数，并保存在变量</a:t>
+            </a:r>
+            <a:r>
+              <a:rPr lang="en-US" altLang="zh-CN" dirty="0" err="1" smtClean="0"/>
+              <a:t>opar</a:t>
+            </a:r>
+            <a:r>
+              <a:rPr lang="zh-CN" altLang="en-US" dirty="0" smtClean="0"/>
+              <a:t>当中，</a:t>
+            </a:r>
+            <a:endParaRPr lang="en-US" altLang="zh-CN" dirty="0" smtClean="0"/>
+          </a:p>
+          <a:p>
+            <a:pPr marL="0" indent="0">
+              <a:buNone/>
+            </a:pPr>
+            <a:r>
+              <a:rPr lang="en-US" altLang="zh-CN" dirty="0" smtClean="0"/>
+              <a:t>par(</a:t>
+            </a:r>
+            <a:r>
+              <a:rPr lang="en-US" altLang="zh-CN" dirty="0" err="1" smtClean="0"/>
+              <a:t>opar</a:t>
+            </a:r>
+            <a:r>
+              <a:rPr lang="en-US" altLang="zh-CN" dirty="0" smtClean="0"/>
+              <a:t>) #</a:t>
+            </a:r>
+            <a:r>
+              <a:rPr lang="zh-CN" altLang="en-US" dirty="0" smtClean="0"/>
+              <a:t>恢复存储在变量</a:t>
+            </a:r>
+            <a:r>
+              <a:rPr lang="en-US" altLang="zh-CN" dirty="0" err="1" smtClean="0"/>
+              <a:t>opar</a:t>
+            </a:r>
+            <a:r>
+              <a:rPr lang="zh-CN" altLang="en-US" dirty="0" smtClean="0"/>
+              <a:t>中的参数设置</a:t>
+            </a:r>
             <a:endParaRPr lang="zh-CN" altLang="en-US" dirty="0"/>
           </a:p>
         </p:txBody>
@@ -12421,7 +12557,7 @@
     </p:spTree>
     <p:extLst>
       <p:ext uri="{BB962C8B-B14F-4D97-AF65-F5344CB8AC3E}">
-        <p14:creationId xmlns:p14="http://schemas.microsoft.com/office/powerpoint/2010/main" val="86415400"/>
+        <p14:creationId xmlns:p14="http://schemas.microsoft.com/office/powerpoint/2010/main" val="3717153628"/>
       </p:ext>
     </p:extLst>
   </p:cSld>
@@ -12544,6 +12680,87 @@
 </file>
 
 <file path=ppt/slides/slide30.xml><?xml version="1.0" encoding="utf-8"?>
+<p:sld xmlns:a="http://schemas.openxmlformats.org/drawingml/2006/main" xmlns:r="http://schemas.openxmlformats.org/officeDocument/2006/relationships" xmlns:p="http://schemas.openxmlformats.org/presentationml/2006/main">
+  <p:cSld>
+    <p:spTree>
+      <p:nvGrpSpPr>
+        <p:cNvPr id="1" name=""/>
+        <p:cNvGrpSpPr/>
+        <p:nvPr/>
+      </p:nvGrpSpPr>
+      <p:grpSpPr>
+        <a:xfrm>
+          <a:off x="0" y="0"/>
+          <a:ext cx="0" cy="0"/>
+          <a:chOff x="0" y="0"/>
+          <a:chExt cx="0" cy="0"/>
+        </a:xfrm>
+      </p:grpSpPr>
+      <p:sp>
+        <p:nvSpPr>
+          <p:cNvPr id="2" name="标题 1"/>
+          <p:cNvSpPr>
+            <a:spLocks noGrp="1"/>
+          </p:cNvSpPr>
+          <p:nvPr>
+            <p:ph type="title"/>
+          </p:nvPr>
+        </p:nvSpPr>
+        <p:spPr/>
+        <p:txBody>
+          <a:bodyPr>
+            <a:normAutofit/>
+          </a:bodyPr>
+          <a:lstStyle/>
+          <a:p>
+            <a:r>
+              <a:rPr lang="zh-CN" altLang="en-US" sz="3200" dirty="0" smtClean="0"/>
+              <a:t>界面参数</a:t>
+            </a:r>
+            <a:endParaRPr lang="zh-CN" altLang="en-US" sz="3200" dirty="0"/>
+          </a:p>
+        </p:txBody>
+      </p:sp>
+      <p:sp>
+        <p:nvSpPr>
+          <p:cNvPr id="3" name="内容占位符 2"/>
+          <p:cNvSpPr>
+            <a:spLocks noGrp="1"/>
+          </p:cNvSpPr>
+          <p:nvPr>
+            <p:ph idx="1"/>
+          </p:nvPr>
+        </p:nvSpPr>
+        <p:spPr/>
+        <p:txBody>
+          <a:bodyPr/>
+          <a:lstStyle/>
+          <a:p>
+            <a:endParaRPr lang="zh-CN" altLang="en-US" dirty="0"/>
+          </a:p>
+        </p:txBody>
+      </p:sp>
+    </p:spTree>
+    <p:extLst>
+      <p:ext uri="{BB962C8B-B14F-4D97-AF65-F5344CB8AC3E}">
+        <p14:creationId xmlns:p14="http://schemas.microsoft.com/office/powerpoint/2010/main" val="86415400"/>
+      </p:ext>
+    </p:extLst>
+  </p:cSld>
+  <p:clrMapOvr>
+    <a:masterClrMapping/>
+  </p:clrMapOvr>
+  <p:timing>
+    <p:tnLst>
+      <p:par>
+        <p:cTn id="1" dur="indefinite" restart="never" nodeType="tmRoot"/>
+      </p:par>
+    </p:tnLst>
+  </p:timing>
+</p:sld>
+</file>
+
+<file path=ppt/slides/slide31.xml><?xml version="1.0" encoding="utf-8"?>
 <p:sld xmlns:a="http://schemas.openxmlformats.org/drawingml/2006/main" xmlns:r="http://schemas.openxmlformats.org/officeDocument/2006/relationships" xmlns:p="http://schemas.openxmlformats.org/presentationml/2006/main">
   <p:cSld>
     <p:spTree>
@@ -12650,14 +12867,14 @@
           <a:effectLst/>
           <a:extLst>
             <a:ext uri="{909E8E84-426E-40dd-AFC4-6F175D3DCCD1}">
-              <a14:hiddenFill xmlns:lc="http://schemas.openxmlformats.org/drawingml/2006/lockedCanvas" xmlns:a14="http://schemas.microsoft.com/office/drawing/2010/main" xmlns="">
+              <a14:hiddenFill xmlns="" xmlns:a14="http://schemas.microsoft.com/office/drawing/2010/main" xmlns:lc="http://schemas.openxmlformats.org/drawingml/2006/lockedCanvas">
                 <a:solidFill>
                   <a:schemeClr val="accent1"/>
                 </a:solidFill>
               </a14:hiddenFill>
             </a:ext>
             <a:ext uri="{AF507438-7753-43e0-B8FC-AC1667EBCBE1}">
-              <a14:hiddenEffects xmlns:lc="http://schemas.openxmlformats.org/drawingml/2006/lockedCanvas" xmlns:a14="http://schemas.microsoft.com/office/drawing/2010/main" xmlns="">
+              <a14:hiddenEffects xmlns="" xmlns:a14="http://schemas.microsoft.com/office/drawing/2010/main" xmlns:lc="http://schemas.openxmlformats.org/drawingml/2006/lockedCanvas">
                 <a:effectLst>
                   <a:outerShdw blurRad="63500" dist="12700" dir="2700000" algn="ctr" rotWithShape="0">
                     <a:schemeClr val="hlink">
@@ -13705,7 +13922,7 @@
 </p:sld>
 </file>
 
-<file path=ppt/slides/slide31.xml><?xml version="1.0" encoding="utf-8"?>
+<file path=ppt/slides/slide32.xml><?xml version="1.0" encoding="utf-8"?>
 <p:sld xmlns:a="http://schemas.openxmlformats.org/drawingml/2006/main" xmlns:r="http://schemas.openxmlformats.org/officeDocument/2006/relationships" xmlns:p="http://schemas.openxmlformats.org/presentationml/2006/main">
   <p:cSld>
     <p:spTree>
@@ -14778,7 +14995,6 @@
               <a:rPr lang="en-US" altLang="zh-CN" dirty="0" smtClean="0"/>
               <a:t>quantile</a:t>
             </a:r>
-            <a:endParaRPr lang="en-US" altLang="zh-CN" dirty="0" smtClean="0"/>
           </a:p>
           <a:p>
             <a:pPr lvl="1"/>
@@ -15263,11 +15479,7 @@
           <a:p>
             <a:r>
               <a:rPr lang="zh-CN" altLang="en-US" dirty="0" smtClean="0"/>
-              <a:t>索引中的序号</a:t>
-            </a:r>
-            <a:r>
-              <a:rPr lang="zh-CN" altLang="en-US" dirty="0" smtClean="0"/>
-              <a:t>操作</a:t>
+              <a:t>索引中的序号操作</a:t>
             </a:r>
             <a:endParaRPr lang="en-US" altLang="zh-CN" dirty="0" smtClean="0"/>
           </a:p>

--- a/实验3-探索性分析.pptx
+++ b/实验3-探索性分析.pptx
@@ -12,16 +12,16 @@
     <p:sldId id="273" r:id="rId6"/>
     <p:sldId id="286" r:id="rId7"/>
     <p:sldId id="259" r:id="rId8"/>
-    <p:sldId id="260" r:id="rId9"/>
-    <p:sldId id="274" r:id="rId10"/>
-    <p:sldId id="270" r:id="rId11"/>
-    <p:sldId id="272" r:id="rId12"/>
-    <p:sldId id="283" r:id="rId13"/>
-    <p:sldId id="281" r:id="rId14"/>
-    <p:sldId id="282" r:id="rId15"/>
-    <p:sldId id="285" r:id="rId16"/>
-    <p:sldId id="284" r:id="rId17"/>
-    <p:sldId id="287" r:id="rId18"/>
+    <p:sldId id="274" r:id="rId9"/>
+    <p:sldId id="270" r:id="rId10"/>
+    <p:sldId id="272" r:id="rId11"/>
+    <p:sldId id="283" r:id="rId12"/>
+    <p:sldId id="281" r:id="rId13"/>
+    <p:sldId id="282" r:id="rId14"/>
+    <p:sldId id="285" r:id="rId15"/>
+    <p:sldId id="284" r:id="rId16"/>
+    <p:sldId id="287" r:id="rId17"/>
+    <p:sldId id="289" r:id="rId18"/>
     <p:sldId id="275" r:id="rId19"/>
     <p:sldId id="277" r:id="rId20"/>
     <p:sldId id="278" r:id="rId21"/>
@@ -369,7 +369,7 @@
           <a:p>
             <a:fld id="{22B5609F-EBEC-463B-AA32-A5BE38243DB0}" type="datetimeFigureOut">
               <a:rPr lang="zh-CN" altLang="en-US" smtClean="0"/>
-              <a:t>2017/10/7</a:t>
+              <a:t>2017/10/8</a:t>
             </a:fld>
             <a:endParaRPr lang="zh-CN" altLang="en-US"/>
           </a:p>
@@ -577,7 +577,7 @@
           <a:p>
             <a:fld id="{22B5609F-EBEC-463B-AA32-A5BE38243DB0}" type="datetimeFigureOut">
               <a:rPr lang="zh-CN" altLang="en-US" smtClean="0"/>
-              <a:t>2017/10/7</a:t>
+              <a:t>2017/10/8</a:t>
             </a:fld>
             <a:endParaRPr lang="zh-CN" altLang="en-US"/>
           </a:p>
@@ -833,7 +833,7 @@
           <a:p>
             <a:fld id="{22B5609F-EBEC-463B-AA32-A5BE38243DB0}" type="datetimeFigureOut">
               <a:rPr lang="zh-CN" altLang="en-US" smtClean="0"/>
-              <a:t>2017/10/7</a:t>
+              <a:t>2017/10/8</a:t>
             </a:fld>
             <a:endParaRPr lang="zh-CN" altLang="en-US"/>
           </a:p>
@@ -1044,7 +1044,7 @@
           <a:p>
             <a:fld id="{22B5609F-EBEC-463B-AA32-A5BE38243DB0}" type="datetimeFigureOut">
               <a:rPr lang="zh-CN" altLang="en-US" smtClean="0"/>
-              <a:t>2017/10/7</a:t>
+              <a:t>2017/10/8</a:t>
             </a:fld>
             <a:endParaRPr lang="zh-CN" altLang="en-US"/>
           </a:p>
@@ -1386,7 +1386,7 @@
           <a:p>
             <a:fld id="{22B5609F-EBEC-463B-AA32-A5BE38243DB0}" type="datetimeFigureOut">
               <a:rPr lang="zh-CN" altLang="en-US" smtClean="0"/>
-              <a:t>2017/10/7</a:t>
+              <a:t>2017/10/8</a:t>
             </a:fld>
             <a:endParaRPr lang="zh-CN" altLang="en-US"/>
           </a:p>
@@ -1661,7 +1661,7 @@
           <a:p>
             <a:fld id="{22B5609F-EBEC-463B-AA32-A5BE38243DB0}" type="datetimeFigureOut">
               <a:rPr lang="zh-CN" altLang="en-US" smtClean="0"/>
-              <a:t>2017/10/7</a:t>
+              <a:t>2017/10/8</a:t>
             </a:fld>
             <a:endParaRPr lang="zh-CN" altLang="en-US"/>
           </a:p>
@@ -2040,7 +2040,7 @@
           <a:p>
             <a:fld id="{22B5609F-EBEC-463B-AA32-A5BE38243DB0}" type="datetimeFigureOut">
               <a:rPr lang="zh-CN" altLang="en-US" smtClean="0"/>
-              <a:t>2017/10/7</a:t>
+              <a:t>2017/10/8</a:t>
             </a:fld>
             <a:endParaRPr lang="zh-CN" altLang="en-US"/>
           </a:p>
@@ -2158,7 +2158,7 @@
           <a:p>
             <a:fld id="{22B5609F-EBEC-463B-AA32-A5BE38243DB0}" type="datetimeFigureOut">
               <a:rPr lang="zh-CN" altLang="en-US" smtClean="0"/>
-              <a:t>2017/10/7</a:t>
+              <a:t>2017/10/8</a:t>
             </a:fld>
             <a:endParaRPr lang="zh-CN" altLang="en-US"/>
           </a:p>
@@ -2344,7 +2344,7 @@
           <a:p>
             <a:fld id="{22B5609F-EBEC-463B-AA32-A5BE38243DB0}" type="datetimeFigureOut">
               <a:rPr lang="zh-CN" altLang="en-US" smtClean="0"/>
-              <a:t>2017/10/7</a:t>
+              <a:t>2017/10/8</a:t>
             </a:fld>
             <a:endParaRPr lang="zh-CN" altLang="en-US"/>
           </a:p>
@@ -2705,7 +2705,7 @@
           <a:p>
             <a:fld id="{22B5609F-EBEC-463B-AA32-A5BE38243DB0}" type="datetimeFigureOut">
               <a:rPr lang="zh-CN" altLang="en-US" smtClean="0"/>
-              <a:t>2017/10/7</a:t>
+              <a:t>2017/10/8</a:t>
             </a:fld>
             <a:endParaRPr lang="zh-CN" altLang="en-US"/>
           </a:p>
@@ -3087,7 +3087,7 @@
           <a:p>
             <a:fld id="{22B5609F-EBEC-463B-AA32-A5BE38243DB0}" type="datetimeFigureOut">
               <a:rPr lang="zh-CN" altLang="en-US" smtClean="0"/>
-              <a:t>2017/10/7</a:t>
+              <a:t>2017/10/8</a:t>
             </a:fld>
             <a:endParaRPr lang="zh-CN" altLang="en-US"/>
           </a:p>
@@ -3374,7 +3374,7 @@
           <a:p>
             <a:fld id="{22B5609F-EBEC-463B-AA32-A5BE38243DB0}" type="datetimeFigureOut">
               <a:rPr lang="zh-CN" altLang="en-US" smtClean="0"/>
-              <a:t>2017/10/7</a:t>
+              <a:t>2017/10/8</a:t>
             </a:fld>
             <a:endParaRPr lang="zh-CN" altLang="en-US"/>
           </a:p>
@@ -4052,538 +4052,6 @@
         </p:nvSpPr>
         <p:spPr/>
         <p:txBody>
-          <a:bodyPr>
-            <a:normAutofit/>
-          </a:bodyPr>
-          <a:lstStyle/>
-          <a:p>
-            <a:r>
-              <a:rPr lang="zh-CN" altLang="en-US" sz="3600" dirty="0" smtClean="0"/>
-              <a:t>随机抽样</a:t>
-            </a:r>
-            <a:endParaRPr lang="zh-CN" altLang="en-US" sz="3600" dirty="0"/>
-          </a:p>
-        </p:txBody>
-      </p:sp>
-      <p:sp>
-        <p:nvSpPr>
-          <p:cNvPr id="3" name="内容占位符 2"/>
-          <p:cNvSpPr>
-            <a:spLocks noGrp="1"/>
-          </p:cNvSpPr>
-          <p:nvPr>
-            <p:ph idx="1"/>
-          </p:nvPr>
-        </p:nvSpPr>
-        <p:spPr/>
-        <p:txBody>
-          <a:bodyPr/>
-          <a:lstStyle/>
-          <a:p>
-            <a:r>
-              <a:rPr lang="zh-CN" altLang="en-US" dirty="0" smtClean="0"/>
-              <a:t>随机抽样</a:t>
-            </a:r>
-            <a:endParaRPr lang="en-US" altLang="zh-CN" dirty="0" smtClean="0"/>
-          </a:p>
-          <a:p>
-            <a:endParaRPr lang="en-US" altLang="zh-CN" dirty="0"/>
-          </a:p>
-          <a:p>
-            <a:r>
-              <a:rPr lang="zh-CN" altLang="en-US" dirty="0" smtClean="0"/>
-              <a:t>放回抽样</a:t>
-            </a:r>
-            <a:endParaRPr lang="en-US" altLang="zh-CN" dirty="0" smtClean="0"/>
-          </a:p>
-          <a:p>
-            <a:endParaRPr lang="en-US" altLang="zh-CN" dirty="0" smtClean="0"/>
-          </a:p>
-          <a:p>
-            <a:endParaRPr lang="en-US" altLang="zh-CN" dirty="0"/>
-          </a:p>
-          <a:p>
-            <a:endParaRPr lang="en-US" altLang="zh-CN" dirty="0"/>
-          </a:p>
-          <a:p>
-            <a:r>
-              <a:rPr lang="zh-CN" altLang="en-US" dirty="0" smtClean="0"/>
-              <a:t>*</a:t>
-            </a:r>
-            <a:r>
-              <a:rPr lang="en-US" altLang="zh-CN" dirty="0" err="1" smtClean="0"/>
-              <a:t>dplyr</a:t>
-            </a:r>
-            <a:r>
-              <a:rPr lang="zh-CN" altLang="en-US" dirty="0" smtClean="0"/>
-              <a:t>包中有类似功能的函数语句，复杂</a:t>
-            </a:r>
-            <a:r>
-              <a:rPr lang="zh-CN" altLang="en-US" dirty="0"/>
-              <a:t>抽样可以在</a:t>
-            </a:r>
-            <a:r>
-              <a:rPr lang="en-US" altLang="zh-CN" dirty="0"/>
-              <a:t>R</a:t>
-            </a:r>
-            <a:r>
-              <a:rPr lang="zh-CN" altLang="en-US" dirty="0"/>
-              <a:t>中调用</a:t>
-            </a:r>
-            <a:r>
-              <a:rPr lang="en-US" altLang="zh-CN" dirty="0"/>
-              <a:t>sampling </a:t>
-            </a:r>
-            <a:r>
-              <a:rPr lang="zh-CN" altLang="en-US" dirty="0"/>
-              <a:t>或</a:t>
-            </a:r>
-            <a:r>
-              <a:rPr lang="en-US" altLang="zh-CN" dirty="0"/>
-              <a:t>survey</a:t>
-            </a:r>
-            <a:r>
-              <a:rPr lang="zh-CN" altLang="en-US" dirty="0"/>
-              <a:t>包查看方法</a:t>
-            </a:r>
-          </a:p>
-          <a:p>
-            <a:endParaRPr lang="zh-CN" altLang="en-US" dirty="0"/>
-          </a:p>
-        </p:txBody>
-      </p:sp>
-      <p:sp>
-        <p:nvSpPr>
-          <p:cNvPr id="4" name="文本框 3"/>
-          <p:cNvSpPr txBox="1"/>
-          <p:nvPr/>
-        </p:nvSpPr>
-        <p:spPr>
-          <a:xfrm>
-            <a:off x="4796113" y="2033693"/>
-            <a:ext cx="3192855" cy="646331"/>
-          </a:xfrm>
-          <a:prstGeom prst="rect">
-            <a:avLst/>
-          </a:prstGeom>
-          <a:noFill/>
-        </p:spPr>
-        <p:txBody>
-          <a:bodyPr wrap="square" rtlCol="0">
-            <a:spAutoFit/>
-          </a:bodyPr>
-          <a:lstStyle/>
-          <a:p>
-            <a:r>
-              <a:rPr lang="zh-CN" altLang="en-US" dirty="0" smtClean="0"/>
-              <a:t>注意：</a:t>
-            </a:r>
-            <a:r>
-              <a:rPr lang="en-US" altLang="zh-CN" dirty="0" smtClean="0"/>
-              <a:t>sample</a:t>
-            </a:r>
-            <a:r>
-              <a:rPr lang="zh-CN" altLang="en-US" dirty="0" smtClean="0"/>
-              <a:t>返回的结果是对象位置</a:t>
-            </a:r>
-            <a:endParaRPr lang="zh-CN" altLang="en-US" dirty="0"/>
-          </a:p>
-        </p:txBody>
-      </p:sp>
-      <p:sp>
-        <p:nvSpPr>
-          <p:cNvPr id="5" name="Rectangle 1"/>
-          <p:cNvSpPr>
-            <a:spLocks noChangeArrowheads="1"/>
-          </p:cNvSpPr>
-          <p:nvPr/>
-        </p:nvSpPr>
-        <p:spPr bwMode="auto">
-          <a:xfrm>
-            <a:off x="1201945" y="2310692"/>
-            <a:ext cx="2603277" cy="369332"/>
-          </a:xfrm>
-          <a:prstGeom prst="rect">
-            <a:avLst/>
-          </a:prstGeom>
-          <a:solidFill>
-            <a:srgbClr val="FFFFFF"/>
-          </a:solidFill>
-          <a:ln>
-            <a:noFill/>
-          </a:ln>
-          <a:effectLst/>
-          <a:extLst>
-            <a:ext uri="{91240B29-F687-4F45-9708-019B960494DF}">
-              <a14:hiddenLine xmlns:a14="http://schemas.microsoft.com/office/drawing/2010/main" w="9525">
-                <a:solidFill>
-                  <a:schemeClr val="tx1"/>
-                </a:solidFill>
-                <a:miter lim="800000"/>
-                <a:headEnd/>
-                <a:tailEnd/>
-              </a14:hiddenLine>
-            </a:ext>
-            <a:ext uri="{AF507438-7753-43E0-B8FC-AC1667EBCBE1}">
-              <a14:hiddenEffects xmlns:a14="http://schemas.microsoft.com/office/drawing/2010/main">
-                <a:effectLst>
-                  <a:outerShdw dist="35921" dir="2700000" algn="ctr" rotWithShape="0">
-                    <a:schemeClr val="bg2"/>
-                  </a:outerShdw>
-                </a:effectLst>
-              </a14:hiddenEffects>
-            </a:ext>
-          </a:extLst>
-        </p:spPr>
-        <p:txBody>
-          <a:bodyPr vert="horz" wrap="none" lIns="0" tIns="0" rIns="0" bIns="0" numCol="1" anchor="ctr" anchorCtr="0" compatLnSpc="1">
-            <a:prstTxWarp prst="textNoShape">
-              <a:avLst/>
-            </a:prstTxWarp>
-            <a:spAutoFit/>
-          </a:bodyPr>
-          <a:lstStyle/>
-          <a:p>
-            <a:pPr marL="0" marR="0" lvl="0" indent="0" algn="l" defTabSz="914400" rtl="0" eaLnBrk="0" fontAlgn="base" latinLnBrk="0" hangingPunct="0">
-              <a:lnSpc>
-                <a:spcPct val="100000"/>
-              </a:lnSpc>
-              <a:spcBef>
-                <a:spcPct val="0"/>
-              </a:spcBef>
-              <a:spcAft>
-                <a:spcPct val="0"/>
-              </a:spcAft>
-              <a:buClrTx/>
-              <a:buSzTx/>
-              <a:buFontTx/>
-              <a:buNone/>
-              <a:tabLst/>
-            </a:pPr>
-            <a:r>
-              <a:rPr kumimoji="0" lang="zh-CN" altLang="zh-CN" sz="1200" b="0" i="0" u="none" strike="noStrike" cap="none" normalizeH="0" baseline="0" dirty="0" smtClean="0">
-                <a:ln>
-                  <a:noFill/>
-                </a:ln>
-                <a:solidFill>
-                  <a:srgbClr val="0000FF"/>
-                </a:solidFill>
-                <a:effectLst/>
-                <a:latin typeface="Lucida Console" panose="020B0609040504020204" pitchFamily="49" charset="0"/>
-              </a:rPr>
-              <a:t>&gt; s&lt;-sample(1:nrow(iris),10)</a:t>
-            </a:r>
-            <a:endParaRPr kumimoji="0" lang="en-US" altLang="zh-CN" sz="1200" b="0" i="0" u="none" strike="noStrike" cap="none" normalizeH="0" baseline="0" dirty="0" smtClean="0">
-              <a:ln>
-                <a:noFill/>
-              </a:ln>
-              <a:solidFill>
-                <a:srgbClr val="0000FF"/>
-              </a:solidFill>
-              <a:effectLst/>
-              <a:latin typeface="Lucida Console" panose="020B0609040504020204" pitchFamily="49" charset="0"/>
-            </a:endParaRPr>
-          </a:p>
-          <a:p>
-            <a:pPr eaLnBrk="0" fontAlgn="base" hangingPunct="0">
-              <a:spcBef>
-                <a:spcPct val="0"/>
-              </a:spcBef>
-              <a:spcAft>
-                <a:spcPct val="0"/>
-              </a:spcAft>
-            </a:pPr>
-            <a:r>
-              <a:rPr lang="zh-CN" altLang="zh-CN" sz="1200" dirty="0">
-                <a:solidFill>
-                  <a:srgbClr val="0000FF"/>
-                </a:solidFill>
-                <a:latin typeface="Lucida Console" panose="020B0609040504020204" pitchFamily="49" charset="0"/>
-              </a:rPr>
-              <a:t>&gt; spl&lt;-iris[s</a:t>
-            </a:r>
-            <a:r>
-              <a:rPr lang="zh-CN" altLang="zh-CN" sz="1200" dirty="0" smtClean="0">
-                <a:solidFill>
-                  <a:srgbClr val="0000FF"/>
-                </a:solidFill>
-                <a:latin typeface="Lucida Console" panose="020B0609040504020204" pitchFamily="49" charset="0"/>
-              </a:rPr>
-              <a:t>,]</a:t>
-            </a:r>
-            <a:endParaRPr lang="zh-CN" altLang="zh-CN" sz="1200" dirty="0">
-              <a:solidFill>
-                <a:srgbClr val="0000FF"/>
-              </a:solidFill>
-              <a:latin typeface="Lucida Console" panose="020B0609040504020204" pitchFamily="49" charset="0"/>
-            </a:endParaRPr>
-          </a:p>
-        </p:txBody>
-      </p:sp>
-      <p:sp>
-        <p:nvSpPr>
-          <p:cNvPr id="8" name="Rectangle 4"/>
-          <p:cNvSpPr>
-            <a:spLocks noChangeArrowheads="1"/>
-          </p:cNvSpPr>
-          <p:nvPr/>
-        </p:nvSpPr>
-        <p:spPr bwMode="auto">
-          <a:xfrm>
-            <a:off x="1201945" y="3144982"/>
-            <a:ext cx="4090863" cy="369332"/>
-          </a:xfrm>
-          <a:prstGeom prst="rect">
-            <a:avLst/>
-          </a:prstGeom>
-          <a:solidFill>
-            <a:srgbClr val="FFFFFF"/>
-          </a:solidFill>
-          <a:ln>
-            <a:noFill/>
-          </a:ln>
-          <a:effectLst/>
-          <a:extLst>
-            <a:ext uri="{91240B29-F687-4F45-9708-019B960494DF}">
-              <a14:hiddenLine xmlns:a14="http://schemas.microsoft.com/office/drawing/2010/main" w="9525">
-                <a:solidFill>
-                  <a:schemeClr val="tx1"/>
-                </a:solidFill>
-                <a:miter lim="800000"/>
-                <a:headEnd/>
-                <a:tailEnd/>
-              </a14:hiddenLine>
-            </a:ext>
-            <a:ext uri="{AF507438-7753-43E0-B8FC-AC1667EBCBE1}">
-              <a14:hiddenEffects xmlns:a14="http://schemas.microsoft.com/office/drawing/2010/main">
-                <a:effectLst>
-                  <a:outerShdw dist="35921" dir="2700000" algn="ctr" rotWithShape="0">
-                    <a:schemeClr val="bg2"/>
-                  </a:outerShdw>
-                </a:effectLst>
-              </a14:hiddenEffects>
-            </a:ext>
-          </a:extLst>
-        </p:spPr>
-        <p:txBody>
-          <a:bodyPr vert="horz" wrap="none" lIns="0" tIns="0" rIns="0" bIns="0" numCol="1" anchor="ctr" anchorCtr="0" compatLnSpc="1">
-            <a:prstTxWarp prst="textNoShape">
-              <a:avLst/>
-            </a:prstTxWarp>
-            <a:spAutoFit/>
-          </a:bodyPr>
-          <a:lstStyle/>
-          <a:p>
-            <a:pPr marL="0" marR="0" lvl="0" indent="0" algn="l" defTabSz="914400" rtl="0" eaLnBrk="0" fontAlgn="base" latinLnBrk="0" hangingPunct="0">
-              <a:lnSpc>
-                <a:spcPct val="100000"/>
-              </a:lnSpc>
-              <a:spcBef>
-                <a:spcPct val="0"/>
-              </a:spcBef>
-              <a:spcAft>
-                <a:spcPct val="0"/>
-              </a:spcAft>
-              <a:buClrTx/>
-              <a:buSzTx/>
-              <a:buFontTx/>
-              <a:buNone/>
-              <a:tabLst/>
-            </a:pPr>
-            <a:r>
-              <a:rPr kumimoji="0" lang="zh-CN" altLang="zh-CN" sz="1200" b="0" i="0" u="none" strike="noStrike" cap="none" normalizeH="0" baseline="0" dirty="0" smtClean="0">
-                <a:ln>
-                  <a:noFill/>
-                </a:ln>
-                <a:solidFill>
-                  <a:srgbClr val="0000FF"/>
-                </a:solidFill>
-                <a:effectLst/>
-                <a:latin typeface="Lucida Console" panose="020B0609040504020204" pitchFamily="49" charset="0"/>
-              </a:rPr>
-              <a:t>&gt; s</a:t>
-            </a:r>
-            <a:r>
-              <a:rPr kumimoji="0" lang="en-US" altLang="zh-CN" sz="1200" b="0" i="0" u="none" strike="noStrike" cap="none" normalizeH="0" baseline="0" dirty="0" smtClean="0">
-                <a:ln>
-                  <a:noFill/>
-                </a:ln>
-                <a:solidFill>
-                  <a:srgbClr val="0000FF"/>
-                </a:solidFill>
-                <a:effectLst/>
-                <a:latin typeface="Lucida Console" panose="020B0609040504020204" pitchFamily="49" charset="0"/>
-              </a:rPr>
-              <a:t>2</a:t>
-            </a:r>
-            <a:r>
-              <a:rPr kumimoji="0" lang="zh-CN" altLang="zh-CN" sz="1200" b="0" i="0" u="none" strike="noStrike" cap="none" normalizeH="0" baseline="0" dirty="0" smtClean="0">
-                <a:ln>
-                  <a:noFill/>
-                </a:ln>
-                <a:solidFill>
-                  <a:srgbClr val="0000FF"/>
-                </a:solidFill>
-                <a:effectLst/>
-                <a:latin typeface="Lucida Console" panose="020B0609040504020204" pitchFamily="49" charset="0"/>
-              </a:rPr>
-              <a:t>&lt;-sample(1:nrow(spl),12,replace = TRUE) </a:t>
-            </a:r>
-            <a:endParaRPr kumimoji="0" lang="en-US" altLang="zh-CN" sz="1200" b="0" i="0" u="none" strike="noStrike" cap="none" normalizeH="0" baseline="0" dirty="0" smtClean="0">
-              <a:ln>
-                <a:noFill/>
-              </a:ln>
-              <a:solidFill>
-                <a:srgbClr val="0000FF"/>
-              </a:solidFill>
-              <a:effectLst/>
-              <a:latin typeface="Lucida Console" panose="020B0609040504020204" pitchFamily="49" charset="0"/>
-            </a:endParaRPr>
-          </a:p>
-          <a:p>
-            <a:pPr marL="0" marR="0" lvl="0" indent="0" algn="l" defTabSz="914400" rtl="0" eaLnBrk="0" fontAlgn="base" latinLnBrk="0" hangingPunct="0">
-              <a:lnSpc>
-                <a:spcPct val="100000"/>
-              </a:lnSpc>
-              <a:spcBef>
-                <a:spcPct val="0"/>
-              </a:spcBef>
-              <a:spcAft>
-                <a:spcPct val="0"/>
-              </a:spcAft>
-              <a:buClrTx/>
-              <a:buSzTx/>
-              <a:buFontTx/>
-              <a:buNone/>
-              <a:tabLst/>
-            </a:pPr>
-            <a:r>
-              <a:rPr kumimoji="0" lang="zh-CN" altLang="zh-CN" sz="1200" b="0" i="0" u="none" strike="noStrike" cap="none" normalizeH="0" baseline="0" dirty="0" smtClean="0">
-                <a:ln>
-                  <a:noFill/>
-                </a:ln>
-                <a:solidFill>
-                  <a:srgbClr val="0000FF"/>
-                </a:solidFill>
-                <a:effectLst/>
-                <a:latin typeface="Lucida Console" panose="020B0609040504020204" pitchFamily="49" charset="0"/>
-              </a:rPr>
-              <a:t>&gt; </a:t>
-            </a:r>
-            <a:r>
-              <a:rPr kumimoji="0" lang="en-US" altLang="zh-CN" sz="1200" b="0" i="0" u="none" strike="noStrike" cap="none" normalizeH="0" baseline="0" dirty="0" smtClean="0">
-                <a:ln>
-                  <a:noFill/>
-                </a:ln>
-                <a:solidFill>
-                  <a:srgbClr val="0000FF"/>
-                </a:solidFill>
-                <a:effectLst/>
-                <a:latin typeface="Lucida Console" panose="020B0609040504020204" pitchFamily="49" charset="0"/>
-              </a:rPr>
-              <a:t>spl2&lt;-</a:t>
-            </a:r>
-            <a:r>
-              <a:rPr kumimoji="0" lang="zh-CN" altLang="zh-CN" sz="1200" b="0" i="0" u="none" strike="noStrike" cap="none" normalizeH="0" baseline="0" dirty="0" smtClean="0">
-                <a:ln>
-                  <a:noFill/>
-                </a:ln>
-                <a:solidFill>
-                  <a:srgbClr val="0000FF"/>
-                </a:solidFill>
-                <a:effectLst/>
-                <a:latin typeface="Lucida Console" panose="020B0609040504020204" pitchFamily="49" charset="0"/>
-              </a:rPr>
-              <a:t>spl[s</a:t>
-            </a:r>
-            <a:r>
-              <a:rPr kumimoji="0" lang="en-US" altLang="zh-CN" sz="1200" b="0" i="0" u="none" strike="noStrike" cap="none" normalizeH="0" baseline="0" dirty="0" smtClean="0">
-                <a:ln>
-                  <a:noFill/>
-                </a:ln>
-                <a:solidFill>
-                  <a:srgbClr val="0000FF"/>
-                </a:solidFill>
-                <a:effectLst/>
-                <a:latin typeface="Lucida Console" panose="020B0609040504020204" pitchFamily="49" charset="0"/>
-              </a:rPr>
-              <a:t>2</a:t>
-            </a:r>
-            <a:r>
-              <a:rPr kumimoji="0" lang="zh-CN" altLang="zh-CN" sz="1200" b="0" i="0" u="none" strike="noStrike" cap="none" normalizeH="0" baseline="0" dirty="0" smtClean="0">
-                <a:ln>
-                  <a:noFill/>
-                </a:ln>
-                <a:solidFill>
-                  <a:srgbClr val="0000FF"/>
-                </a:solidFill>
-                <a:effectLst/>
-                <a:latin typeface="Lucida Console" panose="020B0609040504020204" pitchFamily="49" charset="0"/>
-              </a:rPr>
-              <a:t>,]</a:t>
-            </a:r>
-            <a:endParaRPr kumimoji="0" lang="zh-CN" altLang="zh-CN" sz="2800" b="0" i="0" u="none" strike="noStrike" cap="none" normalizeH="0" baseline="0" dirty="0" smtClean="0">
-              <a:ln>
-                <a:noFill/>
-              </a:ln>
-              <a:solidFill>
-                <a:schemeClr val="tx1"/>
-              </a:solidFill>
-              <a:effectLst/>
-              <a:latin typeface="Arial" panose="020B0604020202020204" pitchFamily="34" charset="0"/>
-            </a:endParaRPr>
-          </a:p>
-        </p:txBody>
-      </p:sp>
-    </p:spTree>
-    <p:extLst>
-      <p:ext uri="{BB962C8B-B14F-4D97-AF65-F5344CB8AC3E}">
-        <p14:creationId xmlns:p14="http://schemas.microsoft.com/office/powerpoint/2010/main" val="883936031"/>
-      </p:ext>
-    </p:extLst>
-  </p:cSld>
-  <p:clrMapOvr>
-    <a:masterClrMapping/>
-  </p:clrMapOvr>
-  <p:timing>
-    <p:tnLst>
-      <p:par>
-        <p:cTn id="1" dur="indefinite" restart="never" nodeType="tmRoot"/>
-      </p:par>
-    </p:tnLst>
-  </p:timing>
-</p:sld>
-</file>
-
-<file path=ppt/slides/slide11.xml><?xml version="1.0" encoding="utf-8"?>
-<p:sld xmlns:a="http://schemas.openxmlformats.org/drawingml/2006/main" xmlns:r="http://schemas.openxmlformats.org/officeDocument/2006/relationships" xmlns:p="http://schemas.openxmlformats.org/presentationml/2006/main">
-  <p:cSld>
-    <p:spTree>
-      <p:nvGrpSpPr>
-        <p:cNvPr id="1" name=""/>
-        <p:cNvGrpSpPr/>
-        <p:nvPr/>
-      </p:nvGrpSpPr>
-      <p:grpSpPr>
-        <a:xfrm>
-          <a:off x="0" y="0"/>
-          <a:ext cx="0" cy="0"/>
-          <a:chOff x="0" y="0"/>
-          <a:chExt cx="0" cy="0"/>
-        </a:xfrm>
-      </p:grpSpPr>
-      <p:sp>
-        <p:nvSpPr>
-          <p:cNvPr id="2" name="标题 1"/>
-          <p:cNvSpPr>
-            <a:spLocks noGrp="1"/>
-          </p:cNvSpPr>
-          <p:nvPr>
-            <p:ph type="title"/>
-          </p:nvPr>
-        </p:nvSpPr>
-        <p:spPr/>
-        <p:txBody>
           <a:bodyPr/>
           <a:lstStyle/>
           <a:p>
@@ -4700,7 +4168,7 @@
 </p:sld>
 </file>
 
-<file path=ppt/slides/slide12.xml><?xml version="1.0" encoding="utf-8"?>
+<file path=ppt/slides/slide11.xml><?xml version="1.0" encoding="utf-8"?>
 <p:sld xmlns:a="http://schemas.openxmlformats.org/drawingml/2006/main" xmlns:r="http://schemas.openxmlformats.org/officeDocument/2006/relationships" xmlns:p="http://schemas.openxmlformats.org/presentationml/2006/main">
   <p:cSld>
     <p:spTree>
@@ -6442,7 +5910,7 @@
 </p:sld>
 </file>
 
-<file path=ppt/slides/slide13.xml><?xml version="1.0" encoding="utf-8"?>
+<file path=ppt/slides/slide12.xml><?xml version="1.0" encoding="utf-8"?>
 <p:sld xmlns:a="http://schemas.openxmlformats.org/drawingml/2006/main" xmlns:r="http://schemas.openxmlformats.org/officeDocument/2006/relationships" xmlns:p="http://schemas.openxmlformats.org/presentationml/2006/main">
   <p:cSld>
     <p:spTree>
@@ -7381,7 +6849,7 @@
 </p:sld>
 </file>
 
-<file path=ppt/slides/slide14.xml><?xml version="1.0" encoding="utf-8"?>
+<file path=ppt/slides/slide13.xml><?xml version="1.0" encoding="utf-8"?>
 <p:sld xmlns:a="http://schemas.openxmlformats.org/drawingml/2006/main" xmlns:r="http://schemas.openxmlformats.org/officeDocument/2006/relationships" xmlns:p="http://schemas.openxmlformats.org/presentationml/2006/main">
   <p:cSld>
     <p:spTree>
@@ -7694,7 +7162,7 @@
 </p:sld>
 </file>
 
-<file path=ppt/slides/slide15.xml><?xml version="1.0" encoding="utf-8"?>
+<file path=ppt/slides/slide14.xml><?xml version="1.0" encoding="utf-8"?>
 <p:sld xmlns:a="http://schemas.openxmlformats.org/drawingml/2006/main" xmlns:r="http://schemas.openxmlformats.org/officeDocument/2006/relationships" xmlns:p="http://schemas.openxmlformats.org/presentationml/2006/main">
   <p:cSld>
     <p:spTree>
@@ -8101,7 +7569,7 @@
 </p:sld>
 </file>
 
-<file path=ppt/slides/slide16.xml><?xml version="1.0" encoding="utf-8"?>
+<file path=ppt/slides/slide15.xml><?xml version="1.0" encoding="utf-8"?>
 <p:sld xmlns:a="http://schemas.openxmlformats.org/drawingml/2006/main" xmlns:r="http://schemas.openxmlformats.org/officeDocument/2006/relationships" xmlns:p="http://schemas.openxmlformats.org/presentationml/2006/main">
   <p:cSld>
     <p:spTree>
@@ -8275,7 +7743,7 @@
 </p:sld>
 </file>
 
-<file path=ppt/slides/slide17.xml><?xml version="1.0" encoding="utf-8"?>
+<file path=ppt/slides/slide16.xml><?xml version="1.0" encoding="utf-8"?>
 <p:sld xmlns:a="http://schemas.openxmlformats.org/drawingml/2006/main" xmlns:r="http://schemas.openxmlformats.org/officeDocument/2006/relationships" xmlns:p="http://schemas.openxmlformats.org/presentationml/2006/main">
   <p:cSld>
     <p:spTree>
@@ -8483,6 +7951,112 @@
   <p:clrMapOvr>
     <a:masterClrMapping/>
   </p:clrMapOvr>
+  <p:timing>
+    <p:tnLst>
+      <p:par>
+        <p:cTn id="1" dur="indefinite" restart="never" nodeType="tmRoot"/>
+      </p:par>
+    </p:tnLst>
+  </p:timing>
+</p:sld>
+</file>
+
+<file path=ppt/slides/slide17.xml><?xml version="1.0" encoding="utf-8"?>
+<p:sld xmlns:a="http://schemas.openxmlformats.org/drawingml/2006/main" xmlns:r="http://schemas.openxmlformats.org/officeDocument/2006/relationships" xmlns:p="http://schemas.openxmlformats.org/presentationml/2006/main">
+  <p:cSld>
+    <p:spTree>
+      <p:nvGrpSpPr>
+        <p:cNvPr id="1" name=""/>
+        <p:cNvGrpSpPr/>
+        <p:nvPr/>
+      </p:nvGrpSpPr>
+      <p:grpSpPr>
+        <a:xfrm>
+          <a:off x="0" y="0"/>
+          <a:ext cx="0" cy="0"/>
+          <a:chOff x="0" y="0"/>
+          <a:chExt cx="0" cy="0"/>
+        </a:xfrm>
+      </p:grpSpPr>
+      <p:sp>
+        <p:nvSpPr>
+          <p:cNvPr id="2" name="标题 1"/>
+          <p:cNvSpPr>
+            <a:spLocks noGrp="1"/>
+          </p:cNvSpPr>
+          <p:nvPr>
+            <p:ph type="title"/>
+          </p:nvPr>
+        </p:nvSpPr>
+        <p:spPr/>
+        <p:txBody>
+          <a:bodyPr/>
+          <a:lstStyle/>
+          <a:p>
+            <a:endParaRPr lang="zh-CN" altLang="en-US"/>
+          </a:p>
+        </p:txBody>
+      </p:sp>
+      <p:sp>
+        <p:nvSpPr>
+          <p:cNvPr id="3" name="内容占位符 2"/>
+          <p:cNvSpPr>
+            <a:spLocks noGrp="1"/>
+          </p:cNvSpPr>
+          <p:nvPr>
+            <p:ph idx="1"/>
+          </p:nvPr>
+        </p:nvSpPr>
+        <p:spPr/>
+        <p:txBody>
+          <a:bodyPr/>
+          <a:lstStyle/>
+          <a:p>
+            <a:endParaRPr lang="zh-CN" altLang="en-US"/>
+          </a:p>
+        </p:txBody>
+      </p:sp>
+      <p:pic>
+        <p:nvPicPr>
+          <p:cNvPr id="7" name="图片 6"/>
+          <p:cNvPicPr>
+            <a:picLocks noChangeAspect="1"/>
+          </p:cNvPicPr>
+          <p:nvPr/>
+        </p:nvPicPr>
+        <p:blipFill>
+          <a:blip r:embed="rId2"/>
+          <a:stretch>
+            <a:fillRect/>
+          </a:stretch>
+        </p:blipFill>
+        <p:spPr>
+          <a:xfrm>
+            <a:off x="0" y="0"/>
+            <a:ext cx="12192000" cy="6858000"/>
+          </a:xfrm>
+          <a:prstGeom prst="rect">
+            <a:avLst/>
+          </a:prstGeom>
+        </p:spPr>
+      </p:pic>
+    </p:spTree>
+    <p:extLst>
+      <p:ext uri="{BB962C8B-B14F-4D97-AF65-F5344CB8AC3E}">
+        <p14:creationId xmlns:p14="http://schemas.microsoft.com/office/powerpoint/2010/main" val="3662955895"/>
+      </p:ext>
+    </p:extLst>
+  </p:cSld>
+  <p:clrMapOvr>
+    <a:masterClrMapping/>
+  </p:clrMapOvr>
+  <p:timing>
+    <p:tnLst>
+      <p:par>
+        <p:cTn id="1" dur="indefinite" restart="never" nodeType="tmRoot"/>
+      </p:par>
+    </p:tnLst>
+  </p:timing>
 </p:sld>
 </file>
 
@@ -9245,12 +8819,27 @@
           <a:lstStyle/>
           <a:p>
             <a:r>
+              <a:rPr lang="en-US" altLang="zh-CN" dirty="0" smtClean="0"/>
+              <a:t>cars #</a:t>
+            </a:r>
+            <a:r>
+              <a:rPr lang="zh-CN" altLang="en-US" dirty="0" smtClean="0"/>
+              <a:t>车速和刹车距离</a:t>
+            </a:r>
+            <a:endParaRPr lang="en-US" altLang="zh-CN" dirty="0" smtClean="0"/>
+          </a:p>
+          <a:p>
+            <a:r>
               <a:rPr lang="en-US" altLang="zh-CN" dirty="0" err="1" smtClean="0"/>
               <a:t>mtcars</a:t>
             </a:r>
             <a:r>
               <a:rPr lang="en-US" altLang="zh-CN" dirty="0" smtClean="0"/>
-              <a:t>  #1974</a:t>
+              <a:t>  </a:t>
+            </a:r>
+            <a:r>
+              <a:rPr lang="en-US" altLang="zh-CN" dirty="0" smtClean="0"/>
+              <a:t>#1974</a:t>
             </a:r>
             <a:r>
               <a:rPr lang="zh-CN" altLang="en-US" dirty="0" smtClean="0"/>
@@ -9363,7 +8952,7 @@
         </p:nvSpPr>
         <p:spPr bwMode="auto">
           <a:xfrm>
-            <a:off x="1154083" y="2229573"/>
+            <a:off x="1154083" y="2697924"/>
             <a:ext cx="6508192" cy="369332"/>
           </a:xfrm>
           <a:prstGeom prst="rect">
@@ -11124,8 +10713,19 @@
           <a:lstStyle/>
           <a:p>
             <a:r>
+              <a:rPr lang="zh-CN" altLang="en-US" dirty="0" smtClean="0"/>
+              <a:t>第三次实验机动内容</a:t>
+            </a:r>
+            <a:r>
               <a:rPr lang="en-US" altLang="zh-CN" dirty="0" smtClean="0"/>
-              <a:t>4 </a:t>
+              <a:t/>
+            </a:r>
+            <a:br>
+              <a:rPr lang="en-US" altLang="zh-CN" dirty="0" smtClean="0"/>
+            </a:br>
+            <a:r>
+              <a:rPr lang="en-US" altLang="zh-CN" dirty="0" smtClean="0"/>
+              <a:t> </a:t>
             </a:r>
             <a:r>
               <a:rPr lang="zh-CN" altLang="en-US" dirty="0" smtClean="0"/>
@@ -11727,8 +11327,24 @@
           <a:lstStyle/>
           <a:p>
             <a:r>
+              <a:rPr lang="zh-CN" altLang="en-US" dirty="0"/>
+              <a:t>内置</a:t>
+            </a:r>
+            <a:r>
+              <a:rPr lang="zh-CN" altLang="en-US" dirty="0" smtClean="0"/>
+              <a:t>参数</a:t>
+            </a:r>
+            <a:r>
+              <a:rPr lang="en-US" altLang="zh-CN" dirty="0" smtClean="0"/>
+              <a:t>-</a:t>
+            </a:r>
+            <a:r>
+              <a:rPr lang="zh-CN" altLang="en-US" dirty="0" smtClean="0"/>
+              <a:t>文本</a:t>
+            </a:r>
+            <a:r>
               <a:rPr lang="zh-CN" altLang="en-US" sz="3600" dirty="0" smtClean="0"/>
-              <a:t>文本参数</a:t>
+              <a:t>参数</a:t>
             </a:r>
             <a:endParaRPr lang="zh-CN" altLang="en-US" sz="3600" dirty="0"/>
           </a:p>
@@ -11925,14 +11541,14 @@
           <a:effectLst/>
           <a:extLst>
             <a:ext uri="{909E8E84-426E-40dd-AFC4-6F175D3DCCD1}">
-              <a14:hiddenFill xmlns="" xmlns:a14="http://schemas.microsoft.com/office/drawing/2010/main" xmlns:lc="http://schemas.openxmlformats.org/drawingml/2006/lockedCanvas">
+              <a14:hiddenFill xmlns:lc="http://schemas.openxmlformats.org/drawingml/2006/lockedCanvas" xmlns:a14="http://schemas.microsoft.com/office/drawing/2010/main" xmlns="">
                 <a:solidFill>
                   <a:schemeClr val="accent1"/>
                 </a:solidFill>
               </a14:hiddenFill>
             </a:ext>
             <a:ext uri="{AF507438-7753-43e0-B8FC-AC1667EBCBE1}">
-              <a14:hiddenEffects xmlns="" xmlns:a14="http://schemas.microsoft.com/office/drawing/2010/main" xmlns:lc="http://schemas.openxmlformats.org/drawingml/2006/lockedCanvas">
+              <a14:hiddenEffects xmlns:lc="http://schemas.openxmlformats.org/drawingml/2006/lockedCanvas" xmlns:a14="http://schemas.microsoft.com/office/drawing/2010/main" xmlns="">
                 <a:effectLst>
                   <a:outerShdw blurRad="63500" dist="12700" dir="2700000" algn="ctr" rotWithShape="0">
                     <a:schemeClr val="hlink">
@@ -12297,8 +11913,24 @@
           <a:lstStyle/>
           <a:p>
             <a:r>
+              <a:rPr lang="zh-CN" altLang="en-US" sz="2800" dirty="0"/>
+              <a:t>内置</a:t>
+            </a:r>
+            <a:r>
               <a:rPr lang="zh-CN" altLang="en-US" sz="2800" dirty="0" smtClean="0"/>
-              <a:t>设置坐标轴范围</a:t>
+              <a:t>参数</a:t>
+            </a:r>
+            <a:r>
+              <a:rPr lang="en-US" altLang="zh-CN" sz="2800" dirty="0" smtClean="0"/>
+              <a:t>-</a:t>
+            </a:r>
+            <a:r>
+              <a:rPr lang="zh-CN" altLang="en-US" sz="2800" dirty="0" smtClean="0"/>
+              <a:t>设置</a:t>
+            </a:r>
+            <a:r>
+              <a:rPr lang="zh-CN" altLang="en-US" sz="2800" dirty="0" smtClean="0"/>
+              <a:t>坐标轴范围</a:t>
             </a:r>
             <a:endParaRPr lang="zh-CN" altLang="en-US" sz="2800" dirty="0"/>
           </a:p>
@@ -12714,8 +12346,24 @@
           <a:lstStyle/>
           <a:p>
             <a:r>
+              <a:rPr lang="zh-CN" altLang="en-US" sz="3200" dirty="0"/>
+              <a:t>图形</a:t>
+            </a:r>
+            <a:r>
               <a:rPr lang="zh-CN" altLang="en-US" sz="3200" dirty="0" smtClean="0"/>
-              <a:t>界面参数</a:t>
+              <a:t>参数</a:t>
+            </a:r>
+            <a:r>
+              <a:rPr lang="en-US" altLang="zh-CN" sz="3200" dirty="0" smtClean="0"/>
+              <a:t>-</a:t>
+            </a:r>
+            <a:r>
+              <a:rPr lang="zh-CN" altLang="en-US" sz="3200" dirty="0" smtClean="0"/>
+              <a:t>界面</a:t>
+            </a:r>
+            <a:r>
+              <a:rPr lang="zh-CN" altLang="en-US" sz="3200" dirty="0" smtClean="0"/>
+              <a:t>参数</a:t>
             </a:r>
             <a:endParaRPr lang="zh-CN" altLang="en-US" sz="3200" dirty="0"/>
           </a:p>
@@ -12867,14 +12515,14 @@
           <a:effectLst/>
           <a:extLst>
             <a:ext uri="{909E8E84-426E-40dd-AFC4-6F175D3DCCD1}">
-              <a14:hiddenFill xmlns="" xmlns:a14="http://schemas.microsoft.com/office/drawing/2010/main" xmlns:lc="http://schemas.openxmlformats.org/drawingml/2006/lockedCanvas">
+              <a14:hiddenFill xmlns:lc="http://schemas.openxmlformats.org/drawingml/2006/lockedCanvas" xmlns:a14="http://schemas.microsoft.com/office/drawing/2010/main" xmlns="">
                 <a:solidFill>
                   <a:schemeClr val="accent1"/>
                 </a:solidFill>
               </a14:hiddenFill>
             </a:ext>
             <a:ext uri="{AF507438-7753-43e0-B8FC-AC1667EBCBE1}">
-              <a14:hiddenEffects xmlns="" xmlns:a14="http://schemas.microsoft.com/office/drawing/2010/main" xmlns:lc="http://schemas.openxmlformats.org/drawingml/2006/lockedCanvas">
+              <a14:hiddenEffects xmlns:lc="http://schemas.openxmlformats.org/drawingml/2006/lockedCanvas" xmlns:a14="http://schemas.microsoft.com/office/drawing/2010/main" xmlns="">
                 <a:effectLst>
                   <a:outerShdw blurRad="63500" dist="12700" dir="2700000" algn="ctr" rotWithShape="0">
                     <a:schemeClr val="hlink">
@@ -15273,20 +14921,8 @@
           <a:lstStyle/>
           <a:p>
             <a:r>
-              <a:rPr lang="en-US" altLang="zh-CN" dirty="0" smtClean="0"/>
-              <a:t>4 </a:t>
-            </a:r>
-            <a:r>
-              <a:rPr lang="zh-CN" altLang="en-US" dirty="0" smtClean="0"/>
-              <a:t>数据操作</a:t>
-            </a:r>
-            <a:r>
-              <a:rPr lang="en-US" altLang="zh-CN" dirty="0" smtClean="0"/>
-              <a:t>-</a:t>
-            </a:r>
-            <a:r>
-              <a:rPr lang="zh-CN" altLang="en-US" dirty="0" smtClean="0"/>
-              <a:t>统计描述</a:t>
+              <a:rPr lang="zh-CN" altLang="en-US" dirty="0" smtClean="0"/>
+              <a:t>对象索引操作</a:t>
             </a:r>
             <a:endParaRPr lang="zh-CN" altLang="en-US" dirty="0"/>
           </a:p>
@@ -15308,84 +14944,2301 @@
           <a:lstStyle/>
           <a:p>
             <a:r>
-              <a:rPr lang="zh-CN" altLang="en-US" dirty="0" smtClean="0"/>
-              <a:t>峰度和偏度</a:t>
+              <a:rPr lang="en-US" altLang="zh-CN" dirty="0" smtClean="0"/>
+              <a:t>R</a:t>
+            </a:r>
+            <a:r>
+              <a:rPr lang="zh-CN" altLang="en-US" dirty="0" smtClean="0"/>
+              <a:t>中抽样的原理：抽对象的位置序号等效于抽取对象</a:t>
             </a:r>
             <a:endParaRPr lang="en-US" altLang="zh-CN" dirty="0" smtClean="0"/>
           </a:p>
           <a:p>
-            <a:pPr lvl="1"/>
-            <a:r>
-              <a:rPr lang="zh-CN" altLang="en-US" dirty="0" smtClean="0"/>
-              <a:t>包：</a:t>
+            <a:r>
+              <a:rPr lang="zh-CN" altLang="en-US" dirty="0" smtClean="0"/>
+              <a:t>索引中的序号操作</a:t>
+            </a:r>
+            <a:endParaRPr lang="en-US" altLang="zh-CN" dirty="0" smtClean="0"/>
+          </a:p>
+          <a:p>
+            <a:endParaRPr lang="en-US" altLang="zh-CN" dirty="0"/>
+          </a:p>
+          <a:p>
+            <a:endParaRPr lang="en-US" altLang="zh-CN" dirty="0" smtClean="0"/>
+          </a:p>
+          <a:p>
+            <a:endParaRPr lang="en-US" altLang="zh-CN" dirty="0"/>
+          </a:p>
+          <a:p>
+            <a:endParaRPr lang="en-US" altLang="zh-CN" dirty="0" smtClean="0"/>
+          </a:p>
+          <a:p>
+            <a:endParaRPr lang="en-US" altLang="zh-CN" dirty="0"/>
+          </a:p>
+          <a:p>
+            <a:endParaRPr lang="zh-CN" altLang="en-US" dirty="0"/>
+          </a:p>
+        </p:txBody>
+      </p:sp>
+      <p:sp>
+        <p:nvSpPr>
+          <p:cNvPr id="5" name="Rectangle 1"/>
+          <p:cNvSpPr>
+            <a:spLocks noChangeArrowheads="1"/>
+          </p:cNvSpPr>
+          <p:nvPr/>
+        </p:nvSpPr>
+        <p:spPr bwMode="auto">
+          <a:xfrm>
+            <a:off x="1337912" y="2841315"/>
+            <a:ext cx="1580561" cy="1477328"/>
+          </a:xfrm>
+          <a:prstGeom prst="rect">
+            <a:avLst/>
+          </a:prstGeom>
+          <a:solidFill>
+            <a:srgbClr val="FFFFFF"/>
+          </a:solidFill>
+          <a:ln>
+            <a:noFill/>
+          </a:ln>
+          <a:effectLst/>
+          <a:extLst>
+            <a:ext uri="{91240B29-F687-4F45-9708-019B960494DF}">
+              <a14:hiddenLine xmlns:a14="http://schemas.microsoft.com/office/drawing/2010/main" w="9525">
+                <a:solidFill>
+                  <a:schemeClr val="tx1"/>
+                </a:solidFill>
+                <a:miter lim="800000"/>
+                <a:headEnd/>
+                <a:tailEnd/>
+              </a14:hiddenLine>
+            </a:ext>
+            <a:ext uri="{AF507438-7753-43E0-B8FC-AC1667EBCBE1}">
+              <a14:hiddenEffects xmlns:a14="http://schemas.microsoft.com/office/drawing/2010/main">
+                <a:effectLst>
+                  <a:outerShdw dist="35921" dir="2700000" algn="ctr" rotWithShape="0">
+                    <a:schemeClr val="bg2"/>
+                  </a:outerShdw>
+                </a:effectLst>
+              </a14:hiddenEffects>
+            </a:ext>
+          </a:extLst>
+        </p:spPr>
+        <p:txBody>
+          <a:bodyPr vert="horz" wrap="none" lIns="0" tIns="0" rIns="0" bIns="0" numCol="1" anchor="ctr" anchorCtr="0" compatLnSpc="1">
+            <a:prstTxWarp prst="textNoShape">
+              <a:avLst/>
+            </a:prstTxWarp>
+            <a:spAutoFit/>
+          </a:bodyPr>
+          <a:lstStyle/>
+          <a:p>
+            <a:pPr marL="0" marR="0" lvl="0" indent="0" algn="l" defTabSz="914400" rtl="0" eaLnBrk="0" fontAlgn="base" latinLnBrk="0" hangingPunct="0">
+              <a:lnSpc>
+                <a:spcPct val="100000"/>
+              </a:lnSpc>
+              <a:spcBef>
+                <a:spcPct val="0"/>
+              </a:spcBef>
+              <a:spcAft>
+                <a:spcPct val="0"/>
+              </a:spcAft>
+              <a:buClrTx/>
+              <a:buSzTx/>
+              <a:buFontTx/>
+              <a:buNone/>
+              <a:tabLst/>
+            </a:pPr>
+            <a:r>
+              <a:rPr kumimoji="0" lang="zh-CN" altLang="zh-CN" sz="1200" b="0" i="0" u="none" strike="noStrike" cap="none" normalizeH="0" baseline="0" dirty="0" smtClean="0">
+                <a:ln>
+                  <a:noFill/>
+                </a:ln>
+                <a:solidFill>
+                  <a:srgbClr val="0000FF"/>
+                </a:solidFill>
+                <a:effectLst/>
+                <a:latin typeface="Lucida Console" panose="020B0609040504020204" pitchFamily="49" charset="0"/>
+              </a:rPr>
+              <a:t>&gt; indices&lt;-1:5 </a:t>
+            </a:r>
+            <a:endParaRPr kumimoji="0" lang="en-US" altLang="zh-CN" sz="1200" b="0" i="0" u="none" strike="noStrike" cap="none" normalizeH="0" baseline="0" dirty="0" smtClean="0">
+              <a:ln>
+                <a:noFill/>
+              </a:ln>
+              <a:solidFill>
+                <a:srgbClr val="0000FF"/>
+              </a:solidFill>
+              <a:effectLst/>
+              <a:latin typeface="Lucida Console" panose="020B0609040504020204" pitchFamily="49" charset="0"/>
+            </a:endParaRPr>
+          </a:p>
+          <a:p>
+            <a:pPr marL="0" marR="0" lvl="0" indent="0" algn="l" defTabSz="914400" rtl="0" eaLnBrk="0" fontAlgn="base" latinLnBrk="0" hangingPunct="0">
+              <a:lnSpc>
+                <a:spcPct val="100000"/>
+              </a:lnSpc>
+              <a:spcBef>
+                <a:spcPct val="0"/>
+              </a:spcBef>
+              <a:spcAft>
+                <a:spcPct val="0"/>
+              </a:spcAft>
+              <a:buClrTx/>
+              <a:buSzTx/>
+              <a:buFontTx/>
+              <a:buNone/>
+              <a:tabLst/>
+            </a:pPr>
+            <a:r>
+              <a:rPr kumimoji="0" lang="zh-CN" altLang="zh-CN" sz="1200" b="0" i="0" u="none" strike="noStrike" cap="none" normalizeH="0" baseline="0" dirty="0" smtClean="0">
+                <a:ln>
+                  <a:noFill/>
+                </a:ln>
+                <a:solidFill>
+                  <a:srgbClr val="0000FF"/>
+                </a:solidFill>
+                <a:effectLst/>
+                <a:latin typeface="Lucida Console" panose="020B0609040504020204" pitchFamily="49" charset="0"/>
+              </a:rPr>
+              <a:t>&gt; cars[indices,] </a:t>
+            </a:r>
+            <a:endParaRPr kumimoji="0" lang="en-US" altLang="zh-CN" sz="1200" b="0" i="0" u="none" strike="noStrike" cap="none" normalizeH="0" baseline="0" dirty="0" smtClean="0">
+              <a:ln>
+                <a:noFill/>
+              </a:ln>
+              <a:solidFill>
+                <a:srgbClr val="0000FF"/>
+              </a:solidFill>
+              <a:effectLst/>
+              <a:latin typeface="Lucida Console" panose="020B0609040504020204" pitchFamily="49" charset="0"/>
+            </a:endParaRPr>
+          </a:p>
+          <a:p>
+            <a:pPr marL="0" marR="0" lvl="0" indent="0" algn="l" defTabSz="914400" rtl="0" eaLnBrk="0" fontAlgn="base" latinLnBrk="0" hangingPunct="0">
+              <a:lnSpc>
+                <a:spcPct val="100000"/>
+              </a:lnSpc>
+              <a:spcBef>
+                <a:spcPct val="0"/>
+              </a:spcBef>
+              <a:spcAft>
+                <a:spcPct val="0"/>
+              </a:spcAft>
+              <a:buClrTx/>
+              <a:buSzTx/>
+              <a:buFontTx/>
+              <a:buNone/>
+              <a:tabLst/>
+            </a:pPr>
+            <a:r>
+              <a:rPr kumimoji="0" lang="en-US" altLang="zh-CN" sz="1200" b="0" i="0" u="none" strike="noStrike" cap="none" normalizeH="0" baseline="0" dirty="0" smtClean="0">
+                <a:ln>
+                  <a:noFill/>
+                </a:ln>
+                <a:solidFill>
+                  <a:srgbClr val="000000"/>
+                </a:solidFill>
+                <a:effectLst/>
+                <a:latin typeface="Lucida Console" panose="020B0609040504020204" pitchFamily="49" charset="0"/>
+              </a:rPr>
+              <a:t>  </a:t>
+            </a:r>
+            <a:r>
+              <a:rPr kumimoji="0" lang="zh-CN" altLang="zh-CN" sz="1200" b="0" i="0" u="none" strike="noStrike" cap="none" normalizeH="0" baseline="0" dirty="0" smtClean="0">
+                <a:ln>
+                  <a:noFill/>
+                </a:ln>
+                <a:solidFill>
+                  <a:srgbClr val="000000"/>
+                </a:solidFill>
+                <a:effectLst/>
+                <a:latin typeface="Lucida Console" panose="020B0609040504020204" pitchFamily="49" charset="0"/>
+              </a:rPr>
+              <a:t>speed dist </a:t>
+            </a:r>
+            <a:endParaRPr kumimoji="0" lang="en-US" altLang="zh-CN" sz="1200" b="0" i="0" u="none" strike="noStrike" cap="none" normalizeH="0" baseline="0" dirty="0" smtClean="0">
+              <a:ln>
+                <a:noFill/>
+              </a:ln>
+              <a:solidFill>
+                <a:srgbClr val="000000"/>
+              </a:solidFill>
+              <a:effectLst/>
+              <a:latin typeface="Lucida Console" panose="020B0609040504020204" pitchFamily="49" charset="0"/>
+            </a:endParaRPr>
+          </a:p>
+          <a:p>
+            <a:pPr marL="0" marR="0" lvl="0" indent="0" algn="l" defTabSz="914400" rtl="0" eaLnBrk="0" fontAlgn="base" latinLnBrk="0" hangingPunct="0">
+              <a:lnSpc>
+                <a:spcPct val="100000"/>
+              </a:lnSpc>
+              <a:spcBef>
+                <a:spcPct val="0"/>
+              </a:spcBef>
+              <a:spcAft>
+                <a:spcPct val="0"/>
+              </a:spcAft>
+              <a:buClrTx/>
+              <a:buSzTx/>
+              <a:buFontTx/>
+              <a:buNone/>
+              <a:tabLst/>
+            </a:pPr>
+            <a:r>
+              <a:rPr kumimoji="0" lang="zh-CN" altLang="zh-CN" sz="1200" b="0" i="0" u="none" strike="noStrike" cap="none" normalizeH="0" baseline="0" dirty="0" smtClean="0">
+                <a:ln>
+                  <a:noFill/>
+                </a:ln>
+                <a:solidFill>
+                  <a:srgbClr val="000000"/>
+                </a:solidFill>
+                <a:effectLst/>
+                <a:latin typeface="Lucida Console" panose="020B0609040504020204" pitchFamily="49" charset="0"/>
+              </a:rPr>
+              <a:t>1 </a:t>
+            </a:r>
+            <a:r>
+              <a:rPr kumimoji="0" lang="en-US" altLang="zh-CN" sz="1200" b="0" i="0" u="none" strike="noStrike" cap="none" normalizeH="0" baseline="0" dirty="0" smtClean="0">
+                <a:ln>
+                  <a:noFill/>
+                </a:ln>
+                <a:solidFill>
+                  <a:srgbClr val="000000"/>
+                </a:solidFill>
+                <a:effectLst/>
+                <a:latin typeface="Lucida Console" panose="020B0609040504020204" pitchFamily="49" charset="0"/>
+              </a:rPr>
+              <a:t>   </a:t>
+            </a:r>
+            <a:r>
+              <a:rPr kumimoji="0" lang="zh-CN" altLang="zh-CN" sz="1200" b="0" i="0" u="none" strike="noStrike" cap="none" normalizeH="0" baseline="0" dirty="0" smtClean="0">
+                <a:ln>
+                  <a:noFill/>
+                </a:ln>
+                <a:solidFill>
+                  <a:srgbClr val="000000"/>
+                </a:solidFill>
+                <a:effectLst/>
+                <a:latin typeface="Lucida Console" panose="020B0609040504020204" pitchFamily="49" charset="0"/>
+              </a:rPr>
+              <a:t>4 </a:t>
+            </a:r>
+            <a:r>
+              <a:rPr kumimoji="0" lang="en-US" altLang="zh-CN" sz="1200" b="0" i="0" u="none" strike="noStrike" cap="none" normalizeH="0" baseline="0" dirty="0" smtClean="0">
+                <a:ln>
+                  <a:noFill/>
+                </a:ln>
+                <a:solidFill>
+                  <a:srgbClr val="000000"/>
+                </a:solidFill>
+                <a:effectLst/>
+                <a:latin typeface="Lucida Console" panose="020B0609040504020204" pitchFamily="49" charset="0"/>
+              </a:rPr>
+              <a:t>    </a:t>
+            </a:r>
+            <a:r>
+              <a:rPr kumimoji="0" lang="zh-CN" altLang="zh-CN" sz="1200" b="0" i="0" u="none" strike="noStrike" cap="none" normalizeH="0" baseline="0" dirty="0" smtClean="0">
+                <a:ln>
+                  <a:noFill/>
+                </a:ln>
+                <a:solidFill>
+                  <a:srgbClr val="000000"/>
+                </a:solidFill>
+                <a:effectLst/>
+                <a:latin typeface="Lucida Console" panose="020B0609040504020204" pitchFamily="49" charset="0"/>
+              </a:rPr>
+              <a:t>2 </a:t>
+            </a:r>
+            <a:endParaRPr kumimoji="0" lang="en-US" altLang="zh-CN" sz="1200" b="0" i="0" u="none" strike="noStrike" cap="none" normalizeH="0" baseline="0" dirty="0" smtClean="0">
+              <a:ln>
+                <a:noFill/>
+              </a:ln>
+              <a:solidFill>
+                <a:srgbClr val="000000"/>
+              </a:solidFill>
+              <a:effectLst/>
+              <a:latin typeface="Lucida Console" panose="020B0609040504020204" pitchFamily="49" charset="0"/>
+            </a:endParaRPr>
+          </a:p>
+          <a:p>
+            <a:pPr marL="0" marR="0" lvl="0" indent="0" algn="l" defTabSz="914400" rtl="0" eaLnBrk="0" fontAlgn="base" latinLnBrk="0" hangingPunct="0">
+              <a:lnSpc>
+                <a:spcPct val="100000"/>
+              </a:lnSpc>
+              <a:spcBef>
+                <a:spcPct val="0"/>
+              </a:spcBef>
+              <a:spcAft>
+                <a:spcPct val="0"/>
+              </a:spcAft>
+              <a:buClrTx/>
+              <a:buSzTx/>
+              <a:buFontTx/>
+              <a:buNone/>
+              <a:tabLst/>
+            </a:pPr>
+            <a:r>
+              <a:rPr kumimoji="0" lang="zh-CN" altLang="zh-CN" sz="1200" b="0" i="0" u="none" strike="noStrike" cap="none" normalizeH="0" baseline="0" dirty="0" smtClean="0">
+                <a:ln>
+                  <a:noFill/>
+                </a:ln>
+                <a:solidFill>
+                  <a:srgbClr val="000000"/>
+                </a:solidFill>
+                <a:effectLst/>
+                <a:latin typeface="Lucida Console" panose="020B0609040504020204" pitchFamily="49" charset="0"/>
+              </a:rPr>
+              <a:t>2 </a:t>
+            </a:r>
+            <a:r>
+              <a:rPr kumimoji="0" lang="en-US" altLang="zh-CN" sz="1200" b="0" i="0" u="none" strike="noStrike" cap="none" normalizeH="0" baseline="0" dirty="0" smtClean="0">
+                <a:ln>
+                  <a:noFill/>
+                </a:ln>
+                <a:solidFill>
+                  <a:srgbClr val="000000"/>
+                </a:solidFill>
+                <a:effectLst/>
+                <a:latin typeface="Lucida Console" panose="020B0609040504020204" pitchFamily="49" charset="0"/>
+              </a:rPr>
+              <a:t>   </a:t>
+            </a:r>
+            <a:r>
+              <a:rPr kumimoji="0" lang="zh-CN" altLang="zh-CN" sz="1200" b="0" i="0" u="none" strike="noStrike" cap="none" normalizeH="0" baseline="0" dirty="0" smtClean="0">
+                <a:ln>
+                  <a:noFill/>
+                </a:ln>
+                <a:solidFill>
+                  <a:srgbClr val="000000"/>
+                </a:solidFill>
+                <a:effectLst/>
+                <a:latin typeface="Lucida Console" panose="020B0609040504020204" pitchFamily="49" charset="0"/>
+              </a:rPr>
+              <a:t>4 </a:t>
+            </a:r>
+            <a:r>
+              <a:rPr kumimoji="0" lang="en-US" altLang="zh-CN" sz="1200" b="0" i="0" u="none" strike="noStrike" cap="none" normalizeH="0" baseline="0" dirty="0" smtClean="0">
+                <a:ln>
+                  <a:noFill/>
+                </a:ln>
+                <a:solidFill>
+                  <a:srgbClr val="000000"/>
+                </a:solidFill>
+                <a:effectLst/>
+                <a:latin typeface="Lucida Console" panose="020B0609040504020204" pitchFamily="49" charset="0"/>
+              </a:rPr>
+              <a:t>   </a:t>
+            </a:r>
+            <a:r>
+              <a:rPr kumimoji="0" lang="zh-CN" altLang="zh-CN" sz="1200" b="0" i="0" u="none" strike="noStrike" cap="none" normalizeH="0" baseline="0" dirty="0" smtClean="0">
+                <a:ln>
+                  <a:noFill/>
+                </a:ln>
+                <a:solidFill>
+                  <a:srgbClr val="000000"/>
+                </a:solidFill>
+                <a:effectLst/>
+                <a:latin typeface="Lucida Console" panose="020B0609040504020204" pitchFamily="49" charset="0"/>
+              </a:rPr>
+              <a:t>10 </a:t>
+            </a:r>
+            <a:endParaRPr kumimoji="0" lang="en-US" altLang="zh-CN" sz="1200" b="0" i="0" u="none" strike="noStrike" cap="none" normalizeH="0" baseline="0" dirty="0" smtClean="0">
+              <a:ln>
+                <a:noFill/>
+              </a:ln>
+              <a:solidFill>
+                <a:srgbClr val="000000"/>
+              </a:solidFill>
+              <a:effectLst/>
+              <a:latin typeface="Lucida Console" panose="020B0609040504020204" pitchFamily="49" charset="0"/>
+            </a:endParaRPr>
+          </a:p>
+          <a:p>
+            <a:pPr marL="0" marR="0" lvl="0" indent="0" algn="l" defTabSz="914400" rtl="0" eaLnBrk="0" fontAlgn="base" latinLnBrk="0" hangingPunct="0">
+              <a:lnSpc>
+                <a:spcPct val="100000"/>
+              </a:lnSpc>
+              <a:spcBef>
+                <a:spcPct val="0"/>
+              </a:spcBef>
+              <a:spcAft>
+                <a:spcPct val="0"/>
+              </a:spcAft>
+              <a:buClrTx/>
+              <a:buSzTx/>
+              <a:buFontTx/>
+              <a:buNone/>
+              <a:tabLst/>
+            </a:pPr>
+            <a:r>
+              <a:rPr kumimoji="0" lang="zh-CN" altLang="zh-CN" sz="1200" b="0" i="0" u="none" strike="noStrike" cap="none" normalizeH="0" baseline="0" dirty="0" smtClean="0">
+                <a:ln>
+                  <a:noFill/>
+                </a:ln>
+                <a:solidFill>
+                  <a:srgbClr val="000000"/>
+                </a:solidFill>
+                <a:effectLst/>
+                <a:latin typeface="Lucida Console" panose="020B0609040504020204" pitchFamily="49" charset="0"/>
+              </a:rPr>
+              <a:t>3 </a:t>
+            </a:r>
+            <a:r>
+              <a:rPr kumimoji="0" lang="en-US" altLang="zh-CN" sz="1200" b="0" i="0" u="none" strike="noStrike" cap="none" normalizeH="0" baseline="0" dirty="0" smtClean="0">
+                <a:ln>
+                  <a:noFill/>
+                </a:ln>
+                <a:solidFill>
+                  <a:srgbClr val="000000"/>
+                </a:solidFill>
+                <a:effectLst/>
+                <a:latin typeface="Lucida Console" panose="020B0609040504020204" pitchFamily="49" charset="0"/>
+              </a:rPr>
+              <a:t>   </a:t>
+            </a:r>
+            <a:r>
+              <a:rPr kumimoji="0" lang="zh-CN" altLang="zh-CN" sz="1200" b="0" i="0" u="none" strike="noStrike" cap="none" normalizeH="0" baseline="0" dirty="0" smtClean="0">
+                <a:ln>
+                  <a:noFill/>
+                </a:ln>
+                <a:solidFill>
+                  <a:srgbClr val="000000"/>
+                </a:solidFill>
+                <a:effectLst/>
+                <a:latin typeface="Lucida Console" panose="020B0609040504020204" pitchFamily="49" charset="0"/>
+              </a:rPr>
+              <a:t>7 </a:t>
+            </a:r>
+            <a:r>
+              <a:rPr kumimoji="0" lang="en-US" altLang="zh-CN" sz="1200" b="0" i="0" u="none" strike="noStrike" cap="none" normalizeH="0" baseline="0" dirty="0" smtClean="0">
+                <a:ln>
+                  <a:noFill/>
+                </a:ln>
+                <a:solidFill>
+                  <a:srgbClr val="000000"/>
+                </a:solidFill>
+                <a:effectLst/>
+                <a:latin typeface="Lucida Console" panose="020B0609040504020204" pitchFamily="49" charset="0"/>
+              </a:rPr>
+              <a:t>    </a:t>
+            </a:r>
+            <a:r>
+              <a:rPr kumimoji="0" lang="zh-CN" altLang="zh-CN" sz="1200" b="0" i="0" u="none" strike="noStrike" cap="none" normalizeH="0" baseline="0" dirty="0" smtClean="0">
+                <a:ln>
+                  <a:noFill/>
+                </a:ln>
+                <a:solidFill>
+                  <a:srgbClr val="000000"/>
+                </a:solidFill>
+                <a:effectLst/>
+                <a:latin typeface="Lucida Console" panose="020B0609040504020204" pitchFamily="49" charset="0"/>
+              </a:rPr>
+              <a:t>4 </a:t>
+            </a:r>
+            <a:endParaRPr kumimoji="0" lang="en-US" altLang="zh-CN" sz="1200" b="0" i="0" u="none" strike="noStrike" cap="none" normalizeH="0" baseline="0" dirty="0" smtClean="0">
+              <a:ln>
+                <a:noFill/>
+              </a:ln>
+              <a:solidFill>
+                <a:srgbClr val="000000"/>
+              </a:solidFill>
+              <a:effectLst/>
+              <a:latin typeface="Lucida Console" panose="020B0609040504020204" pitchFamily="49" charset="0"/>
+            </a:endParaRPr>
+          </a:p>
+          <a:p>
+            <a:pPr marL="0" marR="0" lvl="0" indent="0" algn="l" defTabSz="914400" rtl="0" eaLnBrk="0" fontAlgn="base" latinLnBrk="0" hangingPunct="0">
+              <a:lnSpc>
+                <a:spcPct val="100000"/>
+              </a:lnSpc>
+              <a:spcBef>
+                <a:spcPct val="0"/>
+              </a:spcBef>
+              <a:spcAft>
+                <a:spcPct val="0"/>
+              </a:spcAft>
+              <a:buClrTx/>
+              <a:buSzTx/>
+              <a:buFontTx/>
+              <a:buNone/>
+              <a:tabLst/>
+            </a:pPr>
+            <a:r>
+              <a:rPr kumimoji="0" lang="zh-CN" altLang="zh-CN" sz="1200" b="0" i="0" u="none" strike="noStrike" cap="none" normalizeH="0" baseline="0" dirty="0" smtClean="0">
+                <a:ln>
+                  <a:noFill/>
+                </a:ln>
+                <a:solidFill>
+                  <a:srgbClr val="000000"/>
+                </a:solidFill>
+                <a:effectLst/>
+                <a:latin typeface="Lucida Console" panose="020B0609040504020204" pitchFamily="49" charset="0"/>
+              </a:rPr>
+              <a:t>4 </a:t>
+            </a:r>
+            <a:r>
+              <a:rPr kumimoji="0" lang="en-US" altLang="zh-CN" sz="1200" b="0" i="0" u="none" strike="noStrike" cap="none" normalizeH="0" baseline="0" dirty="0" smtClean="0">
+                <a:ln>
+                  <a:noFill/>
+                </a:ln>
+                <a:solidFill>
+                  <a:srgbClr val="000000"/>
+                </a:solidFill>
+                <a:effectLst/>
+                <a:latin typeface="Lucida Console" panose="020B0609040504020204" pitchFamily="49" charset="0"/>
+              </a:rPr>
+              <a:t>   </a:t>
+            </a:r>
+            <a:r>
+              <a:rPr kumimoji="0" lang="zh-CN" altLang="zh-CN" sz="1200" b="0" i="0" u="none" strike="noStrike" cap="none" normalizeH="0" baseline="0" dirty="0" smtClean="0">
+                <a:ln>
+                  <a:noFill/>
+                </a:ln>
+                <a:solidFill>
+                  <a:srgbClr val="000000"/>
+                </a:solidFill>
+                <a:effectLst/>
+                <a:latin typeface="Lucida Console" panose="020B0609040504020204" pitchFamily="49" charset="0"/>
+              </a:rPr>
+              <a:t>7 </a:t>
+            </a:r>
+            <a:r>
+              <a:rPr kumimoji="0" lang="en-US" altLang="zh-CN" sz="1200" b="0" i="0" u="none" strike="noStrike" cap="none" normalizeH="0" baseline="0" dirty="0" smtClean="0">
+                <a:ln>
+                  <a:noFill/>
+                </a:ln>
+                <a:solidFill>
+                  <a:srgbClr val="000000"/>
+                </a:solidFill>
+                <a:effectLst/>
+                <a:latin typeface="Lucida Console" panose="020B0609040504020204" pitchFamily="49" charset="0"/>
+              </a:rPr>
+              <a:t>   </a:t>
+            </a:r>
+            <a:r>
+              <a:rPr kumimoji="0" lang="zh-CN" altLang="zh-CN" sz="1200" b="0" i="0" u="none" strike="noStrike" cap="none" normalizeH="0" baseline="0" dirty="0" smtClean="0">
+                <a:ln>
+                  <a:noFill/>
+                </a:ln>
+                <a:solidFill>
+                  <a:srgbClr val="000000"/>
+                </a:solidFill>
+                <a:effectLst/>
+                <a:latin typeface="Lucida Console" panose="020B0609040504020204" pitchFamily="49" charset="0"/>
+              </a:rPr>
+              <a:t>22 </a:t>
+            </a:r>
+            <a:endParaRPr kumimoji="0" lang="en-US" altLang="zh-CN" sz="1200" b="0" i="0" u="none" strike="noStrike" cap="none" normalizeH="0" baseline="0" dirty="0" smtClean="0">
+              <a:ln>
+                <a:noFill/>
+              </a:ln>
+              <a:solidFill>
+                <a:srgbClr val="000000"/>
+              </a:solidFill>
+              <a:effectLst/>
+              <a:latin typeface="Lucida Console" panose="020B0609040504020204" pitchFamily="49" charset="0"/>
+            </a:endParaRPr>
+          </a:p>
+          <a:p>
+            <a:pPr marL="0" marR="0" lvl="0" indent="0" algn="l" defTabSz="914400" rtl="0" eaLnBrk="0" fontAlgn="base" latinLnBrk="0" hangingPunct="0">
+              <a:lnSpc>
+                <a:spcPct val="100000"/>
+              </a:lnSpc>
+              <a:spcBef>
+                <a:spcPct val="0"/>
+              </a:spcBef>
+              <a:spcAft>
+                <a:spcPct val="0"/>
+              </a:spcAft>
+              <a:buClrTx/>
+              <a:buSzTx/>
+              <a:buFontTx/>
+              <a:buNone/>
+              <a:tabLst/>
+            </a:pPr>
+            <a:r>
+              <a:rPr kumimoji="0" lang="zh-CN" altLang="zh-CN" sz="1200" b="0" i="0" u="none" strike="noStrike" cap="none" normalizeH="0" baseline="0" dirty="0" smtClean="0">
+                <a:ln>
+                  <a:noFill/>
+                </a:ln>
+                <a:solidFill>
+                  <a:srgbClr val="000000"/>
+                </a:solidFill>
+                <a:effectLst/>
+                <a:latin typeface="Lucida Console" panose="020B0609040504020204" pitchFamily="49" charset="0"/>
+              </a:rPr>
+              <a:t>5 </a:t>
+            </a:r>
+            <a:r>
+              <a:rPr kumimoji="0" lang="en-US" altLang="zh-CN" sz="1200" b="0" i="0" u="none" strike="noStrike" cap="none" normalizeH="0" baseline="0" dirty="0" smtClean="0">
+                <a:ln>
+                  <a:noFill/>
+                </a:ln>
+                <a:solidFill>
+                  <a:srgbClr val="000000"/>
+                </a:solidFill>
+                <a:effectLst/>
+                <a:latin typeface="Lucida Console" panose="020B0609040504020204" pitchFamily="49" charset="0"/>
+              </a:rPr>
+              <a:t>   </a:t>
+            </a:r>
+            <a:r>
+              <a:rPr kumimoji="0" lang="zh-CN" altLang="zh-CN" sz="1200" b="0" i="0" u="none" strike="noStrike" cap="none" normalizeH="0" baseline="0" dirty="0" smtClean="0">
+                <a:ln>
+                  <a:noFill/>
+                </a:ln>
+                <a:solidFill>
+                  <a:srgbClr val="000000"/>
+                </a:solidFill>
+                <a:effectLst/>
+                <a:latin typeface="Lucida Console" panose="020B0609040504020204" pitchFamily="49" charset="0"/>
+              </a:rPr>
+              <a:t>8 </a:t>
+            </a:r>
+            <a:r>
+              <a:rPr kumimoji="0" lang="en-US" altLang="zh-CN" sz="1200" b="0" i="0" u="none" strike="noStrike" cap="none" normalizeH="0" baseline="0" dirty="0" smtClean="0">
+                <a:ln>
+                  <a:noFill/>
+                </a:ln>
+                <a:solidFill>
+                  <a:srgbClr val="000000"/>
+                </a:solidFill>
+                <a:effectLst/>
+                <a:latin typeface="Lucida Console" panose="020B0609040504020204" pitchFamily="49" charset="0"/>
+              </a:rPr>
+              <a:t>   </a:t>
+            </a:r>
+            <a:r>
+              <a:rPr kumimoji="0" lang="zh-CN" altLang="zh-CN" sz="1200" b="0" i="0" u="none" strike="noStrike" cap="none" normalizeH="0" baseline="0" dirty="0" smtClean="0">
+                <a:ln>
+                  <a:noFill/>
+                </a:ln>
+                <a:solidFill>
+                  <a:srgbClr val="000000"/>
+                </a:solidFill>
+                <a:effectLst/>
+                <a:latin typeface="Lucida Console" panose="020B0609040504020204" pitchFamily="49" charset="0"/>
+              </a:rPr>
+              <a:t>16</a:t>
+            </a:r>
+            <a:endParaRPr kumimoji="0" lang="zh-CN" altLang="zh-CN" sz="2800" b="0" i="0" u="none" strike="noStrike" cap="none" normalizeH="0" baseline="0" dirty="0" smtClean="0">
+              <a:ln>
+                <a:noFill/>
+              </a:ln>
+              <a:solidFill>
+                <a:schemeClr val="tx1"/>
+              </a:solidFill>
+              <a:effectLst/>
+              <a:latin typeface="Arial" panose="020B0604020202020204" pitchFamily="34" charset="0"/>
+            </a:endParaRPr>
+          </a:p>
+        </p:txBody>
+      </p:sp>
+      <p:sp>
+        <p:nvSpPr>
+          <p:cNvPr id="6" name="Rectangle 2"/>
+          <p:cNvSpPr>
+            <a:spLocks noChangeArrowheads="1"/>
+          </p:cNvSpPr>
+          <p:nvPr/>
+        </p:nvSpPr>
+        <p:spPr bwMode="auto">
+          <a:xfrm>
+            <a:off x="8371163" y="2703163"/>
+            <a:ext cx="2138406" cy="1661993"/>
+          </a:xfrm>
+          <a:prstGeom prst="rect">
+            <a:avLst/>
+          </a:prstGeom>
+          <a:solidFill>
+            <a:srgbClr val="FFFFFF"/>
+          </a:solidFill>
+          <a:ln>
+            <a:noFill/>
+          </a:ln>
+          <a:effectLst/>
+          <a:extLst>
+            <a:ext uri="{91240B29-F687-4F45-9708-019B960494DF}">
+              <a14:hiddenLine xmlns:a14="http://schemas.microsoft.com/office/drawing/2010/main" w="9525">
+                <a:solidFill>
+                  <a:schemeClr val="tx1"/>
+                </a:solidFill>
+                <a:miter lim="800000"/>
+                <a:headEnd/>
+                <a:tailEnd/>
+              </a14:hiddenLine>
+            </a:ext>
+            <a:ext uri="{AF507438-7753-43E0-B8FC-AC1667EBCBE1}">
+              <a14:hiddenEffects xmlns:a14="http://schemas.microsoft.com/office/drawing/2010/main">
+                <a:effectLst>
+                  <a:outerShdw dist="35921" dir="2700000" algn="ctr" rotWithShape="0">
+                    <a:schemeClr val="bg2"/>
+                  </a:outerShdw>
+                </a:effectLst>
+              </a14:hiddenEffects>
+            </a:ext>
+          </a:extLst>
+        </p:spPr>
+        <p:txBody>
+          <a:bodyPr vert="horz" wrap="none" lIns="0" tIns="0" rIns="0" bIns="0" numCol="1" anchor="ctr" anchorCtr="0" compatLnSpc="1">
+            <a:prstTxWarp prst="textNoShape">
+              <a:avLst/>
+            </a:prstTxWarp>
+            <a:spAutoFit/>
+          </a:bodyPr>
+          <a:lstStyle/>
+          <a:p>
+            <a:pPr marL="0" marR="0" lvl="0" indent="0" algn="l" defTabSz="914400" rtl="0" eaLnBrk="0" fontAlgn="base" latinLnBrk="0" hangingPunct="0">
+              <a:lnSpc>
+                <a:spcPct val="100000"/>
+              </a:lnSpc>
+              <a:spcBef>
+                <a:spcPct val="0"/>
+              </a:spcBef>
+              <a:spcAft>
+                <a:spcPct val="0"/>
+              </a:spcAft>
+              <a:buClrTx/>
+              <a:buSzTx/>
+              <a:buFontTx/>
+              <a:buNone/>
+              <a:tabLst/>
+            </a:pPr>
+            <a:r>
+              <a:rPr kumimoji="0" lang="zh-CN" altLang="zh-CN" sz="1200" b="0" i="0" u="none" strike="noStrike" cap="none" normalizeH="0" baseline="0" dirty="0" smtClean="0">
+                <a:ln>
+                  <a:noFill/>
+                </a:ln>
+                <a:solidFill>
+                  <a:srgbClr val="0000FF"/>
+                </a:solidFill>
+                <a:effectLst/>
+                <a:latin typeface="Lucida Console" panose="020B0609040504020204" pitchFamily="49" charset="0"/>
+              </a:rPr>
+              <a:t>&gt; indices2&lt;-rep(1:3,2) </a:t>
+            </a:r>
+            <a:endParaRPr kumimoji="0" lang="en-US" altLang="zh-CN" sz="1200" b="0" i="0" u="none" strike="noStrike" cap="none" normalizeH="0" baseline="0" dirty="0" smtClean="0">
+              <a:ln>
+                <a:noFill/>
+              </a:ln>
+              <a:solidFill>
+                <a:srgbClr val="0000FF"/>
+              </a:solidFill>
+              <a:effectLst/>
+              <a:latin typeface="Lucida Console" panose="020B0609040504020204" pitchFamily="49" charset="0"/>
+            </a:endParaRPr>
+          </a:p>
+          <a:p>
+            <a:pPr marL="0" marR="0" lvl="0" indent="0" algn="l" defTabSz="914400" rtl="0" eaLnBrk="0" fontAlgn="base" latinLnBrk="0" hangingPunct="0">
+              <a:lnSpc>
+                <a:spcPct val="100000"/>
+              </a:lnSpc>
+              <a:spcBef>
+                <a:spcPct val="0"/>
+              </a:spcBef>
+              <a:spcAft>
+                <a:spcPct val="0"/>
+              </a:spcAft>
+              <a:buClrTx/>
+              <a:buSzTx/>
+              <a:buFontTx/>
+              <a:buNone/>
+              <a:tabLst/>
+            </a:pPr>
+            <a:r>
+              <a:rPr kumimoji="0" lang="zh-CN" altLang="zh-CN" sz="1200" b="0" i="0" u="none" strike="noStrike" cap="none" normalizeH="0" baseline="0" dirty="0" smtClean="0">
+                <a:ln>
+                  <a:noFill/>
+                </a:ln>
+                <a:solidFill>
+                  <a:srgbClr val="0000FF"/>
+                </a:solidFill>
+                <a:effectLst/>
+                <a:latin typeface="Lucida Console" panose="020B0609040504020204" pitchFamily="49" charset="0"/>
+              </a:rPr>
+              <a:t>&gt; cars[indices2,] </a:t>
+            </a:r>
+            <a:endParaRPr kumimoji="0" lang="en-US" altLang="zh-CN" sz="1200" b="0" i="0" u="none" strike="noStrike" cap="none" normalizeH="0" baseline="0" dirty="0" smtClean="0">
+              <a:ln>
+                <a:noFill/>
+              </a:ln>
+              <a:solidFill>
+                <a:srgbClr val="0000FF"/>
+              </a:solidFill>
+              <a:effectLst/>
+              <a:latin typeface="Lucida Console" panose="020B0609040504020204" pitchFamily="49" charset="0"/>
+            </a:endParaRPr>
+          </a:p>
+          <a:p>
+            <a:pPr marL="0" marR="0" lvl="0" indent="0" algn="l" defTabSz="914400" rtl="0" eaLnBrk="0" fontAlgn="base" latinLnBrk="0" hangingPunct="0">
+              <a:lnSpc>
+                <a:spcPct val="100000"/>
+              </a:lnSpc>
+              <a:spcBef>
+                <a:spcPct val="0"/>
+              </a:spcBef>
+              <a:spcAft>
+                <a:spcPct val="0"/>
+              </a:spcAft>
+              <a:buClrTx/>
+              <a:buSzTx/>
+              <a:buFontTx/>
+              <a:buNone/>
+              <a:tabLst/>
+            </a:pPr>
+            <a:r>
+              <a:rPr kumimoji="0" lang="en-US" altLang="zh-CN" sz="1200" b="0" i="0" u="none" strike="noStrike" cap="none" normalizeH="0" baseline="0" dirty="0" smtClean="0">
+                <a:ln>
+                  <a:noFill/>
+                </a:ln>
+                <a:solidFill>
+                  <a:srgbClr val="000000"/>
+                </a:solidFill>
+                <a:effectLst/>
+                <a:latin typeface="Lucida Console" panose="020B0609040504020204" pitchFamily="49" charset="0"/>
+              </a:rPr>
+              <a:t>  </a:t>
+            </a:r>
+            <a:r>
+              <a:rPr kumimoji="0" lang="zh-CN" altLang="zh-CN" sz="1200" b="0" i="0" u="none" strike="noStrike" cap="none" normalizeH="0" baseline="0" dirty="0" smtClean="0">
+                <a:ln>
+                  <a:noFill/>
+                </a:ln>
+                <a:solidFill>
+                  <a:srgbClr val="000000"/>
+                </a:solidFill>
+                <a:effectLst/>
+                <a:latin typeface="Lucida Console" panose="020B0609040504020204" pitchFamily="49" charset="0"/>
+              </a:rPr>
+              <a:t>speed dist </a:t>
+            </a:r>
+            <a:endParaRPr kumimoji="0" lang="en-US" altLang="zh-CN" sz="1200" b="0" i="0" u="none" strike="noStrike" cap="none" normalizeH="0" baseline="0" dirty="0" smtClean="0">
+              <a:ln>
+                <a:noFill/>
+              </a:ln>
+              <a:solidFill>
+                <a:srgbClr val="000000"/>
+              </a:solidFill>
+              <a:effectLst/>
+              <a:latin typeface="Lucida Console" panose="020B0609040504020204" pitchFamily="49" charset="0"/>
+            </a:endParaRPr>
+          </a:p>
+          <a:p>
+            <a:pPr marL="0" marR="0" lvl="0" indent="0" algn="l" defTabSz="914400" rtl="0" eaLnBrk="0" fontAlgn="base" latinLnBrk="0" hangingPunct="0">
+              <a:lnSpc>
+                <a:spcPct val="100000"/>
+              </a:lnSpc>
+              <a:spcBef>
+                <a:spcPct val="0"/>
+              </a:spcBef>
+              <a:spcAft>
+                <a:spcPct val="0"/>
+              </a:spcAft>
+              <a:buClrTx/>
+              <a:buSzTx/>
+              <a:buFontTx/>
+              <a:buNone/>
+              <a:tabLst/>
+            </a:pPr>
+            <a:r>
+              <a:rPr kumimoji="0" lang="zh-CN" altLang="zh-CN" sz="1200" b="0" i="0" u="none" strike="noStrike" cap="none" normalizeH="0" baseline="0" dirty="0" smtClean="0">
+                <a:ln>
+                  <a:noFill/>
+                </a:ln>
+                <a:solidFill>
+                  <a:srgbClr val="000000"/>
+                </a:solidFill>
+                <a:effectLst/>
+                <a:latin typeface="Lucida Console" panose="020B0609040504020204" pitchFamily="49" charset="0"/>
+              </a:rPr>
+              <a:t>1 </a:t>
+            </a:r>
+            <a:r>
+              <a:rPr kumimoji="0" lang="en-US" altLang="zh-CN" sz="1200" b="0" i="0" u="none" strike="noStrike" cap="none" normalizeH="0" baseline="0" dirty="0" smtClean="0">
+                <a:ln>
+                  <a:noFill/>
+                </a:ln>
+                <a:solidFill>
+                  <a:srgbClr val="000000"/>
+                </a:solidFill>
+                <a:effectLst/>
+                <a:latin typeface="Lucida Console" panose="020B0609040504020204" pitchFamily="49" charset="0"/>
+              </a:rPr>
+              <a:t>    </a:t>
+            </a:r>
+            <a:r>
+              <a:rPr kumimoji="0" lang="zh-CN" altLang="zh-CN" sz="1200" b="0" i="0" u="none" strike="noStrike" cap="none" normalizeH="0" baseline="0" dirty="0" smtClean="0">
+                <a:ln>
+                  <a:noFill/>
+                </a:ln>
+                <a:solidFill>
+                  <a:srgbClr val="000000"/>
+                </a:solidFill>
+                <a:effectLst/>
+                <a:latin typeface="Lucida Console" panose="020B0609040504020204" pitchFamily="49" charset="0"/>
+              </a:rPr>
+              <a:t>4 </a:t>
+            </a:r>
+            <a:r>
+              <a:rPr kumimoji="0" lang="en-US" altLang="zh-CN" sz="1200" b="0" i="0" u="none" strike="noStrike" cap="none" normalizeH="0" baseline="0" dirty="0" smtClean="0">
+                <a:ln>
+                  <a:noFill/>
+                </a:ln>
+                <a:solidFill>
+                  <a:srgbClr val="000000"/>
+                </a:solidFill>
+                <a:effectLst/>
+                <a:latin typeface="Lucida Console" panose="020B0609040504020204" pitchFamily="49" charset="0"/>
+              </a:rPr>
+              <a:t>   </a:t>
+            </a:r>
+            <a:r>
+              <a:rPr kumimoji="0" lang="zh-CN" altLang="zh-CN" sz="1200" b="0" i="0" u="none" strike="noStrike" cap="none" normalizeH="0" baseline="0" dirty="0" smtClean="0">
+                <a:ln>
+                  <a:noFill/>
+                </a:ln>
+                <a:solidFill>
+                  <a:srgbClr val="000000"/>
+                </a:solidFill>
+                <a:effectLst/>
+                <a:latin typeface="Lucida Console" panose="020B0609040504020204" pitchFamily="49" charset="0"/>
+              </a:rPr>
+              <a:t>2 </a:t>
+            </a:r>
+            <a:endParaRPr kumimoji="0" lang="en-US" altLang="zh-CN" sz="1200" b="0" i="0" u="none" strike="noStrike" cap="none" normalizeH="0" baseline="0" dirty="0" smtClean="0">
+              <a:ln>
+                <a:noFill/>
+              </a:ln>
+              <a:solidFill>
+                <a:srgbClr val="000000"/>
+              </a:solidFill>
+              <a:effectLst/>
+              <a:latin typeface="Lucida Console" panose="020B0609040504020204" pitchFamily="49" charset="0"/>
+            </a:endParaRPr>
+          </a:p>
+          <a:p>
+            <a:pPr marL="0" marR="0" lvl="0" indent="0" algn="l" defTabSz="914400" rtl="0" eaLnBrk="0" fontAlgn="base" latinLnBrk="0" hangingPunct="0">
+              <a:lnSpc>
+                <a:spcPct val="100000"/>
+              </a:lnSpc>
+              <a:spcBef>
+                <a:spcPct val="0"/>
+              </a:spcBef>
+              <a:spcAft>
+                <a:spcPct val="0"/>
+              </a:spcAft>
+              <a:buClrTx/>
+              <a:buSzTx/>
+              <a:buFontTx/>
+              <a:buNone/>
+              <a:tabLst/>
+            </a:pPr>
+            <a:r>
+              <a:rPr kumimoji="0" lang="zh-CN" altLang="zh-CN" sz="1200" b="0" i="0" u="none" strike="noStrike" cap="none" normalizeH="0" baseline="0" dirty="0" smtClean="0">
+                <a:ln>
+                  <a:noFill/>
+                </a:ln>
+                <a:solidFill>
+                  <a:srgbClr val="000000"/>
+                </a:solidFill>
+                <a:effectLst/>
+                <a:latin typeface="Lucida Console" panose="020B0609040504020204" pitchFamily="49" charset="0"/>
+              </a:rPr>
+              <a:t>2 </a:t>
+            </a:r>
+            <a:r>
+              <a:rPr kumimoji="0" lang="en-US" altLang="zh-CN" sz="1200" b="0" i="0" u="none" strike="noStrike" cap="none" normalizeH="0" baseline="0" dirty="0" smtClean="0">
+                <a:ln>
+                  <a:noFill/>
+                </a:ln>
+                <a:solidFill>
+                  <a:srgbClr val="000000"/>
+                </a:solidFill>
+                <a:effectLst/>
+                <a:latin typeface="Lucida Console" panose="020B0609040504020204" pitchFamily="49" charset="0"/>
+              </a:rPr>
+              <a:t>    </a:t>
+            </a:r>
+            <a:r>
+              <a:rPr kumimoji="0" lang="zh-CN" altLang="zh-CN" sz="1200" b="0" i="0" u="none" strike="noStrike" cap="none" normalizeH="0" baseline="0" dirty="0" smtClean="0">
+                <a:ln>
+                  <a:noFill/>
+                </a:ln>
+                <a:solidFill>
+                  <a:srgbClr val="000000"/>
+                </a:solidFill>
+                <a:effectLst/>
+                <a:latin typeface="Lucida Console" panose="020B0609040504020204" pitchFamily="49" charset="0"/>
+              </a:rPr>
+              <a:t>4 </a:t>
+            </a:r>
+            <a:r>
+              <a:rPr kumimoji="0" lang="en-US" altLang="zh-CN" sz="1200" b="0" i="0" u="none" strike="noStrike" cap="none" normalizeH="0" baseline="0" dirty="0" smtClean="0">
+                <a:ln>
+                  <a:noFill/>
+                </a:ln>
+                <a:solidFill>
+                  <a:srgbClr val="000000"/>
+                </a:solidFill>
+                <a:effectLst/>
+                <a:latin typeface="Lucida Console" panose="020B0609040504020204" pitchFamily="49" charset="0"/>
+              </a:rPr>
+              <a:t>  </a:t>
+            </a:r>
+            <a:r>
+              <a:rPr kumimoji="0" lang="zh-CN" altLang="zh-CN" sz="1200" b="0" i="0" u="none" strike="noStrike" cap="none" normalizeH="0" baseline="0" dirty="0" smtClean="0">
+                <a:ln>
+                  <a:noFill/>
+                </a:ln>
+                <a:solidFill>
+                  <a:srgbClr val="000000"/>
+                </a:solidFill>
+                <a:effectLst/>
+                <a:latin typeface="Lucida Console" panose="020B0609040504020204" pitchFamily="49" charset="0"/>
+              </a:rPr>
+              <a:t>10 </a:t>
+            </a:r>
+            <a:endParaRPr kumimoji="0" lang="en-US" altLang="zh-CN" sz="1200" b="0" i="0" u="none" strike="noStrike" cap="none" normalizeH="0" baseline="0" dirty="0" smtClean="0">
+              <a:ln>
+                <a:noFill/>
+              </a:ln>
+              <a:solidFill>
+                <a:srgbClr val="000000"/>
+              </a:solidFill>
+              <a:effectLst/>
+              <a:latin typeface="Lucida Console" panose="020B0609040504020204" pitchFamily="49" charset="0"/>
+            </a:endParaRPr>
+          </a:p>
+          <a:p>
+            <a:pPr marL="0" marR="0" lvl="0" indent="0" algn="l" defTabSz="914400" rtl="0" eaLnBrk="0" fontAlgn="base" latinLnBrk="0" hangingPunct="0">
+              <a:lnSpc>
+                <a:spcPct val="100000"/>
+              </a:lnSpc>
+              <a:spcBef>
+                <a:spcPct val="0"/>
+              </a:spcBef>
+              <a:spcAft>
+                <a:spcPct val="0"/>
+              </a:spcAft>
+              <a:buClrTx/>
+              <a:buSzTx/>
+              <a:buFontTx/>
+              <a:buNone/>
+              <a:tabLst/>
+            </a:pPr>
+            <a:r>
+              <a:rPr kumimoji="0" lang="zh-CN" altLang="zh-CN" sz="1200" b="0" i="0" u="none" strike="noStrike" cap="none" normalizeH="0" baseline="0" dirty="0" smtClean="0">
+                <a:ln>
+                  <a:noFill/>
+                </a:ln>
+                <a:solidFill>
+                  <a:srgbClr val="000000"/>
+                </a:solidFill>
+                <a:effectLst/>
+                <a:latin typeface="Lucida Console" panose="020B0609040504020204" pitchFamily="49" charset="0"/>
+              </a:rPr>
+              <a:t>3 </a:t>
+            </a:r>
+            <a:r>
+              <a:rPr kumimoji="0" lang="en-US" altLang="zh-CN" sz="1200" b="0" i="0" u="none" strike="noStrike" cap="none" normalizeH="0" baseline="0" dirty="0" smtClean="0">
+                <a:ln>
+                  <a:noFill/>
+                </a:ln>
+                <a:solidFill>
+                  <a:srgbClr val="000000"/>
+                </a:solidFill>
+                <a:effectLst/>
+                <a:latin typeface="Lucida Console" panose="020B0609040504020204" pitchFamily="49" charset="0"/>
+              </a:rPr>
+              <a:t>    </a:t>
+            </a:r>
+            <a:r>
+              <a:rPr kumimoji="0" lang="zh-CN" altLang="zh-CN" sz="1200" b="0" i="0" u="none" strike="noStrike" cap="none" normalizeH="0" baseline="0" dirty="0" smtClean="0">
+                <a:ln>
+                  <a:noFill/>
+                </a:ln>
+                <a:solidFill>
+                  <a:srgbClr val="000000"/>
+                </a:solidFill>
+                <a:effectLst/>
+                <a:latin typeface="Lucida Console" panose="020B0609040504020204" pitchFamily="49" charset="0"/>
+              </a:rPr>
+              <a:t>7</a:t>
+            </a:r>
+            <a:r>
+              <a:rPr kumimoji="0" lang="en-US" altLang="zh-CN" sz="1200" b="0" i="0" u="none" strike="noStrike" cap="none" normalizeH="0" baseline="0" dirty="0" smtClean="0">
+                <a:ln>
+                  <a:noFill/>
+                </a:ln>
+                <a:solidFill>
+                  <a:srgbClr val="000000"/>
+                </a:solidFill>
+                <a:effectLst/>
+                <a:latin typeface="Lucida Console" panose="020B0609040504020204" pitchFamily="49" charset="0"/>
+              </a:rPr>
+              <a:t>   </a:t>
+            </a:r>
+            <a:r>
+              <a:rPr kumimoji="0" lang="zh-CN" altLang="zh-CN" sz="1200" b="0" i="0" u="none" strike="noStrike" cap="none" normalizeH="0" baseline="0" dirty="0" smtClean="0">
+                <a:ln>
+                  <a:noFill/>
+                </a:ln>
+                <a:solidFill>
+                  <a:srgbClr val="000000"/>
+                </a:solidFill>
+                <a:effectLst/>
+                <a:latin typeface="Lucida Console" panose="020B0609040504020204" pitchFamily="49" charset="0"/>
+              </a:rPr>
+              <a:t> 4 </a:t>
+            </a:r>
+            <a:endParaRPr kumimoji="0" lang="en-US" altLang="zh-CN" sz="1200" b="0" i="0" u="none" strike="noStrike" cap="none" normalizeH="0" baseline="0" dirty="0" smtClean="0">
+              <a:ln>
+                <a:noFill/>
+              </a:ln>
+              <a:solidFill>
+                <a:srgbClr val="000000"/>
+              </a:solidFill>
+              <a:effectLst/>
+              <a:latin typeface="Lucida Console" panose="020B0609040504020204" pitchFamily="49" charset="0"/>
+            </a:endParaRPr>
+          </a:p>
+          <a:p>
+            <a:pPr marL="0" marR="0" lvl="0" indent="0" algn="l" defTabSz="914400" rtl="0" eaLnBrk="0" fontAlgn="base" latinLnBrk="0" hangingPunct="0">
+              <a:lnSpc>
+                <a:spcPct val="100000"/>
+              </a:lnSpc>
+              <a:spcBef>
+                <a:spcPct val="0"/>
+              </a:spcBef>
+              <a:spcAft>
+                <a:spcPct val="0"/>
+              </a:spcAft>
+              <a:buClrTx/>
+              <a:buSzTx/>
+              <a:buFontTx/>
+              <a:buNone/>
+              <a:tabLst/>
+            </a:pPr>
+            <a:r>
+              <a:rPr kumimoji="0" lang="zh-CN" altLang="zh-CN" sz="1200" b="0" i="0" u="none" strike="noStrike" cap="none" normalizeH="0" baseline="0" dirty="0" smtClean="0">
+                <a:ln>
+                  <a:noFill/>
+                </a:ln>
+                <a:solidFill>
+                  <a:srgbClr val="000000"/>
+                </a:solidFill>
+                <a:effectLst/>
+                <a:latin typeface="Lucida Console" panose="020B0609040504020204" pitchFamily="49" charset="0"/>
+              </a:rPr>
+              <a:t>1.1 </a:t>
+            </a:r>
+            <a:r>
+              <a:rPr kumimoji="0" lang="en-US" altLang="zh-CN" sz="1200" b="0" i="0" u="none" strike="noStrike" cap="none" normalizeH="0" baseline="0" dirty="0" smtClean="0">
+                <a:ln>
+                  <a:noFill/>
+                </a:ln>
+                <a:solidFill>
+                  <a:srgbClr val="000000"/>
+                </a:solidFill>
+                <a:effectLst/>
+                <a:latin typeface="Lucida Console" panose="020B0609040504020204" pitchFamily="49" charset="0"/>
+              </a:rPr>
+              <a:t>  </a:t>
+            </a:r>
+            <a:r>
+              <a:rPr kumimoji="0" lang="zh-CN" altLang="zh-CN" sz="1200" b="0" i="0" u="none" strike="noStrike" cap="none" normalizeH="0" baseline="0" dirty="0" smtClean="0">
+                <a:ln>
+                  <a:noFill/>
+                </a:ln>
+                <a:solidFill>
+                  <a:srgbClr val="000000"/>
+                </a:solidFill>
+                <a:effectLst/>
+                <a:latin typeface="Lucida Console" panose="020B0609040504020204" pitchFamily="49" charset="0"/>
+              </a:rPr>
+              <a:t>4</a:t>
+            </a:r>
+            <a:r>
+              <a:rPr kumimoji="0" lang="en-US" altLang="zh-CN" sz="1200" b="0" i="0" u="none" strike="noStrike" cap="none" normalizeH="0" baseline="0" dirty="0" smtClean="0">
+                <a:ln>
+                  <a:noFill/>
+                </a:ln>
+                <a:solidFill>
+                  <a:srgbClr val="000000"/>
+                </a:solidFill>
+                <a:effectLst/>
+                <a:latin typeface="Lucida Console" panose="020B0609040504020204" pitchFamily="49" charset="0"/>
+              </a:rPr>
+              <a:t>   </a:t>
+            </a:r>
+            <a:r>
+              <a:rPr kumimoji="0" lang="zh-CN" altLang="zh-CN" sz="1200" b="0" i="0" u="none" strike="noStrike" cap="none" normalizeH="0" baseline="0" dirty="0" smtClean="0">
+                <a:ln>
+                  <a:noFill/>
+                </a:ln>
+                <a:solidFill>
+                  <a:srgbClr val="000000"/>
+                </a:solidFill>
+                <a:effectLst/>
+                <a:latin typeface="Lucida Console" panose="020B0609040504020204" pitchFamily="49" charset="0"/>
+              </a:rPr>
+              <a:t> 2 </a:t>
+            </a:r>
+            <a:endParaRPr kumimoji="0" lang="en-US" altLang="zh-CN" sz="1200" b="0" i="0" u="none" strike="noStrike" cap="none" normalizeH="0" baseline="0" dirty="0" smtClean="0">
+              <a:ln>
+                <a:noFill/>
+              </a:ln>
+              <a:solidFill>
+                <a:srgbClr val="000000"/>
+              </a:solidFill>
+              <a:effectLst/>
+              <a:latin typeface="Lucida Console" panose="020B0609040504020204" pitchFamily="49" charset="0"/>
+            </a:endParaRPr>
+          </a:p>
+          <a:p>
+            <a:pPr marL="0" marR="0" lvl="0" indent="0" algn="l" defTabSz="914400" rtl="0" eaLnBrk="0" fontAlgn="base" latinLnBrk="0" hangingPunct="0">
+              <a:lnSpc>
+                <a:spcPct val="100000"/>
+              </a:lnSpc>
+              <a:spcBef>
+                <a:spcPct val="0"/>
+              </a:spcBef>
+              <a:spcAft>
+                <a:spcPct val="0"/>
+              </a:spcAft>
+              <a:buClrTx/>
+              <a:buSzTx/>
+              <a:buFontTx/>
+              <a:buNone/>
+              <a:tabLst/>
+            </a:pPr>
+            <a:r>
+              <a:rPr kumimoji="0" lang="zh-CN" altLang="zh-CN" sz="1200" b="0" i="0" u="none" strike="noStrike" cap="none" normalizeH="0" baseline="0" dirty="0" smtClean="0">
+                <a:ln>
+                  <a:noFill/>
+                </a:ln>
+                <a:solidFill>
+                  <a:srgbClr val="000000"/>
+                </a:solidFill>
+                <a:effectLst/>
+                <a:latin typeface="Lucida Console" panose="020B0609040504020204" pitchFamily="49" charset="0"/>
+              </a:rPr>
+              <a:t>2.1 </a:t>
+            </a:r>
+            <a:r>
+              <a:rPr kumimoji="0" lang="en-US" altLang="zh-CN" sz="1200" b="0" i="0" u="none" strike="noStrike" cap="none" normalizeH="0" baseline="0" dirty="0" smtClean="0">
+                <a:ln>
+                  <a:noFill/>
+                </a:ln>
+                <a:solidFill>
+                  <a:srgbClr val="000000"/>
+                </a:solidFill>
+                <a:effectLst/>
+                <a:latin typeface="Lucida Console" panose="020B0609040504020204" pitchFamily="49" charset="0"/>
+              </a:rPr>
+              <a:t>  </a:t>
+            </a:r>
+            <a:r>
+              <a:rPr kumimoji="0" lang="zh-CN" altLang="zh-CN" sz="1200" b="0" i="0" u="none" strike="noStrike" cap="none" normalizeH="0" baseline="0" dirty="0" smtClean="0">
+                <a:ln>
+                  <a:noFill/>
+                </a:ln>
+                <a:solidFill>
+                  <a:srgbClr val="000000"/>
+                </a:solidFill>
+                <a:effectLst/>
+                <a:latin typeface="Lucida Console" panose="020B0609040504020204" pitchFamily="49" charset="0"/>
+              </a:rPr>
+              <a:t>4</a:t>
+            </a:r>
+            <a:r>
+              <a:rPr kumimoji="0" lang="en-US" altLang="zh-CN" sz="1200" b="0" i="0" u="none" strike="noStrike" cap="none" normalizeH="0" baseline="0" dirty="0" smtClean="0">
+                <a:ln>
+                  <a:noFill/>
+                </a:ln>
+                <a:solidFill>
+                  <a:srgbClr val="000000"/>
+                </a:solidFill>
+                <a:effectLst/>
+                <a:latin typeface="Lucida Console" panose="020B0609040504020204" pitchFamily="49" charset="0"/>
+              </a:rPr>
+              <a:t>  </a:t>
+            </a:r>
+            <a:r>
+              <a:rPr kumimoji="0" lang="zh-CN" altLang="zh-CN" sz="1200" b="0" i="0" u="none" strike="noStrike" cap="none" normalizeH="0" baseline="0" dirty="0" smtClean="0">
+                <a:ln>
+                  <a:noFill/>
+                </a:ln>
+                <a:solidFill>
+                  <a:srgbClr val="000000"/>
+                </a:solidFill>
+                <a:effectLst/>
+                <a:latin typeface="Lucida Console" panose="020B0609040504020204" pitchFamily="49" charset="0"/>
+              </a:rPr>
+              <a:t> 10 </a:t>
+            </a:r>
+            <a:endParaRPr kumimoji="0" lang="en-US" altLang="zh-CN" sz="1200" b="0" i="0" u="none" strike="noStrike" cap="none" normalizeH="0" baseline="0" dirty="0" smtClean="0">
+              <a:ln>
+                <a:noFill/>
+              </a:ln>
+              <a:solidFill>
+                <a:srgbClr val="000000"/>
+              </a:solidFill>
+              <a:effectLst/>
+              <a:latin typeface="Lucida Console" panose="020B0609040504020204" pitchFamily="49" charset="0"/>
+            </a:endParaRPr>
+          </a:p>
+          <a:p>
+            <a:pPr marL="0" marR="0" lvl="0" indent="0" algn="l" defTabSz="914400" rtl="0" eaLnBrk="0" fontAlgn="base" latinLnBrk="0" hangingPunct="0">
+              <a:lnSpc>
+                <a:spcPct val="100000"/>
+              </a:lnSpc>
+              <a:spcBef>
+                <a:spcPct val="0"/>
+              </a:spcBef>
+              <a:spcAft>
+                <a:spcPct val="0"/>
+              </a:spcAft>
+              <a:buClrTx/>
+              <a:buSzTx/>
+              <a:buFontTx/>
+              <a:buNone/>
+              <a:tabLst/>
+            </a:pPr>
+            <a:r>
+              <a:rPr kumimoji="0" lang="zh-CN" altLang="zh-CN" sz="1200" b="0" i="0" u="none" strike="noStrike" cap="none" normalizeH="0" baseline="0" dirty="0" smtClean="0">
+                <a:ln>
+                  <a:noFill/>
+                </a:ln>
+                <a:solidFill>
+                  <a:srgbClr val="000000"/>
+                </a:solidFill>
+                <a:effectLst/>
+                <a:latin typeface="Lucida Console" panose="020B0609040504020204" pitchFamily="49" charset="0"/>
+              </a:rPr>
+              <a:t>3.1 </a:t>
+            </a:r>
+            <a:r>
+              <a:rPr kumimoji="0" lang="en-US" altLang="zh-CN" sz="1200" b="0" i="0" u="none" strike="noStrike" cap="none" normalizeH="0" baseline="0" dirty="0" smtClean="0">
+                <a:ln>
+                  <a:noFill/>
+                </a:ln>
+                <a:solidFill>
+                  <a:srgbClr val="000000"/>
+                </a:solidFill>
+                <a:effectLst/>
+                <a:latin typeface="Lucida Console" panose="020B0609040504020204" pitchFamily="49" charset="0"/>
+              </a:rPr>
+              <a:t>  </a:t>
+            </a:r>
+            <a:r>
+              <a:rPr kumimoji="0" lang="zh-CN" altLang="zh-CN" sz="1200" b="0" i="0" u="none" strike="noStrike" cap="none" normalizeH="0" baseline="0" dirty="0" smtClean="0">
+                <a:ln>
+                  <a:noFill/>
+                </a:ln>
+                <a:solidFill>
+                  <a:srgbClr val="000000"/>
+                </a:solidFill>
+                <a:effectLst/>
+                <a:latin typeface="Lucida Console" panose="020B0609040504020204" pitchFamily="49" charset="0"/>
+              </a:rPr>
+              <a:t>7</a:t>
+            </a:r>
+            <a:r>
+              <a:rPr kumimoji="0" lang="en-US" altLang="zh-CN" sz="1200" b="0" i="0" u="none" strike="noStrike" cap="none" normalizeH="0" baseline="0" dirty="0" smtClean="0">
+                <a:ln>
+                  <a:noFill/>
+                </a:ln>
+                <a:solidFill>
+                  <a:srgbClr val="000000"/>
+                </a:solidFill>
+                <a:effectLst/>
+                <a:latin typeface="Lucida Console" panose="020B0609040504020204" pitchFamily="49" charset="0"/>
+              </a:rPr>
+              <a:t>   </a:t>
+            </a:r>
+            <a:r>
+              <a:rPr kumimoji="0" lang="zh-CN" altLang="zh-CN" sz="1200" b="0" i="0" u="none" strike="noStrike" cap="none" normalizeH="0" baseline="0" dirty="0" smtClean="0">
+                <a:ln>
+                  <a:noFill/>
+                </a:ln>
+                <a:solidFill>
+                  <a:srgbClr val="000000"/>
+                </a:solidFill>
+                <a:effectLst/>
+                <a:latin typeface="Lucida Console" panose="020B0609040504020204" pitchFamily="49" charset="0"/>
+              </a:rPr>
+              <a:t> 4</a:t>
+            </a:r>
+            <a:endParaRPr kumimoji="0" lang="zh-CN" altLang="zh-CN" sz="2800" b="0" i="0" u="none" strike="noStrike" cap="none" normalizeH="0" baseline="0" dirty="0" smtClean="0">
+              <a:ln>
+                <a:noFill/>
+              </a:ln>
+              <a:solidFill>
+                <a:schemeClr val="tx1"/>
+              </a:solidFill>
+              <a:effectLst/>
+              <a:latin typeface="Arial" panose="020B0604020202020204" pitchFamily="34" charset="0"/>
+            </a:endParaRPr>
+          </a:p>
+        </p:txBody>
+      </p:sp>
+      <p:sp>
+        <p:nvSpPr>
+          <p:cNvPr id="7" name="Rectangle 3"/>
+          <p:cNvSpPr>
+            <a:spLocks noChangeArrowheads="1"/>
+          </p:cNvSpPr>
+          <p:nvPr/>
+        </p:nvSpPr>
+        <p:spPr bwMode="auto">
+          <a:xfrm>
+            <a:off x="4575615" y="2748981"/>
+            <a:ext cx="2138406" cy="1846659"/>
+          </a:xfrm>
+          <a:prstGeom prst="rect">
+            <a:avLst/>
+          </a:prstGeom>
+          <a:solidFill>
+            <a:srgbClr val="FFFFFF"/>
+          </a:solidFill>
+          <a:ln>
+            <a:noFill/>
+          </a:ln>
+          <a:effectLst/>
+          <a:extLst>
+            <a:ext uri="{91240B29-F687-4F45-9708-019B960494DF}">
+              <a14:hiddenLine xmlns:a14="http://schemas.microsoft.com/office/drawing/2010/main" w="9525">
+                <a:solidFill>
+                  <a:schemeClr val="tx1"/>
+                </a:solidFill>
+                <a:miter lim="800000"/>
+                <a:headEnd/>
+                <a:tailEnd/>
+              </a14:hiddenLine>
+            </a:ext>
+            <a:ext uri="{AF507438-7753-43E0-B8FC-AC1667EBCBE1}">
+              <a14:hiddenEffects xmlns:a14="http://schemas.microsoft.com/office/drawing/2010/main">
+                <a:effectLst>
+                  <a:outerShdw dist="35921" dir="2700000" algn="ctr" rotWithShape="0">
+                    <a:schemeClr val="bg2"/>
+                  </a:outerShdw>
+                </a:effectLst>
+              </a14:hiddenEffects>
+            </a:ext>
+          </a:extLst>
+        </p:spPr>
+        <p:txBody>
+          <a:bodyPr vert="horz" wrap="none" lIns="0" tIns="0" rIns="0" bIns="0" numCol="1" anchor="ctr" anchorCtr="0" compatLnSpc="1">
+            <a:prstTxWarp prst="textNoShape">
+              <a:avLst/>
+            </a:prstTxWarp>
+            <a:spAutoFit/>
+          </a:bodyPr>
+          <a:lstStyle/>
+          <a:p>
+            <a:pPr marL="0" marR="0" lvl="0" indent="0" algn="l" defTabSz="914400" rtl="0" eaLnBrk="0" fontAlgn="base" latinLnBrk="0" hangingPunct="0">
+              <a:lnSpc>
+                <a:spcPct val="100000"/>
+              </a:lnSpc>
+              <a:spcBef>
+                <a:spcPct val="0"/>
+              </a:spcBef>
+              <a:spcAft>
+                <a:spcPct val="0"/>
+              </a:spcAft>
+              <a:buClrTx/>
+              <a:buSzTx/>
+              <a:buFontTx/>
+              <a:buNone/>
+              <a:tabLst/>
+            </a:pPr>
+            <a:r>
+              <a:rPr kumimoji="0" lang="zh-CN" altLang="zh-CN" sz="1200" b="0" i="0" u="none" strike="noStrike" cap="none" normalizeH="0" baseline="0" dirty="0" smtClean="0">
+                <a:ln>
+                  <a:noFill/>
+                </a:ln>
+                <a:solidFill>
+                  <a:srgbClr val="0000FF"/>
+                </a:solidFill>
+                <a:effectLst/>
+                <a:latin typeface="Lucida Console" panose="020B0609040504020204" pitchFamily="49" charset="0"/>
+              </a:rPr>
+              <a:t>&gt; indice3&lt;-seq(1,10,2) </a:t>
+            </a:r>
+            <a:endParaRPr kumimoji="0" lang="en-US" altLang="zh-CN" sz="1200" b="0" i="0" u="none" strike="noStrike" cap="none" normalizeH="0" baseline="0" dirty="0" smtClean="0">
+              <a:ln>
+                <a:noFill/>
+              </a:ln>
+              <a:solidFill>
+                <a:srgbClr val="0000FF"/>
+              </a:solidFill>
+              <a:effectLst/>
+              <a:latin typeface="Lucida Console" panose="020B0609040504020204" pitchFamily="49" charset="0"/>
+            </a:endParaRPr>
+          </a:p>
+          <a:p>
+            <a:pPr marL="0" marR="0" lvl="0" indent="0" algn="l" defTabSz="914400" rtl="0" eaLnBrk="0" fontAlgn="base" latinLnBrk="0" hangingPunct="0">
+              <a:lnSpc>
+                <a:spcPct val="100000"/>
+              </a:lnSpc>
+              <a:spcBef>
+                <a:spcPct val="0"/>
+              </a:spcBef>
+              <a:spcAft>
+                <a:spcPct val="0"/>
+              </a:spcAft>
+              <a:buClrTx/>
+              <a:buSzTx/>
+              <a:buFontTx/>
+              <a:buNone/>
+              <a:tabLst/>
+            </a:pPr>
+            <a:r>
+              <a:rPr kumimoji="0" lang="zh-CN" altLang="zh-CN" sz="1200" b="0" i="0" u="none" strike="noStrike" cap="none" normalizeH="0" baseline="0" dirty="0" smtClean="0">
+                <a:ln>
+                  <a:noFill/>
+                </a:ln>
+                <a:solidFill>
+                  <a:srgbClr val="0000FF"/>
+                </a:solidFill>
+                <a:effectLst/>
+                <a:latin typeface="Lucida Console" panose="020B0609040504020204" pitchFamily="49" charset="0"/>
+              </a:rPr>
+              <a:t>&gt; indice3 </a:t>
+            </a:r>
+            <a:endParaRPr kumimoji="0" lang="en-US" altLang="zh-CN" sz="1200" b="0" i="0" u="none" strike="noStrike" cap="none" normalizeH="0" baseline="0" dirty="0" smtClean="0">
+              <a:ln>
+                <a:noFill/>
+              </a:ln>
+              <a:solidFill>
+                <a:srgbClr val="0000FF"/>
+              </a:solidFill>
+              <a:effectLst/>
+              <a:latin typeface="Lucida Console" panose="020B0609040504020204" pitchFamily="49" charset="0"/>
+            </a:endParaRPr>
+          </a:p>
+          <a:p>
+            <a:pPr marL="0" marR="0" lvl="0" indent="0" algn="l" defTabSz="914400" rtl="0" eaLnBrk="0" fontAlgn="base" latinLnBrk="0" hangingPunct="0">
+              <a:lnSpc>
+                <a:spcPct val="100000"/>
+              </a:lnSpc>
+              <a:spcBef>
+                <a:spcPct val="0"/>
+              </a:spcBef>
+              <a:spcAft>
+                <a:spcPct val="0"/>
+              </a:spcAft>
+              <a:buClrTx/>
+              <a:buSzTx/>
+              <a:buFontTx/>
+              <a:buNone/>
+              <a:tabLst/>
+            </a:pPr>
+            <a:r>
+              <a:rPr kumimoji="0" lang="zh-CN" altLang="zh-CN" sz="1200" b="0" i="0" u="none" strike="noStrike" cap="none" normalizeH="0" baseline="0" dirty="0" smtClean="0">
+                <a:ln>
+                  <a:noFill/>
+                </a:ln>
+                <a:solidFill>
+                  <a:srgbClr val="000000"/>
+                </a:solidFill>
+                <a:effectLst/>
+                <a:latin typeface="Lucida Console" panose="020B0609040504020204" pitchFamily="49" charset="0"/>
+              </a:rPr>
+              <a:t>[1] 1 3 5 7 9 </a:t>
+            </a:r>
+            <a:endParaRPr kumimoji="0" lang="en-US" altLang="zh-CN" sz="1200" b="0" i="0" u="none" strike="noStrike" cap="none" normalizeH="0" baseline="0" dirty="0" smtClean="0">
+              <a:ln>
+                <a:noFill/>
+              </a:ln>
+              <a:solidFill>
+                <a:srgbClr val="000000"/>
+              </a:solidFill>
+              <a:effectLst/>
+              <a:latin typeface="Lucida Console" panose="020B0609040504020204" pitchFamily="49" charset="0"/>
+            </a:endParaRPr>
+          </a:p>
+          <a:p>
+            <a:pPr marL="0" marR="0" lvl="0" indent="0" algn="l" defTabSz="914400" rtl="0" eaLnBrk="0" fontAlgn="base" latinLnBrk="0" hangingPunct="0">
+              <a:lnSpc>
+                <a:spcPct val="100000"/>
+              </a:lnSpc>
+              <a:spcBef>
+                <a:spcPct val="0"/>
+              </a:spcBef>
+              <a:spcAft>
+                <a:spcPct val="0"/>
+              </a:spcAft>
+              <a:buClrTx/>
+              <a:buSzTx/>
+              <a:buFontTx/>
+              <a:buNone/>
+              <a:tabLst/>
+            </a:pPr>
+            <a:r>
+              <a:rPr kumimoji="0" lang="zh-CN" altLang="zh-CN" sz="1200" b="0" i="0" u="none" strike="noStrike" cap="none" normalizeH="0" baseline="0" dirty="0" smtClean="0">
+                <a:ln>
+                  <a:noFill/>
+                </a:ln>
+                <a:solidFill>
+                  <a:srgbClr val="0000FF"/>
+                </a:solidFill>
+                <a:effectLst/>
+                <a:latin typeface="Lucida Console" panose="020B0609040504020204" pitchFamily="49" charset="0"/>
+              </a:rPr>
+              <a:t>&gt; cars[indice3,] </a:t>
+            </a:r>
+            <a:endParaRPr kumimoji="0" lang="en-US" altLang="zh-CN" sz="1200" b="0" i="0" u="none" strike="noStrike" cap="none" normalizeH="0" baseline="0" dirty="0" smtClean="0">
+              <a:ln>
+                <a:noFill/>
+              </a:ln>
+              <a:solidFill>
+                <a:srgbClr val="0000FF"/>
+              </a:solidFill>
+              <a:effectLst/>
+              <a:latin typeface="Lucida Console" panose="020B0609040504020204" pitchFamily="49" charset="0"/>
+            </a:endParaRPr>
+          </a:p>
+          <a:p>
+            <a:pPr marL="0" marR="0" lvl="0" indent="0" algn="l" defTabSz="914400" rtl="0" eaLnBrk="0" fontAlgn="base" latinLnBrk="0" hangingPunct="0">
+              <a:lnSpc>
+                <a:spcPct val="100000"/>
+              </a:lnSpc>
+              <a:spcBef>
+                <a:spcPct val="0"/>
+              </a:spcBef>
+              <a:spcAft>
+                <a:spcPct val="0"/>
+              </a:spcAft>
+              <a:buClrTx/>
+              <a:buSzTx/>
+              <a:buFontTx/>
+              <a:buNone/>
+              <a:tabLst/>
+            </a:pPr>
+            <a:r>
+              <a:rPr kumimoji="0" lang="en-US" altLang="zh-CN" sz="1200" b="0" i="0" u="none" strike="noStrike" cap="none" normalizeH="0" baseline="0" dirty="0" smtClean="0">
+                <a:ln>
+                  <a:noFill/>
+                </a:ln>
+                <a:solidFill>
+                  <a:srgbClr val="000000"/>
+                </a:solidFill>
+                <a:effectLst/>
+                <a:latin typeface="Lucida Console" panose="020B0609040504020204" pitchFamily="49" charset="0"/>
+              </a:rPr>
+              <a:t>  </a:t>
+            </a:r>
+            <a:r>
+              <a:rPr kumimoji="0" lang="zh-CN" altLang="zh-CN" sz="1200" b="0" i="0" u="none" strike="noStrike" cap="none" normalizeH="0" baseline="0" dirty="0" smtClean="0">
+                <a:ln>
+                  <a:noFill/>
+                </a:ln>
+                <a:solidFill>
+                  <a:srgbClr val="000000"/>
+                </a:solidFill>
+                <a:effectLst/>
+                <a:latin typeface="Lucida Console" panose="020B0609040504020204" pitchFamily="49" charset="0"/>
+              </a:rPr>
+              <a:t>speed dist </a:t>
+            </a:r>
+            <a:endParaRPr kumimoji="0" lang="en-US" altLang="zh-CN" sz="1200" b="0" i="0" u="none" strike="noStrike" cap="none" normalizeH="0" baseline="0" dirty="0" smtClean="0">
+              <a:ln>
+                <a:noFill/>
+              </a:ln>
+              <a:solidFill>
+                <a:srgbClr val="000000"/>
+              </a:solidFill>
+              <a:effectLst/>
+              <a:latin typeface="Lucida Console" panose="020B0609040504020204" pitchFamily="49" charset="0"/>
+            </a:endParaRPr>
+          </a:p>
+          <a:p>
+            <a:pPr marL="0" marR="0" lvl="0" indent="0" algn="l" defTabSz="914400" rtl="0" eaLnBrk="0" fontAlgn="base" latinLnBrk="0" hangingPunct="0">
+              <a:lnSpc>
+                <a:spcPct val="100000"/>
+              </a:lnSpc>
+              <a:spcBef>
+                <a:spcPct val="0"/>
+              </a:spcBef>
+              <a:spcAft>
+                <a:spcPct val="0"/>
+              </a:spcAft>
+              <a:buClrTx/>
+              <a:buSzTx/>
+              <a:buFontTx/>
+              <a:buNone/>
+              <a:tabLst/>
+            </a:pPr>
+            <a:r>
+              <a:rPr kumimoji="0" lang="zh-CN" altLang="zh-CN" sz="1200" b="0" i="0" u="none" strike="noStrike" cap="none" normalizeH="0" baseline="0" dirty="0" smtClean="0">
+                <a:ln>
+                  <a:noFill/>
+                </a:ln>
+                <a:solidFill>
+                  <a:srgbClr val="000000"/>
+                </a:solidFill>
+                <a:effectLst/>
+                <a:latin typeface="Lucida Console" panose="020B0609040504020204" pitchFamily="49" charset="0"/>
+              </a:rPr>
+              <a:t>1 </a:t>
+            </a:r>
+            <a:r>
+              <a:rPr kumimoji="0" lang="en-US" altLang="zh-CN" sz="1200" b="0" i="0" u="none" strike="noStrike" cap="none" normalizeH="0" baseline="0" dirty="0" smtClean="0">
+                <a:ln>
+                  <a:noFill/>
+                </a:ln>
+                <a:solidFill>
+                  <a:srgbClr val="000000"/>
+                </a:solidFill>
+                <a:effectLst/>
+                <a:latin typeface="Lucida Console" panose="020B0609040504020204" pitchFamily="49" charset="0"/>
+              </a:rPr>
+              <a:t>    </a:t>
+            </a:r>
+            <a:r>
+              <a:rPr kumimoji="0" lang="zh-CN" altLang="zh-CN" sz="1200" b="0" i="0" u="none" strike="noStrike" cap="none" normalizeH="0" baseline="0" dirty="0" smtClean="0">
+                <a:ln>
+                  <a:noFill/>
+                </a:ln>
+                <a:solidFill>
+                  <a:srgbClr val="000000"/>
+                </a:solidFill>
+                <a:effectLst/>
+                <a:latin typeface="Lucida Console" panose="020B0609040504020204" pitchFamily="49" charset="0"/>
+              </a:rPr>
+              <a:t>4 </a:t>
+            </a:r>
+            <a:r>
+              <a:rPr kumimoji="0" lang="en-US" altLang="zh-CN" sz="1200" b="0" i="0" u="none" strike="noStrike" cap="none" normalizeH="0" baseline="0" dirty="0" smtClean="0">
+                <a:ln>
+                  <a:noFill/>
+                </a:ln>
+                <a:solidFill>
+                  <a:srgbClr val="000000"/>
+                </a:solidFill>
+                <a:effectLst/>
+                <a:latin typeface="Lucida Console" panose="020B0609040504020204" pitchFamily="49" charset="0"/>
+              </a:rPr>
+              <a:t>   </a:t>
+            </a:r>
+            <a:r>
+              <a:rPr kumimoji="0" lang="zh-CN" altLang="zh-CN" sz="1200" b="0" i="0" u="none" strike="noStrike" cap="none" normalizeH="0" baseline="0" dirty="0" smtClean="0">
+                <a:ln>
+                  <a:noFill/>
+                </a:ln>
+                <a:solidFill>
+                  <a:srgbClr val="000000"/>
+                </a:solidFill>
+                <a:effectLst/>
+                <a:latin typeface="Lucida Console" panose="020B0609040504020204" pitchFamily="49" charset="0"/>
+              </a:rPr>
+              <a:t>2 </a:t>
+            </a:r>
+            <a:endParaRPr kumimoji="0" lang="en-US" altLang="zh-CN" sz="1200" b="0" i="0" u="none" strike="noStrike" cap="none" normalizeH="0" baseline="0" dirty="0" smtClean="0">
+              <a:ln>
+                <a:noFill/>
+              </a:ln>
+              <a:solidFill>
+                <a:srgbClr val="000000"/>
+              </a:solidFill>
+              <a:effectLst/>
+              <a:latin typeface="Lucida Console" panose="020B0609040504020204" pitchFamily="49" charset="0"/>
+            </a:endParaRPr>
+          </a:p>
+          <a:p>
+            <a:pPr marL="0" marR="0" lvl="0" indent="0" algn="l" defTabSz="914400" rtl="0" eaLnBrk="0" fontAlgn="base" latinLnBrk="0" hangingPunct="0">
+              <a:lnSpc>
+                <a:spcPct val="100000"/>
+              </a:lnSpc>
+              <a:spcBef>
+                <a:spcPct val="0"/>
+              </a:spcBef>
+              <a:spcAft>
+                <a:spcPct val="0"/>
+              </a:spcAft>
+              <a:buClrTx/>
+              <a:buSzTx/>
+              <a:buFontTx/>
+              <a:buNone/>
+              <a:tabLst/>
+            </a:pPr>
+            <a:r>
+              <a:rPr kumimoji="0" lang="zh-CN" altLang="zh-CN" sz="1200" b="0" i="0" u="none" strike="noStrike" cap="none" normalizeH="0" baseline="0" dirty="0" smtClean="0">
+                <a:ln>
+                  <a:noFill/>
+                </a:ln>
+                <a:solidFill>
+                  <a:srgbClr val="000000"/>
+                </a:solidFill>
+                <a:effectLst/>
+                <a:latin typeface="Lucida Console" panose="020B0609040504020204" pitchFamily="49" charset="0"/>
+              </a:rPr>
+              <a:t>3 </a:t>
+            </a:r>
+            <a:r>
+              <a:rPr kumimoji="0" lang="en-US" altLang="zh-CN" sz="1200" b="0" i="0" u="none" strike="noStrike" cap="none" normalizeH="0" baseline="0" dirty="0" smtClean="0">
+                <a:ln>
+                  <a:noFill/>
+                </a:ln>
+                <a:solidFill>
+                  <a:srgbClr val="000000"/>
+                </a:solidFill>
+                <a:effectLst/>
+                <a:latin typeface="Lucida Console" panose="020B0609040504020204" pitchFamily="49" charset="0"/>
+              </a:rPr>
+              <a:t>    </a:t>
+            </a:r>
+            <a:r>
+              <a:rPr kumimoji="0" lang="zh-CN" altLang="zh-CN" sz="1200" b="0" i="0" u="none" strike="noStrike" cap="none" normalizeH="0" baseline="0" dirty="0" smtClean="0">
+                <a:ln>
+                  <a:noFill/>
+                </a:ln>
+                <a:solidFill>
+                  <a:srgbClr val="000000"/>
+                </a:solidFill>
+                <a:effectLst/>
+                <a:latin typeface="Lucida Console" panose="020B0609040504020204" pitchFamily="49" charset="0"/>
+              </a:rPr>
+              <a:t>7</a:t>
+            </a:r>
+            <a:r>
+              <a:rPr kumimoji="0" lang="en-US" altLang="zh-CN" sz="1200" b="0" i="0" u="none" strike="noStrike" cap="none" normalizeH="0" baseline="0" dirty="0" smtClean="0">
+                <a:ln>
+                  <a:noFill/>
+                </a:ln>
+                <a:solidFill>
+                  <a:srgbClr val="000000"/>
+                </a:solidFill>
+                <a:effectLst/>
+                <a:latin typeface="Lucida Console" panose="020B0609040504020204" pitchFamily="49" charset="0"/>
+              </a:rPr>
+              <a:t>   </a:t>
+            </a:r>
+            <a:r>
+              <a:rPr kumimoji="0" lang="zh-CN" altLang="zh-CN" sz="1200" b="0" i="0" u="none" strike="noStrike" cap="none" normalizeH="0" baseline="0" dirty="0" smtClean="0">
+                <a:ln>
+                  <a:noFill/>
+                </a:ln>
+                <a:solidFill>
+                  <a:srgbClr val="000000"/>
+                </a:solidFill>
+                <a:effectLst/>
+                <a:latin typeface="Lucida Console" panose="020B0609040504020204" pitchFamily="49" charset="0"/>
+              </a:rPr>
+              <a:t> 4 </a:t>
+            </a:r>
+            <a:endParaRPr kumimoji="0" lang="en-US" altLang="zh-CN" sz="1200" b="0" i="0" u="none" strike="noStrike" cap="none" normalizeH="0" baseline="0" dirty="0" smtClean="0">
+              <a:ln>
+                <a:noFill/>
+              </a:ln>
+              <a:solidFill>
+                <a:srgbClr val="000000"/>
+              </a:solidFill>
+              <a:effectLst/>
+              <a:latin typeface="Lucida Console" panose="020B0609040504020204" pitchFamily="49" charset="0"/>
+            </a:endParaRPr>
+          </a:p>
+          <a:p>
+            <a:pPr marL="0" marR="0" lvl="0" indent="0" algn="l" defTabSz="914400" rtl="0" eaLnBrk="0" fontAlgn="base" latinLnBrk="0" hangingPunct="0">
+              <a:lnSpc>
+                <a:spcPct val="100000"/>
+              </a:lnSpc>
+              <a:spcBef>
+                <a:spcPct val="0"/>
+              </a:spcBef>
+              <a:spcAft>
+                <a:spcPct val="0"/>
+              </a:spcAft>
+              <a:buClrTx/>
+              <a:buSzTx/>
+              <a:buFontTx/>
+              <a:buNone/>
+              <a:tabLst/>
+            </a:pPr>
+            <a:r>
+              <a:rPr kumimoji="0" lang="zh-CN" altLang="zh-CN" sz="1200" b="0" i="0" u="none" strike="noStrike" cap="none" normalizeH="0" baseline="0" dirty="0" smtClean="0">
+                <a:ln>
+                  <a:noFill/>
+                </a:ln>
+                <a:solidFill>
+                  <a:srgbClr val="000000"/>
+                </a:solidFill>
+                <a:effectLst/>
+                <a:latin typeface="Lucida Console" panose="020B0609040504020204" pitchFamily="49" charset="0"/>
+              </a:rPr>
+              <a:t>5 </a:t>
+            </a:r>
+            <a:r>
+              <a:rPr kumimoji="0" lang="en-US" altLang="zh-CN" sz="1200" b="0" i="0" u="none" strike="noStrike" cap="none" normalizeH="0" baseline="0" dirty="0" smtClean="0">
+                <a:ln>
+                  <a:noFill/>
+                </a:ln>
+                <a:solidFill>
+                  <a:srgbClr val="000000"/>
+                </a:solidFill>
+                <a:effectLst/>
+                <a:latin typeface="Lucida Console" panose="020B0609040504020204" pitchFamily="49" charset="0"/>
+              </a:rPr>
+              <a:t>    </a:t>
+            </a:r>
+            <a:r>
+              <a:rPr kumimoji="0" lang="zh-CN" altLang="zh-CN" sz="1200" b="0" i="0" u="none" strike="noStrike" cap="none" normalizeH="0" baseline="0" dirty="0" smtClean="0">
+                <a:ln>
+                  <a:noFill/>
+                </a:ln>
+                <a:solidFill>
+                  <a:srgbClr val="000000"/>
+                </a:solidFill>
+                <a:effectLst/>
+                <a:latin typeface="Lucida Console" panose="020B0609040504020204" pitchFamily="49" charset="0"/>
+              </a:rPr>
+              <a:t>8</a:t>
+            </a:r>
+            <a:r>
+              <a:rPr kumimoji="0" lang="en-US" altLang="zh-CN" sz="1200" b="0" i="0" u="none" strike="noStrike" cap="none" normalizeH="0" baseline="0" dirty="0" smtClean="0">
+                <a:ln>
+                  <a:noFill/>
+                </a:ln>
+                <a:solidFill>
+                  <a:srgbClr val="000000"/>
+                </a:solidFill>
+                <a:effectLst/>
+                <a:latin typeface="Lucida Console" panose="020B0609040504020204" pitchFamily="49" charset="0"/>
+              </a:rPr>
+              <a:t>  </a:t>
+            </a:r>
+            <a:r>
+              <a:rPr kumimoji="0" lang="zh-CN" altLang="zh-CN" sz="1200" b="0" i="0" u="none" strike="noStrike" cap="none" normalizeH="0" baseline="0" dirty="0" smtClean="0">
+                <a:ln>
+                  <a:noFill/>
+                </a:ln>
+                <a:solidFill>
+                  <a:srgbClr val="000000"/>
+                </a:solidFill>
+                <a:effectLst/>
+                <a:latin typeface="Lucida Console" panose="020B0609040504020204" pitchFamily="49" charset="0"/>
+              </a:rPr>
+              <a:t> 16 </a:t>
+            </a:r>
+            <a:endParaRPr kumimoji="0" lang="en-US" altLang="zh-CN" sz="1200" b="0" i="0" u="none" strike="noStrike" cap="none" normalizeH="0" baseline="0" dirty="0" smtClean="0">
+              <a:ln>
+                <a:noFill/>
+              </a:ln>
+              <a:solidFill>
+                <a:srgbClr val="000000"/>
+              </a:solidFill>
+              <a:effectLst/>
+              <a:latin typeface="Lucida Console" panose="020B0609040504020204" pitchFamily="49" charset="0"/>
+            </a:endParaRPr>
+          </a:p>
+          <a:p>
+            <a:pPr marL="0" marR="0" lvl="0" indent="0" algn="l" defTabSz="914400" rtl="0" eaLnBrk="0" fontAlgn="base" latinLnBrk="0" hangingPunct="0">
+              <a:lnSpc>
+                <a:spcPct val="100000"/>
+              </a:lnSpc>
+              <a:spcBef>
+                <a:spcPct val="0"/>
+              </a:spcBef>
+              <a:spcAft>
+                <a:spcPct val="0"/>
+              </a:spcAft>
+              <a:buClrTx/>
+              <a:buSzTx/>
+              <a:buFontTx/>
+              <a:buNone/>
+              <a:tabLst/>
+            </a:pPr>
+            <a:r>
+              <a:rPr kumimoji="0" lang="zh-CN" altLang="zh-CN" sz="1200" b="0" i="0" u="none" strike="noStrike" cap="none" normalizeH="0" baseline="0" dirty="0" smtClean="0">
+                <a:ln>
+                  <a:noFill/>
+                </a:ln>
+                <a:solidFill>
+                  <a:srgbClr val="000000"/>
+                </a:solidFill>
+                <a:effectLst/>
+                <a:latin typeface="Lucida Console" panose="020B0609040504020204" pitchFamily="49" charset="0"/>
+              </a:rPr>
+              <a:t>7 </a:t>
+            </a:r>
+            <a:r>
+              <a:rPr kumimoji="0" lang="en-US" altLang="zh-CN" sz="1200" b="0" i="0" u="none" strike="noStrike" cap="none" normalizeH="0" baseline="0" dirty="0" smtClean="0">
+                <a:ln>
+                  <a:noFill/>
+                </a:ln>
+                <a:solidFill>
+                  <a:srgbClr val="000000"/>
+                </a:solidFill>
+                <a:effectLst/>
+                <a:latin typeface="Lucida Console" panose="020B0609040504020204" pitchFamily="49" charset="0"/>
+              </a:rPr>
+              <a:t>   </a:t>
+            </a:r>
+            <a:r>
+              <a:rPr kumimoji="0" lang="zh-CN" altLang="zh-CN" sz="1200" b="0" i="0" u="none" strike="noStrike" cap="none" normalizeH="0" baseline="0" dirty="0" smtClean="0">
+                <a:ln>
+                  <a:noFill/>
+                </a:ln>
+                <a:solidFill>
+                  <a:srgbClr val="000000"/>
+                </a:solidFill>
+                <a:effectLst/>
+                <a:latin typeface="Lucida Console" panose="020B0609040504020204" pitchFamily="49" charset="0"/>
+              </a:rPr>
+              <a:t>10</a:t>
+            </a:r>
+            <a:r>
+              <a:rPr kumimoji="0" lang="en-US" altLang="zh-CN" sz="1200" b="0" i="0" u="none" strike="noStrike" cap="none" normalizeH="0" baseline="0" dirty="0" smtClean="0">
+                <a:ln>
+                  <a:noFill/>
+                </a:ln>
+                <a:solidFill>
+                  <a:srgbClr val="000000"/>
+                </a:solidFill>
+                <a:effectLst/>
+                <a:latin typeface="Lucida Console" panose="020B0609040504020204" pitchFamily="49" charset="0"/>
+              </a:rPr>
+              <a:t>  </a:t>
+            </a:r>
+            <a:r>
+              <a:rPr kumimoji="0" lang="zh-CN" altLang="zh-CN" sz="1200" b="0" i="0" u="none" strike="noStrike" cap="none" normalizeH="0" baseline="0" dirty="0" smtClean="0">
+                <a:ln>
+                  <a:noFill/>
+                </a:ln>
+                <a:solidFill>
+                  <a:srgbClr val="000000"/>
+                </a:solidFill>
+                <a:effectLst/>
+                <a:latin typeface="Lucida Console" panose="020B0609040504020204" pitchFamily="49" charset="0"/>
+              </a:rPr>
+              <a:t> 18 </a:t>
+            </a:r>
+            <a:endParaRPr kumimoji="0" lang="en-US" altLang="zh-CN" sz="1200" b="0" i="0" u="none" strike="noStrike" cap="none" normalizeH="0" baseline="0" dirty="0" smtClean="0">
+              <a:ln>
+                <a:noFill/>
+              </a:ln>
+              <a:solidFill>
+                <a:srgbClr val="000000"/>
+              </a:solidFill>
+              <a:effectLst/>
+              <a:latin typeface="Lucida Console" panose="020B0609040504020204" pitchFamily="49" charset="0"/>
+            </a:endParaRPr>
+          </a:p>
+          <a:p>
+            <a:pPr marL="0" marR="0" lvl="0" indent="0" algn="l" defTabSz="914400" rtl="0" eaLnBrk="0" fontAlgn="base" latinLnBrk="0" hangingPunct="0">
+              <a:lnSpc>
+                <a:spcPct val="100000"/>
+              </a:lnSpc>
+              <a:spcBef>
+                <a:spcPct val="0"/>
+              </a:spcBef>
+              <a:spcAft>
+                <a:spcPct val="0"/>
+              </a:spcAft>
+              <a:buClrTx/>
+              <a:buSzTx/>
+              <a:buFontTx/>
+              <a:buNone/>
+              <a:tabLst/>
+            </a:pPr>
+            <a:r>
+              <a:rPr kumimoji="0" lang="zh-CN" altLang="zh-CN" sz="1200" b="0" i="0" u="none" strike="noStrike" cap="none" normalizeH="0" baseline="0" dirty="0" smtClean="0">
+                <a:ln>
+                  <a:noFill/>
+                </a:ln>
+                <a:solidFill>
+                  <a:srgbClr val="000000"/>
+                </a:solidFill>
+                <a:effectLst/>
+                <a:latin typeface="Lucida Console" panose="020B0609040504020204" pitchFamily="49" charset="0"/>
+              </a:rPr>
+              <a:t>9 </a:t>
+            </a:r>
+            <a:r>
+              <a:rPr kumimoji="0" lang="en-US" altLang="zh-CN" sz="1200" b="0" i="0" u="none" strike="noStrike" cap="none" normalizeH="0" baseline="0" dirty="0" smtClean="0">
+                <a:ln>
+                  <a:noFill/>
+                </a:ln>
+                <a:solidFill>
+                  <a:srgbClr val="000000"/>
+                </a:solidFill>
+                <a:effectLst/>
+                <a:latin typeface="Lucida Console" panose="020B0609040504020204" pitchFamily="49" charset="0"/>
+              </a:rPr>
+              <a:t>   </a:t>
+            </a:r>
+            <a:r>
+              <a:rPr kumimoji="0" lang="zh-CN" altLang="zh-CN" sz="1200" b="0" i="0" u="none" strike="noStrike" cap="none" normalizeH="0" baseline="0" dirty="0" smtClean="0">
+                <a:ln>
+                  <a:noFill/>
+                </a:ln>
+                <a:solidFill>
+                  <a:srgbClr val="000000"/>
+                </a:solidFill>
+                <a:effectLst/>
+                <a:latin typeface="Lucida Console" panose="020B0609040504020204" pitchFamily="49" charset="0"/>
+              </a:rPr>
+              <a:t>10</a:t>
+            </a:r>
+            <a:r>
+              <a:rPr kumimoji="0" lang="en-US" altLang="zh-CN" sz="1200" b="0" i="0" u="none" strike="noStrike" cap="none" normalizeH="0" baseline="0" dirty="0" smtClean="0">
+                <a:ln>
+                  <a:noFill/>
+                </a:ln>
+                <a:solidFill>
+                  <a:srgbClr val="000000"/>
+                </a:solidFill>
+                <a:effectLst/>
+                <a:latin typeface="Lucida Console" panose="020B0609040504020204" pitchFamily="49" charset="0"/>
+              </a:rPr>
+              <a:t>  </a:t>
+            </a:r>
+            <a:r>
+              <a:rPr kumimoji="0" lang="zh-CN" altLang="zh-CN" sz="1200" b="0" i="0" u="none" strike="noStrike" cap="none" normalizeH="0" baseline="0" dirty="0" smtClean="0">
+                <a:ln>
+                  <a:noFill/>
+                </a:ln>
+                <a:solidFill>
+                  <a:srgbClr val="000000"/>
+                </a:solidFill>
+                <a:effectLst/>
+                <a:latin typeface="Lucida Console" panose="020B0609040504020204" pitchFamily="49" charset="0"/>
+              </a:rPr>
+              <a:t> 34</a:t>
+            </a:r>
+            <a:endParaRPr kumimoji="0" lang="zh-CN" altLang="zh-CN" sz="2800" b="0" i="0" u="none" strike="noStrike" cap="none" normalizeH="0" baseline="0" dirty="0" smtClean="0">
+              <a:ln>
+                <a:noFill/>
+              </a:ln>
+              <a:solidFill>
+                <a:schemeClr val="tx1"/>
+              </a:solidFill>
+              <a:effectLst/>
+              <a:latin typeface="Arial" panose="020B0604020202020204" pitchFamily="34" charset="0"/>
+            </a:endParaRPr>
+          </a:p>
+        </p:txBody>
+      </p:sp>
+      <p:sp>
+        <p:nvSpPr>
+          <p:cNvPr id="8" name="右箭头 7"/>
+          <p:cNvSpPr/>
+          <p:nvPr/>
+        </p:nvSpPr>
+        <p:spPr>
+          <a:xfrm>
+            <a:off x="3325016" y="3204594"/>
+            <a:ext cx="844056" cy="668214"/>
+          </a:xfrm>
+          <a:prstGeom prst="rightArrow">
+            <a:avLst/>
+          </a:prstGeom>
+        </p:spPr>
+        <p:style>
+          <a:lnRef idx="2">
+            <a:schemeClr val="dk1"/>
+          </a:lnRef>
+          <a:fillRef idx="1">
+            <a:schemeClr val="lt1"/>
+          </a:fillRef>
+          <a:effectRef idx="0">
+            <a:schemeClr val="dk1"/>
+          </a:effectRef>
+          <a:fontRef idx="minor">
+            <a:schemeClr val="dk1"/>
+          </a:fontRef>
+        </p:style>
+        <p:txBody>
+          <a:bodyPr rtlCol="0" anchor="ctr"/>
+          <a:lstStyle/>
+          <a:p>
+            <a:pPr algn="ctr"/>
+            <a:endParaRPr lang="zh-CN" altLang="en-US"/>
+          </a:p>
+        </p:txBody>
+      </p:sp>
+      <p:sp>
+        <p:nvSpPr>
+          <p:cNvPr id="9" name="右箭头 8"/>
+          <p:cNvSpPr/>
+          <p:nvPr/>
+        </p:nvSpPr>
+        <p:spPr>
+          <a:xfrm>
+            <a:off x="6936887" y="3200053"/>
+            <a:ext cx="844056" cy="668214"/>
+          </a:xfrm>
+          <a:prstGeom prst="rightArrow">
+            <a:avLst/>
+          </a:prstGeom>
+        </p:spPr>
+        <p:style>
+          <a:lnRef idx="2">
+            <a:schemeClr val="dk1"/>
+          </a:lnRef>
+          <a:fillRef idx="1">
+            <a:schemeClr val="lt1"/>
+          </a:fillRef>
+          <a:effectRef idx="0">
+            <a:schemeClr val="dk1"/>
+          </a:effectRef>
+          <a:fontRef idx="minor">
+            <a:schemeClr val="dk1"/>
+          </a:fontRef>
+        </p:style>
+        <p:txBody>
+          <a:bodyPr rtlCol="0" anchor="ctr"/>
+          <a:lstStyle/>
+          <a:p>
+            <a:pPr algn="ctr"/>
+            <a:endParaRPr lang="zh-CN" altLang="en-US"/>
+          </a:p>
+        </p:txBody>
+      </p:sp>
+      <p:sp>
+        <p:nvSpPr>
+          <p:cNvPr id="10" name="矩形 9"/>
+          <p:cNvSpPr/>
+          <p:nvPr/>
+        </p:nvSpPr>
+        <p:spPr>
+          <a:xfrm>
+            <a:off x="1154083" y="4694563"/>
+            <a:ext cx="7899003" cy="369332"/>
+          </a:xfrm>
+          <a:prstGeom prst="rect">
+            <a:avLst/>
+          </a:prstGeom>
+        </p:spPr>
+        <p:txBody>
+          <a:bodyPr wrap="square">
+            <a:spAutoFit/>
+          </a:bodyPr>
+          <a:lstStyle/>
+          <a:p>
+            <a:r>
+              <a:rPr lang="zh-CN" altLang="en-US" dirty="0"/>
+              <a:t>能够返回位置的函数并不多但却非常实用，已经学过的有</a:t>
             </a:r>
             <a:r>
               <a:rPr lang="en-US" altLang="zh-CN" dirty="0" smtClean="0"/>
-              <a:t>moments(</a:t>
-            </a:r>
-            <a:r>
-              <a:rPr lang="zh-CN" altLang="en-US" dirty="0" smtClean="0"/>
-              <a:t>峰度没有减</a:t>
+              <a:t>order()</a:t>
+            </a:r>
+            <a:r>
+              <a:rPr lang="zh-CN" altLang="en-US" dirty="0" smtClean="0"/>
+              <a:t>，</a:t>
             </a:r>
             <a:r>
               <a:rPr lang="en-US" altLang="zh-CN" dirty="0" smtClean="0"/>
-              <a:t>3) </a:t>
-            </a:r>
-            <a:r>
-              <a:rPr lang="zh-CN" altLang="en-US" dirty="0" smtClean="0"/>
-              <a:t>或</a:t>
-            </a:r>
-            <a:r>
-              <a:rPr lang="en-US" altLang="zh-CN" dirty="0"/>
-              <a:t> </a:t>
-            </a:r>
-            <a:r>
-              <a:rPr lang="en-US" altLang="zh-CN" dirty="0" err="1" smtClean="0"/>
-              <a:t>fBasics</a:t>
-            </a:r>
-            <a:endParaRPr lang="en-US" altLang="zh-CN" dirty="0" smtClean="0"/>
-          </a:p>
-          <a:p>
-            <a:pPr lvl="1"/>
-            <a:r>
-              <a:rPr lang="zh-CN" altLang="en-US" dirty="0" smtClean="0"/>
-              <a:t>偏度 </a:t>
-            </a:r>
-            <a:r>
-              <a:rPr lang="en-US" altLang="zh-CN" dirty="0" smtClean="0"/>
-              <a:t>skewness(x)</a:t>
-            </a:r>
-          </a:p>
-          <a:p>
-            <a:pPr lvl="1"/>
-            <a:r>
-              <a:rPr lang="zh-CN" altLang="en-US" dirty="0" smtClean="0"/>
-              <a:t>峰度 </a:t>
-            </a:r>
-            <a:r>
-              <a:rPr lang="en-US" altLang="zh-CN" dirty="0" smtClean="0"/>
-              <a:t>kurtosis(x)</a:t>
-            </a:r>
-          </a:p>
-          <a:p>
-            <a:pPr lvl="1"/>
-            <a:r>
-              <a:rPr lang="zh-CN" altLang="en-US" dirty="0" smtClean="0"/>
-              <a:t>两包都加载时的运算</a:t>
-            </a:r>
-            <a:endParaRPr lang="en-US" altLang="zh-CN" dirty="0" smtClean="0"/>
-          </a:p>
-          <a:p>
-            <a:pPr marL="201168" lvl="1" indent="0">
-              <a:buNone/>
-            </a:pPr>
-            <a:r>
-              <a:rPr lang="en-US" altLang="zh-CN" dirty="0" smtClean="0"/>
-              <a:t>moments</a:t>
-            </a:r>
-            <a:r>
-              <a:rPr lang="en-US" altLang="zh-CN" smtClean="0"/>
-              <a:t>::skewness(x)</a:t>
+              <a:t>which()</a:t>
+            </a:r>
+            <a:r>
+              <a:rPr lang="zh-CN" altLang="en-US" dirty="0" smtClean="0"/>
+              <a:t>。</a:t>
             </a:r>
             <a:endParaRPr lang="zh-CN" altLang="en-US" dirty="0"/>
           </a:p>
@@ -15394,7 +17247,7 @@
     </p:spTree>
     <p:extLst>
       <p:ext uri="{BB962C8B-B14F-4D97-AF65-F5344CB8AC3E}">
-        <p14:creationId xmlns:p14="http://schemas.microsoft.com/office/powerpoint/2010/main" val="1378874617"/>
+        <p14:creationId xmlns:p14="http://schemas.microsoft.com/office/powerpoint/2010/main" val="1233053108"/>
       </p:ext>
     </p:extLst>
   </p:cSld>
@@ -15440,14 +17293,16 @@
         </p:nvSpPr>
         <p:spPr/>
         <p:txBody>
-          <a:bodyPr/>
+          <a:bodyPr>
+            <a:normAutofit/>
+          </a:bodyPr>
           <a:lstStyle/>
           <a:p>
             <a:r>
-              <a:rPr lang="zh-CN" altLang="en-US" dirty="0" smtClean="0"/>
-              <a:t>对象索引操作</a:t>
-            </a:r>
-            <a:endParaRPr lang="zh-CN" altLang="en-US" dirty="0"/>
+              <a:rPr lang="zh-CN" altLang="en-US" sz="3600" dirty="0" smtClean="0"/>
+              <a:t>随机抽样</a:t>
+            </a:r>
+            <a:endParaRPr lang="zh-CN" altLang="en-US" sz="3600" dirty="0"/>
           </a:p>
         </p:txBody>
       </p:sp>
@@ -15467,38 +17322,111 @@
           <a:lstStyle/>
           <a:p>
             <a:r>
+              <a:rPr lang="zh-CN" altLang="en-US" dirty="0" smtClean="0"/>
+              <a:t>随机抽样</a:t>
+            </a:r>
+            <a:endParaRPr lang="en-US" altLang="zh-CN" dirty="0" smtClean="0"/>
+          </a:p>
+          <a:p>
+            <a:endParaRPr lang="en-US" altLang="zh-CN" dirty="0"/>
+          </a:p>
+          <a:p>
+            <a:r>
+              <a:rPr lang="zh-CN" altLang="en-US" dirty="0" smtClean="0"/>
+              <a:t>放回抽样</a:t>
+            </a:r>
+            <a:endParaRPr lang="en-US" altLang="zh-CN" dirty="0" smtClean="0"/>
+          </a:p>
+          <a:p>
+            <a:endParaRPr lang="en-US" altLang="zh-CN" dirty="0" smtClean="0"/>
+          </a:p>
+          <a:p>
+            <a:endParaRPr lang="en-US" altLang="zh-CN" dirty="0"/>
+          </a:p>
+          <a:p>
+            <a:endParaRPr lang="en-US" altLang="zh-CN" dirty="0"/>
+          </a:p>
+          <a:p>
+            <a:r>
+              <a:rPr lang="zh-CN" altLang="en-US" dirty="0" smtClean="0"/>
+              <a:t>*</a:t>
+            </a:r>
+            <a:r>
+              <a:rPr lang="en-US" altLang="zh-CN" dirty="0" err="1" smtClean="0"/>
+              <a:t>dplyr</a:t>
+            </a:r>
+            <a:r>
+              <a:rPr lang="zh-CN" altLang="en-US" dirty="0" smtClean="0"/>
+              <a:t>包中有类似功能的函数语句，复杂</a:t>
+            </a:r>
+            <a:r>
+              <a:rPr lang="zh-CN" altLang="en-US" dirty="0"/>
+              <a:t>抽样可以在</a:t>
+            </a:r>
+            <a:r>
+              <a:rPr lang="en-US" altLang="zh-CN" dirty="0"/>
+              <a:t>R</a:t>
+            </a:r>
+            <a:r>
+              <a:rPr lang="zh-CN" altLang="en-US" dirty="0"/>
+              <a:t>中调用</a:t>
+            </a:r>
+            <a:r>
+              <a:rPr lang="en-US" altLang="zh-CN" dirty="0"/>
+              <a:t>sampling </a:t>
+            </a:r>
+            <a:r>
+              <a:rPr lang="zh-CN" altLang="en-US" dirty="0"/>
+              <a:t>或</a:t>
+            </a:r>
+            <a:r>
+              <a:rPr lang="en-US" altLang="zh-CN" dirty="0"/>
+              <a:t>survey</a:t>
+            </a:r>
+            <a:r>
+              <a:rPr lang="zh-CN" altLang="en-US" dirty="0"/>
+              <a:t>包查看方法</a:t>
+            </a:r>
+          </a:p>
+          <a:p>
+            <a:endParaRPr lang="zh-CN" altLang="en-US" dirty="0"/>
+          </a:p>
+        </p:txBody>
+      </p:sp>
+      <p:sp>
+        <p:nvSpPr>
+          <p:cNvPr id="4" name="文本框 3"/>
+          <p:cNvSpPr txBox="1"/>
+          <p:nvPr/>
+        </p:nvSpPr>
+        <p:spPr>
+          <a:xfrm>
+            <a:off x="4796113" y="2033693"/>
+            <a:ext cx="3192855" cy="646331"/>
+          </a:xfrm>
+          <a:prstGeom prst="rect">
+            <a:avLst/>
+          </a:prstGeom>
+          <a:noFill/>
+        </p:spPr>
+        <p:txBody>
+          <a:bodyPr wrap="square" rtlCol="0">
+            <a:spAutoFit/>
+          </a:bodyPr>
+          <a:lstStyle/>
+          <a:p>
+            <a:r>
+              <a:rPr lang="zh-CN" altLang="en-US" dirty="0" smtClean="0"/>
+              <a:t>注意：</a:t>
+            </a:r>
+            <a:r>
               <a:rPr lang="en-US" altLang="zh-CN" dirty="0" smtClean="0"/>
-              <a:t>R</a:t>
-            </a:r>
-            <a:r>
-              <a:rPr lang="zh-CN" altLang="en-US" dirty="0" smtClean="0"/>
-              <a:t>中抽样的原理：抽对象的位置序号等效于抽取对象</a:t>
-            </a:r>
-            <a:endParaRPr lang="en-US" altLang="zh-CN" dirty="0" smtClean="0"/>
-          </a:p>
-          <a:p>
-            <a:r>
-              <a:rPr lang="zh-CN" altLang="en-US" dirty="0" smtClean="0"/>
-              <a:t>索引中的序号操作</a:t>
-            </a:r>
-            <a:endParaRPr lang="en-US" altLang="zh-CN" dirty="0" smtClean="0"/>
-          </a:p>
-          <a:p>
-            <a:endParaRPr lang="en-US" altLang="zh-CN" dirty="0"/>
-          </a:p>
-          <a:p>
-            <a:endParaRPr lang="en-US" altLang="zh-CN" dirty="0" smtClean="0"/>
-          </a:p>
-          <a:p>
-            <a:endParaRPr lang="en-US" altLang="zh-CN" dirty="0"/>
-          </a:p>
-          <a:p>
-            <a:endParaRPr lang="en-US" altLang="zh-CN" dirty="0" smtClean="0"/>
-          </a:p>
-          <a:p>
-            <a:endParaRPr lang="en-US" altLang="zh-CN" dirty="0"/>
-          </a:p>
-          <a:p>
+              <a:t>sample</a:t>
+            </a:r>
+            <a:r>
+              <a:rPr lang="zh-CN" altLang="en-US" dirty="0" smtClean="0"/>
+              <a:t>返回的结果是对象位置</a:t>
+            </a:r>
             <a:endParaRPr lang="zh-CN" altLang="en-US" dirty="0"/>
           </a:p>
         </p:txBody>
@@ -15513,8 +17441,8 @@
         </p:nvSpPr>
         <p:spPr bwMode="auto">
           <a:xfrm>
-            <a:off x="1337912" y="2841315"/>
-            <a:ext cx="1580561" cy="1477328"/>
+            <a:off x="1201945" y="2310692"/>
+            <a:ext cx="2603277" cy="369332"/>
           </a:xfrm>
           <a:prstGeom prst="rect">
             <a:avLst/>
@@ -15584,7 +17512,7 @@
                 <a:effectLst/>
                 <a:latin typeface="Lucida Console" panose="020B0609040504020204" pitchFamily="49" charset="0"/>
               </a:rPr>
-              <a:t>&gt; indices&lt;-1:5 </a:t>
+              <a:t>&gt; s&lt;-sample(1:nrow(iris),10)</a:t>
             </a:r>
             <a:endParaRPr kumimoji="0" lang="en-US" altLang="zh-CN" sz="1200" b="0" i="0" u="none" strike="noStrike" cap="none" normalizeH="0" baseline="0" dirty="0" smtClean="0">
               <a:ln>
@@ -15598,570 +17526,44 @@
             </a:endParaRPr>
           </a:p>
           <a:p>
-            <a:pPr marL="0" marR="0" lvl="0" indent="0" algn="l" defTabSz="914400" rtl="0" eaLnBrk="0" fontAlgn="base" latinLnBrk="0" hangingPunct="0">
-              <a:lnSpc>
-                <a:spcPct val="100000"/>
-              </a:lnSpc>
+            <a:pPr eaLnBrk="0" fontAlgn="base" hangingPunct="0">
               <a:spcBef>
                 <a:spcPct val="0"/>
               </a:spcBef>
               <a:spcAft>
                 <a:spcPct val="0"/>
               </a:spcAft>
-              <a:buClrTx/>
-              <a:buSzTx/>
-              <a:buFontTx/>
-              <a:buNone/>
-              <a:tabLst/>
             </a:pPr>
             <a:r>
-              <a:rPr kumimoji="0" lang="zh-CN" altLang="zh-CN" sz="1200" b="0" i="0" u="none" strike="noStrike" cap="none" normalizeH="0" baseline="0" dirty="0" smtClean="0">
-                <a:ln>
-                  <a:noFill/>
-                </a:ln>
+              <a:rPr lang="zh-CN" altLang="zh-CN" sz="1200" dirty="0">
                 <a:solidFill>
                   <a:srgbClr val="0000FF"/>
                 </a:solidFill>
-                <a:effectLst/>
-                <a:latin typeface="Lucida Console" panose="020B0609040504020204" pitchFamily="49" charset="0"/>
-              </a:rPr>
-              <a:t>&gt; cars[indices,] </a:t>
-            </a:r>
-            <a:endParaRPr kumimoji="0" lang="en-US" altLang="zh-CN" sz="1200" b="0" i="0" u="none" strike="noStrike" cap="none" normalizeH="0" baseline="0" dirty="0" smtClean="0">
-              <a:ln>
-                <a:noFill/>
-              </a:ln>
+                <a:latin typeface="Lucida Console" panose="020B0609040504020204" pitchFamily="49" charset="0"/>
+              </a:rPr>
+              <a:t>&gt; spl&lt;-iris[s</a:t>
+            </a:r>
+            <a:r>
+              <a:rPr lang="zh-CN" altLang="zh-CN" sz="1200" dirty="0" smtClean="0">
+                <a:solidFill>
+                  <a:srgbClr val="0000FF"/>
+                </a:solidFill>
+                <a:latin typeface="Lucida Console" panose="020B0609040504020204" pitchFamily="49" charset="0"/>
+              </a:rPr>
+              <a:t>,]</a:t>
+            </a:r>
+            <a:endParaRPr lang="zh-CN" altLang="zh-CN" sz="1200" dirty="0">
               <a:solidFill>
                 <a:srgbClr val="0000FF"/>
               </a:solidFill>
-              <a:effectLst/>
               <a:latin typeface="Lucida Console" panose="020B0609040504020204" pitchFamily="49" charset="0"/>
-            </a:endParaRPr>
-          </a:p>
-          <a:p>
-            <a:pPr marL="0" marR="0" lvl="0" indent="0" algn="l" defTabSz="914400" rtl="0" eaLnBrk="0" fontAlgn="base" latinLnBrk="0" hangingPunct="0">
-              <a:lnSpc>
-                <a:spcPct val="100000"/>
-              </a:lnSpc>
-              <a:spcBef>
-                <a:spcPct val="0"/>
-              </a:spcBef>
-              <a:spcAft>
-                <a:spcPct val="0"/>
-              </a:spcAft>
-              <a:buClrTx/>
-              <a:buSzTx/>
-              <a:buFontTx/>
-              <a:buNone/>
-              <a:tabLst/>
-            </a:pPr>
-            <a:r>
-              <a:rPr kumimoji="0" lang="en-US" altLang="zh-CN" sz="1200" b="0" i="0" u="none" strike="noStrike" cap="none" normalizeH="0" baseline="0" dirty="0" smtClean="0">
-                <a:ln>
-                  <a:noFill/>
-                </a:ln>
-                <a:solidFill>
-                  <a:srgbClr val="000000"/>
-                </a:solidFill>
-                <a:effectLst/>
-                <a:latin typeface="Lucida Console" panose="020B0609040504020204" pitchFamily="49" charset="0"/>
-              </a:rPr>
-              <a:t>  </a:t>
-            </a:r>
-            <a:r>
-              <a:rPr kumimoji="0" lang="zh-CN" altLang="zh-CN" sz="1200" b="0" i="0" u="none" strike="noStrike" cap="none" normalizeH="0" baseline="0" dirty="0" smtClean="0">
-                <a:ln>
-                  <a:noFill/>
-                </a:ln>
-                <a:solidFill>
-                  <a:srgbClr val="000000"/>
-                </a:solidFill>
-                <a:effectLst/>
-                <a:latin typeface="Lucida Console" panose="020B0609040504020204" pitchFamily="49" charset="0"/>
-              </a:rPr>
-              <a:t>speed dist </a:t>
-            </a:r>
-            <a:endParaRPr kumimoji="0" lang="en-US" altLang="zh-CN" sz="1200" b="0" i="0" u="none" strike="noStrike" cap="none" normalizeH="0" baseline="0" dirty="0" smtClean="0">
-              <a:ln>
-                <a:noFill/>
-              </a:ln>
-              <a:solidFill>
-                <a:srgbClr val="000000"/>
-              </a:solidFill>
-              <a:effectLst/>
-              <a:latin typeface="Lucida Console" panose="020B0609040504020204" pitchFamily="49" charset="0"/>
-            </a:endParaRPr>
-          </a:p>
-          <a:p>
-            <a:pPr marL="0" marR="0" lvl="0" indent="0" algn="l" defTabSz="914400" rtl="0" eaLnBrk="0" fontAlgn="base" latinLnBrk="0" hangingPunct="0">
-              <a:lnSpc>
-                <a:spcPct val="100000"/>
-              </a:lnSpc>
-              <a:spcBef>
-                <a:spcPct val="0"/>
-              </a:spcBef>
-              <a:spcAft>
-                <a:spcPct val="0"/>
-              </a:spcAft>
-              <a:buClrTx/>
-              <a:buSzTx/>
-              <a:buFontTx/>
-              <a:buNone/>
-              <a:tabLst/>
-            </a:pPr>
-            <a:r>
-              <a:rPr kumimoji="0" lang="zh-CN" altLang="zh-CN" sz="1200" b="0" i="0" u="none" strike="noStrike" cap="none" normalizeH="0" baseline="0" dirty="0" smtClean="0">
-                <a:ln>
-                  <a:noFill/>
-                </a:ln>
-                <a:solidFill>
-                  <a:srgbClr val="000000"/>
-                </a:solidFill>
-                <a:effectLst/>
-                <a:latin typeface="Lucida Console" panose="020B0609040504020204" pitchFamily="49" charset="0"/>
-              </a:rPr>
-              <a:t>1 </a:t>
-            </a:r>
-            <a:r>
-              <a:rPr kumimoji="0" lang="en-US" altLang="zh-CN" sz="1200" b="0" i="0" u="none" strike="noStrike" cap="none" normalizeH="0" baseline="0" dirty="0" smtClean="0">
-                <a:ln>
-                  <a:noFill/>
-                </a:ln>
-                <a:solidFill>
-                  <a:srgbClr val="000000"/>
-                </a:solidFill>
-                <a:effectLst/>
-                <a:latin typeface="Lucida Console" panose="020B0609040504020204" pitchFamily="49" charset="0"/>
-              </a:rPr>
-              <a:t>   </a:t>
-            </a:r>
-            <a:r>
-              <a:rPr kumimoji="0" lang="zh-CN" altLang="zh-CN" sz="1200" b="0" i="0" u="none" strike="noStrike" cap="none" normalizeH="0" baseline="0" dirty="0" smtClean="0">
-                <a:ln>
-                  <a:noFill/>
-                </a:ln>
-                <a:solidFill>
-                  <a:srgbClr val="000000"/>
-                </a:solidFill>
-                <a:effectLst/>
-                <a:latin typeface="Lucida Console" panose="020B0609040504020204" pitchFamily="49" charset="0"/>
-              </a:rPr>
-              <a:t>4 </a:t>
-            </a:r>
-            <a:r>
-              <a:rPr kumimoji="0" lang="en-US" altLang="zh-CN" sz="1200" b="0" i="0" u="none" strike="noStrike" cap="none" normalizeH="0" baseline="0" dirty="0" smtClean="0">
-                <a:ln>
-                  <a:noFill/>
-                </a:ln>
-                <a:solidFill>
-                  <a:srgbClr val="000000"/>
-                </a:solidFill>
-                <a:effectLst/>
-                <a:latin typeface="Lucida Console" panose="020B0609040504020204" pitchFamily="49" charset="0"/>
-              </a:rPr>
-              <a:t>    </a:t>
-            </a:r>
-            <a:r>
-              <a:rPr kumimoji="0" lang="zh-CN" altLang="zh-CN" sz="1200" b="0" i="0" u="none" strike="noStrike" cap="none" normalizeH="0" baseline="0" dirty="0" smtClean="0">
-                <a:ln>
-                  <a:noFill/>
-                </a:ln>
-                <a:solidFill>
-                  <a:srgbClr val="000000"/>
-                </a:solidFill>
-                <a:effectLst/>
-                <a:latin typeface="Lucida Console" panose="020B0609040504020204" pitchFamily="49" charset="0"/>
-              </a:rPr>
-              <a:t>2 </a:t>
-            </a:r>
-            <a:endParaRPr kumimoji="0" lang="en-US" altLang="zh-CN" sz="1200" b="0" i="0" u="none" strike="noStrike" cap="none" normalizeH="0" baseline="0" dirty="0" smtClean="0">
-              <a:ln>
-                <a:noFill/>
-              </a:ln>
-              <a:solidFill>
-                <a:srgbClr val="000000"/>
-              </a:solidFill>
-              <a:effectLst/>
-              <a:latin typeface="Lucida Console" panose="020B0609040504020204" pitchFamily="49" charset="0"/>
-            </a:endParaRPr>
-          </a:p>
-          <a:p>
-            <a:pPr marL="0" marR="0" lvl="0" indent="0" algn="l" defTabSz="914400" rtl="0" eaLnBrk="0" fontAlgn="base" latinLnBrk="0" hangingPunct="0">
-              <a:lnSpc>
-                <a:spcPct val="100000"/>
-              </a:lnSpc>
-              <a:spcBef>
-                <a:spcPct val="0"/>
-              </a:spcBef>
-              <a:spcAft>
-                <a:spcPct val="0"/>
-              </a:spcAft>
-              <a:buClrTx/>
-              <a:buSzTx/>
-              <a:buFontTx/>
-              <a:buNone/>
-              <a:tabLst/>
-            </a:pPr>
-            <a:r>
-              <a:rPr kumimoji="0" lang="zh-CN" altLang="zh-CN" sz="1200" b="0" i="0" u="none" strike="noStrike" cap="none" normalizeH="0" baseline="0" dirty="0" smtClean="0">
-                <a:ln>
-                  <a:noFill/>
-                </a:ln>
-                <a:solidFill>
-                  <a:srgbClr val="000000"/>
-                </a:solidFill>
-                <a:effectLst/>
-                <a:latin typeface="Lucida Console" panose="020B0609040504020204" pitchFamily="49" charset="0"/>
-              </a:rPr>
-              <a:t>2 </a:t>
-            </a:r>
-            <a:r>
-              <a:rPr kumimoji="0" lang="en-US" altLang="zh-CN" sz="1200" b="0" i="0" u="none" strike="noStrike" cap="none" normalizeH="0" baseline="0" dirty="0" smtClean="0">
-                <a:ln>
-                  <a:noFill/>
-                </a:ln>
-                <a:solidFill>
-                  <a:srgbClr val="000000"/>
-                </a:solidFill>
-                <a:effectLst/>
-                <a:latin typeface="Lucida Console" panose="020B0609040504020204" pitchFamily="49" charset="0"/>
-              </a:rPr>
-              <a:t>   </a:t>
-            </a:r>
-            <a:r>
-              <a:rPr kumimoji="0" lang="zh-CN" altLang="zh-CN" sz="1200" b="0" i="0" u="none" strike="noStrike" cap="none" normalizeH="0" baseline="0" dirty="0" smtClean="0">
-                <a:ln>
-                  <a:noFill/>
-                </a:ln>
-                <a:solidFill>
-                  <a:srgbClr val="000000"/>
-                </a:solidFill>
-                <a:effectLst/>
-                <a:latin typeface="Lucida Console" panose="020B0609040504020204" pitchFamily="49" charset="0"/>
-              </a:rPr>
-              <a:t>4 </a:t>
-            </a:r>
-            <a:r>
-              <a:rPr kumimoji="0" lang="en-US" altLang="zh-CN" sz="1200" b="0" i="0" u="none" strike="noStrike" cap="none" normalizeH="0" baseline="0" dirty="0" smtClean="0">
-                <a:ln>
-                  <a:noFill/>
-                </a:ln>
-                <a:solidFill>
-                  <a:srgbClr val="000000"/>
-                </a:solidFill>
-                <a:effectLst/>
-                <a:latin typeface="Lucida Console" panose="020B0609040504020204" pitchFamily="49" charset="0"/>
-              </a:rPr>
-              <a:t>   </a:t>
-            </a:r>
-            <a:r>
-              <a:rPr kumimoji="0" lang="zh-CN" altLang="zh-CN" sz="1200" b="0" i="0" u="none" strike="noStrike" cap="none" normalizeH="0" baseline="0" dirty="0" smtClean="0">
-                <a:ln>
-                  <a:noFill/>
-                </a:ln>
-                <a:solidFill>
-                  <a:srgbClr val="000000"/>
-                </a:solidFill>
-                <a:effectLst/>
-                <a:latin typeface="Lucida Console" panose="020B0609040504020204" pitchFamily="49" charset="0"/>
-              </a:rPr>
-              <a:t>10 </a:t>
-            </a:r>
-            <a:endParaRPr kumimoji="0" lang="en-US" altLang="zh-CN" sz="1200" b="0" i="0" u="none" strike="noStrike" cap="none" normalizeH="0" baseline="0" dirty="0" smtClean="0">
-              <a:ln>
-                <a:noFill/>
-              </a:ln>
-              <a:solidFill>
-                <a:srgbClr val="000000"/>
-              </a:solidFill>
-              <a:effectLst/>
-              <a:latin typeface="Lucida Console" panose="020B0609040504020204" pitchFamily="49" charset="0"/>
-            </a:endParaRPr>
-          </a:p>
-          <a:p>
-            <a:pPr marL="0" marR="0" lvl="0" indent="0" algn="l" defTabSz="914400" rtl="0" eaLnBrk="0" fontAlgn="base" latinLnBrk="0" hangingPunct="0">
-              <a:lnSpc>
-                <a:spcPct val="100000"/>
-              </a:lnSpc>
-              <a:spcBef>
-                <a:spcPct val="0"/>
-              </a:spcBef>
-              <a:spcAft>
-                <a:spcPct val="0"/>
-              </a:spcAft>
-              <a:buClrTx/>
-              <a:buSzTx/>
-              <a:buFontTx/>
-              <a:buNone/>
-              <a:tabLst/>
-            </a:pPr>
-            <a:r>
-              <a:rPr kumimoji="0" lang="zh-CN" altLang="zh-CN" sz="1200" b="0" i="0" u="none" strike="noStrike" cap="none" normalizeH="0" baseline="0" dirty="0" smtClean="0">
-                <a:ln>
-                  <a:noFill/>
-                </a:ln>
-                <a:solidFill>
-                  <a:srgbClr val="000000"/>
-                </a:solidFill>
-                <a:effectLst/>
-                <a:latin typeface="Lucida Console" panose="020B0609040504020204" pitchFamily="49" charset="0"/>
-              </a:rPr>
-              <a:t>3 </a:t>
-            </a:r>
-            <a:r>
-              <a:rPr kumimoji="0" lang="en-US" altLang="zh-CN" sz="1200" b="0" i="0" u="none" strike="noStrike" cap="none" normalizeH="0" baseline="0" dirty="0" smtClean="0">
-                <a:ln>
-                  <a:noFill/>
-                </a:ln>
-                <a:solidFill>
-                  <a:srgbClr val="000000"/>
-                </a:solidFill>
-                <a:effectLst/>
-                <a:latin typeface="Lucida Console" panose="020B0609040504020204" pitchFamily="49" charset="0"/>
-              </a:rPr>
-              <a:t>   </a:t>
-            </a:r>
-            <a:r>
-              <a:rPr kumimoji="0" lang="zh-CN" altLang="zh-CN" sz="1200" b="0" i="0" u="none" strike="noStrike" cap="none" normalizeH="0" baseline="0" dirty="0" smtClean="0">
-                <a:ln>
-                  <a:noFill/>
-                </a:ln>
-                <a:solidFill>
-                  <a:srgbClr val="000000"/>
-                </a:solidFill>
-                <a:effectLst/>
-                <a:latin typeface="Lucida Console" panose="020B0609040504020204" pitchFamily="49" charset="0"/>
-              </a:rPr>
-              <a:t>7 </a:t>
-            </a:r>
-            <a:r>
-              <a:rPr kumimoji="0" lang="en-US" altLang="zh-CN" sz="1200" b="0" i="0" u="none" strike="noStrike" cap="none" normalizeH="0" baseline="0" dirty="0" smtClean="0">
-                <a:ln>
-                  <a:noFill/>
-                </a:ln>
-                <a:solidFill>
-                  <a:srgbClr val="000000"/>
-                </a:solidFill>
-                <a:effectLst/>
-                <a:latin typeface="Lucida Console" panose="020B0609040504020204" pitchFamily="49" charset="0"/>
-              </a:rPr>
-              <a:t>    </a:t>
-            </a:r>
-            <a:r>
-              <a:rPr kumimoji="0" lang="zh-CN" altLang="zh-CN" sz="1200" b="0" i="0" u="none" strike="noStrike" cap="none" normalizeH="0" baseline="0" dirty="0" smtClean="0">
-                <a:ln>
-                  <a:noFill/>
-                </a:ln>
-                <a:solidFill>
-                  <a:srgbClr val="000000"/>
-                </a:solidFill>
-                <a:effectLst/>
-                <a:latin typeface="Lucida Console" panose="020B0609040504020204" pitchFamily="49" charset="0"/>
-              </a:rPr>
-              <a:t>4 </a:t>
-            </a:r>
-            <a:endParaRPr kumimoji="0" lang="en-US" altLang="zh-CN" sz="1200" b="0" i="0" u="none" strike="noStrike" cap="none" normalizeH="0" baseline="0" dirty="0" smtClean="0">
-              <a:ln>
-                <a:noFill/>
-              </a:ln>
-              <a:solidFill>
-                <a:srgbClr val="000000"/>
-              </a:solidFill>
-              <a:effectLst/>
-              <a:latin typeface="Lucida Console" panose="020B0609040504020204" pitchFamily="49" charset="0"/>
-            </a:endParaRPr>
-          </a:p>
-          <a:p>
-            <a:pPr marL="0" marR="0" lvl="0" indent="0" algn="l" defTabSz="914400" rtl="0" eaLnBrk="0" fontAlgn="base" latinLnBrk="0" hangingPunct="0">
-              <a:lnSpc>
-                <a:spcPct val="100000"/>
-              </a:lnSpc>
-              <a:spcBef>
-                <a:spcPct val="0"/>
-              </a:spcBef>
-              <a:spcAft>
-                <a:spcPct val="0"/>
-              </a:spcAft>
-              <a:buClrTx/>
-              <a:buSzTx/>
-              <a:buFontTx/>
-              <a:buNone/>
-              <a:tabLst/>
-            </a:pPr>
-            <a:r>
-              <a:rPr kumimoji="0" lang="zh-CN" altLang="zh-CN" sz="1200" b="0" i="0" u="none" strike="noStrike" cap="none" normalizeH="0" baseline="0" dirty="0" smtClean="0">
-                <a:ln>
-                  <a:noFill/>
-                </a:ln>
-                <a:solidFill>
-                  <a:srgbClr val="000000"/>
-                </a:solidFill>
-                <a:effectLst/>
-                <a:latin typeface="Lucida Console" panose="020B0609040504020204" pitchFamily="49" charset="0"/>
-              </a:rPr>
-              <a:t>4 </a:t>
-            </a:r>
-            <a:r>
-              <a:rPr kumimoji="0" lang="en-US" altLang="zh-CN" sz="1200" b="0" i="0" u="none" strike="noStrike" cap="none" normalizeH="0" baseline="0" dirty="0" smtClean="0">
-                <a:ln>
-                  <a:noFill/>
-                </a:ln>
-                <a:solidFill>
-                  <a:srgbClr val="000000"/>
-                </a:solidFill>
-                <a:effectLst/>
-                <a:latin typeface="Lucida Console" panose="020B0609040504020204" pitchFamily="49" charset="0"/>
-              </a:rPr>
-              <a:t>   </a:t>
-            </a:r>
-            <a:r>
-              <a:rPr kumimoji="0" lang="zh-CN" altLang="zh-CN" sz="1200" b="0" i="0" u="none" strike="noStrike" cap="none" normalizeH="0" baseline="0" dirty="0" smtClean="0">
-                <a:ln>
-                  <a:noFill/>
-                </a:ln>
-                <a:solidFill>
-                  <a:srgbClr val="000000"/>
-                </a:solidFill>
-                <a:effectLst/>
-                <a:latin typeface="Lucida Console" panose="020B0609040504020204" pitchFamily="49" charset="0"/>
-              </a:rPr>
-              <a:t>7 </a:t>
-            </a:r>
-            <a:r>
-              <a:rPr kumimoji="0" lang="en-US" altLang="zh-CN" sz="1200" b="0" i="0" u="none" strike="noStrike" cap="none" normalizeH="0" baseline="0" dirty="0" smtClean="0">
-                <a:ln>
-                  <a:noFill/>
-                </a:ln>
-                <a:solidFill>
-                  <a:srgbClr val="000000"/>
-                </a:solidFill>
-                <a:effectLst/>
-                <a:latin typeface="Lucida Console" panose="020B0609040504020204" pitchFamily="49" charset="0"/>
-              </a:rPr>
-              <a:t>   </a:t>
-            </a:r>
-            <a:r>
-              <a:rPr kumimoji="0" lang="zh-CN" altLang="zh-CN" sz="1200" b="0" i="0" u="none" strike="noStrike" cap="none" normalizeH="0" baseline="0" dirty="0" smtClean="0">
-                <a:ln>
-                  <a:noFill/>
-                </a:ln>
-                <a:solidFill>
-                  <a:srgbClr val="000000"/>
-                </a:solidFill>
-                <a:effectLst/>
-                <a:latin typeface="Lucida Console" panose="020B0609040504020204" pitchFamily="49" charset="0"/>
-              </a:rPr>
-              <a:t>22 </a:t>
-            </a:r>
-            <a:endParaRPr kumimoji="0" lang="en-US" altLang="zh-CN" sz="1200" b="0" i="0" u="none" strike="noStrike" cap="none" normalizeH="0" baseline="0" dirty="0" smtClean="0">
-              <a:ln>
-                <a:noFill/>
-              </a:ln>
-              <a:solidFill>
-                <a:srgbClr val="000000"/>
-              </a:solidFill>
-              <a:effectLst/>
-              <a:latin typeface="Lucida Console" panose="020B0609040504020204" pitchFamily="49" charset="0"/>
-            </a:endParaRPr>
-          </a:p>
-          <a:p>
-            <a:pPr marL="0" marR="0" lvl="0" indent="0" algn="l" defTabSz="914400" rtl="0" eaLnBrk="0" fontAlgn="base" latinLnBrk="0" hangingPunct="0">
-              <a:lnSpc>
-                <a:spcPct val="100000"/>
-              </a:lnSpc>
-              <a:spcBef>
-                <a:spcPct val="0"/>
-              </a:spcBef>
-              <a:spcAft>
-                <a:spcPct val="0"/>
-              </a:spcAft>
-              <a:buClrTx/>
-              <a:buSzTx/>
-              <a:buFontTx/>
-              <a:buNone/>
-              <a:tabLst/>
-            </a:pPr>
-            <a:r>
-              <a:rPr kumimoji="0" lang="zh-CN" altLang="zh-CN" sz="1200" b="0" i="0" u="none" strike="noStrike" cap="none" normalizeH="0" baseline="0" dirty="0" smtClean="0">
-                <a:ln>
-                  <a:noFill/>
-                </a:ln>
-                <a:solidFill>
-                  <a:srgbClr val="000000"/>
-                </a:solidFill>
-                <a:effectLst/>
-                <a:latin typeface="Lucida Console" panose="020B0609040504020204" pitchFamily="49" charset="0"/>
-              </a:rPr>
-              <a:t>5 </a:t>
-            </a:r>
-            <a:r>
-              <a:rPr kumimoji="0" lang="en-US" altLang="zh-CN" sz="1200" b="0" i="0" u="none" strike="noStrike" cap="none" normalizeH="0" baseline="0" dirty="0" smtClean="0">
-                <a:ln>
-                  <a:noFill/>
-                </a:ln>
-                <a:solidFill>
-                  <a:srgbClr val="000000"/>
-                </a:solidFill>
-                <a:effectLst/>
-                <a:latin typeface="Lucida Console" panose="020B0609040504020204" pitchFamily="49" charset="0"/>
-              </a:rPr>
-              <a:t>   </a:t>
-            </a:r>
-            <a:r>
-              <a:rPr kumimoji="0" lang="zh-CN" altLang="zh-CN" sz="1200" b="0" i="0" u="none" strike="noStrike" cap="none" normalizeH="0" baseline="0" dirty="0" smtClean="0">
-                <a:ln>
-                  <a:noFill/>
-                </a:ln>
-                <a:solidFill>
-                  <a:srgbClr val="000000"/>
-                </a:solidFill>
-                <a:effectLst/>
-                <a:latin typeface="Lucida Console" panose="020B0609040504020204" pitchFamily="49" charset="0"/>
-              </a:rPr>
-              <a:t>8 </a:t>
-            </a:r>
-            <a:r>
-              <a:rPr kumimoji="0" lang="en-US" altLang="zh-CN" sz="1200" b="0" i="0" u="none" strike="noStrike" cap="none" normalizeH="0" baseline="0" dirty="0" smtClean="0">
-                <a:ln>
-                  <a:noFill/>
-                </a:ln>
-                <a:solidFill>
-                  <a:srgbClr val="000000"/>
-                </a:solidFill>
-                <a:effectLst/>
-                <a:latin typeface="Lucida Console" panose="020B0609040504020204" pitchFamily="49" charset="0"/>
-              </a:rPr>
-              <a:t>   </a:t>
-            </a:r>
-            <a:r>
-              <a:rPr kumimoji="0" lang="zh-CN" altLang="zh-CN" sz="1200" b="0" i="0" u="none" strike="noStrike" cap="none" normalizeH="0" baseline="0" dirty="0" smtClean="0">
-                <a:ln>
-                  <a:noFill/>
-                </a:ln>
-                <a:solidFill>
-                  <a:srgbClr val="000000"/>
-                </a:solidFill>
-                <a:effectLst/>
-                <a:latin typeface="Lucida Console" panose="020B0609040504020204" pitchFamily="49" charset="0"/>
-              </a:rPr>
-              <a:t>16</a:t>
-            </a:r>
-            <a:endParaRPr kumimoji="0" lang="zh-CN" altLang="zh-CN" sz="2800" b="0" i="0" u="none" strike="noStrike" cap="none" normalizeH="0" baseline="0" dirty="0" smtClean="0">
-              <a:ln>
-                <a:noFill/>
-              </a:ln>
-              <a:solidFill>
-                <a:schemeClr val="tx1"/>
-              </a:solidFill>
-              <a:effectLst/>
-              <a:latin typeface="Arial" panose="020B0604020202020204" pitchFamily="34" charset="0"/>
             </a:endParaRPr>
           </a:p>
         </p:txBody>
       </p:sp>
       <p:sp>
         <p:nvSpPr>
-          <p:cNvPr id="6" name="Rectangle 2"/>
+          <p:cNvPr id="8" name="Rectangle 4"/>
           <p:cNvSpPr>
             <a:spLocks noChangeArrowheads="1"/>
           </p:cNvSpPr>
@@ -16169,8 +17571,8 @@
         </p:nvSpPr>
         <p:spPr bwMode="auto">
           <a:xfrm>
-            <a:off x="8371163" y="2703163"/>
-            <a:ext cx="2138406" cy="1661993"/>
+            <a:off x="1201945" y="3144982"/>
+            <a:ext cx="4090863" cy="369332"/>
           </a:xfrm>
           <a:prstGeom prst="rect">
             <a:avLst/>
@@ -16240,7 +17642,33 @@
                 <a:effectLst/>
                 <a:latin typeface="Lucida Console" panose="020B0609040504020204" pitchFamily="49" charset="0"/>
               </a:rPr>
-              <a:t>&gt; indices2&lt;-rep(1:3,2) </a:t>
+              <a:t>&gt; s</a:t>
+            </a:r>
+            <a:r>
+              <a:rPr kumimoji="0" lang="en-US" altLang="zh-CN" sz="1200" b="0" i="0" u="none" strike="noStrike" cap="none" normalizeH="0" baseline="0" dirty="0" smtClean="0">
+                <a:ln>
+                  <a:noFill/>
+                </a:ln>
+                <a:solidFill>
+                  <a:srgbClr val="0000FF"/>
+                </a:solidFill>
+                <a:effectLst/>
+                <a:latin typeface="Lucida Console" panose="020B0609040504020204" pitchFamily="49" charset="0"/>
+              </a:rPr>
+              <a:t>2</a:t>
+            </a:r>
+            <a:r>
+              <a:rPr kumimoji="0" lang="zh-CN" altLang="zh-CN" sz="1200" b="0" i="0" u="none" strike="noStrike" cap="none" normalizeH="0" baseline="0" dirty="0" smtClean="0">
+                <a:ln>
+                  <a:noFill/>
+                </a:ln>
+                <a:solidFill>
+                  <a:srgbClr val="0000FF"/>
+                </a:solidFill>
+                <a:effectLst/>
+                <a:latin typeface="Lucida Console" panose="020B0609040504020204" pitchFamily="49" charset="0"/>
+              </a:rPr>
+              <a:t>&lt;-sample(1:nrow(spl),12,replace = TRUE) </a:t>
             </a:r>
             <a:endParaRPr kumimoji="0" lang="en-US" altLang="zh-CN" sz="1200" b="0" i="0" u="none" strike="noStrike" cap="none" normalizeH="0" baseline="0" dirty="0" smtClean="0">
               <a:ln>
@@ -16281,48 +17709,20 @@
                 <a:effectLst/>
                 <a:latin typeface="Lucida Console" panose="020B0609040504020204" pitchFamily="49" charset="0"/>
               </a:rPr>
-              <a:t>&gt; cars[indices2,] </a:t>
-            </a:r>
-            <a:endParaRPr kumimoji="0" lang="en-US" altLang="zh-CN" sz="1200" b="0" i="0" u="none" strike="noStrike" cap="none" normalizeH="0" baseline="0" dirty="0" smtClean="0">
-              <a:ln>
-                <a:noFill/>
-              </a:ln>
-              <a:solidFill>
-                <a:srgbClr val="0000FF"/>
-              </a:solidFill>
-              <a:effectLst/>
-              <a:latin typeface="Lucida Console" panose="020B0609040504020204" pitchFamily="49" charset="0"/>
-            </a:endParaRPr>
-          </a:p>
-          <a:p>
-            <a:pPr marL="0" marR="0" lvl="0" indent="0" algn="l" defTabSz="914400" rtl="0" eaLnBrk="0" fontAlgn="base" latinLnBrk="0" hangingPunct="0">
-              <a:lnSpc>
-                <a:spcPct val="100000"/>
-              </a:lnSpc>
-              <a:spcBef>
-                <a:spcPct val="0"/>
-              </a:spcBef>
-              <a:spcAft>
-                <a:spcPct val="0"/>
-              </a:spcAft>
-              <a:buClrTx/>
-              <a:buSzTx/>
-              <a:buFontTx/>
-              <a:buNone/>
-              <a:tabLst/>
-            </a:pPr>
+              <a:t>&gt; </a:t>
+            </a:r>
             <a:r>
               <a:rPr kumimoji="0" lang="en-US" altLang="zh-CN" sz="1200" b="0" i="0" u="none" strike="noStrike" cap="none" normalizeH="0" baseline="0" dirty="0" smtClean="0">
                 <a:ln>
                   <a:noFill/>
                 </a:ln>
                 <a:solidFill>
-                  <a:srgbClr val="000000"/>
+                  <a:srgbClr val="0000FF"/>
                 </a:solidFill>
                 <a:effectLst/>
                 <a:latin typeface="Lucida Console" panose="020B0609040504020204" pitchFamily="49" charset="0"/>
               </a:rPr>
-              <a:t>  </a:t>
+              <a:t>spl2&lt;-</a:t>
             </a:r>
             <a:r>
               <a:rPr kumimoji="0" lang="zh-CN" altLang="zh-CN" sz="1200" b="0" i="0" u="none" strike="noStrike" cap="none" normalizeH="0" baseline="0" dirty="0" smtClean="0">
@@ -16330,570 +17730,38 @@
                   <a:noFill/>
                 </a:ln>
                 <a:solidFill>
-                  <a:srgbClr val="000000"/>
+                  <a:srgbClr val="0000FF"/>
                 </a:solidFill>
                 <a:effectLst/>
                 <a:latin typeface="Lucida Console" panose="020B0609040504020204" pitchFamily="49" charset="0"/>
               </a:rPr>
-              <a:t>speed dist </a:t>
-            </a:r>
-            <a:endParaRPr kumimoji="0" lang="en-US" altLang="zh-CN" sz="1200" b="0" i="0" u="none" strike="noStrike" cap="none" normalizeH="0" baseline="0" dirty="0" smtClean="0">
-              <a:ln>
-                <a:noFill/>
-              </a:ln>
-              <a:solidFill>
-                <a:srgbClr val="000000"/>
-              </a:solidFill>
-              <a:effectLst/>
-              <a:latin typeface="Lucida Console" panose="020B0609040504020204" pitchFamily="49" charset="0"/>
-            </a:endParaRPr>
-          </a:p>
-          <a:p>
-            <a:pPr marL="0" marR="0" lvl="0" indent="0" algn="l" defTabSz="914400" rtl="0" eaLnBrk="0" fontAlgn="base" latinLnBrk="0" hangingPunct="0">
-              <a:lnSpc>
-                <a:spcPct val="100000"/>
-              </a:lnSpc>
-              <a:spcBef>
-                <a:spcPct val="0"/>
-              </a:spcBef>
-              <a:spcAft>
-                <a:spcPct val="0"/>
-              </a:spcAft>
-              <a:buClrTx/>
-              <a:buSzTx/>
-              <a:buFontTx/>
-              <a:buNone/>
-              <a:tabLst/>
-            </a:pPr>
+              <a:t>spl[s</a:t>
+            </a:r>
+            <a:r>
+              <a:rPr kumimoji="0" lang="en-US" altLang="zh-CN" sz="1200" b="0" i="0" u="none" strike="noStrike" cap="none" normalizeH="0" baseline="0" dirty="0" smtClean="0">
+                <a:ln>
+                  <a:noFill/>
+                </a:ln>
+                <a:solidFill>
+                  <a:srgbClr val="0000FF"/>
+                </a:solidFill>
+                <a:effectLst/>
+                <a:latin typeface="Lucida Console" panose="020B0609040504020204" pitchFamily="49" charset="0"/>
+              </a:rPr>
+              <a:t>2</a:t>
+            </a:r>
             <a:r>
               <a:rPr kumimoji="0" lang="zh-CN" altLang="zh-CN" sz="1200" b="0" i="0" u="none" strike="noStrike" cap="none" normalizeH="0" baseline="0" dirty="0" smtClean="0">
                 <a:ln>
                   <a:noFill/>
                 </a:ln>
                 <a:solidFill>
-                  <a:srgbClr val="000000"/>
+                  <a:srgbClr val="0000FF"/>
                 </a:solidFill>
                 <a:effectLst/>
                 <a:latin typeface="Lucida Console" panose="020B0609040504020204" pitchFamily="49" charset="0"/>
               </a:rPr>
-              <a:t>1 </a:t>
-            </a:r>
-            <a:r>
-              <a:rPr kumimoji="0" lang="en-US" altLang="zh-CN" sz="1200" b="0" i="0" u="none" strike="noStrike" cap="none" normalizeH="0" baseline="0" dirty="0" smtClean="0">
-                <a:ln>
-                  <a:noFill/>
-                </a:ln>
-                <a:solidFill>
-                  <a:srgbClr val="000000"/>
-                </a:solidFill>
-                <a:effectLst/>
-                <a:latin typeface="Lucida Console" panose="020B0609040504020204" pitchFamily="49" charset="0"/>
-              </a:rPr>
-              <a:t>    </a:t>
-            </a:r>
-            <a:r>
-              <a:rPr kumimoji="0" lang="zh-CN" altLang="zh-CN" sz="1200" b="0" i="0" u="none" strike="noStrike" cap="none" normalizeH="0" baseline="0" dirty="0" smtClean="0">
-                <a:ln>
-                  <a:noFill/>
-                </a:ln>
-                <a:solidFill>
-                  <a:srgbClr val="000000"/>
-                </a:solidFill>
-                <a:effectLst/>
-                <a:latin typeface="Lucida Console" panose="020B0609040504020204" pitchFamily="49" charset="0"/>
-              </a:rPr>
-              <a:t>4 </a:t>
-            </a:r>
-            <a:r>
-              <a:rPr kumimoji="0" lang="en-US" altLang="zh-CN" sz="1200" b="0" i="0" u="none" strike="noStrike" cap="none" normalizeH="0" baseline="0" dirty="0" smtClean="0">
-                <a:ln>
-                  <a:noFill/>
-                </a:ln>
-                <a:solidFill>
-                  <a:srgbClr val="000000"/>
-                </a:solidFill>
-                <a:effectLst/>
-                <a:latin typeface="Lucida Console" panose="020B0609040504020204" pitchFamily="49" charset="0"/>
-              </a:rPr>
-              <a:t>   </a:t>
-            </a:r>
-            <a:r>
-              <a:rPr kumimoji="0" lang="zh-CN" altLang="zh-CN" sz="1200" b="0" i="0" u="none" strike="noStrike" cap="none" normalizeH="0" baseline="0" dirty="0" smtClean="0">
-                <a:ln>
-                  <a:noFill/>
-                </a:ln>
-                <a:solidFill>
-                  <a:srgbClr val="000000"/>
-                </a:solidFill>
-                <a:effectLst/>
-                <a:latin typeface="Lucida Console" panose="020B0609040504020204" pitchFamily="49" charset="0"/>
-              </a:rPr>
-              <a:t>2 </a:t>
-            </a:r>
-            <a:endParaRPr kumimoji="0" lang="en-US" altLang="zh-CN" sz="1200" b="0" i="0" u="none" strike="noStrike" cap="none" normalizeH="0" baseline="0" dirty="0" smtClean="0">
-              <a:ln>
-                <a:noFill/>
-              </a:ln>
-              <a:solidFill>
-                <a:srgbClr val="000000"/>
-              </a:solidFill>
-              <a:effectLst/>
-              <a:latin typeface="Lucida Console" panose="020B0609040504020204" pitchFamily="49" charset="0"/>
-            </a:endParaRPr>
-          </a:p>
-          <a:p>
-            <a:pPr marL="0" marR="0" lvl="0" indent="0" algn="l" defTabSz="914400" rtl="0" eaLnBrk="0" fontAlgn="base" latinLnBrk="0" hangingPunct="0">
-              <a:lnSpc>
-                <a:spcPct val="100000"/>
-              </a:lnSpc>
-              <a:spcBef>
-                <a:spcPct val="0"/>
-              </a:spcBef>
-              <a:spcAft>
-                <a:spcPct val="0"/>
-              </a:spcAft>
-              <a:buClrTx/>
-              <a:buSzTx/>
-              <a:buFontTx/>
-              <a:buNone/>
-              <a:tabLst/>
-            </a:pPr>
-            <a:r>
-              <a:rPr kumimoji="0" lang="zh-CN" altLang="zh-CN" sz="1200" b="0" i="0" u="none" strike="noStrike" cap="none" normalizeH="0" baseline="0" dirty="0" smtClean="0">
-                <a:ln>
-                  <a:noFill/>
-                </a:ln>
-                <a:solidFill>
-                  <a:srgbClr val="000000"/>
-                </a:solidFill>
-                <a:effectLst/>
-                <a:latin typeface="Lucida Console" panose="020B0609040504020204" pitchFamily="49" charset="0"/>
-              </a:rPr>
-              <a:t>2 </a:t>
-            </a:r>
-            <a:r>
-              <a:rPr kumimoji="0" lang="en-US" altLang="zh-CN" sz="1200" b="0" i="0" u="none" strike="noStrike" cap="none" normalizeH="0" baseline="0" dirty="0" smtClean="0">
-                <a:ln>
-                  <a:noFill/>
-                </a:ln>
-                <a:solidFill>
-                  <a:srgbClr val="000000"/>
-                </a:solidFill>
-                <a:effectLst/>
-                <a:latin typeface="Lucida Console" panose="020B0609040504020204" pitchFamily="49" charset="0"/>
-              </a:rPr>
-              <a:t>    </a:t>
-            </a:r>
-            <a:r>
-              <a:rPr kumimoji="0" lang="zh-CN" altLang="zh-CN" sz="1200" b="0" i="0" u="none" strike="noStrike" cap="none" normalizeH="0" baseline="0" dirty="0" smtClean="0">
-                <a:ln>
-                  <a:noFill/>
-                </a:ln>
-                <a:solidFill>
-                  <a:srgbClr val="000000"/>
-                </a:solidFill>
-                <a:effectLst/>
-                <a:latin typeface="Lucida Console" panose="020B0609040504020204" pitchFamily="49" charset="0"/>
-              </a:rPr>
-              <a:t>4 </a:t>
-            </a:r>
-            <a:r>
-              <a:rPr kumimoji="0" lang="en-US" altLang="zh-CN" sz="1200" b="0" i="0" u="none" strike="noStrike" cap="none" normalizeH="0" baseline="0" dirty="0" smtClean="0">
-                <a:ln>
-                  <a:noFill/>
-                </a:ln>
-                <a:solidFill>
-                  <a:srgbClr val="000000"/>
-                </a:solidFill>
-                <a:effectLst/>
-                <a:latin typeface="Lucida Console" panose="020B0609040504020204" pitchFamily="49" charset="0"/>
-              </a:rPr>
-              <a:t>  </a:t>
-            </a:r>
-            <a:r>
-              <a:rPr kumimoji="0" lang="zh-CN" altLang="zh-CN" sz="1200" b="0" i="0" u="none" strike="noStrike" cap="none" normalizeH="0" baseline="0" dirty="0" smtClean="0">
-                <a:ln>
-                  <a:noFill/>
-                </a:ln>
-                <a:solidFill>
-                  <a:srgbClr val="000000"/>
-                </a:solidFill>
-                <a:effectLst/>
-                <a:latin typeface="Lucida Console" panose="020B0609040504020204" pitchFamily="49" charset="0"/>
-              </a:rPr>
-              <a:t>10 </a:t>
-            </a:r>
-            <a:endParaRPr kumimoji="0" lang="en-US" altLang="zh-CN" sz="1200" b="0" i="0" u="none" strike="noStrike" cap="none" normalizeH="0" baseline="0" dirty="0" smtClean="0">
-              <a:ln>
-                <a:noFill/>
-              </a:ln>
-              <a:solidFill>
-                <a:srgbClr val="000000"/>
-              </a:solidFill>
-              <a:effectLst/>
-              <a:latin typeface="Lucida Console" panose="020B0609040504020204" pitchFamily="49" charset="0"/>
-            </a:endParaRPr>
-          </a:p>
-          <a:p>
-            <a:pPr marL="0" marR="0" lvl="0" indent="0" algn="l" defTabSz="914400" rtl="0" eaLnBrk="0" fontAlgn="base" latinLnBrk="0" hangingPunct="0">
-              <a:lnSpc>
-                <a:spcPct val="100000"/>
-              </a:lnSpc>
-              <a:spcBef>
-                <a:spcPct val="0"/>
-              </a:spcBef>
-              <a:spcAft>
-                <a:spcPct val="0"/>
-              </a:spcAft>
-              <a:buClrTx/>
-              <a:buSzTx/>
-              <a:buFontTx/>
-              <a:buNone/>
-              <a:tabLst/>
-            </a:pPr>
-            <a:r>
-              <a:rPr kumimoji="0" lang="zh-CN" altLang="zh-CN" sz="1200" b="0" i="0" u="none" strike="noStrike" cap="none" normalizeH="0" baseline="0" dirty="0" smtClean="0">
-                <a:ln>
-                  <a:noFill/>
-                </a:ln>
-                <a:solidFill>
-                  <a:srgbClr val="000000"/>
-                </a:solidFill>
-                <a:effectLst/>
-                <a:latin typeface="Lucida Console" panose="020B0609040504020204" pitchFamily="49" charset="0"/>
-              </a:rPr>
-              <a:t>3 </a:t>
-            </a:r>
-            <a:r>
-              <a:rPr kumimoji="0" lang="en-US" altLang="zh-CN" sz="1200" b="0" i="0" u="none" strike="noStrike" cap="none" normalizeH="0" baseline="0" dirty="0" smtClean="0">
-                <a:ln>
-                  <a:noFill/>
-                </a:ln>
-                <a:solidFill>
-                  <a:srgbClr val="000000"/>
-                </a:solidFill>
-                <a:effectLst/>
-                <a:latin typeface="Lucida Console" panose="020B0609040504020204" pitchFamily="49" charset="0"/>
-              </a:rPr>
-              <a:t>    </a:t>
-            </a:r>
-            <a:r>
-              <a:rPr kumimoji="0" lang="zh-CN" altLang="zh-CN" sz="1200" b="0" i="0" u="none" strike="noStrike" cap="none" normalizeH="0" baseline="0" dirty="0" smtClean="0">
-                <a:ln>
-                  <a:noFill/>
-                </a:ln>
-                <a:solidFill>
-                  <a:srgbClr val="000000"/>
-                </a:solidFill>
-                <a:effectLst/>
-                <a:latin typeface="Lucida Console" panose="020B0609040504020204" pitchFamily="49" charset="0"/>
-              </a:rPr>
-              <a:t>7</a:t>
-            </a:r>
-            <a:r>
-              <a:rPr kumimoji="0" lang="en-US" altLang="zh-CN" sz="1200" b="0" i="0" u="none" strike="noStrike" cap="none" normalizeH="0" baseline="0" dirty="0" smtClean="0">
-                <a:ln>
-                  <a:noFill/>
-                </a:ln>
-                <a:solidFill>
-                  <a:srgbClr val="000000"/>
-                </a:solidFill>
-                <a:effectLst/>
-                <a:latin typeface="Lucida Console" panose="020B0609040504020204" pitchFamily="49" charset="0"/>
-              </a:rPr>
-              <a:t>   </a:t>
-            </a:r>
-            <a:r>
-              <a:rPr kumimoji="0" lang="zh-CN" altLang="zh-CN" sz="1200" b="0" i="0" u="none" strike="noStrike" cap="none" normalizeH="0" baseline="0" dirty="0" smtClean="0">
-                <a:ln>
-                  <a:noFill/>
-                </a:ln>
-                <a:solidFill>
-                  <a:srgbClr val="000000"/>
-                </a:solidFill>
-                <a:effectLst/>
-                <a:latin typeface="Lucida Console" panose="020B0609040504020204" pitchFamily="49" charset="0"/>
-              </a:rPr>
-              <a:t> 4 </a:t>
-            </a:r>
-            <a:endParaRPr kumimoji="0" lang="en-US" altLang="zh-CN" sz="1200" b="0" i="0" u="none" strike="noStrike" cap="none" normalizeH="0" baseline="0" dirty="0" smtClean="0">
-              <a:ln>
-                <a:noFill/>
-              </a:ln>
-              <a:solidFill>
-                <a:srgbClr val="000000"/>
-              </a:solidFill>
-              <a:effectLst/>
-              <a:latin typeface="Lucida Console" panose="020B0609040504020204" pitchFamily="49" charset="0"/>
-            </a:endParaRPr>
-          </a:p>
-          <a:p>
-            <a:pPr marL="0" marR="0" lvl="0" indent="0" algn="l" defTabSz="914400" rtl="0" eaLnBrk="0" fontAlgn="base" latinLnBrk="0" hangingPunct="0">
-              <a:lnSpc>
-                <a:spcPct val="100000"/>
-              </a:lnSpc>
-              <a:spcBef>
-                <a:spcPct val="0"/>
-              </a:spcBef>
-              <a:spcAft>
-                <a:spcPct val="0"/>
-              </a:spcAft>
-              <a:buClrTx/>
-              <a:buSzTx/>
-              <a:buFontTx/>
-              <a:buNone/>
-              <a:tabLst/>
-            </a:pPr>
-            <a:r>
-              <a:rPr kumimoji="0" lang="zh-CN" altLang="zh-CN" sz="1200" b="0" i="0" u="none" strike="noStrike" cap="none" normalizeH="0" baseline="0" dirty="0" smtClean="0">
-                <a:ln>
-                  <a:noFill/>
-                </a:ln>
-                <a:solidFill>
-                  <a:srgbClr val="000000"/>
-                </a:solidFill>
-                <a:effectLst/>
-                <a:latin typeface="Lucida Console" panose="020B0609040504020204" pitchFamily="49" charset="0"/>
-              </a:rPr>
-              <a:t>1.1 </a:t>
-            </a:r>
-            <a:r>
-              <a:rPr kumimoji="0" lang="en-US" altLang="zh-CN" sz="1200" b="0" i="0" u="none" strike="noStrike" cap="none" normalizeH="0" baseline="0" dirty="0" smtClean="0">
-                <a:ln>
-                  <a:noFill/>
-                </a:ln>
-                <a:solidFill>
-                  <a:srgbClr val="000000"/>
-                </a:solidFill>
-                <a:effectLst/>
-                <a:latin typeface="Lucida Console" panose="020B0609040504020204" pitchFamily="49" charset="0"/>
-              </a:rPr>
-              <a:t>  </a:t>
-            </a:r>
-            <a:r>
-              <a:rPr kumimoji="0" lang="zh-CN" altLang="zh-CN" sz="1200" b="0" i="0" u="none" strike="noStrike" cap="none" normalizeH="0" baseline="0" dirty="0" smtClean="0">
-                <a:ln>
-                  <a:noFill/>
-                </a:ln>
-                <a:solidFill>
-                  <a:srgbClr val="000000"/>
-                </a:solidFill>
-                <a:effectLst/>
-                <a:latin typeface="Lucida Console" panose="020B0609040504020204" pitchFamily="49" charset="0"/>
-              </a:rPr>
-              <a:t>4</a:t>
-            </a:r>
-            <a:r>
-              <a:rPr kumimoji="0" lang="en-US" altLang="zh-CN" sz="1200" b="0" i="0" u="none" strike="noStrike" cap="none" normalizeH="0" baseline="0" dirty="0" smtClean="0">
-                <a:ln>
-                  <a:noFill/>
-                </a:ln>
-                <a:solidFill>
-                  <a:srgbClr val="000000"/>
-                </a:solidFill>
-                <a:effectLst/>
-                <a:latin typeface="Lucida Console" panose="020B0609040504020204" pitchFamily="49" charset="0"/>
-              </a:rPr>
-              <a:t>   </a:t>
-            </a:r>
-            <a:r>
-              <a:rPr kumimoji="0" lang="zh-CN" altLang="zh-CN" sz="1200" b="0" i="0" u="none" strike="noStrike" cap="none" normalizeH="0" baseline="0" dirty="0" smtClean="0">
-                <a:ln>
-                  <a:noFill/>
-                </a:ln>
-                <a:solidFill>
-                  <a:srgbClr val="000000"/>
-                </a:solidFill>
-                <a:effectLst/>
-                <a:latin typeface="Lucida Console" panose="020B0609040504020204" pitchFamily="49" charset="0"/>
-              </a:rPr>
-              <a:t> 2 </a:t>
-            </a:r>
-            <a:endParaRPr kumimoji="0" lang="en-US" altLang="zh-CN" sz="1200" b="0" i="0" u="none" strike="noStrike" cap="none" normalizeH="0" baseline="0" dirty="0" smtClean="0">
-              <a:ln>
-                <a:noFill/>
-              </a:ln>
-              <a:solidFill>
-                <a:srgbClr val="000000"/>
-              </a:solidFill>
-              <a:effectLst/>
-              <a:latin typeface="Lucida Console" panose="020B0609040504020204" pitchFamily="49" charset="0"/>
-            </a:endParaRPr>
-          </a:p>
-          <a:p>
-            <a:pPr marL="0" marR="0" lvl="0" indent="0" algn="l" defTabSz="914400" rtl="0" eaLnBrk="0" fontAlgn="base" latinLnBrk="0" hangingPunct="0">
-              <a:lnSpc>
-                <a:spcPct val="100000"/>
-              </a:lnSpc>
-              <a:spcBef>
-                <a:spcPct val="0"/>
-              </a:spcBef>
-              <a:spcAft>
-                <a:spcPct val="0"/>
-              </a:spcAft>
-              <a:buClrTx/>
-              <a:buSzTx/>
-              <a:buFontTx/>
-              <a:buNone/>
-              <a:tabLst/>
-            </a:pPr>
-            <a:r>
-              <a:rPr kumimoji="0" lang="zh-CN" altLang="zh-CN" sz="1200" b="0" i="0" u="none" strike="noStrike" cap="none" normalizeH="0" baseline="0" dirty="0" smtClean="0">
-                <a:ln>
-                  <a:noFill/>
-                </a:ln>
-                <a:solidFill>
-                  <a:srgbClr val="000000"/>
-                </a:solidFill>
-                <a:effectLst/>
-                <a:latin typeface="Lucida Console" panose="020B0609040504020204" pitchFamily="49" charset="0"/>
-              </a:rPr>
-              <a:t>2.1 </a:t>
-            </a:r>
-            <a:r>
-              <a:rPr kumimoji="0" lang="en-US" altLang="zh-CN" sz="1200" b="0" i="0" u="none" strike="noStrike" cap="none" normalizeH="0" baseline="0" dirty="0" smtClean="0">
-                <a:ln>
-                  <a:noFill/>
-                </a:ln>
-                <a:solidFill>
-                  <a:srgbClr val="000000"/>
-                </a:solidFill>
-                <a:effectLst/>
-                <a:latin typeface="Lucida Console" panose="020B0609040504020204" pitchFamily="49" charset="0"/>
-              </a:rPr>
-              <a:t>  </a:t>
-            </a:r>
-            <a:r>
-              <a:rPr kumimoji="0" lang="zh-CN" altLang="zh-CN" sz="1200" b="0" i="0" u="none" strike="noStrike" cap="none" normalizeH="0" baseline="0" dirty="0" smtClean="0">
-                <a:ln>
-                  <a:noFill/>
-                </a:ln>
-                <a:solidFill>
-                  <a:srgbClr val="000000"/>
-                </a:solidFill>
-                <a:effectLst/>
-                <a:latin typeface="Lucida Console" panose="020B0609040504020204" pitchFamily="49" charset="0"/>
-              </a:rPr>
-              <a:t>4</a:t>
-            </a:r>
-            <a:r>
-              <a:rPr kumimoji="0" lang="en-US" altLang="zh-CN" sz="1200" b="0" i="0" u="none" strike="noStrike" cap="none" normalizeH="0" baseline="0" dirty="0" smtClean="0">
-                <a:ln>
-                  <a:noFill/>
-                </a:ln>
-                <a:solidFill>
-                  <a:srgbClr val="000000"/>
-                </a:solidFill>
-                <a:effectLst/>
-                <a:latin typeface="Lucida Console" panose="020B0609040504020204" pitchFamily="49" charset="0"/>
-              </a:rPr>
-              <a:t>  </a:t>
-            </a:r>
-            <a:r>
-              <a:rPr kumimoji="0" lang="zh-CN" altLang="zh-CN" sz="1200" b="0" i="0" u="none" strike="noStrike" cap="none" normalizeH="0" baseline="0" dirty="0" smtClean="0">
-                <a:ln>
-                  <a:noFill/>
-                </a:ln>
-                <a:solidFill>
-                  <a:srgbClr val="000000"/>
-                </a:solidFill>
-                <a:effectLst/>
-                <a:latin typeface="Lucida Console" panose="020B0609040504020204" pitchFamily="49" charset="0"/>
-              </a:rPr>
-              <a:t> 10 </a:t>
-            </a:r>
-            <a:endParaRPr kumimoji="0" lang="en-US" altLang="zh-CN" sz="1200" b="0" i="0" u="none" strike="noStrike" cap="none" normalizeH="0" baseline="0" dirty="0" smtClean="0">
-              <a:ln>
-                <a:noFill/>
-              </a:ln>
-              <a:solidFill>
-                <a:srgbClr val="000000"/>
-              </a:solidFill>
-              <a:effectLst/>
-              <a:latin typeface="Lucida Console" panose="020B0609040504020204" pitchFamily="49" charset="0"/>
-            </a:endParaRPr>
-          </a:p>
-          <a:p>
-            <a:pPr marL="0" marR="0" lvl="0" indent="0" algn="l" defTabSz="914400" rtl="0" eaLnBrk="0" fontAlgn="base" latinLnBrk="0" hangingPunct="0">
-              <a:lnSpc>
-                <a:spcPct val="100000"/>
-              </a:lnSpc>
-              <a:spcBef>
-                <a:spcPct val="0"/>
-              </a:spcBef>
-              <a:spcAft>
-                <a:spcPct val="0"/>
-              </a:spcAft>
-              <a:buClrTx/>
-              <a:buSzTx/>
-              <a:buFontTx/>
-              <a:buNone/>
-              <a:tabLst/>
-            </a:pPr>
-            <a:r>
-              <a:rPr kumimoji="0" lang="zh-CN" altLang="zh-CN" sz="1200" b="0" i="0" u="none" strike="noStrike" cap="none" normalizeH="0" baseline="0" dirty="0" smtClean="0">
-                <a:ln>
-                  <a:noFill/>
-                </a:ln>
-                <a:solidFill>
-                  <a:srgbClr val="000000"/>
-                </a:solidFill>
-                <a:effectLst/>
-                <a:latin typeface="Lucida Console" panose="020B0609040504020204" pitchFamily="49" charset="0"/>
-              </a:rPr>
-              <a:t>3.1 </a:t>
-            </a:r>
-            <a:r>
-              <a:rPr kumimoji="0" lang="en-US" altLang="zh-CN" sz="1200" b="0" i="0" u="none" strike="noStrike" cap="none" normalizeH="0" baseline="0" dirty="0" smtClean="0">
-                <a:ln>
-                  <a:noFill/>
-                </a:ln>
-                <a:solidFill>
-                  <a:srgbClr val="000000"/>
-                </a:solidFill>
-                <a:effectLst/>
-                <a:latin typeface="Lucida Console" panose="020B0609040504020204" pitchFamily="49" charset="0"/>
-              </a:rPr>
-              <a:t>  </a:t>
-            </a:r>
-            <a:r>
-              <a:rPr kumimoji="0" lang="zh-CN" altLang="zh-CN" sz="1200" b="0" i="0" u="none" strike="noStrike" cap="none" normalizeH="0" baseline="0" dirty="0" smtClean="0">
-                <a:ln>
-                  <a:noFill/>
-                </a:ln>
-                <a:solidFill>
-                  <a:srgbClr val="000000"/>
-                </a:solidFill>
-                <a:effectLst/>
-                <a:latin typeface="Lucida Console" panose="020B0609040504020204" pitchFamily="49" charset="0"/>
-              </a:rPr>
-              <a:t>7</a:t>
-            </a:r>
-            <a:r>
-              <a:rPr kumimoji="0" lang="en-US" altLang="zh-CN" sz="1200" b="0" i="0" u="none" strike="noStrike" cap="none" normalizeH="0" baseline="0" dirty="0" smtClean="0">
-                <a:ln>
-                  <a:noFill/>
-                </a:ln>
-                <a:solidFill>
-                  <a:srgbClr val="000000"/>
-                </a:solidFill>
-                <a:effectLst/>
-                <a:latin typeface="Lucida Console" panose="020B0609040504020204" pitchFamily="49" charset="0"/>
-              </a:rPr>
-              <a:t>   </a:t>
-            </a:r>
-            <a:r>
-              <a:rPr kumimoji="0" lang="zh-CN" altLang="zh-CN" sz="1200" b="0" i="0" u="none" strike="noStrike" cap="none" normalizeH="0" baseline="0" dirty="0" smtClean="0">
-                <a:ln>
-                  <a:noFill/>
-                </a:ln>
-                <a:solidFill>
-                  <a:srgbClr val="000000"/>
-                </a:solidFill>
-                <a:effectLst/>
-                <a:latin typeface="Lucida Console" panose="020B0609040504020204" pitchFamily="49" charset="0"/>
-              </a:rPr>
-              <a:t> 4</a:t>
+              <a:t>,]</a:t>
             </a:r>
             <a:endParaRPr kumimoji="0" lang="zh-CN" altLang="zh-CN" sz="2800" b="0" i="0" u="none" strike="noStrike" cap="none" normalizeH="0" baseline="0" dirty="0" smtClean="0">
               <a:ln>
@@ -16908,869 +17776,10 @@
           </a:p>
         </p:txBody>
       </p:sp>
-      <p:sp>
-        <p:nvSpPr>
-          <p:cNvPr id="7" name="Rectangle 3"/>
-          <p:cNvSpPr>
-            <a:spLocks noChangeArrowheads="1"/>
-          </p:cNvSpPr>
-          <p:nvPr/>
-        </p:nvSpPr>
-        <p:spPr bwMode="auto">
-          <a:xfrm>
-            <a:off x="4575615" y="2748981"/>
-            <a:ext cx="2138406" cy="1846659"/>
-          </a:xfrm>
-          <a:prstGeom prst="rect">
-            <a:avLst/>
-          </a:prstGeom>
-          <a:solidFill>
-            <a:srgbClr val="FFFFFF"/>
-          </a:solidFill>
-          <a:ln>
-            <a:noFill/>
-          </a:ln>
-          <a:effectLst/>
-          <a:extLst>
-            <a:ext uri="{91240B29-F687-4F45-9708-019B960494DF}">
-              <a14:hiddenLine xmlns:a14="http://schemas.microsoft.com/office/drawing/2010/main" w="9525">
-                <a:solidFill>
-                  <a:schemeClr val="tx1"/>
-                </a:solidFill>
-                <a:miter lim="800000"/>
-                <a:headEnd/>
-                <a:tailEnd/>
-              </a14:hiddenLine>
-            </a:ext>
-            <a:ext uri="{AF507438-7753-43E0-B8FC-AC1667EBCBE1}">
-              <a14:hiddenEffects xmlns:a14="http://schemas.microsoft.com/office/drawing/2010/main">
-                <a:effectLst>
-                  <a:outerShdw dist="35921" dir="2700000" algn="ctr" rotWithShape="0">
-                    <a:schemeClr val="bg2"/>
-                  </a:outerShdw>
-                </a:effectLst>
-              </a14:hiddenEffects>
-            </a:ext>
-          </a:extLst>
-        </p:spPr>
-        <p:txBody>
-          <a:bodyPr vert="horz" wrap="none" lIns="0" tIns="0" rIns="0" bIns="0" numCol="1" anchor="ctr" anchorCtr="0" compatLnSpc="1">
-            <a:prstTxWarp prst="textNoShape">
-              <a:avLst/>
-            </a:prstTxWarp>
-            <a:spAutoFit/>
-          </a:bodyPr>
-          <a:lstStyle/>
-          <a:p>
-            <a:pPr marL="0" marR="0" lvl="0" indent="0" algn="l" defTabSz="914400" rtl="0" eaLnBrk="0" fontAlgn="base" latinLnBrk="0" hangingPunct="0">
-              <a:lnSpc>
-                <a:spcPct val="100000"/>
-              </a:lnSpc>
-              <a:spcBef>
-                <a:spcPct val="0"/>
-              </a:spcBef>
-              <a:spcAft>
-                <a:spcPct val="0"/>
-              </a:spcAft>
-              <a:buClrTx/>
-              <a:buSzTx/>
-              <a:buFontTx/>
-              <a:buNone/>
-              <a:tabLst/>
-            </a:pPr>
-            <a:r>
-              <a:rPr kumimoji="0" lang="zh-CN" altLang="zh-CN" sz="1200" b="0" i="0" u="none" strike="noStrike" cap="none" normalizeH="0" baseline="0" dirty="0" smtClean="0">
-                <a:ln>
-                  <a:noFill/>
-                </a:ln>
-                <a:solidFill>
-                  <a:srgbClr val="0000FF"/>
-                </a:solidFill>
-                <a:effectLst/>
-                <a:latin typeface="Lucida Console" panose="020B0609040504020204" pitchFamily="49" charset="0"/>
-              </a:rPr>
-              <a:t>&gt; indice3&lt;-seq(1,10,2) </a:t>
-            </a:r>
-            <a:endParaRPr kumimoji="0" lang="en-US" altLang="zh-CN" sz="1200" b="0" i="0" u="none" strike="noStrike" cap="none" normalizeH="0" baseline="0" dirty="0" smtClean="0">
-              <a:ln>
-                <a:noFill/>
-              </a:ln>
-              <a:solidFill>
-                <a:srgbClr val="0000FF"/>
-              </a:solidFill>
-              <a:effectLst/>
-              <a:latin typeface="Lucida Console" panose="020B0609040504020204" pitchFamily="49" charset="0"/>
-            </a:endParaRPr>
-          </a:p>
-          <a:p>
-            <a:pPr marL="0" marR="0" lvl="0" indent="0" algn="l" defTabSz="914400" rtl="0" eaLnBrk="0" fontAlgn="base" latinLnBrk="0" hangingPunct="0">
-              <a:lnSpc>
-                <a:spcPct val="100000"/>
-              </a:lnSpc>
-              <a:spcBef>
-                <a:spcPct val="0"/>
-              </a:spcBef>
-              <a:spcAft>
-                <a:spcPct val="0"/>
-              </a:spcAft>
-              <a:buClrTx/>
-              <a:buSzTx/>
-              <a:buFontTx/>
-              <a:buNone/>
-              <a:tabLst/>
-            </a:pPr>
-            <a:r>
-              <a:rPr kumimoji="0" lang="zh-CN" altLang="zh-CN" sz="1200" b="0" i="0" u="none" strike="noStrike" cap="none" normalizeH="0" baseline="0" dirty="0" smtClean="0">
-                <a:ln>
-                  <a:noFill/>
-                </a:ln>
-                <a:solidFill>
-                  <a:srgbClr val="0000FF"/>
-                </a:solidFill>
-                <a:effectLst/>
-                <a:latin typeface="Lucida Console" panose="020B0609040504020204" pitchFamily="49" charset="0"/>
-              </a:rPr>
-              <a:t>&gt; indice3 </a:t>
-            </a:r>
-            <a:endParaRPr kumimoji="0" lang="en-US" altLang="zh-CN" sz="1200" b="0" i="0" u="none" strike="noStrike" cap="none" normalizeH="0" baseline="0" dirty="0" smtClean="0">
-              <a:ln>
-                <a:noFill/>
-              </a:ln>
-              <a:solidFill>
-                <a:srgbClr val="0000FF"/>
-              </a:solidFill>
-              <a:effectLst/>
-              <a:latin typeface="Lucida Console" panose="020B0609040504020204" pitchFamily="49" charset="0"/>
-            </a:endParaRPr>
-          </a:p>
-          <a:p>
-            <a:pPr marL="0" marR="0" lvl="0" indent="0" algn="l" defTabSz="914400" rtl="0" eaLnBrk="0" fontAlgn="base" latinLnBrk="0" hangingPunct="0">
-              <a:lnSpc>
-                <a:spcPct val="100000"/>
-              </a:lnSpc>
-              <a:spcBef>
-                <a:spcPct val="0"/>
-              </a:spcBef>
-              <a:spcAft>
-                <a:spcPct val="0"/>
-              </a:spcAft>
-              <a:buClrTx/>
-              <a:buSzTx/>
-              <a:buFontTx/>
-              <a:buNone/>
-              <a:tabLst/>
-            </a:pPr>
-            <a:r>
-              <a:rPr kumimoji="0" lang="zh-CN" altLang="zh-CN" sz="1200" b="0" i="0" u="none" strike="noStrike" cap="none" normalizeH="0" baseline="0" dirty="0" smtClean="0">
-                <a:ln>
-                  <a:noFill/>
-                </a:ln>
-                <a:solidFill>
-                  <a:srgbClr val="000000"/>
-                </a:solidFill>
-                <a:effectLst/>
-                <a:latin typeface="Lucida Console" panose="020B0609040504020204" pitchFamily="49" charset="0"/>
-              </a:rPr>
-              <a:t>[1] 1 3 5 7 9 </a:t>
-            </a:r>
-            <a:endParaRPr kumimoji="0" lang="en-US" altLang="zh-CN" sz="1200" b="0" i="0" u="none" strike="noStrike" cap="none" normalizeH="0" baseline="0" dirty="0" smtClean="0">
-              <a:ln>
-                <a:noFill/>
-              </a:ln>
-              <a:solidFill>
-                <a:srgbClr val="000000"/>
-              </a:solidFill>
-              <a:effectLst/>
-              <a:latin typeface="Lucida Console" panose="020B0609040504020204" pitchFamily="49" charset="0"/>
-            </a:endParaRPr>
-          </a:p>
-          <a:p>
-            <a:pPr marL="0" marR="0" lvl="0" indent="0" algn="l" defTabSz="914400" rtl="0" eaLnBrk="0" fontAlgn="base" latinLnBrk="0" hangingPunct="0">
-              <a:lnSpc>
-                <a:spcPct val="100000"/>
-              </a:lnSpc>
-              <a:spcBef>
-                <a:spcPct val="0"/>
-              </a:spcBef>
-              <a:spcAft>
-                <a:spcPct val="0"/>
-              </a:spcAft>
-              <a:buClrTx/>
-              <a:buSzTx/>
-              <a:buFontTx/>
-              <a:buNone/>
-              <a:tabLst/>
-            </a:pPr>
-            <a:r>
-              <a:rPr kumimoji="0" lang="zh-CN" altLang="zh-CN" sz="1200" b="0" i="0" u="none" strike="noStrike" cap="none" normalizeH="0" baseline="0" dirty="0" smtClean="0">
-                <a:ln>
-                  <a:noFill/>
-                </a:ln>
-                <a:solidFill>
-                  <a:srgbClr val="0000FF"/>
-                </a:solidFill>
-                <a:effectLst/>
-                <a:latin typeface="Lucida Console" panose="020B0609040504020204" pitchFamily="49" charset="0"/>
-              </a:rPr>
-              <a:t>&gt; cars[indice3,] </a:t>
-            </a:r>
-            <a:endParaRPr kumimoji="0" lang="en-US" altLang="zh-CN" sz="1200" b="0" i="0" u="none" strike="noStrike" cap="none" normalizeH="0" baseline="0" dirty="0" smtClean="0">
-              <a:ln>
-                <a:noFill/>
-              </a:ln>
-              <a:solidFill>
-                <a:srgbClr val="0000FF"/>
-              </a:solidFill>
-              <a:effectLst/>
-              <a:latin typeface="Lucida Console" panose="020B0609040504020204" pitchFamily="49" charset="0"/>
-            </a:endParaRPr>
-          </a:p>
-          <a:p>
-            <a:pPr marL="0" marR="0" lvl="0" indent="0" algn="l" defTabSz="914400" rtl="0" eaLnBrk="0" fontAlgn="base" latinLnBrk="0" hangingPunct="0">
-              <a:lnSpc>
-                <a:spcPct val="100000"/>
-              </a:lnSpc>
-              <a:spcBef>
-                <a:spcPct val="0"/>
-              </a:spcBef>
-              <a:spcAft>
-                <a:spcPct val="0"/>
-              </a:spcAft>
-              <a:buClrTx/>
-              <a:buSzTx/>
-              <a:buFontTx/>
-              <a:buNone/>
-              <a:tabLst/>
-            </a:pPr>
-            <a:r>
-              <a:rPr kumimoji="0" lang="en-US" altLang="zh-CN" sz="1200" b="0" i="0" u="none" strike="noStrike" cap="none" normalizeH="0" baseline="0" dirty="0" smtClean="0">
-                <a:ln>
-                  <a:noFill/>
-                </a:ln>
-                <a:solidFill>
-                  <a:srgbClr val="000000"/>
-                </a:solidFill>
-                <a:effectLst/>
-                <a:latin typeface="Lucida Console" panose="020B0609040504020204" pitchFamily="49" charset="0"/>
-              </a:rPr>
-              <a:t>  </a:t>
-            </a:r>
-            <a:r>
-              <a:rPr kumimoji="0" lang="zh-CN" altLang="zh-CN" sz="1200" b="0" i="0" u="none" strike="noStrike" cap="none" normalizeH="0" baseline="0" dirty="0" smtClean="0">
-                <a:ln>
-                  <a:noFill/>
-                </a:ln>
-                <a:solidFill>
-                  <a:srgbClr val="000000"/>
-                </a:solidFill>
-                <a:effectLst/>
-                <a:latin typeface="Lucida Console" panose="020B0609040504020204" pitchFamily="49" charset="0"/>
-              </a:rPr>
-              <a:t>speed dist </a:t>
-            </a:r>
-            <a:endParaRPr kumimoji="0" lang="en-US" altLang="zh-CN" sz="1200" b="0" i="0" u="none" strike="noStrike" cap="none" normalizeH="0" baseline="0" dirty="0" smtClean="0">
-              <a:ln>
-                <a:noFill/>
-              </a:ln>
-              <a:solidFill>
-                <a:srgbClr val="000000"/>
-              </a:solidFill>
-              <a:effectLst/>
-              <a:latin typeface="Lucida Console" panose="020B0609040504020204" pitchFamily="49" charset="0"/>
-            </a:endParaRPr>
-          </a:p>
-          <a:p>
-            <a:pPr marL="0" marR="0" lvl="0" indent="0" algn="l" defTabSz="914400" rtl="0" eaLnBrk="0" fontAlgn="base" latinLnBrk="0" hangingPunct="0">
-              <a:lnSpc>
-                <a:spcPct val="100000"/>
-              </a:lnSpc>
-              <a:spcBef>
-                <a:spcPct val="0"/>
-              </a:spcBef>
-              <a:spcAft>
-                <a:spcPct val="0"/>
-              </a:spcAft>
-              <a:buClrTx/>
-              <a:buSzTx/>
-              <a:buFontTx/>
-              <a:buNone/>
-              <a:tabLst/>
-            </a:pPr>
-            <a:r>
-              <a:rPr kumimoji="0" lang="zh-CN" altLang="zh-CN" sz="1200" b="0" i="0" u="none" strike="noStrike" cap="none" normalizeH="0" baseline="0" dirty="0" smtClean="0">
-                <a:ln>
-                  <a:noFill/>
-                </a:ln>
-                <a:solidFill>
-                  <a:srgbClr val="000000"/>
-                </a:solidFill>
-                <a:effectLst/>
-                <a:latin typeface="Lucida Console" panose="020B0609040504020204" pitchFamily="49" charset="0"/>
-              </a:rPr>
-              <a:t>1 </a:t>
-            </a:r>
-            <a:r>
-              <a:rPr kumimoji="0" lang="en-US" altLang="zh-CN" sz="1200" b="0" i="0" u="none" strike="noStrike" cap="none" normalizeH="0" baseline="0" dirty="0" smtClean="0">
-                <a:ln>
-                  <a:noFill/>
-                </a:ln>
-                <a:solidFill>
-                  <a:srgbClr val="000000"/>
-                </a:solidFill>
-                <a:effectLst/>
-                <a:latin typeface="Lucida Console" panose="020B0609040504020204" pitchFamily="49" charset="0"/>
-              </a:rPr>
-              <a:t>    </a:t>
-            </a:r>
-            <a:r>
-              <a:rPr kumimoji="0" lang="zh-CN" altLang="zh-CN" sz="1200" b="0" i="0" u="none" strike="noStrike" cap="none" normalizeH="0" baseline="0" dirty="0" smtClean="0">
-                <a:ln>
-                  <a:noFill/>
-                </a:ln>
-                <a:solidFill>
-                  <a:srgbClr val="000000"/>
-                </a:solidFill>
-                <a:effectLst/>
-                <a:latin typeface="Lucida Console" panose="020B0609040504020204" pitchFamily="49" charset="0"/>
-              </a:rPr>
-              <a:t>4 </a:t>
-            </a:r>
-            <a:r>
-              <a:rPr kumimoji="0" lang="en-US" altLang="zh-CN" sz="1200" b="0" i="0" u="none" strike="noStrike" cap="none" normalizeH="0" baseline="0" dirty="0" smtClean="0">
-                <a:ln>
-                  <a:noFill/>
-                </a:ln>
-                <a:solidFill>
-                  <a:srgbClr val="000000"/>
-                </a:solidFill>
-                <a:effectLst/>
-                <a:latin typeface="Lucida Console" panose="020B0609040504020204" pitchFamily="49" charset="0"/>
-              </a:rPr>
-              <a:t>   </a:t>
-            </a:r>
-            <a:r>
-              <a:rPr kumimoji="0" lang="zh-CN" altLang="zh-CN" sz="1200" b="0" i="0" u="none" strike="noStrike" cap="none" normalizeH="0" baseline="0" dirty="0" smtClean="0">
-                <a:ln>
-                  <a:noFill/>
-                </a:ln>
-                <a:solidFill>
-                  <a:srgbClr val="000000"/>
-                </a:solidFill>
-                <a:effectLst/>
-                <a:latin typeface="Lucida Console" panose="020B0609040504020204" pitchFamily="49" charset="0"/>
-              </a:rPr>
-              <a:t>2 </a:t>
-            </a:r>
-            <a:endParaRPr kumimoji="0" lang="en-US" altLang="zh-CN" sz="1200" b="0" i="0" u="none" strike="noStrike" cap="none" normalizeH="0" baseline="0" dirty="0" smtClean="0">
-              <a:ln>
-                <a:noFill/>
-              </a:ln>
-              <a:solidFill>
-                <a:srgbClr val="000000"/>
-              </a:solidFill>
-              <a:effectLst/>
-              <a:latin typeface="Lucida Console" panose="020B0609040504020204" pitchFamily="49" charset="0"/>
-            </a:endParaRPr>
-          </a:p>
-          <a:p>
-            <a:pPr marL="0" marR="0" lvl="0" indent="0" algn="l" defTabSz="914400" rtl="0" eaLnBrk="0" fontAlgn="base" latinLnBrk="0" hangingPunct="0">
-              <a:lnSpc>
-                <a:spcPct val="100000"/>
-              </a:lnSpc>
-              <a:spcBef>
-                <a:spcPct val="0"/>
-              </a:spcBef>
-              <a:spcAft>
-                <a:spcPct val="0"/>
-              </a:spcAft>
-              <a:buClrTx/>
-              <a:buSzTx/>
-              <a:buFontTx/>
-              <a:buNone/>
-              <a:tabLst/>
-            </a:pPr>
-            <a:r>
-              <a:rPr kumimoji="0" lang="zh-CN" altLang="zh-CN" sz="1200" b="0" i="0" u="none" strike="noStrike" cap="none" normalizeH="0" baseline="0" dirty="0" smtClean="0">
-                <a:ln>
-                  <a:noFill/>
-                </a:ln>
-                <a:solidFill>
-                  <a:srgbClr val="000000"/>
-                </a:solidFill>
-                <a:effectLst/>
-                <a:latin typeface="Lucida Console" panose="020B0609040504020204" pitchFamily="49" charset="0"/>
-              </a:rPr>
-              <a:t>3 </a:t>
-            </a:r>
-            <a:r>
-              <a:rPr kumimoji="0" lang="en-US" altLang="zh-CN" sz="1200" b="0" i="0" u="none" strike="noStrike" cap="none" normalizeH="0" baseline="0" dirty="0" smtClean="0">
-                <a:ln>
-                  <a:noFill/>
-                </a:ln>
-                <a:solidFill>
-                  <a:srgbClr val="000000"/>
-                </a:solidFill>
-                <a:effectLst/>
-                <a:latin typeface="Lucida Console" panose="020B0609040504020204" pitchFamily="49" charset="0"/>
-              </a:rPr>
-              <a:t>    </a:t>
-            </a:r>
-            <a:r>
-              <a:rPr kumimoji="0" lang="zh-CN" altLang="zh-CN" sz="1200" b="0" i="0" u="none" strike="noStrike" cap="none" normalizeH="0" baseline="0" dirty="0" smtClean="0">
-                <a:ln>
-                  <a:noFill/>
-                </a:ln>
-                <a:solidFill>
-                  <a:srgbClr val="000000"/>
-                </a:solidFill>
-                <a:effectLst/>
-                <a:latin typeface="Lucida Console" panose="020B0609040504020204" pitchFamily="49" charset="0"/>
-              </a:rPr>
-              <a:t>7</a:t>
-            </a:r>
-            <a:r>
-              <a:rPr kumimoji="0" lang="en-US" altLang="zh-CN" sz="1200" b="0" i="0" u="none" strike="noStrike" cap="none" normalizeH="0" baseline="0" dirty="0" smtClean="0">
-                <a:ln>
-                  <a:noFill/>
-                </a:ln>
-                <a:solidFill>
-                  <a:srgbClr val="000000"/>
-                </a:solidFill>
-                <a:effectLst/>
-                <a:latin typeface="Lucida Console" panose="020B0609040504020204" pitchFamily="49" charset="0"/>
-              </a:rPr>
-              <a:t>   </a:t>
-            </a:r>
-            <a:r>
-              <a:rPr kumimoji="0" lang="zh-CN" altLang="zh-CN" sz="1200" b="0" i="0" u="none" strike="noStrike" cap="none" normalizeH="0" baseline="0" dirty="0" smtClean="0">
-                <a:ln>
-                  <a:noFill/>
-                </a:ln>
-                <a:solidFill>
-                  <a:srgbClr val="000000"/>
-                </a:solidFill>
-                <a:effectLst/>
-                <a:latin typeface="Lucida Console" panose="020B0609040504020204" pitchFamily="49" charset="0"/>
-              </a:rPr>
-              <a:t> 4 </a:t>
-            </a:r>
-            <a:endParaRPr kumimoji="0" lang="en-US" altLang="zh-CN" sz="1200" b="0" i="0" u="none" strike="noStrike" cap="none" normalizeH="0" baseline="0" dirty="0" smtClean="0">
-              <a:ln>
-                <a:noFill/>
-              </a:ln>
-              <a:solidFill>
-                <a:srgbClr val="000000"/>
-              </a:solidFill>
-              <a:effectLst/>
-              <a:latin typeface="Lucida Console" panose="020B0609040504020204" pitchFamily="49" charset="0"/>
-            </a:endParaRPr>
-          </a:p>
-          <a:p>
-            <a:pPr marL="0" marR="0" lvl="0" indent="0" algn="l" defTabSz="914400" rtl="0" eaLnBrk="0" fontAlgn="base" latinLnBrk="0" hangingPunct="0">
-              <a:lnSpc>
-                <a:spcPct val="100000"/>
-              </a:lnSpc>
-              <a:spcBef>
-                <a:spcPct val="0"/>
-              </a:spcBef>
-              <a:spcAft>
-                <a:spcPct val="0"/>
-              </a:spcAft>
-              <a:buClrTx/>
-              <a:buSzTx/>
-              <a:buFontTx/>
-              <a:buNone/>
-              <a:tabLst/>
-            </a:pPr>
-            <a:r>
-              <a:rPr kumimoji="0" lang="zh-CN" altLang="zh-CN" sz="1200" b="0" i="0" u="none" strike="noStrike" cap="none" normalizeH="0" baseline="0" dirty="0" smtClean="0">
-                <a:ln>
-                  <a:noFill/>
-                </a:ln>
-                <a:solidFill>
-                  <a:srgbClr val="000000"/>
-                </a:solidFill>
-                <a:effectLst/>
-                <a:latin typeface="Lucida Console" panose="020B0609040504020204" pitchFamily="49" charset="0"/>
-              </a:rPr>
-              <a:t>5 </a:t>
-            </a:r>
-            <a:r>
-              <a:rPr kumimoji="0" lang="en-US" altLang="zh-CN" sz="1200" b="0" i="0" u="none" strike="noStrike" cap="none" normalizeH="0" baseline="0" dirty="0" smtClean="0">
-                <a:ln>
-                  <a:noFill/>
-                </a:ln>
-                <a:solidFill>
-                  <a:srgbClr val="000000"/>
-                </a:solidFill>
-                <a:effectLst/>
-                <a:latin typeface="Lucida Console" panose="020B0609040504020204" pitchFamily="49" charset="0"/>
-              </a:rPr>
-              <a:t>    </a:t>
-            </a:r>
-            <a:r>
-              <a:rPr kumimoji="0" lang="zh-CN" altLang="zh-CN" sz="1200" b="0" i="0" u="none" strike="noStrike" cap="none" normalizeH="0" baseline="0" dirty="0" smtClean="0">
-                <a:ln>
-                  <a:noFill/>
-                </a:ln>
-                <a:solidFill>
-                  <a:srgbClr val="000000"/>
-                </a:solidFill>
-                <a:effectLst/>
-                <a:latin typeface="Lucida Console" panose="020B0609040504020204" pitchFamily="49" charset="0"/>
-              </a:rPr>
-              <a:t>8</a:t>
-            </a:r>
-            <a:r>
-              <a:rPr kumimoji="0" lang="en-US" altLang="zh-CN" sz="1200" b="0" i="0" u="none" strike="noStrike" cap="none" normalizeH="0" baseline="0" dirty="0" smtClean="0">
-                <a:ln>
-                  <a:noFill/>
-                </a:ln>
-                <a:solidFill>
-                  <a:srgbClr val="000000"/>
-                </a:solidFill>
-                <a:effectLst/>
-                <a:latin typeface="Lucida Console" panose="020B0609040504020204" pitchFamily="49" charset="0"/>
-              </a:rPr>
-              <a:t>  </a:t>
-            </a:r>
-            <a:r>
-              <a:rPr kumimoji="0" lang="zh-CN" altLang="zh-CN" sz="1200" b="0" i="0" u="none" strike="noStrike" cap="none" normalizeH="0" baseline="0" dirty="0" smtClean="0">
-                <a:ln>
-                  <a:noFill/>
-                </a:ln>
-                <a:solidFill>
-                  <a:srgbClr val="000000"/>
-                </a:solidFill>
-                <a:effectLst/>
-                <a:latin typeface="Lucida Console" panose="020B0609040504020204" pitchFamily="49" charset="0"/>
-              </a:rPr>
-              <a:t> 16 </a:t>
-            </a:r>
-            <a:endParaRPr kumimoji="0" lang="en-US" altLang="zh-CN" sz="1200" b="0" i="0" u="none" strike="noStrike" cap="none" normalizeH="0" baseline="0" dirty="0" smtClean="0">
-              <a:ln>
-                <a:noFill/>
-              </a:ln>
-              <a:solidFill>
-                <a:srgbClr val="000000"/>
-              </a:solidFill>
-              <a:effectLst/>
-              <a:latin typeface="Lucida Console" panose="020B0609040504020204" pitchFamily="49" charset="0"/>
-            </a:endParaRPr>
-          </a:p>
-          <a:p>
-            <a:pPr marL="0" marR="0" lvl="0" indent="0" algn="l" defTabSz="914400" rtl="0" eaLnBrk="0" fontAlgn="base" latinLnBrk="0" hangingPunct="0">
-              <a:lnSpc>
-                <a:spcPct val="100000"/>
-              </a:lnSpc>
-              <a:spcBef>
-                <a:spcPct val="0"/>
-              </a:spcBef>
-              <a:spcAft>
-                <a:spcPct val="0"/>
-              </a:spcAft>
-              <a:buClrTx/>
-              <a:buSzTx/>
-              <a:buFontTx/>
-              <a:buNone/>
-              <a:tabLst/>
-            </a:pPr>
-            <a:r>
-              <a:rPr kumimoji="0" lang="zh-CN" altLang="zh-CN" sz="1200" b="0" i="0" u="none" strike="noStrike" cap="none" normalizeH="0" baseline="0" dirty="0" smtClean="0">
-                <a:ln>
-                  <a:noFill/>
-                </a:ln>
-                <a:solidFill>
-                  <a:srgbClr val="000000"/>
-                </a:solidFill>
-                <a:effectLst/>
-                <a:latin typeface="Lucida Console" panose="020B0609040504020204" pitchFamily="49" charset="0"/>
-              </a:rPr>
-              <a:t>7 </a:t>
-            </a:r>
-            <a:r>
-              <a:rPr kumimoji="0" lang="en-US" altLang="zh-CN" sz="1200" b="0" i="0" u="none" strike="noStrike" cap="none" normalizeH="0" baseline="0" dirty="0" smtClean="0">
-                <a:ln>
-                  <a:noFill/>
-                </a:ln>
-                <a:solidFill>
-                  <a:srgbClr val="000000"/>
-                </a:solidFill>
-                <a:effectLst/>
-                <a:latin typeface="Lucida Console" panose="020B0609040504020204" pitchFamily="49" charset="0"/>
-              </a:rPr>
-              <a:t>   </a:t>
-            </a:r>
-            <a:r>
-              <a:rPr kumimoji="0" lang="zh-CN" altLang="zh-CN" sz="1200" b="0" i="0" u="none" strike="noStrike" cap="none" normalizeH="0" baseline="0" dirty="0" smtClean="0">
-                <a:ln>
-                  <a:noFill/>
-                </a:ln>
-                <a:solidFill>
-                  <a:srgbClr val="000000"/>
-                </a:solidFill>
-                <a:effectLst/>
-                <a:latin typeface="Lucida Console" panose="020B0609040504020204" pitchFamily="49" charset="0"/>
-              </a:rPr>
-              <a:t>10</a:t>
-            </a:r>
-            <a:r>
-              <a:rPr kumimoji="0" lang="en-US" altLang="zh-CN" sz="1200" b="0" i="0" u="none" strike="noStrike" cap="none" normalizeH="0" baseline="0" dirty="0" smtClean="0">
-                <a:ln>
-                  <a:noFill/>
-                </a:ln>
-                <a:solidFill>
-                  <a:srgbClr val="000000"/>
-                </a:solidFill>
-                <a:effectLst/>
-                <a:latin typeface="Lucida Console" panose="020B0609040504020204" pitchFamily="49" charset="0"/>
-              </a:rPr>
-              <a:t>  </a:t>
-            </a:r>
-            <a:r>
-              <a:rPr kumimoji="0" lang="zh-CN" altLang="zh-CN" sz="1200" b="0" i="0" u="none" strike="noStrike" cap="none" normalizeH="0" baseline="0" dirty="0" smtClean="0">
-                <a:ln>
-                  <a:noFill/>
-                </a:ln>
-                <a:solidFill>
-                  <a:srgbClr val="000000"/>
-                </a:solidFill>
-                <a:effectLst/>
-                <a:latin typeface="Lucida Console" panose="020B0609040504020204" pitchFamily="49" charset="0"/>
-              </a:rPr>
-              <a:t> 18 </a:t>
-            </a:r>
-            <a:endParaRPr kumimoji="0" lang="en-US" altLang="zh-CN" sz="1200" b="0" i="0" u="none" strike="noStrike" cap="none" normalizeH="0" baseline="0" dirty="0" smtClean="0">
-              <a:ln>
-                <a:noFill/>
-              </a:ln>
-              <a:solidFill>
-                <a:srgbClr val="000000"/>
-              </a:solidFill>
-              <a:effectLst/>
-              <a:latin typeface="Lucida Console" panose="020B0609040504020204" pitchFamily="49" charset="0"/>
-            </a:endParaRPr>
-          </a:p>
-          <a:p>
-            <a:pPr marL="0" marR="0" lvl="0" indent="0" algn="l" defTabSz="914400" rtl="0" eaLnBrk="0" fontAlgn="base" latinLnBrk="0" hangingPunct="0">
-              <a:lnSpc>
-                <a:spcPct val="100000"/>
-              </a:lnSpc>
-              <a:spcBef>
-                <a:spcPct val="0"/>
-              </a:spcBef>
-              <a:spcAft>
-                <a:spcPct val="0"/>
-              </a:spcAft>
-              <a:buClrTx/>
-              <a:buSzTx/>
-              <a:buFontTx/>
-              <a:buNone/>
-              <a:tabLst/>
-            </a:pPr>
-            <a:r>
-              <a:rPr kumimoji="0" lang="zh-CN" altLang="zh-CN" sz="1200" b="0" i="0" u="none" strike="noStrike" cap="none" normalizeH="0" baseline="0" dirty="0" smtClean="0">
-                <a:ln>
-                  <a:noFill/>
-                </a:ln>
-                <a:solidFill>
-                  <a:srgbClr val="000000"/>
-                </a:solidFill>
-                <a:effectLst/>
-                <a:latin typeface="Lucida Console" panose="020B0609040504020204" pitchFamily="49" charset="0"/>
-              </a:rPr>
-              <a:t>9 </a:t>
-            </a:r>
-            <a:r>
-              <a:rPr kumimoji="0" lang="en-US" altLang="zh-CN" sz="1200" b="0" i="0" u="none" strike="noStrike" cap="none" normalizeH="0" baseline="0" dirty="0" smtClean="0">
-                <a:ln>
-                  <a:noFill/>
-                </a:ln>
-                <a:solidFill>
-                  <a:srgbClr val="000000"/>
-                </a:solidFill>
-                <a:effectLst/>
-                <a:latin typeface="Lucida Console" panose="020B0609040504020204" pitchFamily="49" charset="0"/>
-              </a:rPr>
-              <a:t>   </a:t>
-            </a:r>
-            <a:r>
-              <a:rPr kumimoji="0" lang="zh-CN" altLang="zh-CN" sz="1200" b="0" i="0" u="none" strike="noStrike" cap="none" normalizeH="0" baseline="0" dirty="0" smtClean="0">
-                <a:ln>
-                  <a:noFill/>
-                </a:ln>
-                <a:solidFill>
-                  <a:srgbClr val="000000"/>
-                </a:solidFill>
-                <a:effectLst/>
-                <a:latin typeface="Lucida Console" panose="020B0609040504020204" pitchFamily="49" charset="0"/>
-              </a:rPr>
-              <a:t>10</a:t>
-            </a:r>
-            <a:r>
-              <a:rPr kumimoji="0" lang="en-US" altLang="zh-CN" sz="1200" b="0" i="0" u="none" strike="noStrike" cap="none" normalizeH="0" baseline="0" dirty="0" smtClean="0">
-                <a:ln>
-                  <a:noFill/>
-                </a:ln>
-                <a:solidFill>
-                  <a:srgbClr val="000000"/>
-                </a:solidFill>
-                <a:effectLst/>
-                <a:latin typeface="Lucida Console" panose="020B0609040504020204" pitchFamily="49" charset="0"/>
-              </a:rPr>
-              <a:t>  </a:t>
-            </a:r>
-            <a:r>
-              <a:rPr kumimoji="0" lang="zh-CN" altLang="zh-CN" sz="1200" b="0" i="0" u="none" strike="noStrike" cap="none" normalizeH="0" baseline="0" dirty="0" smtClean="0">
-                <a:ln>
-                  <a:noFill/>
-                </a:ln>
-                <a:solidFill>
-                  <a:srgbClr val="000000"/>
-                </a:solidFill>
-                <a:effectLst/>
-                <a:latin typeface="Lucida Console" panose="020B0609040504020204" pitchFamily="49" charset="0"/>
-              </a:rPr>
-              <a:t> 34</a:t>
-            </a:r>
-            <a:endParaRPr kumimoji="0" lang="zh-CN" altLang="zh-CN" sz="2800" b="0" i="0" u="none" strike="noStrike" cap="none" normalizeH="0" baseline="0" dirty="0" smtClean="0">
-              <a:ln>
-                <a:noFill/>
-              </a:ln>
-              <a:solidFill>
-                <a:schemeClr val="tx1"/>
-              </a:solidFill>
-              <a:effectLst/>
-              <a:latin typeface="Arial" panose="020B0604020202020204" pitchFamily="34" charset="0"/>
-            </a:endParaRPr>
-          </a:p>
-        </p:txBody>
-      </p:sp>
-      <p:sp>
-        <p:nvSpPr>
-          <p:cNvPr id="8" name="右箭头 7"/>
-          <p:cNvSpPr/>
-          <p:nvPr/>
-        </p:nvSpPr>
-        <p:spPr>
-          <a:xfrm>
-            <a:off x="3325016" y="3204594"/>
-            <a:ext cx="844056" cy="668214"/>
-          </a:xfrm>
-          <a:prstGeom prst="rightArrow">
-            <a:avLst/>
-          </a:prstGeom>
-        </p:spPr>
-        <p:style>
-          <a:lnRef idx="2">
-            <a:schemeClr val="dk1"/>
-          </a:lnRef>
-          <a:fillRef idx="1">
-            <a:schemeClr val="lt1"/>
-          </a:fillRef>
-          <a:effectRef idx="0">
-            <a:schemeClr val="dk1"/>
-          </a:effectRef>
-          <a:fontRef idx="minor">
-            <a:schemeClr val="dk1"/>
-          </a:fontRef>
-        </p:style>
-        <p:txBody>
-          <a:bodyPr rtlCol="0" anchor="ctr"/>
-          <a:lstStyle/>
-          <a:p>
-            <a:pPr algn="ctr"/>
-            <a:endParaRPr lang="zh-CN" altLang="en-US"/>
-          </a:p>
-        </p:txBody>
-      </p:sp>
-      <p:sp>
-        <p:nvSpPr>
-          <p:cNvPr id="9" name="右箭头 8"/>
-          <p:cNvSpPr/>
-          <p:nvPr/>
-        </p:nvSpPr>
-        <p:spPr>
-          <a:xfrm>
-            <a:off x="6936887" y="3200053"/>
-            <a:ext cx="844056" cy="668214"/>
-          </a:xfrm>
-          <a:prstGeom prst="rightArrow">
-            <a:avLst/>
-          </a:prstGeom>
-        </p:spPr>
-        <p:style>
-          <a:lnRef idx="2">
-            <a:schemeClr val="dk1"/>
-          </a:lnRef>
-          <a:fillRef idx="1">
-            <a:schemeClr val="lt1"/>
-          </a:fillRef>
-          <a:effectRef idx="0">
-            <a:schemeClr val="dk1"/>
-          </a:effectRef>
-          <a:fontRef idx="minor">
-            <a:schemeClr val="dk1"/>
-          </a:fontRef>
-        </p:style>
-        <p:txBody>
-          <a:bodyPr rtlCol="0" anchor="ctr"/>
-          <a:lstStyle/>
-          <a:p>
-            <a:pPr algn="ctr"/>
-            <a:endParaRPr lang="zh-CN" altLang="en-US"/>
-          </a:p>
-        </p:txBody>
-      </p:sp>
-      <p:sp>
-        <p:nvSpPr>
-          <p:cNvPr id="10" name="矩形 9"/>
-          <p:cNvSpPr/>
-          <p:nvPr/>
-        </p:nvSpPr>
-        <p:spPr>
-          <a:xfrm>
-            <a:off x="1154083" y="4694563"/>
-            <a:ext cx="7899003" cy="369332"/>
-          </a:xfrm>
-          <a:prstGeom prst="rect">
-            <a:avLst/>
-          </a:prstGeom>
-        </p:spPr>
-        <p:txBody>
-          <a:bodyPr wrap="square">
-            <a:spAutoFit/>
-          </a:bodyPr>
-          <a:lstStyle/>
-          <a:p>
-            <a:r>
-              <a:rPr lang="zh-CN" altLang="en-US" dirty="0"/>
-              <a:t>能够返回位置的函数并不多但却非常实用，已经学过的有</a:t>
-            </a:r>
-            <a:r>
-              <a:rPr lang="en-US" altLang="zh-CN" dirty="0" smtClean="0"/>
-              <a:t>order()</a:t>
-            </a:r>
-            <a:r>
-              <a:rPr lang="zh-CN" altLang="en-US" dirty="0" smtClean="0"/>
-              <a:t>，</a:t>
-            </a:r>
-            <a:r>
-              <a:rPr lang="en-US" altLang="zh-CN" dirty="0" smtClean="0"/>
-              <a:t>which()</a:t>
-            </a:r>
-            <a:r>
-              <a:rPr lang="zh-CN" altLang="en-US" dirty="0" smtClean="0"/>
-              <a:t>。</a:t>
-            </a:r>
-            <a:endParaRPr lang="zh-CN" altLang="en-US" dirty="0"/>
-          </a:p>
-        </p:txBody>
-      </p:sp>
     </p:spTree>
     <p:extLst>
       <p:ext uri="{BB962C8B-B14F-4D97-AF65-F5344CB8AC3E}">
-        <p14:creationId xmlns:p14="http://schemas.microsoft.com/office/powerpoint/2010/main" val="1233053108"/>
+        <p14:creationId xmlns:p14="http://schemas.microsoft.com/office/powerpoint/2010/main" val="883936031"/>
       </p:ext>
     </p:extLst>
   </p:cSld>

--- a/实验3-探索性分析.pptx
+++ b/实验3-探索性分析.pptx
@@ -369,7 +369,7 @@
           <a:p>
             <a:fld id="{22B5609F-EBEC-463B-AA32-A5BE38243DB0}" type="datetimeFigureOut">
               <a:rPr lang="zh-CN" altLang="en-US" smtClean="0"/>
-              <a:t>2017/10/8</a:t>
+              <a:t>2017/10/12</a:t>
             </a:fld>
             <a:endParaRPr lang="zh-CN" altLang="en-US"/>
           </a:p>
@@ -577,7 +577,7 @@
           <a:p>
             <a:fld id="{22B5609F-EBEC-463B-AA32-A5BE38243DB0}" type="datetimeFigureOut">
               <a:rPr lang="zh-CN" altLang="en-US" smtClean="0"/>
-              <a:t>2017/10/8</a:t>
+              <a:t>2017/10/12</a:t>
             </a:fld>
             <a:endParaRPr lang="zh-CN" altLang="en-US"/>
           </a:p>
@@ -833,7 +833,7 @@
           <a:p>
             <a:fld id="{22B5609F-EBEC-463B-AA32-A5BE38243DB0}" type="datetimeFigureOut">
               <a:rPr lang="zh-CN" altLang="en-US" smtClean="0"/>
-              <a:t>2017/10/8</a:t>
+              <a:t>2017/10/12</a:t>
             </a:fld>
             <a:endParaRPr lang="zh-CN" altLang="en-US"/>
           </a:p>
@@ -1044,7 +1044,7 @@
           <a:p>
             <a:fld id="{22B5609F-EBEC-463B-AA32-A5BE38243DB0}" type="datetimeFigureOut">
               <a:rPr lang="zh-CN" altLang="en-US" smtClean="0"/>
-              <a:t>2017/10/8</a:t>
+              <a:t>2017/10/12</a:t>
             </a:fld>
             <a:endParaRPr lang="zh-CN" altLang="en-US"/>
           </a:p>
@@ -1386,7 +1386,7 @@
           <a:p>
             <a:fld id="{22B5609F-EBEC-463B-AA32-A5BE38243DB0}" type="datetimeFigureOut">
               <a:rPr lang="zh-CN" altLang="en-US" smtClean="0"/>
-              <a:t>2017/10/8</a:t>
+              <a:t>2017/10/12</a:t>
             </a:fld>
             <a:endParaRPr lang="zh-CN" altLang="en-US"/>
           </a:p>
@@ -1661,7 +1661,7 @@
           <a:p>
             <a:fld id="{22B5609F-EBEC-463B-AA32-A5BE38243DB0}" type="datetimeFigureOut">
               <a:rPr lang="zh-CN" altLang="en-US" smtClean="0"/>
-              <a:t>2017/10/8</a:t>
+              <a:t>2017/10/12</a:t>
             </a:fld>
             <a:endParaRPr lang="zh-CN" altLang="en-US"/>
           </a:p>
@@ -2040,7 +2040,7 @@
           <a:p>
             <a:fld id="{22B5609F-EBEC-463B-AA32-A5BE38243DB0}" type="datetimeFigureOut">
               <a:rPr lang="zh-CN" altLang="en-US" smtClean="0"/>
-              <a:t>2017/10/8</a:t>
+              <a:t>2017/10/12</a:t>
             </a:fld>
             <a:endParaRPr lang="zh-CN" altLang="en-US"/>
           </a:p>
@@ -2158,7 +2158,7 @@
           <a:p>
             <a:fld id="{22B5609F-EBEC-463B-AA32-A5BE38243DB0}" type="datetimeFigureOut">
               <a:rPr lang="zh-CN" altLang="en-US" smtClean="0"/>
-              <a:t>2017/10/8</a:t>
+              <a:t>2017/10/12</a:t>
             </a:fld>
             <a:endParaRPr lang="zh-CN" altLang="en-US"/>
           </a:p>
@@ -2344,7 +2344,7 @@
           <a:p>
             <a:fld id="{22B5609F-EBEC-463B-AA32-A5BE38243DB0}" type="datetimeFigureOut">
               <a:rPr lang="zh-CN" altLang="en-US" smtClean="0"/>
-              <a:t>2017/10/8</a:t>
+              <a:t>2017/10/12</a:t>
             </a:fld>
             <a:endParaRPr lang="zh-CN" altLang="en-US"/>
           </a:p>
@@ -2705,7 +2705,7 @@
           <a:p>
             <a:fld id="{22B5609F-EBEC-463B-AA32-A5BE38243DB0}" type="datetimeFigureOut">
               <a:rPr lang="zh-CN" altLang="en-US" smtClean="0"/>
-              <a:t>2017/10/8</a:t>
+              <a:t>2017/10/12</a:t>
             </a:fld>
             <a:endParaRPr lang="zh-CN" altLang="en-US"/>
           </a:p>
@@ -3087,7 +3087,7 @@
           <a:p>
             <a:fld id="{22B5609F-EBEC-463B-AA32-A5BE38243DB0}" type="datetimeFigureOut">
               <a:rPr lang="zh-CN" altLang="en-US" smtClean="0"/>
-              <a:t>2017/10/8</a:t>
+              <a:t>2017/10/12</a:t>
             </a:fld>
             <a:endParaRPr lang="zh-CN" altLang="en-US"/>
           </a:p>
@@ -3374,7 +3374,7 @@
           <a:p>
             <a:fld id="{22B5609F-EBEC-463B-AA32-A5BE38243DB0}" type="datetimeFigureOut">
               <a:rPr lang="zh-CN" altLang="en-US" smtClean="0"/>
-              <a:t>2017/10/8</a:t>
+              <a:t>2017/10/12</a:t>
             </a:fld>
             <a:endParaRPr lang="zh-CN" altLang="en-US"/>
           </a:p>
@@ -5730,7 +5730,7 @@
         <p:spPr bwMode="auto">
           <a:xfrm>
             <a:off x="1045753" y="2366181"/>
-            <a:ext cx="4834657" cy="553998"/>
+            <a:ext cx="4183838" cy="553998"/>
           </a:xfrm>
           <a:prstGeom prst="rect">
             <a:avLst/>
@@ -5841,7 +5841,46 @@
                 <a:effectLst/>
                 <a:latin typeface="Lucida Console" panose="020B0609040504020204" pitchFamily="49" charset="0"/>
               </a:rPr>
-              <a:t>&gt; tes$new&lt;-ifelse(ifelse(mtcars$cyl==6,"yes","no")) </a:t>
+              <a:t>&gt; tes$new</a:t>
+            </a:r>
+            <a:r>
+              <a:rPr kumimoji="0" lang="zh-CN" altLang="zh-CN" sz="1200" b="0" i="0" u="none" strike="noStrike" cap="none" normalizeH="0" baseline="0" dirty="0" smtClean="0">
+                <a:ln>
+                  <a:noFill/>
+                </a:ln>
+                <a:solidFill>
+                  <a:srgbClr val="0000FF"/>
+                </a:solidFill>
+                <a:effectLst/>
+                <a:latin typeface="Lucida Console" panose="020B0609040504020204" pitchFamily="49" charset="0"/>
+              </a:rPr>
+              <a:t>&lt;-ifelse</a:t>
+            </a:r>
+            <a:r>
+              <a:rPr kumimoji="0" lang="zh-CN" altLang="zh-CN" sz="1200" b="0" i="0" u="none" strike="noStrike" cap="none" normalizeH="0" baseline="0" dirty="0" smtClean="0">
+                <a:ln>
+                  <a:noFill/>
+                </a:ln>
+                <a:solidFill>
+                  <a:srgbClr val="0000FF"/>
+                </a:solidFill>
+                <a:effectLst/>
+                <a:latin typeface="Lucida Console" panose="020B0609040504020204" pitchFamily="49" charset="0"/>
+              </a:rPr>
+              <a:t>(mtcars$cyl==6,"yes","no</a:t>
+            </a:r>
+            <a:r>
+              <a:rPr kumimoji="0" lang="zh-CN" altLang="zh-CN" sz="1200" b="0" i="0" u="none" strike="noStrike" cap="none" normalizeH="0" baseline="0" dirty="0" smtClean="0">
+                <a:ln>
+                  <a:noFill/>
+                </a:ln>
+                <a:solidFill>
+                  <a:srgbClr val="0000FF"/>
+                </a:solidFill>
+                <a:effectLst/>
+                <a:latin typeface="Lucida Console" panose="020B0609040504020204" pitchFamily="49" charset="0"/>
+              </a:rPr>
+              <a:t>") </a:t>
             </a:r>
             <a:endParaRPr kumimoji="0" lang="en-US" altLang="zh-CN" sz="1200" b="0" i="0" u="none" strike="noStrike" cap="none" normalizeH="0" baseline="0" dirty="0" smtClean="0">
               <a:ln>
@@ -8835,11 +8874,7 @@
             </a:r>
             <a:r>
               <a:rPr lang="en-US" altLang="zh-CN" dirty="0" smtClean="0"/>
-              <a:t>  </a:t>
-            </a:r>
-            <a:r>
-              <a:rPr lang="en-US" altLang="zh-CN" dirty="0" smtClean="0"/>
-              <a:t>#1974</a:t>
+              <a:t>  #1974</a:t>
             </a:r>
             <a:r>
               <a:rPr lang="zh-CN" altLang="en-US" dirty="0" smtClean="0"/>
@@ -11926,11 +11961,7 @@
             </a:r>
             <a:r>
               <a:rPr lang="zh-CN" altLang="en-US" sz="2800" dirty="0" smtClean="0"/>
-              <a:t>设置</a:t>
-            </a:r>
-            <a:r>
-              <a:rPr lang="zh-CN" altLang="en-US" sz="2800" dirty="0" smtClean="0"/>
-              <a:t>坐标轴范围</a:t>
+              <a:t>设置坐标轴范围</a:t>
             </a:r>
             <a:endParaRPr lang="zh-CN" altLang="en-US" sz="2800" dirty="0"/>
           </a:p>
@@ -12359,11 +12390,7 @@
             </a:r>
             <a:r>
               <a:rPr lang="zh-CN" altLang="en-US" sz="3200" dirty="0" smtClean="0"/>
-              <a:t>界面</a:t>
-            </a:r>
-            <a:r>
-              <a:rPr lang="zh-CN" altLang="en-US" sz="3200" dirty="0" smtClean="0"/>
-              <a:t>参数</a:t>
+              <a:t>界面参数</a:t>
             </a:r>
             <a:endParaRPr lang="zh-CN" altLang="en-US" sz="3200" dirty="0"/>
           </a:p>

--- a/实验3-探索性分析.pptx
+++ b/实验3-探索性分析.pptx
@@ -28,15 +28,6 @@
     <p:sldId id="280" r:id="rId22"/>
     <p:sldId id="288" r:id="rId23"/>
     <p:sldId id="279" r:id="rId24"/>
-    <p:sldId id="261" r:id="rId25"/>
-    <p:sldId id="262" r:id="rId26"/>
-    <p:sldId id="263" r:id="rId27"/>
-    <p:sldId id="267" r:id="rId28"/>
-    <p:sldId id="264" r:id="rId29"/>
-    <p:sldId id="265" r:id="rId30"/>
-    <p:sldId id="266" r:id="rId31"/>
-    <p:sldId id="268" r:id="rId32"/>
-    <p:sldId id="269" r:id="rId33"/>
   </p:sldIdLst>
   <p:sldSz cx="12192000" cy="6858000"/>
   <p:notesSz cx="6858000" cy="9144000"/>
@@ -5841,46 +5832,7 @@
                 <a:effectLst/>
                 <a:latin typeface="Lucida Console" panose="020B0609040504020204" pitchFamily="49" charset="0"/>
               </a:rPr>
-              <a:t>&gt; tes$new</a:t>
-            </a:r>
-            <a:r>
-              <a:rPr kumimoji="0" lang="zh-CN" altLang="zh-CN" sz="1200" b="0" i="0" u="none" strike="noStrike" cap="none" normalizeH="0" baseline="0" dirty="0" smtClean="0">
-                <a:ln>
-                  <a:noFill/>
-                </a:ln>
-                <a:solidFill>
-                  <a:srgbClr val="0000FF"/>
-                </a:solidFill>
-                <a:effectLst/>
-                <a:latin typeface="Lucida Console" panose="020B0609040504020204" pitchFamily="49" charset="0"/>
-              </a:rPr>
-              <a:t>&lt;-ifelse</a:t>
-            </a:r>
-            <a:r>
-              <a:rPr kumimoji="0" lang="zh-CN" altLang="zh-CN" sz="1200" b="0" i="0" u="none" strike="noStrike" cap="none" normalizeH="0" baseline="0" dirty="0" smtClean="0">
-                <a:ln>
-                  <a:noFill/>
-                </a:ln>
-                <a:solidFill>
-                  <a:srgbClr val="0000FF"/>
-                </a:solidFill>
-                <a:effectLst/>
-                <a:latin typeface="Lucida Console" panose="020B0609040504020204" pitchFamily="49" charset="0"/>
-              </a:rPr>
-              <a:t>(mtcars$cyl==6,"yes","no</a:t>
-            </a:r>
-            <a:r>
-              <a:rPr kumimoji="0" lang="zh-CN" altLang="zh-CN" sz="1200" b="0" i="0" u="none" strike="noStrike" cap="none" normalizeH="0" baseline="0" dirty="0" smtClean="0">
-                <a:ln>
-                  <a:noFill/>
-                </a:ln>
-                <a:solidFill>
-                  <a:srgbClr val="0000FF"/>
-                </a:solidFill>
-                <a:effectLst/>
-                <a:latin typeface="Lucida Console" panose="020B0609040504020204" pitchFamily="49" charset="0"/>
-              </a:rPr>
-              <a:t>") </a:t>
+              <a:t>&gt; tes$new&lt;-ifelse(mtcars$cyl==6,"yes","no") </a:t>
             </a:r>
             <a:endParaRPr kumimoji="0" lang="en-US" altLang="zh-CN" sz="1200" b="0" i="0" u="none" strike="noStrike" cap="none" normalizeH="0" baseline="0" dirty="0" smtClean="0">
               <a:ln>
@@ -8897,6 +8849,9 @@
               <a:t>个对象</a:t>
             </a:r>
             <a:endParaRPr lang="en-US" altLang="zh-CN" dirty="0"/>
+          </a:p>
+          <a:p>
+            <a:endParaRPr lang="en-US" altLang="zh-CN" dirty="0" smtClean="0"/>
           </a:p>
           <a:p>
             <a:endParaRPr lang="en-US" altLang="zh-CN" dirty="0" smtClean="0"/>
@@ -10715,1528 +10670,6 @@
 </p:sld>
 </file>
 
-<file path=ppt/slides/slide24.xml><?xml version="1.0" encoding="utf-8"?>
-<p:sld xmlns:a="http://schemas.openxmlformats.org/drawingml/2006/main" xmlns:r="http://schemas.openxmlformats.org/officeDocument/2006/relationships" xmlns:p="http://schemas.openxmlformats.org/presentationml/2006/main">
-  <p:cSld>
-    <p:spTree>
-      <p:nvGrpSpPr>
-        <p:cNvPr id="1" name=""/>
-        <p:cNvGrpSpPr/>
-        <p:nvPr/>
-      </p:nvGrpSpPr>
-      <p:grpSpPr>
-        <a:xfrm>
-          <a:off x="0" y="0"/>
-          <a:ext cx="0" cy="0"/>
-          <a:chOff x="0" y="0"/>
-          <a:chExt cx="0" cy="0"/>
-        </a:xfrm>
-      </p:grpSpPr>
-      <p:sp>
-        <p:nvSpPr>
-          <p:cNvPr id="2" name="标题 1"/>
-          <p:cNvSpPr>
-            <a:spLocks noGrp="1"/>
-          </p:cNvSpPr>
-          <p:nvPr>
-            <p:ph type="title"/>
-          </p:nvPr>
-        </p:nvSpPr>
-        <p:spPr/>
-        <p:txBody>
-          <a:bodyPr/>
-          <a:lstStyle/>
-          <a:p>
-            <a:r>
-              <a:rPr lang="zh-CN" altLang="en-US" dirty="0" smtClean="0"/>
-              <a:t>第三次实验机动内容</a:t>
-            </a:r>
-            <a:r>
-              <a:rPr lang="en-US" altLang="zh-CN" dirty="0" smtClean="0"/>
-              <a:t/>
-            </a:r>
-            <a:br>
-              <a:rPr lang="en-US" altLang="zh-CN" dirty="0" smtClean="0"/>
-            </a:br>
-            <a:r>
-              <a:rPr lang="en-US" altLang="zh-CN" dirty="0" smtClean="0"/>
-              <a:t> </a:t>
-            </a:r>
-            <a:r>
-              <a:rPr lang="zh-CN" altLang="en-US" dirty="0" smtClean="0"/>
-              <a:t>数据可视化</a:t>
-            </a:r>
-            <a:r>
-              <a:rPr lang="en-US" altLang="zh-CN" dirty="0" smtClean="0"/>
-              <a:t>-</a:t>
-            </a:r>
-            <a:r>
-              <a:rPr lang="zh-CN" altLang="en-US" dirty="0" smtClean="0"/>
-              <a:t>基础作图</a:t>
-            </a:r>
-            <a:endParaRPr lang="zh-CN" altLang="en-US" dirty="0"/>
-          </a:p>
-        </p:txBody>
-      </p:sp>
-      <p:sp>
-        <p:nvSpPr>
-          <p:cNvPr id="3" name="内容占位符 2"/>
-          <p:cNvSpPr>
-            <a:spLocks noGrp="1"/>
-          </p:cNvSpPr>
-          <p:nvPr>
-            <p:ph idx="1"/>
-          </p:nvPr>
-        </p:nvSpPr>
-        <p:spPr/>
-        <p:txBody>
-          <a:bodyPr/>
-          <a:lstStyle/>
-          <a:p>
-            <a:r>
-              <a:rPr lang="zh-CN" altLang="en-US" dirty="0" smtClean="0"/>
-              <a:t>条形图</a:t>
-            </a:r>
-            <a:endParaRPr lang="en-US" altLang="zh-CN" dirty="0" smtClean="0"/>
-          </a:p>
-          <a:p>
-            <a:r>
-              <a:rPr lang="zh-CN" altLang="en-US" dirty="0"/>
-              <a:t>直方图</a:t>
-            </a:r>
-          </a:p>
-          <a:p>
-            <a:r>
-              <a:rPr lang="zh-CN" altLang="en-US" dirty="0" smtClean="0"/>
-              <a:t>饼图</a:t>
-            </a:r>
-            <a:endParaRPr lang="en-US" altLang="zh-CN" dirty="0" smtClean="0"/>
-          </a:p>
-          <a:p>
-            <a:r>
-              <a:rPr lang="zh-CN" altLang="en-US" dirty="0" smtClean="0"/>
-              <a:t>箱型图</a:t>
-            </a:r>
-            <a:endParaRPr lang="en-US" altLang="zh-CN" dirty="0" smtClean="0"/>
-          </a:p>
-        </p:txBody>
-      </p:sp>
-    </p:spTree>
-    <p:extLst>
-      <p:ext uri="{BB962C8B-B14F-4D97-AF65-F5344CB8AC3E}">
-        <p14:creationId xmlns:p14="http://schemas.microsoft.com/office/powerpoint/2010/main" val="3078605337"/>
-      </p:ext>
-    </p:extLst>
-  </p:cSld>
-  <p:clrMapOvr>
-    <a:masterClrMapping/>
-  </p:clrMapOvr>
-  <p:timing>
-    <p:tnLst>
-      <p:par>
-        <p:cTn id="1" dur="indefinite" restart="never" nodeType="tmRoot"/>
-      </p:par>
-    </p:tnLst>
-  </p:timing>
-</p:sld>
-</file>
-
-<file path=ppt/slides/slide25.xml><?xml version="1.0" encoding="utf-8"?>
-<p:sld xmlns:a="http://schemas.openxmlformats.org/drawingml/2006/main" xmlns:r="http://schemas.openxmlformats.org/officeDocument/2006/relationships" xmlns:p="http://schemas.openxmlformats.org/presentationml/2006/main">
-  <p:cSld>
-    <p:spTree>
-      <p:nvGrpSpPr>
-        <p:cNvPr id="1" name=""/>
-        <p:cNvGrpSpPr/>
-        <p:nvPr/>
-      </p:nvGrpSpPr>
-      <p:grpSpPr>
-        <a:xfrm>
-          <a:off x="0" y="0"/>
-          <a:ext cx="0" cy="0"/>
-          <a:chOff x="0" y="0"/>
-          <a:chExt cx="0" cy="0"/>
-        </a:xfrm>
-      </p:grpSpPr>
-      <p:sp>
-        <p:nvSpPr>
-          <p:cNvPr id="2" name="标题 1"/>
-          <p:cNvSpPr>
-            <a:spLocks noGrp="1"/>
-          </p:cNvSpPr>
-          <p:nvPr>
-            <p:ph type="title"/>
-          </p:nvPr>
-        </p:nvSpPr>
-        <p:spPr/>
-        <p:txBody>
-          <a:bodyPr/>
-          <a:lstStyle/>
-          <a:p>
-            <a:r>
-              <a:rPr lang="en-US" altLang="zh-CN" dirty="0"/>
-              <a:t>4 </a:t>
-            </a:r>
-            <a:r>
-              <a:rPr lang="zh-CN" altLang="en-US" dirty="0"/>
-              <a:t>数据可视化</a:t>
-            </a:r>
-            <a:r>
-              <a:rPr lang="en-US" altLang="zh-CN" dirty="0"/>
-              <a:t>-</a:t>
-            </a:r>
-            <a:r>
-              <a:rPr lang="zh-CN" altLang="en-US" dirty="0"/>
-              <a:t>基础</a:t>
-            </a:r>
-            <a:r>
-              <a:rPr lang="zh-CN" altLang="en-US" dirty="0" smtClean="0"/>
-              <a:t>作图</a:t>
-            </a:r>
-            <a:endParaRPr lang="zh-CN" altLang="en-US" dirty="0"/>
-          </a:p>
-        </p:txBody>
-      </p:sp>
-      <p:sp>
-        <p:nvSpPr>
-          <p:cNvPr id="3" name="内容占位符 2"/>
-          <p:cNvSpPr>
-            <a:spLocks noGrp="1"/>
-          </p:cNvSpPr>
-          <p:nvPr>
-            <p:ph idx="1"/>
-          </p:nvPr>
-        </p:nvSpPr>
-        <p:spPr/>
-        <p:txBody>
-          <a:bodyPr/>
-          <a:lstStyle/>
-          <a:p>
-            <a:pPr marL="0" indent="0">
-              <a:buNone/>
-            </a:pPr>
-            <a:r>
-              <a:rPr lang="zh-CN" altLang="en-US" dirty="0"/>
-              <a:t>细讲</a:t>
-            </a:r>
-            <a:r>
-              <a:rPr lang="en-US" altLang="zh-CN" dirty="0" smtClean="0"/>
-              <a:t>plot</a:t>
-            </a:r>
-            <a:r>
-              <a:rPr lang="zh-CN" altLang="en-US" dirty="0" smtClean="0"/>
-              <a:t>的参数</a:t>
-            </a:r>
-            <a:endParaRPr lang="en-US" altLang="zh-CN" dirty="0" smtClean="0"/>
-          </a:p>
-          <a:p>
-            <a:r>
-              <a:rPr lang="en-US" altLang="zh-CN" dirty="0" smtClean="0"/>
-              <a:t>help(“plot”) # </a:t>
-            </a:r>
-            <a:r>
-              <a:rPr lang="zh-CN" altLang="en-US" dirty="0" smtClean="0"/>
-              <a:t>查看</a:t>
-            </a:r>
-            <a:r>
-              <a:rPr lang="en-US" altLang="zh-CN" dirty="0" smtClean="0"/>
-              <a:t>plot</a:t>
-            </a:r>
-            <a:r>
-              <a:rPr lang="zh-CN" altLang="en-US" dirty="0" smtClean="0"/>
-              <a:t>的帮助文档</a:t>
-            </a:r>
-            <a:endParaRPr lang="en-US" altLang="zh-CN" dirty="0" smtClean="0"/>
-          </a:p>
-          <a:p>
-            <a:r>
-              <a:rPr lang="en-US" altLang="zh-CN" dirty="0" smtClean="0"/>
-              <a:t>plot</a:t>
-            </a:r>
-            <a:r>
-              <a:rPr lang="zh-CN" altLang="en-US" dirty="0" smtClean="0"/>
-              <a:t>是一般通用型的画图命令，它可以做出大多数基础类型的数据分析图</a:t>
-            </a:r>
-            <a:endParaRPr lang="en-US" altLang="zh-CN" dirty="0" smtClean="0"/>
-          </a:p>
-          <a:p>
-            <a:r>
-              <a:rPr lang="zh-CN" altLang="en-US" dirty="0" smtClean="0"/>
-              <a:t>在做同一个图片时只能出现一个</a:t>
-            </a:r>
-            <a:r>
-              <a:rPr lang="en-US" altLang="zh-CN" dirty="0" smtClean="0"/>
-              <a:t>plot</a:t>
-            </a:r>
-          </a:p>
-          <a:p>
-            <a:r>
-              <a:rPr lang="en-US" altLang="zh-CN" dirty="0" smtClean="0"/>
-              <a:t>plot</a:t>
-            </a:r>
-            <a:r>
-              <a:rPr lang="zh-CN" altLang="en-US" dirty="0" smtClean="0"/>
-              <a:t>的参数与大多数画图命令的参数格式是相近甚至相同的，因此详细掌握</a:t>
-            </a:r>
-            <a:r>
-              <a:rPr lang="en-US" altLang="zh-CN" dirty="0" smtClean="0"/>
-              <a:t>plot</a:t>
-            </a:r>
-            <a:r>
-              <a:rPr lang="zh-CN" altLang="en-US" dirty="0" smtClean="0"/>
-              <a:t>参数可以帮助你迅速学会几乎所有类型画图方法</a:t>
-            </a:r>
-            <a:endParaRPr lang="en-US" altLang="zh-CN" dirty="0" smtClean="0"/>
-          </a:p>
-          <a:p>
-            <a:endParaRPr lang="zh-CN" altLang="en-US" dirty="0"/>
-          </a:p>
-        </p:txBody>
-      </p:sp>
-    </p:spTree>
-    <p:extLst>
-      <p:ext uri="{BB962C8B-B14F-4D97-AF65-F5344CB8AC3E}">
-        <p14:creationId xmlns:p14="http://schemas.microsoft.com/office/powerpoint/2010/main" val="3679304741"/>
-      </p:ext>
-    </p:extLst>
-  </p:cSld>
-  <p:clrMapOvr>
-    <a:masterClrMapping/>
-  </p:clrMapOvr>
-  <p:timing>
-    <p:tnLst>
-      <p:par>
-        <p:cTn id="1" dur="indefinite" restart="never" nodeType="tmRoot"/>
-      </p:par>
-    </p:tnLst>
-  </p:timing>
-</p:sld>
-</file>
-
-<file path=ppt/slides/slide26.xml><?xml version="1.0" encoding="utf-8"?>
-<p:sld xmlns:a="http://schemas.openxmlformats.org/drawingml/2006/main" xmlns:r="http://schemas.openxmlformats.org/officeDocument/2006/relationships" xmlns:p="http://schemas.openxmlformats.org/presentationml/2006/main">
-  <p:cSld>
-    <p:spTree>
-      <p:nvGrpSpPr>
-        <p:cNvPr id="1" name=""/>
-        <p:cNvGrpSpPr/>
-        <p:nvPr/>
-      </p:nvGrpSpPr>
-      <p:grpSpPr>
-        <a:xfrm>
-          <a:off x="0" y="0"/>
-          <a:ext cx="0" cy="0"/>
-          <a:chOff x="0" y="0"/>
-          <a:chExt cx="0" cy="0"/>
-        </a:xfrm>
-      </p:grpSpPr>
-      <p:sp>
-        <p:nvSpPr>
-          <p:cNvPr id="2" name="标题 1"/>
-          <p:cNvSpPr>
-            <a:spLocks noGrp="1"/>
-          </p:cNvSpPr>
-          <p:nvPr>
-            <p:ph type="title"/>
-          </p:nvPr>
-        </p:nvSpPr>
-        <p:spPr>
-          <a:xfrm>
-            <a:off x="1097280" y="1037063"/>
-            <a:ext cx="10058400" cy="613317"/>
-          </a:xfrm>
-        </p:spPr>
-        <p:txBody>
-          <a:bodyPr>
-            <a:normAutofit/>
-          </a:bodyPr>
-          <a:lstStyle/>
-          <a:p>
-            <a:r>
-              <a:rPr lang="zh-CN" altLang="en-US" sz="2400" dirty="0" smtClean="0"/>
-              <a:t>内置参数</a:t>
-            </a:r>
-            <a:endParaRPr lang="zh-CN" altLang="en-US" sz="2400" dirty="0"/>
-          </a:p>
-        </p:txBody>
-      </p:sp>
-      <p:sp>
-        <p:nvSpPr>
-          <p:cNvPr id="3" name="内容占位符 2"/>
-          <p:cNvSpPr>
-            <a:spLocks noGrp="1"/>
-          </p:cNvSpPr>
-          <p:nvPr>
-            <p:ph idx="1"/>
-          </p:nvPr>
-        </p:nvSpPr>
-        <p:spPr/>
-        <p:txBody>
-          <a:bodyPr/>
-          <a:lstStyle/>
-          <a:p>
-            <a:pPr marL="0" indent="0">
-              <a:buNone/>
-            </a:pPr>
-            <a:r>
-              <a:rPr lang="en-US" altLang="zh-CN" dirty="0" smtClean="0"/>
-              <a:t>plot(</a:t>
-            </a:r>
-            <a:r>
-              <a:rPr lang="en-US" altLang="zh-CN" dirty="0" err="1" smtClean="0"/>
-              <a:t>x,y</a:t>
-            </a:r>
-            <a:r>
-              <a:rPr lang="en-US" altLang="zh-CN" dirty="0" smtClean="0"/>
-              <a:t>,……</a:t>
-            </a:r>
-            <a:r>
-              <a:rPr lang="zh-CN" altLang="en-US" dirty="0" smtClean="0"/>
-              <a:t>）</a:t>
-            </a:r>
-            <a:endParaRPr lang="en-US" altLang="zh-CN" dirty="0" smtClean="0"/>
-          </a:p>
-          <a:p>
-            <a:pPr marL="0" indent="0">
-              <a:buNone/>
-            </a:pPr>
-            <a:r>
-              <a:rPr lang="zh-CN" altLang="en-US" dirty="0" smtClean="0"/>
-              <a:t>除变量</a:t>
-            </a:r>
-            <a:r>
-              <a:rPr lang="en-US" altLang="zh-CN" dirty="0" smtClean="0"/>
-              <a:t>x</a:t>
-            </a:r>
-            <a:r>
-              <a:rPr lang="zh-CN" altLang="en-US" dirty="0" smtClean="0"/>
-              <a:t>和</a:t>
-            </a:r>
-            <a:r>
-              <a:rPr lang="en-US" altLang="zh-CN" dirty="0" smtClean="0"/>
-              <a:t>y</a:t>
-            </a:r>
-            <a:r>
-              <a:rPr lang="zh-CN" altLang="en-US" dirty="0" smtClean="0"/>
-              <a:t>是必要输入参数以外，后边的参数均可以省略（即采用默认参数）</a:t>
-            </a:r>
-            <a:endParaRPr lang="en-US" altLang="zh-CN" dirty="0" smtClean="0"/>
-          </a:p>
-          <a:p>
-            <a:pPr marL="0" indent="0">
-              <a:buNone/>
-            </a:pPr>
-            <a:r>
-              <a:rPr lang="zh-CN" altLang="en-US" dirty="0" smtClean="0"/>
-              <a:t>主要参数有</a:t>
-            </a:r>
-            <a:endParaRPr lang="en-US" altLang="zh-CN" dirty="0" smtClean="0"/>
-          </a:p>
-          <a:p>
-            <a:pPr marL="0" indent="0">
-              <a:buNone/>
-            </a:pPr>
-            <a:r>
-              <a:rPr lang="en-US" altLang="zh-CN" dirty="0" smtClean="0"/>
-              <a:t>type </a:t>
-            </a:r>
-            <a:r>
-              <a:rPr lang="zh-CN" altLang="en-US" dirty="0" smtClean="0"/>
-              <a:t>点线类型</a:t>
-            </a:r>
-            <a:endParaRPr lang="en-US" altLang="zh-CN" dirty="0" smtClean="0"/>
-          </a:p>
-          <a:p>
-            <a:pPr lvl="1"/>
-            <a:r>
-              <a:rPr lang="en-US" altLang="zh-CN" dirty="0" smtClean="0"/>
-              <a:t>“p” </a:t>
-            </a:r>
-            <a:r>
-              <a:rPr lang="zh-CN" altLang="en-US" dirty="0"/>
-              <a:t> </a:t>
-            </a:r>
-            <a:r>
-              <a:rPr lang="en-US" altLang="zh-CN" dirty="0" smtClean="0"/>
-              <a:t>for points</a:t>
-            </a:r>
-          </a:p>
-          <a:p>
-            <a:pPr lvl="1"/>
-            <a:r>
-              <a:rPr lang="en-US" altLang="zh-CN" dirty="0" smtClean="0"/>
-              <a:t>“l” for lines</a:t>
-            </a:r>
-          </a:p>
-          <a:p>
-            <a:pPr lvl="1"/>
-            <a:r>
-              <a:rPr lang="en-US" altLang="zh-CN" dirty="0" smtClean="0"/>
-              <a:t>“b” for both</a:t>
-            </a:r>
-          </a:p>
-          <a:p>
-            <a:pPr lvl="1"/>
-            <a:r>
-              <a:rPr lang="en-US" altLang="zh-CN" dirty="0" smtClean="0"/>
-              <a:t>“c” for the lines part alone of “b”</a:t>
-            </a:r>
-          </a:p>
-          <a:p>
-            <a:pPr lvl="1"/>
-            <a:r>
-              <a:rPr lang="en-US" altLang="zh-CN" dirty="0" smtClean="0"/>
-              <a:t>“h” for ‘histogram’ like vertical lines</a:t>
-            </a:r>
-          </a:p>
-          <a:p>
-            <a:pPr lvl="1"/>
-            <a:r>
-              <a:rPr lang="en-US" altLang="zh-CN" dirty="0" smtClean="0"/>
-              <a:t>“s” or “S” for stair steps</a:t>
-            </a:r>
-            <a:endParaRPr lang="zh-CN" altLang="en-US" dirty="0"/>
-          </a:p>
-        </p:txBody>
-      </p:sp>
-      <p:sp>
-        <p:nvSpPr>
-          <p:cNvPr id="4" name="文本框 3"/>
-          <p:cNvSpPr txBox="1"/>
-          <p:nvPr/>
-        </p:nvSpPr>
-        <p:spPr>
-          <a:xfrm>
-            <a:off x="5925758" y="3300095"/>
-            <a:ext cx="2675220" cy="2031325"/>
-          </a:xfrm>
-          <a:prstGeom prst="rect">
-            <a:avLst/>
-          </a:prstGeom>
-          <a:noFill/>
-        </p:spPr>
-        <p:txBody>
-          <a:bodyPr wrap="none" rtlCol="0">
-            <a:spAutoFit/>
-          </a:bodyPr>
-          <a:lstStyle/>
-          <a:p>
-            <a:r>
-              <a:rPr lang="en-US" altLang="zh-CN" dirty="0" smtClean="0"/>
-              <a:t>main:</a:t>
-            </a:r>
-            <a:r>
-              <a:rPr lang="zh-CN" altLang="en-US" dirty="0" smtClean="0"/>
-              <a:t>全局标题</a:t>
-            </a:r>
-            <a:endParaRPr lang="en-US" altLang="zh-CN" dirty="0" smtClean="0"/>
-          </a:p>
-          <a:p>
-            <a:r>
-              <a:rPr lang="en-US" altLang="zh-CN" dirty="0" smtClean="0"/>
-              <a:t>sub:</a:t>
-            </a:r>
-            <a:r>
-              <a:rPr lang="zh-CN" altLang="en-US" dirty="0" smtClean="0"/>
-              <a:t>次级标题</a:t>
-            </a:r>
-            <a:endParaRPr lang="en-US" altLang="zh-CN" dirty="0" smtClean="0"/>
-          </a:p>
-          <a:p>
-            <a:r>
-              <a:rPr lang="en-US" altLang="zh-CN" dirty="0" smtClean="0"/>
-              <a:t>axis:</a:t>
-            </a:r>
-            <a:r>
-              <a:rPr lang="zh-CN" altLang="en-US" dirty="0" smtClean="0"/>
-              <a:t>设置坐标轴刻度范围</a:t>
-            </a:r>
-            <a:endParaRPr lang="en-US" altLang="zh-CN" dirty="0" smtClean="0"/>
-          </a:p>
-          <a:p>
-            <a:r>
-              <a:rPr lang="en-US" altLang="zh-CN" dirty="0" err="1" smtClean="0"/>
-              <a:t>xlab</a:t>
-            </a:r>
-            <a:r>
-              <a:rPr lang="zh-CN" altLang="en-US" dirty="0" smtClean="0"/>
-              <a:t>： </a:t>
-            </a:r>
-            <a:r>
-              <a:rPr lang="en-US" altLang="zh-CN" dirty="0" smtClean="0"/>
-              <a:t>x</a:t>
-            </a:r>
-            <a:r>
-              <a:rPr lang="zh-CN" altLang="en-US" dirty="0" smtClean="0"/>
-              <a:t>轴标题</a:t>
-            </a:r>
-            <a:endParaRPr lang="en-US" altLang="zh-CN" dirty="0" smtClean="0"/>
-          </a:p>
-          <a:p>
-            <a:r>
-              <a:rPr lang="en-US" altLang="zh-CN" dirty="0" err="1" smtClean="0"/>
-              <a:t>ylab</a:t>
-            </a:r>
-            <a:r>
-              <a:rPr lang="zh-CN" altLang="en-US" dirty="0" smtClean="0"/>
-              <a:t>：</a:t>
-            </a:r>
-            <a:r>
-              <a:rPr lang="en-US" altLang="zh-CN" dirty="0" smtClean="0"/>
-              <a:t>y</a:t>
-            </a:r>
-            <a:r>
-              <a:rPr lang="zh-CN" altLang="en-US" dirty="0" smtClean="0"/>
-              <a:t>轴标题</a:t>
-            </a:r>
-            <a:endParaRPr lang="en-US" altLang="zh-CN" dirty="0" smtClean="0"/>
-          </a:p>
-          <a:p>
-            <a:r>
-              <a:rPr lang="en-US" altLang="zh-CN" dirty="0" smtClean="0"/>
-              <a:t>legend:</a:t>
-            </a:r>
-            <a:r>
-              <a:rPr lang="zh-CN" altLang="en-US" dirty="0" smtClean="0"/>
-              <a:t>图例</a:t>
-            </a:r>
-            <a:endParaRPr lang="en-US" altLang="zh-CN" dirty="0" smtClean="0"/>
-          </a:p>
-          <a:p>
-            <a:endParaRPr lang="zh-CN" altLang="en-US" dirty="0"/>
-          </a:p>
-        </p:txBody>
-      </p:sp>
-    </p:spTree>
-    <p:extLst>
-      <p:ext uri="{BB962C8B-B14F-4D97-AF65-F5344CB8AC3E}">
-        <p14:creationId xmlns:p14="http://schemas.microsoft.com/office/powerpoint/2010/main" val="1314602501"/>
-      </p:ext>
-    </p:extLst>
-  </p:cSld>
-  <p:clrMapOvr>
-    <a:masterClrMapping/>
-  </p:clrMapOvr>
-  <p:timing>
-    <p:tnLst>
-      <p:par>
-        <p:cTn id="1" dur="indefinite" restart="never" nodeType="tmRoot"/>
-      </p:par>
-    </p:tnLst>
-  </p:timing>
-</p:sld>
-</file>
-
-<file path=ppt/slides/slide27.xml><?xml version="1.0" encoding="utf-8"?>
-<p:sld xmlns:a="http://schemas.openxmlformats.org/drawingml/2006/main" xmlns:r="http://schemas.openxmlformats.org/officeDocument/2006/relationships" xmlns:p="http://schemas.openxmlformats.org/presentationml/2006/main">
-  <p:cSld>
-    <p:spTree>
-      <p:nvGrpSpPr>
-        <p:cNvPr id="1" name=""/>
-        <p:cNvGrpSpPr/>
-        <p:nvPr/>
-      </p:nvGrpSpPr>
-      <p:grpSpPr>
-        <a:xfrm>
-          <a:off x="0" y="0"/>
-          <a:ext cx="0" cy="0"/>
-          <a:chOff x="0" y="0"/>
-          <a:chExt cx="0" cy="0"/>
-        </a:xfrm>
-      </p:grpSpPr>
-      <p:sp>
-        <p:nvSpPr>
-          <p:cNvPr id="2" name="标题 1"/>
-          <p:cNvSpPr>
-            <a:spLocks noGrp="1"/>
-          </p:cNvSpPr>
-          <p:nvPr>
-            <p:ph type="title"/>
-          </p:nvPr>
-        </p:nvSpPr>
-        <p:spPr/>
-        <p:txBody>
-          <a:bodyPr>
-            <a:normAutofit/>
-          </a:bodyPr>
-          <a:lstStyle/>
-          <a:p>
-            <a:r>
-              <a:rPr lang="zh-CN" altLang="en-US" dirty="0"/>
-              <a:t>内置</a:t>
-            </a:r>
-            <a:r>
-              <a:rPr lang="zh-CN" altLang="en-US" dirty="0" smtClean="0"/>
-              <a:t>参数</a:t>
-            </a:r>
-            <a:r>
-              <a:rPr lang="en-US" altLang="zh-CN" dirty="0" smtClean="0"/>
-              <a:t>-</a:t>
-            </a:r>
-            <a:r>
-              <a:rPr lang="zh-CN" altLang="en-US" dirty="0" smtClean="0"/>
-              <a:t>文本</a:t>
-            </a:r>
-            <a:r>
-              <a:rPr lang="zh-CN" altLang="en-US" sz="3600" dirty="0" smtClean="0"/>
-              <a:t>参数</a:t>
-            </a:r>
-            <a:endParaRPr lang="zh-CN" altLang="en-US" sz="3600" dirty="0"/>
-          </a:p>
-        </p:txBody>
-      </p:sp>
-      <p:sp>
-        <p:nvSpPr>
-          <p:cNvPr id="3" name="内容占位符 2"/>
-          <p:cNvSpPr>
-            <a:spLocks noGrp="1"/>
-          </p:cNvSpPr>
-          <p:nvPr>
-            <p:ph idx="1"/>
-          </p:nvPr>
-        </p:nvSpPr>
-        <p:spPr/>
-        <p:txBody>
-          <a:bodyPr/>
-          <a:lstStyle/>
-          <a:p>
-            <a:r>
-              <a:rPr lang="zh-CN" altLang="en-US" dirty="0" smtClean="0"/>
-              <a:t>标题</a:t>
-            </a:r>
-            <a:endParaRPr lang="en-US" altLang="zh-CN" dirty="0" smtClean="0"/>
-          </a:p>
-          <a:p>
-            <a:pPr lvl="1"/>
-            <a:r>
-              <a:rPr lang="zh-CN" altLang="en-US" dirty="0"/>
-              <a:t>下</a:t>
-            </a:r>
-            <a:r>
-              <a:rPr lang="zh-CN" altLang="en-US" dirty="0" smtClean="0"/>
-              <a:t>图中使用了专门给当前</a:t>
-            </a:r>
-            <a:r>
-              <a:rPr lang="en-US" altLang="zh-CN" dirty="0" smtClean="0"/>
-              <a:t>active</a:t>
-            </a:r>
-            <a:r>
-              <a:rPr lang="zh-CN" altLang="en-US" dirty="0" smtClean="0"/>
-              <a:t>图片添加标题的命令，与</a:t>
-            </a:r>
-            <a:r>
-              <a:rPr lang="en-US" altLang="zh-CN" dirty="0" smtClean="0"/>
-              <a:t>plot</a:t>
-            </a:r>
-            <a:r>
-              <a:rPr lang="zh-CN" altLang="en-US" dirty="0" smtClean="0"/>
-              <a:t>内部参数一致</a:t>
-            </a:r>
-            <a:endParaRPr lang="en-US" altLang="zh-CN" dirty="0" smtClean="0"/>
-          </a:p>
-          <a:p>
-            <a:pPr lvl="1"/>
-            <a:r>
-              <a:rPr lang="zh-CN" altLang="en-US" dirty="0" smtClean="0"/>
-              <a:t>其中涉及参数</a:t>
-            </a:r>
-            <a:endParaRPr lang="en-US" altLang="zh-CN" dirty="0" smtClean="0"/>
-          </a:p>
-          <a:p>
-            <a:pPr lvl="2"/>
-            <a:r>
-              <a:rPr lang="en-US" altLang="zh-CN" dirty="0" smtClean="0"/>
-              <a:t>main </a:t>
-            </a:r>
-            <a:r>
-              <a:rPr lang="zh-CN" altLang="en-US" dirty="0" smtClean="0"/>
-              <a:t>图片标题</a:t>
-            </a:r>
-            <a:endParaRPr lang="en-US" altLang="zh-CN" dirty="0" smtClean="0"/>
-          </a:p>
-          <a:p>
-            <a:pPr lvl="2"/>
-            <a:r>
-              <a:rPr lang="en-US" altLang="zh-CN" dirty="0" smtClean="0"/>
-              <a:t>sub </a:t>
-            </a:r>
-            <a:r>
-              <a:rPr lang="zh-CN" altLang="en-US" dirty="0" smtClean="0"/>
-              <a:t>图片副标题</a:t>
-            </a:r>
-            <a:endParaRPr lang="en-US" altLang="zh-CN" dirty="0" smtClean="0"/>
-          </a:p>
-          <a:p>
-            <a:pPr lvl="2"/>
-            <a:r>
-              <a:rPr lang="en-US" altLang="zh-CN" dirty="0" err="1" smtClean="0"/>
-              <a:t>xlab</a:t>
-            </a:r>
-            <a:r>
-              <a:rPr lang="en-US" altLang="zh-CN" dirty="0" smtClean="0"/>
-              <a:t> </a:t>
-            </a:r>
-            <a:r>
-              <a:rPr lang="en-US" altLang="zh-CN" dirty="0" err="1" smtClean="0"/>
-              <a:t>ylab</a:t>
-            </a:r>
-            <a:r>
-              <a:rPr lang="en-US" altLang="zh-CN" dirty="0" smtClean="0"/>
-              <a:t> x</a:t>
-            </a:r>
-            <a:r>
-              <a:rPr lang="zh-CN" altLang="en-US" dirty="0" smtClean="0"/>
-              <a:t>轴和</a:t>
-            </a:r>
-            <a:r>
-              <a:rPr lang="en-US" altLang="zh-CN" dirty="0" smtClean="0"/>
-              <a:t>y</a:t>
-            </a:r>
-            <a:r>
-              <a:rPr lang="zh-CN" altLang="en-US" dirty="0" smtClean="0"/>
-              <a:t>轴标题</a:t>
-            </a:r>
-            <a:endParaRPr lang="en-US" altLang="zh-CN" dirty="0" smtClean="0"/>
-          </a:p>
-          <a:p>
-            <a:pPr lvl="2"/>
-            <a:r>
-              <a:rPr lang="en-US" altLang="zh-CN" dirty="0" smtClean="0"/>
-              <a:t>col. </a:t>
-            </a:r>
-            <a:r>
-              <a:rPr lang="zh-CN" altLang="en-US" dirty="0" smtClean="0"/>
-              <a:t>为</a:t>
-            </a:r>
-            <a:r>
-              <a:rPr lang="en-US" altLang="zh-CN" dirty="0" smtClean="0"/>
-              <a:t>main sub </a:t>
-            </a:r>
-            <a:r>
-              <a:rPr lang="en-US" altLang="zh-CN" dirty="0" err="1" smtClean="0"/>
-              <a:t>xlab</a:t>
-            </a:r>
-            <a:r>
-              <a:rPr lang="en-US" altLang="zh-CN" dirty="0" smtClean="0"/>
-              <a:t> </a:t>
-            </a:r>
-            <a:r>
-              <a:rPr lang="en-US" altLang="zh-CN" dirty="0" err="1" smtClean="0"/>
-              <a:t>ylab</a:t>
-            </a:r>
-            <a:r>
-              <a:rPr lang="zh-CN" altLang="en-US" dirty="0" smtClean="0"/>
-              <a:t>等配置颜色</a:t>
-            </a:r>
-            <a:endParaRPr lang="en-US" altLang="zh-CN" dirty="0" smtClean="0"/>
-          </a:p>
-          <a:p>
-            <a:pPr lvl="1"/>
-            <a:r>
-              <a:rPr lang="zh-CN" altLang="en-US" dirty="0" smtClean="0"/>
-              <a:t>以上参数都可以合并在</a:t>
-            </a:r>
-            <a:r>
-              <a:rPr lang="en-US" altLang="zh-CN" dirty="0" smtClean="0"/>
-              <a:t>plot</a:t>
-            </a:r>
-            <a:r>
-              <a:rPr lang="zh-CN" altLang="en-US" dirty="0" smtClean="0"/>
-              <a:t>命令当中进行</a:t>
-            </a:r>
-            <a:endParaRPr lang="zh-CN" altLang="en-US" dirty="0"/>
-          </a:p>
-        </p:txBody>
-      </p:sp>
-      <p:sp>
-        <p:nvSpPr>
-          <p:cNvPr id="4" name="Rectangle 6"/>
-          <p:cNvSpPr>
-            <a:spLocks noChangeArrowheads="1"/>
-          </p:cNvSpPr>
-          <p:nvPr/>
-        </p:nvSpPr>
-        <p:spPr bwMode="auto">
-          <a:xfrm>
-            <a:off x="1706135" y="4492757"/>
-            <a:ext cx="5680432" cy="957355"/>
-          </a:xfrm>
-          <a:prstGeom prst="rect">
-            <a:avLst/>
-          </a:prstGeom>
-          <a:noFill/>
-          <a:ln w="19050">
-            <a:solidFill>
-              <a:schemeClr val="hlink"/>
-            </a:solidFill>
-            <a:miter lim="800000"/>
-            <a:headEnd/>
-            <a:tailEnd/>
-          </a:ln>
-          <a:effectLst/>
-          <a:extLst>
-            <a:ext uri="{909E8E84-426E-40dd-AFC4-6F175D3DCCD1}">
-              <a14:hiddenFill xmlns:lc="http://schemas.openxmlformats.org/drawingml/2006/lockedCanvas" xmlns:a14="http://schemas.microsoft.com/office/drawing/2010/main" xmlns="">
-                <a:solidFill>
-                  <a:schemeClr val="accent1"/>
-                </a:solidFill>
-              </a14:hiddenFill>
-            </a:ext>
-            <a:ext uri="{AF507438-7753-43e0-B8FC-AC1667EBCBE1}">
-              <a14:hiddenEffects xmlns:lc="http://schemas.openxmlformats.org/drawingml/2006/lockedCanvas" xmlns:a14="http://schemas.microsoft.com/office/drawing/2010/main" xmlns="">
-                <a:effectLst>
-                  <a:outerShdw blurRad="63500" dist="12700" dir="2700000" algn="ctr" rotWithShape="0">
-                    <a:schemeClr val="hlink">
-                      <a:gamma/>
-                      <a:shade val="60000"/>
-                      <a:invGamma/>
-                      <a:alpha val="75000"/>
-                    </a:schemeClr>
-                  </a:outerShdw>
-                </a:effectLst>
-              </a14:hiddenEffects>
-            </a:ext>
-          </a:extLst>
-        </p:spPr>
-        <p:txBody>
-          <a:bodyPr wrap="square" tIns="90000" bIns="90000">
-            <a:spAutoFit/>
-          </a:bodyPr>
-          <a:lstStyle>
-            <a:defPPr>
-              <a:defRPr lang="en-US"/>
-            </a:defPPr>
-            <a:lvl1pPr algn="l" rtl="0" fontAlgn="base">
-              <a:spcBef>
-                <a:spcPct val="0"/>
-              </a:spcBef>
-              <a:spcAft>
-                <a:spcPct val="0"/>
-              </a:spcAft>
-              <a:defRPr sz="2000" kern="1200">
-                <a:solidFill>
-                  <a:schemeClr val="tx1"/>
-                </a:solidFill>
-                <a:latin typeface="Helvetica" panose="020B0604020202020204" pitchFamily="34" charset="0"/>
-                <a:ea typeface="MS PGothic" panose="020B0600070205080204" pitchFamily="34" charset="-128"/>
-                <a:cs typeface="+mn-cs"/>
-              </a:defRPr>
-            </a:lvl1pPr>
-            <a:lvl2pPr marL="457200" algn="l" rtl="0" fontAlgn="base">
-              <a:spcBef>
-                <a:spcPct val="0"/>
-              </a:spcBef>
-              <a:spcAft>
-                <a:spcPct val="0"/>
-              </a:spcAft>
-              <a:defRPr sz="2000" kern="1200">
-                <a:solidFill>
-                  <a:schemeClr val="tx1"/>
-                </a:solidFill>
-                <a:latin typeface="Helvetica" panose="020B0604020202020204" pitchFamily="34" charset="0"/>
-                <a:ea typeface="MS PGothic" panose="020B0600070205080204" pitchFamily="34" charset="-128"/>
-                <a:cs typeface="+mn-cs"/>
-              </a:defRPr>
-            </a:lvl2pPr>
-            <a:lvl3pPr marL="914400" algn="l" rtl="0" fontAlgn="base">
-              <a:spcBef>
-                <a:spcPct val="0"/>
-              </a:spcBef>
-              <a:spcAft>
-                <a:spcPct val="0"/>
-              </a:spcAft>
-              <a:defRPr sz="2000" kern="1200">
-                <a:solidFill>
-                  <a:schemeClr val="tx1"/>
-                </a:solidFill>
-                <a:latin typeface="Helvetica" panose="020B0604020202020204" pitchFamily="34" charset="0"/>
-                <a:ea typeface="MS PGothic" panose="020B0600070205080204" pitchFamily="34" charset="-128"/>
-                <a:cs typeface="+mn-cs"/>
-              </a:defRPr>
-            </a:lvl3pPr>
-            <a:lvl4pPr marL="1371600" algn="l" rtl="0" fontAlgn="base">
-              <a:spcBef>
-                <a:spcPct val="0"/>
-              </a:spcBef>
-              <a:spcAft>
-                <a:spcPct val="0"/>
-              </a:spcAft>
-              <a:defRPr sz="2000" kern="1200">
-                <a:solidFill>
-                  <a:schemeClr val="tx1"/>
-                </a:solidFill>
-                <a:latin typeface="Helvetica" panose="020B0604020202020204" pitchFamily="34" charset="0"/>
-                <a:ea typeface="MS PGothic" panose="020B0600070205080204" pitchFamily="34" charset="-128"/>
-                <a:cs typeface="+mn-cs"/>
-              </a:defRPr>
-            </a:lvl4pPr>
-            <a:lvl5pPr marL="1828800" algn="l" rtl="0" fontAlgn="base">
-              <a:spcBef>
-                <a:spcPct val="0"/>
-              </a:spcBef>
-              <a:spcAft>
-                <a:spcPct val="0"/>
-              </a:spcAft>
-              <a:defRPr sz="2000" kern="1200">
-                <a:solidFill>
-                  <a:schemeClr val="tx1"/>
-                </a:solidFill>
-                <a:latin typeface="Helvetica" panose="020B0604020202020204" pitchFamily="34" charset="0"/>
-                <a:ea typeface="MS PGothic" panose="020B0600070205080204" pitchFamily="34" charset="-128"/>
-                <a:cs typeface="+mn-cs"/>
-              </a:defRPr>
-            </a:lvl5pPr>
-            <a:lvl6pPr marL="2286000" algn="l" defTabSz="914400" rtl="0" eaLnBrk="1" latinLnBrk="0" hangingPunct="1">
-              <a:defRPr sz="2000" kern="1200">
-                <a:solidFill>
-                  <a:schemeClr val="tx1"/>
-                </a:solidFill>
-                <a:latin typeface="Helvetica" panose="020B0604020202020204" pitchFamily="34" charset="0"/>
-                <a:ea typeface="MS PGothic" panose="020B0600070205080204" pitchFamily="34" charset="-128"/>
-                <a:cs typeface="+mn-cs"/>
-              </a:defRPr>
-            </a:lvl6pPr>
-            <a:lvl7pPr marL="2743200" algn="l" defTabSz="914400" rtl="0" eaLnBrk="1" latinLnBrk="0" hangingPunct="1">
-              <a:defRPr sz="2000" kern="1200">
-                <a:solidFill>
-                  <a:schemeClr val="tx1"/>
-                </a:solidFill>
-                <a:latin typeface="Helvetica" panose="020B0604020202020204" pitchFamily="34" charset="0"/>
-                <a:ea typeface="MS PGothic" panose="020B0600070205080204" pitchFamily="34" charset="-128"/>
-                <a:cs typeface="+mn-cs"/>
-              </a:defRPr>
-            </a:lvl7pPr>
-            <a:lvl8pPr marL="3200400" algn="l" defTabSz="914400" rtl="0" eaLnBrk="1" latinLnBrk="0" hangingPunct="1">
-              <a:defRPr sz="2000" kern="1200">
-                <a:solidFill>
-                  <a:schemeClr val="tx1"/>
-                </a:solidFill>
-                <a:latin typeface="Helvetica" panose="020B0604020202020204" pitchFamily="34" charset="0"/>
-                <a:ea typeface="MS PGothic" panose="020B0600070205080204" pitchFamily="34" charset="-128"/>
-                <a:cs typeface="+mn-cs"/>
-              </a:defRPr>
-            </a:lvl8pPr>
-            <a:lvl9pPr marL="3657600" algn="l" defTabSz="914400" rtl="0" eaLnBrk="1" latinLnBrk="0" hangingPunct="1">
-              <a:defRPr sz="2000" kern="1200">
-                <a:solidFill>
-                  <a:schemeClr val="tx1"/>
-                </a:solidFill>
-                <a:latin typeface="Helvetica" panose="020B0604020202020204" pitchFamily="34" charset="0"/>
-                <a:ea typeface="MS PGothic" panose="020B0600070205080204" pitchFamily="34" charset="-128"/>
-                <a:cs typeface="+mn-cs"/>
-              </a:defRPr>
-            </a:lvl9pPr>
-          </a:lstStyle>
-          <a:p>
-            <a:pPr eaLnBrk="0" hangingPunct="0">
-              <a:lnSpc>
-                <a:spcPct val="120000"/>
-              </a:lnSpc>
-              <a:defRPr/>
-            </a:pPr>
-            <a:r>
-              <a:rPr lang="en-US" sz="1400" dirty="0" smtClean="0">
-                <a:solidFill>
-                  <a:srgbClr val="0000FF"/>
-                </a:solidFill>
-                <a:latin typeface="Times New Roman" panose="02020603050405020304" pitchFamily="18" charset="0"/>
-                <a:ea typeface="ＭＳ Ｐゴシック" charset="0"/>
-                <a:cs typeface="Times New Roman" panose="02020603050405020304" pitchFamily="18" charset="0"/>
-              </a:rPr>
-              <a:t>&gt;title(main=“main title”, sub=“sub-title”, </a:t>
-            </a:r>
-            <a:r>
-              <a:rPr lang="en-US" sz="1400" dirty="0" err="1" smtClean="0">
-                <a:solidFill>
-                  <a:srgbClr val="0000FF"/>
-                </a:solidFill>
-                <a:latin typeface="Times New Roman" panose="02020603050405020304" pitchFamily="18" charset="0"/>
-                <a:ea typeface="ＭＳ Ｐゴシック" charset="0"/>
-                <a:cs typeface="Times New Roman" panose="02020603050405020304" pitchFamily="18" charset="0"/>
-              </a:rPr>
-              <a:t>xlab</a:t>
-            </a:r>
-            <a:r>
-              <a:rPr lang="en-US" sz="1400" dirty="0" smtClean="0">
-                <a:solidFill>
-                  <a:srgbClr val="0000FF"/>
-                </a:solidFill>
-                <a:latin typeface="Times New Roman" panose="02020603050405020304" pitchFamily="18" charset="0"/>
-                <a:ea typeface="ＭＳ Ｐゴシック" charset="0"/>
-                <a:cs typeface="Times New Roman" panose="02020603050405020304" pitchFamily="18" charset="0"/>
-              </a:rPr>
-              <a:t>=“This is label of x”, </a:t>
-            </a:r>
-            <a:r>
-              <a:rPr lang="en-US" sz="1400" dirty="0" err="1" smtClean="0">
-                <a:solidFill>
-                  <a:srgbClr val="0000FF"/>
-                </a:solidFill>
-                <a:latin typeface="Times New Roman" panose="02020603050405020304" pitchFamily="18" charset="0"/>
-                <a:ea typeface="ＭＳ Ｐゴシック" charset="0"/>
-                <a:cs typeface="Times New Roman" panose="02020603050405020304" pitchFamily="18" charset="0"/>
-              </a:rPr>
-              <a:t>ylab</a:t>
-            </a:r>
-            <a:r>
-              <a:rPr lang="en-US" sz="1400" dirty="0" smtClean="0">
-                <a:solidFill>
-                  <a:srgbClr val="0000FF"/>
-                </a:solidFill>
-                <a:latin typeface="Times New Roman" panose="02020603050405020304" pitchFamily="18" charset="0"/>
-                <a:ea typeface="ＭＳ Ｐゴシック" charset="0"/>
-                <a:cs typeface="Times New Roman" panose="02020603050405020304" pitchFamily="18" charset="0"/>
-              </a:rPr>
-              <a:t>=“this is y label”, </a:t>
-            </a:r>
-            <a:r>
-              <a:rPr lang="en-US" sz="1400" dirty="0" err="1" smtClean="0">
-                <a:solidFill>
-                  <a:srgbClr val="0000FF"/>
-                </a:solidFill>
-                <a:latin typeface="Times New Roman" panose="02020603050405020304" pitchFamily="18" charset="0"/>
-                <a:ea typeface="ＭＳ Ｐゴシック" charset="0"/>
-                <a:cs typeface="Times New Roman" panose="02020603050405020304" pitchFamily="18" charset="0"/>
-              </a:rPr>
-              <a:t>col.main</a:t>
-            </a:r>
-            <a:r>
-              <a:rPr lang="en-US" sz="1400" dirty="0" smtClean="0">
-                <a:solidFill>
-                  <a:srgbClr val="0000FF"/>
-                </a:solidFill>
-                <a:latin typeface="Times New Roman" panose="02020603050405020304" pitchFamily="18" charset="0"/>
-                <a:ea typeface="ＭＳ Ｐゴシック" charset="0"/>
-                <a:cs typeface="Times New Roman" panose="02020603050405020304" pitchFamily="18" charset="0"/>
-              </a:rPr>
-              <a:t>=“green”,</a:t>
-            </a:r>
-            <a:r>
-              <a:rPr lang="en-US" sz="1400" dirty="0" err="1" smtClean="0">
-                <a:solidFill>
-                  <a:srgbClr val="0000FF"/>
-                </a:solidFill>
-                <a:latin typeface="Times New Roman" panose="02020603050405020304" pitchFamily="18" charset="0"/>
-                <a:ea typeface="ＭＳ Ｐゴシック" charset="0"/>
-                <a:cs typeface="Times New Roman" panose="02020603050405020304" pitchFamily="18" charset="0"/>
-              </a:rPr>
-              <a:t>col.sub</a:t>
-            </a:r>
-            <a:r>
-              <a:rPr lang="en-US" sz="1400" dirty="0" smtClean="0">
-                <a:solidFill>
-                  <a:srgbClr val="0000FF"/>
-                </a:solidFill>
-                <a:latin typeface="Times New Roman" panose="02020603050405020304" pitchFamily="18" charset="0"/>
-                <a:ea typeface="ＭＳ Ｐゴシック" charset="0"/>
-                <a:cs typeface="Times New Roman" panose="02020603050405020304" pitchFamily="18" charset="0"/>
-              </a:rPr>
-              <a:t>=“red”,</a:t>
-            </a:r>
-            <a:r>
-              <a:rPr lang="en-US" sz="1400" dirty="0" err="1" smtClean="0">
-                <a:solidFill>
-                  <a:srgbClr val="0000FF"/>
-                </a:solidFill>
-                <a:latin typeface="Times New Roman" panose="02020603050405020304" pitchFamily="18" charset="0"/>
-                <a:ea typeface="ＭＳ Ｐゴシック" charset="0"/>
-                <a:cs typeface="Times New Roman" panose="02020603050405020304" pitchFamily="18" charset="0"/>
-              </a:rPr>
-              <a:t>col.lab</a:t>
-            </a:r>
-            <a:r>
-              <a:rPr lang="en-US" sz="1400" dirty="0" smtClean="0">
-                <a:solidFill>
-                  <a:srgbClr val="0000FF"/>
-                </a:solidFill>
-                <a:latin typeface="Times New Roman" panose="02020603050405020304" pitchFamily="18" charset="0"/>
-                <a:ea typeface="ＭＳ Ｐゴシック" charset="0"/>
-                <a:cs typeface="Times New Roman" panose="02020603050405020304" pitchFamily="18" charset="0"/>
-              </a:rPr>
-              <a:t>=“blue”)</a:t>
-            </a:r>
-            <a:endParaRPr lang="en-US" sz="1400" dirty="0">
-              <a:solidFill>
-                <a:srgbClr val="0000FF"/>
-              </a:solidFill>
-              <a:latin typeface="Times New Roman" panose="02020603050405020304" pitchFamily="18" charset="0"/>
-              <a:ea typeface="ＭＳ Ｐゴシック" charset="0"/>
-              <a:cs typeface="Times New Roman" panose="02020603050405020304" pitchFamily="18" charset="0"/>
-            </a:endParaRPr>
-          </a:p>
-          <a:p>
-            <a:pPr eaLnBrk="0" hangingPunct="0">
-              <a:lnSpc>
-                <a:spcPct val="120000"/>
-              </a:lnSpc>
-              <a:defRPr/>
-            </a:pPr>
-            <a:r>
-              <a:rPr lang="en-US" sz="1400" dirty="0" smtClean="0">
-                <a:solidFill>
-                  <a:srgbClr val="0000FF"/>
-                </a:solidFill>
-                <a:latin typeface="Times New Roman" panose="02020603050405020304" pitchFamily="18" charset="0"/>
-                <a:ea typeface="ＭＳ Ｐゴシック" charset="0"/>
-                <a:cs typeface="Times New Roman" panose="02020603050405020304" pitchFamily="18" charset="0"/>
-              </a:rPr>
-              <a:t>&gt;</a:t>
-            </a:r>
-            <a:endParaRPr lang="en-US" sz="1400" dirty="0">
-              <a:solidFill>
-                <a:srgbClr val="0000FF"/>
-              </a:solidFill>
-              <a:latin typeface="Times New Roman" panose="02020603050405020304" pitchFamily="18" charset="0"/>
-              <a:ea typeface="ＭＳ Ｐゴシック" charset="0"/>
-              <a:cs typeface="Times New Roman" panose="02020603050405020304" pitchFamily="18" charset="0"/>
-            </a:endParaRPr>
-          </a:p>
-        </p:txBody>
-      </p:sp>
-    </p:spTree>
-    <p:extLst>
-      <p:ext uri="{BB962C8B-B14F-4D97-AF65-F5344CB8AC3E}">
-        <p14:creationId xmlns:p14="http://schemas.microsoft.com/office/powerpoint/2010/main" val="1520989649"/>
-      </p:ext>
-    </p:extLst>
-  </p:cSld>
-  <p:clrMapOvr>
-    <a:masterClrMapping/>
-  </p:clrMapOvr>
-  <p:timing>
-    <p:tnLst>
-      <p:par>
-        <p:cTn id="1" dur="indefinite" restart="never" nodeType="tmRoot"/>
-      </p:par>
-    </p:tnLst>
-  </p:timing>
-</p:sld>
-</file>
-
-<file path=ppt/slides/slide28.xml><?xml version="1.0" encoding="utf-8"?>
-<p:sld xmlns:a="http://schemas.openxmlformats.org/drawingml/2006/main" xmlns:r="http://schemas.openxmlformats.org/officeDocument/2006/relationships" xmlns:p="http://schemas.openxmlformats.org/presentationml/2006/main">
-  <p:cSld>
-    <p:spTree>
-      <p:nvGrpSpPr>
-        <p:cNvPr id="1" name=""/>
-        <p:cNvGrpSpPr/>
-        <p:nvPr/>
-      </p:nvGrpSpPr>
-      <p:grpSpPr>
-        <a:xfrm>
-          <a:off x="0" y="0"/>
-          <a:ext cx="0" cy="0"/>
-          <a:chOff x="0" y="0"/>
-          <a:chExt cx="0" cy="0"/>
-        </a:xfrm>
-      </p:grpSpPr>
-      <p:sp>
-        <p:nvSpPr>
-          <p:cNvPr id="2" name="标题 1"/>
-          <p:cNvSpPr>
-            <a:spLocks noGrp="1"/>
-          </p:cNvSpPr>
-          <p:nvPr>
-            <p:ph type="title"/>
-          </p:nvPr>
-        </p:nvSpPr>
-        <p:spPr/>
-        <p:txBody>
-          <a:bodyPr>
-            <a:normAutofit/>
-          </a:bodyPr>
-          <a:lstStyle/>
-          <a:p>
-            <a:r>
-              <a:rPr lang="zh-CN" altLang="en-US" sz="2800" dirty="0"/>
-              <a:t>内置</a:t>
-            </a:r>
-            <a:r>
-              <a:rPr lang="zh-CN" altLang="en-US" sz="2800" dirty="0" smtClean="0"/>
-              <a:t>参数</a:t>
-            </a:r>
-            <a:r>
-              <a:rPr lang="en-US" altLang="zh-CN" sz="2800" dirty="0" smtClean="0"/>
-              <a:t>-</a:t>
-            </a:r>
-            <a:r>
-              <a:rPr lang="zh-CN" altLang="en-US" sz="2800" dirty="0" smtClean="0"/>
-              <a:t>设置坐标轴范围</a:t>
-            </a:r>
-            <a:endParaRPr lang="zh-CN" altLang="en-US" sz="2800" dirty="0"/>
-          </a:p>
-        </p:txBody>
-      </p:sp>
-      <p:sp>
-        <p:nvSpPr>
-          <p:cNvPr id="3" name="内容占位符 2"/>
-          <p:cNvSpPr>
-            <a:spLocks noGrp="1"/>
-          </p:cNvSpPr>
-          <p:nvPr>
-            <p:ph idx="1"/>
-          </p:nvPr>
-        </p:nvSpPr>
-        <p:spPr/>
-        <p:txBody>
-          <a:bodyPr/>
-          <a:lstStyle/>
-          <a:p>
-            <a:endParaRPr lang="zh-CN" altLang="en-US"/>
-          </a:p>
-        </p:txBody>
-      </p:sp>
-    </p:spTree>
-    <p:extLst>
-      <p:ext uri="{BB962C8B-B14F-4D97-AF65-F5344CB8AC3E}">
-        <p14:creationId xmlns:p14="http://schemas.microsoft.com/office/powerpoint/2010/main" val="3606073058"/>
-      </p:ext>
-    </p:extLst>
-  </p:cSld>
-  <p:clrMapOvr>
-    <a:masterClrMapping/>
-  </p:clrMapOvr>
-  <p:timing>
-    <p:tnLst>
-      <p:par>
-        <p:cTn id="1" dur="indefinite" restart="never" nodeType="tmRoot"/>
-      </p:par>
-    </p:tnLst>
-  </p:timing>
-</p:sld>
-</file>
-
-<file path=ppt/slides/slide29.xml><?xml version="1.0" encoding="utf-8"?>
-<p:sld xmlns:a="http://schemas.openxmlformats.org/drawingml/2006/main" xmlns:r="http://schemas.openxmlformats.org/officeDocument/2006/relationships" xmlns:p="http://schemas.openxmlformats.org/presentationml/2006/main">
-  <p:cSld>
-    <p:spTree>
-      <p:nvGrpSpPr>
-        <p:cNvPr id="1" name=""/>
-        <p:cNvGrpSpPr/>
-        <p:nvPr/>
-      </p:nvGrpSpPr>
-      <p:grpSpPr>
-        <a:xfrm>
-          <a:off x="0" y="0"/>
-          <a:ext cx="0" cy="0"/>
-          <a:chOff x="0" y="0"/>
-          <a:chExt cx="0" cy="0"/>
-        </a:xfrm>
-      </p:grpSpPr>
-      <p:sp>
-        <p:nvSpPr>
-          <p:cNvPr id="2" name="标题 1"/>
-          <p:cNvSpPr>
-            <a:spLocks noGrp="1"/>
-          </p:cNvSpPr>
-          <p:nvPr>
-            <p:ph type="title"/>
-          </p:nvPr>
-        </p:nvSpPr>
-        <p:spPr>
-          <a:xfrm>
-            <a:off x="1097280" y="1078173"/>
-            <a:ext cx="10058400" cy="604596"/>
-          </a:xfrm>
-        </p:spPr>
-        <p:txBody>
-          <a:bodyPr>
-            <a:normAutofit/>
-          </a:bodyPr>
-          <a:lstStyle/>
-          <a:p>
-            <a:r>
-              <a:rPr lang="zh-CN" altLang="en-US" sz="2400" dirty="0" smtClean="0"/>
-              <a:t>图形参数</a:t>
-            </a:r>
-            <a:endParaRPr lang="zh-CN" altLang="en-US" sz="2400" dirty="0"/>
-          </a:p>
-        </p:txBody>
-      </p:sp>
-      <p:sp>
-        <p:nvSpPr>
-          <p:cNvPr id="3" name="内容占位符 2"/>
-          <p:cNvSpPr>
-            <a:spLocks noGrp="1"/>
-          </p:cNvSpPr>
-          <p:nvPr>
-            <p:ph idx="1"/>
-          </p:nvPr>
-        </p:nvSpPr>
-        <p:spPr/>
-        <p:txBody>
-          <a:bodyPr/>
-          <a:lstStyle/>
-          <a:p>
-            <a:r>
-              <a:rPr lang="en-US" altLang="zh-CN" dirty="0" smtClean="0"/>
-              <a:t>par : </a:t>
-            </a:r>
-            <a:r>
-              <a:rPr lang="zh-CN" altLang="en-US" dirty="0" smtClean="0"/>
-              <a:t>设置或查看图形参数</a:t>
-            </a:r>
-            <a:endParaRPr lang="en-US" altLang="zh-CN" dirty="0" smtClean="0"/>
-          </a:p>
-          <a:p>
-            <a:r>
-              <a:rPr lang="en-US" altLang="zh-CN" dirty="0" smtClean="0"/>
-              <a:t>help(“par”) </a:t>
-            </a:r>
-            <a:r>
-              <a:rPr lang="zh-CN" altLang="en-US" dirty="0" smtClean="0"/>
-              <a:t>参看</a:t>
-            </a:r>
-            <a:r>
-              <a:rPr lang="en-US" altLang="zh-CN" dirty="0" smtClean="0"/>
-              <a:t>par</a:t>
-            </a:r>
-            <a:r>
-              <a:rPr lang="zh-CN" altLang="en-US" dirty="0" smtClean="0"/>
-              <a:t>的说明文档</a:t>
-            </a:r>
-            <a:endParaRPr lang="en-US" altLang="zh-CN" dirty="0" smtClean="0"/>
-          </a:p>
-          <a:p>
-            <a:pPr marL="0" indent="0">
-              <a:buNone/>
-            </a:pPr>
-            <a:r>
-              <a:rPr lang="en-US" altLang="zh-CN" dirty="0" err="1" smtClean="0"/>
-              <a:t>dev.new</a:t>
-            </a:r>
-            <a:r>
-              <a:rPr lang="en-US" altLang="zh-CN" dirty="0" smtClean="0"/>
-              <a:t>() #</a:t>
-            </a:r>
-            <a:r>
-              <a:rPr lang="zh-CN" altLang="en-US" dirty="0" smtClean="0"/>
-              <a:t>创建一个新的空白画图板</a:t>
-            </a:r>
-            <a:endParaRPr lang="en-US" altLang="zh-CN" dirty="0" smtClean="0"/>
-          </a:p>
-          <a:p>
-            <a:pPr marL="0" indent="0">
-              <a:buNone/>
-            </a:pPr>
-            <a:r>
-              <a:rPr lang="en-US" altLang="zh-CN" dirty="0" smtClean="0"/>
-              <a:t>par() #</a:t>
-            </a:r>
-            <a:r>
-              <a:rPr lang="zh-CN" altLang="en-US" dirty="0" smtClean="0"/>
-              <a:t>默认状态下返回当前图形参数设置</a:t>
-            </a:r>
-            <a:endParaRPr lang="en-US" altLang="zh-CN" dirty="0" smtClean="0"/>
-          </a:p>
-          <a:p>
-            <a:pPr marL="0" indent="0">
-              <a:buNone/>
-            </a:pPr>
-            <a:r>
-              <a:rPr lang="en-US" altLang="zh-CN" dirty="0" smtClean="0"/>
-              <a:t>par(</a:t>
-            </a:r>
-            <a:r>
-              <a:rPr lang="en-US" altLang="zh-CN" dirty="0" err="1" smtClean="0"/>
-              <a:t>optionname</a:t>
-            </a:r>
-            <a:r>
-              <a:rPr lang="en-US" altLang="zh-CN" dirty="0" smtClean="0"/>
-              <a:t>=name,……) #</a:t>
-            </a:r>
-            <a:r>
-              <a:rPr lang="zh-CN" altLang="en-US" dirty="0" smtClean="0"/>
-              <a:t>修改图形参数</a:t>
-            </a:r>
-            <a:endParaRPr lang="en-US" altLang="zh-CN" dirty="0" smtClean="0"/>
-          </a:p>
-          <a:p>
-            <a:pPr marL="0" indent="0">
-              <a:buNone/>
-            </a:pPr>
-            <a:r>
-              <a:rPr lang="en-US" altLang="zh-CN" dirty="0" err="1" smtClean="0"/>
-              <a:t>opar</a:t>
-            </a:r>
-            <a:r>
-              <a:rPr lang="en-US" altLang="zh-CN" dirty="0" smtClean="0"/>
-              <a:t>&lt;- par(</a:t>
-            </a:r>
-            <a:r>
-              <a:rPr lang="en-US" altLang="zh-CN" dirty="0" err="1" smtClean="0"/>
-              <a:t>no.readonly</a:t>
-            </a:r>
-            <a:r>
-              <a:rPr lang="en-US" altLang="zh-CN" dirty="0" smtClean="0"/>
-              <a:t>=TRUE) #</a:t>
-            </a:r>
-            <a:r>
-              <a:rPr lang="zh-CN" altLang="en-US" dirty="0" smtClean="0"/>
-              <a:t>生成可修改的图形参数，并保存在变量</a:t>
-            </a:r>
-            <a:r>
-              <a:rPr lang="en-US" altLang="zh-CN" dirty="0" err="1" smtClean="0"/>
-              <a:t>opar</a:t>
-            </a:r>
-            <a:r>
-              <a:rPr lang="zh-CN" altLang="en-US" dirty="0" smtClean="0"/>
-              <a:t>当中，</a:t>
-            </a:r>
-            <a:endParaRPr lang="en-US" altLang="zh-CN" dirty="0" smtClean="0"/>
-          </a:p>
-          <a:p>
-            <a:pPr marL="0" indent="0">
-              <a:buNone/>
-            </a:pPr>
-            <a:r>
-              <a:rPr lang="en-US" altLang="zh-CN" dirty="0" smtClean="0"/>
-              <a:t>par(</a:t>
-            </a:r>
-            <a:r>
-              <a:rPr lang="en-US" altLang="zh-CN" dirty="0" err="1" smtClean="0"/>
-              <a:t>opar</a:t>
-            </a:r>
-            <a:r>
-              <a:rPr lang="en-US" altLang="zh-CN" dirty="0" smtClean="0"/>
-              <a:t>) #</a:t>
-            </a:r>
-            <a:r>
-              <a:rPr lang="zh-CN" altLang="en-US" dirty="0" smtClean="0"/>
-              <a:t>恢复存储在变量</a:t>
-            </a:r>
-            <a:r>
-              <a:rPr lang="en-US" altLang="zh-CN" dirty="0" err="1" smtClean="0"/>
-              <a:t>opar</a:t>
-            </a:r>
-            <a:r>
-              <a:rPr lang="zh-CN" altLang="en-US" dirty="0" smtClean="0"/>
-              <a:t>中的参数设置</a:t>
-            </a:r>
-            <a:endParaRPr lang="zh-CN" altLang="en-US" dirty="0"/>
-          </a:p>
-        </p:txBody>
-      </p:sp>
-    </p:spTree>
-    <p:extLst>
-      <p:ext uri="{BB962C8B-B14F-4D97-AF65-F5344CB8AC3E}">
-        <p14:creationId xmlns:p14="http://schemas.microsoft.com/office/powerpoint/2010/main" val="3717153628"/>
-      </p:ext>
-    </p:extLst>
-  </p:cSld>
-  <p:clrMapOvr>
-    <a:masterClrMapping/>
-  </p:clrMapOvr>
-  <p:timing>
-    <p:tnLst>
-      <p:par>
-        <p:cTn id="1" dur="indefinite" restart="never" nodeType="tmRoot"/>
-      </p:par>
-    </p:tnLst>
-  </p:timing>
-</p:sld>
-</file>
-
 <file path=ppt/slides/slide3.xml><?xml version="1.0" encoding="utf-8"?>
 <p:sld xmlns:a="http://schemas.openxmlformats.org/drawingml/2006/main" xmlns:r="http://schemas.openxmlformats.org/officeDocument/2006/relationships" xmlns:p="http://schemas.openxmlformats.org/presentationml/2006/main">
   <p:cSld>
@@ -12294,7 +10727,11 @@
           <a:p>
             <a:r>
               <a:rPr lang="zh-CN" altLang="en-US" dirty="0" smtClean="0"/>
-              <a:t>列求和 </a:t>
+              <a:t>列</a:t>
+            </a:r>
+            <a:r>
+              <a:rPr lang="zh-CN" altLang="en-US" dirty="0" smtClean="0"/>
+              <a:t>求均值 </a:t>
             </a:r>
             <a:r>
               <a:rPr lang="en-US" altLang="zh-CN" dirty="0" err="1" smtClean="0"/>
@@ -12305,7 +10742,11 @@
           <a:p>
             <a:r>
               <a:rPr lang="zh-CN" altLang="en-US" dirty="0" smtClean="0"/>
-              <a:t>行求和</a:t>
+              <a:t>行</a:t>
+            </a:r>
+            <a:r>
+              <a:rPr lang="zh-CN" altLang="en-US" dirty="0" smtClean="0"/>
+              <a:t>求均值</a:t>
             </a:r>
             <a:r>
               <a:rPr lang="en-US" altLang="zh-CN" dirty="0" err="1" smtClean="0"/>
@@ -12339,1422 +10780,6 @@
       </p:par>
     </p:tnLst>
   </p:timing>
-</p:sld>
-</file>
-
-<file path=ppt/slides/slide30.xml><?xml version="1.0" encoding="utf-8"?>
-<p:sld xmlns:a="http://schemas.openxmlformats.org/drawingml/2006/main" xmlns:r="http://schemas.openxmlformats.org/officeDocument/2006/relationships" xmlns:p="http://schemas.openxmlformats.org/presentationml/2006/main">
-  <p:cSld>
-    <p:spTree>
-      <p:nvGrpSpPr>
-        <p:cNvPr id="1" name=""/>
-        <p:cNvGrpSpPr/>
-        <p:nvPr/>
-      </p:nvGrpSpPr>
-      <p:grpSpPr>
-        <a:xfrm>
-          <a:off x="0" y="0"/>
-          <a:ext cx="0" cy="0"/>
-          <a:chOff x="0" y="0"/>
-          <a:chExt cx="0" cy="0"/>
-        </a:xfrm>
-      </p:grpSpPr>
-      <p:sp>
-        <p:nvSpPr>
-          <p:cNvPr id="2" name="标题 1"/>
-          <p:cNvSpPr>
-            <a:spLocks noGrp="1"/>
-          </p:cNvSpPr>
-          <p:nvPr>
-            <p:ph type="title"/>
-          </p:nvPr>
-        </p:nvSpPr>
-        <p:spPr/>
-        <p:txBody>
-          <a:bodyPr>
-            <a:normAutofit/>
-          </a:bodyPr>
-          <a:lstStyle/>
-          <a:p>
-            <a:r>
-              <a:rPr lang="zh-CN" altLang="en-US" sz="3200" dirty="0"/>
-              <a:t>图形</a:t>
-            </a:r>
-            <a:r>
-              <a:rPr lang="zh-CN" altLang="en-US" sz="3200" dirty="0" smtClean="0"/>
-              <a:t>参数</a:t>
-            </a:r>
-            <a:r>
-              <a:rPr lang="en-US" altLang="zh-CN" sz="3200" dirty="0" smtClean="0"/>
-              <a:t>-</a:t>
-            </a:r>
-            <a:r>
-              <a:rPr lang="zh-CN" altLang="en-US" sz="3200" dirty="0" smtClean="0"/>
-              <a:t>界面参数</a:t>
-            </a:r>
-            <a:endParaRPr lang="zh-CN" altLang="en-US" sz="3200" dirty="0"/>
-          </a:p>
-        </p:txBody>
-      </p:sp>
-      <p:sp>
-        <p:nvSpPr>
-          <p:cNvPr id="3" name="内容占位符 2"/>
-          <p:cNvSpPr>
-            <a:spLocks noGrp="1"/>
-          </p:cNvSpPr>
-          <p:nvPr>
-            <p:ph idx="1"/>
-          </p:nvPr>
-        </p:nvSpPr>
-        <p:spPr/>
-        <p:txBody>
-          <a:bodyPr/>
-          <a:lstStyle/>
-          <a:p>
-            <a:endParaRPr lang="zh-CN" altLang="en-US" dirty="0"/>
-          </a:p>
-        </p:txBody>
-      </p:sp>
-    </p:spTree>
-    <p:extLst>
-      <p:ext uri="{BB962C8B-B14F-4D97-AF65-F5344CB8AC3E}">
-        <p14:creationId xmlns:p14="http://schemas.microsoft.com/office/powerpoint/2010/main" val="86415400"/>
-      </p:ext>
-    </p:extLst>
-  </p:cSld>
-  <p:clrMapOvr>
-    <a:masterClrMapping/>
-  </p:clrMapOvr>
-  <p:timing>
-    <p:tnLst>
-      <p:par>
-        <p:cTn id="1" dur="indefinite" restart="never" nodeType="tmRoot"/>
-      </p:par>
-    </p:tnLst>
-  </p:timing>
-</p:sld>
-</file>
-
-<file path=ppt/slides/slide31.xml><?xml version="1.0" encoding="utf-8"?>
-<p:sld xmlns:a="http://schemas.openxmlformats.org/drawingml/2006/main" xmlns:r="http://schemas.openxmlformats.org/officeDocument/2006/relationships" xmlns:p="http://schemas.openxmlformats.org/presentationml/2006/main">
-  <p:cSld>
-    <p:spTree>
-      <p:nvGrpSpPr>
-        <p:cNvPr id="1" name=""/>
-        <p:cNvGrpSpPr/>
-        <p:nvPr/>
-      </p:nvGrpSpPr>
-      <p:grpSpPr>
-        <a:xfrm>
-          <a:off x="0" y="0"/>
-          <a:ext cx="0" cy="0"/>
-          <a:chOff x="0" y="0"/>
-          <a:chExt cx="0" cy="0"/>
-        </a:xfrm>
-      </p:grpSpPr>
-      <p:sp>
-        <p:nvSpPr>
-          <p:cNvPr id="2" name="标题 1"/>
-          <p:cNvSpPr>
-            <a:spLocks noGrp="1"/>
-          </p:cNvSpPr>
-          <p:nvPr>
-            <p:ph type="title"/>
-          </p:nvPr>
-        </p:nvSpPr>
-        <p:spPr/>
-        <p:txBody>
-          <a:bodyPr>
-            <a:normAutofit/>
-          </a:bodyPr>
-          <a:lstStyle/>
-          <a:p>
-            <a:r>
-              <a:rPr lang="zh-CN" altLang="en-US" sz="3200" dirty="0" smtClean="0"/>
-              <a:t>代码分析</a:t>
-            </a:r>
-            <a:r>
-              <a:rPr lang="en-US" altLang="zh-CN" sz="3200" dirty="0" smtClean="0"/>
-              <a:t>-par</a:t>
-            </a:r>
-            <a:r>
-              <a:rPr lang="zh-CN" altLang="en-US" sz="3200" dirty="0" smtClean="0"/>
-              <a:t>设置界面分割</a:t>
-            </a:r>
-            <a:endParaRPr lang="zh-CN" altLang="en-US" sz="3200" dirty="0"/>
-          </a:p>
-        </p:txBody>
-      </p:sp>
-      <p:pic>
-        <p:nvPicPr>
-          <p:cNvPr id="4" name="内容占位符 3"/>
-          <p:cNvPicPr>
-            <a:picLocks noGrp="1" noChangeAspect="1"/>
-          </p:cNvPicPr>
-          <p:nvPr>
-            <p:ph idx="1"/>
-          </p:nvPr>
-        </p:nvPicPr>
-        <p:blipFill>
-          <a:blip r:embed="rId2">
-            <a:extLst>
-              <a:ext uri="{28A0092B-C50C-407E-A947-70E740481C1C}">
-                <a14:useLocalDpi xmlns:a14="http://schemas.microsoft.com/office/drawing/2010/main" val="0"/>
-              </a:ext>
-            </a:extLst>
-          </a:blip>
-          <a:stretch>
-            <a:fillRect/>
-          </a:stretch>
-        </p:blipFill>
-        <p:spPr>
-          <a:xfrm>
-            <a:off x="6293748" y="2030567"/>
-            <a:ext cx="5457825" cy="3743325"/>
-          </a:xfrm>
-        </p:spPr>
-      </p:pic>
-      <p:sp>
-        <p:nvSpPr>
-          <p:cNvPr id="5" name="Rectangle 6"/>
-          <p:cNvSpPr>
-            <a:spLocks noChangeArrowheads="1"/>
-          </p:cNvSpPr>
-          <p:nvPr/>
-        </p:nvSpPr>
-        <p:spPr bwMode="auto">
-          <a:xfrm>
-            <a:off x="446049" y="1939128"/>
-            <a:ext cx="5680432" cy="4295769"/>
-          </a:xfrm>
-          <a:prstGeom prst="rect">
-            <a:avLst/>
-          </a:prstGeom>
-          <a:noFill/>
-          <a:ln w="19050">
-            <a:solidFill>
-              <a:schemeClr val="hlink"/>
-            </a:solidFill>
-            <a:miter lim="800000"/>
-            <a:headEnd/>
-            <a:tailEnd/>
-          </a:ln>
-          <a:effectLst/>
-          <a:extLst>
-            <a:ext uri="{909E8E84-426E-40dd-AFC4-6F175D3DCCD1}">
-              <a14:hiddenFill xmlns:lc="http://schemas.openxmlformats.org/drawingml/2006/lockedCanvas" xmlns:a14="http://schemas.microsoft.com/office/drawing/2010/main" xmlns="">
-                <a:solidFill>
-                  <a:schemeClr val="accent1"/>
-                </a:solidFill>
-              </a14:hiddenFill>
-            </a:ext>
-            <a:ext uri="{AF507438-7753-43e0-B8FC-AC1667EBCBE1}">
-              <a14:hiddenEffects xmlns:lc="http://schemas.openxmlformats.org/drawingml/2006/lockedCanvas" xmlns:a14="http://schemas.microsoft.com/office/drawing/2010/main" xmlns="">
-                <a:effectLst>
-                  <a:outerShdw blurRad="63500" dist="12700" dir="2700000" algn="ctr" rotWithShape="0">
-                    <a:schemeClr val="hlink">
-                      <a:gamma/>
-                      <a:shade val="60000"/>
-                      <a:invGamma/>
-                      <a:alpha val="75000"/>
-                    </a:schemeClr>
-                  </a:outerShdw>
-                </a:effectLst>
-              </a14:hiddenEffects>
-            </a:ext>
-          </a:extLst>
-        </p:spPr>
-        <p:txBody>
-          <a:bodyPr wrap="square" tIns="90000" bIns="90000">
-            <a:spAutoFit/>
-          </a:bodyPr>
-          <a:lstStyle>
-            <a:defPPr>
-              <a:defRPr lang="en-US"/>
-            </a:defPPr>
-            <a:lvl1pPr algn="l" rtl="0" fontAlgn="base">
-              <a:spcBef>
-                <a:spcPct val="0"/>
-              </a:spcBef>
-              <a:spcAft>
-                <a:spcPct val="0"/>
-              </a:spcAft>
-              <a:defRPr sz="2000" kern="1200">
-                <a:solidFill>
-                  <a:schemeClr val="tx1"/>
-                </a:solidFill>
-                <a:latin typeface="Helvetica" panose="020B0604020202020204" pitchFamily="34" charset="0"/>
-                <a:ea typeface="MS PGothic" panose="020B0600070205080204" pitchFamily="34" charset="-128"/>
-                <a:cs typeface="+mn-cs"/>
-              </a:defRPr>
-            </a:lvl1pPr>
-            <a:lvl2pPr marL="457200" algn="l" rtl="0" fontAlgn="base">
-              <a:spcBef>
-                <a:spcPct val="0"/>
-              </a:spcBef>
-              <a:spcAft>
-                <a:spcPct val="0"/>
-              </a:spcAft>
-              <a:defRPr sz="2000" kern="1200">
-                <a:solidFill>
-                  <a:schemeClr val="tx1"/>
-                </a:solidFill>
-                <a:latin typeface="Helvetica" panose="020B0604020202020204" pitchFamily="34" charset="0"/>
-                <a:ea typeface="MS PGothic" panose="020B0600070205080204" pitchFamily="34" charset="-128"/>
-                <a:cs typeface="+mn-cs"/>
-              </a:defRPr>
-            </a:lvl2pPr>
-            <a:lvl3pPr marL="914400" algn="l" rtl="0" fontAlgn="base">
-              <a:spcBef>
-                <a:spcPct val="0"/>
-              </a:spcBef>
-              <a:spcAft>
-                <a:spcPct val="0"/>
-              </a:spcAft>
-              <a:defRPr sz="2000" kern="1200">
-                <a:solidFill>
-                  <a:schemeClr val="tx1"/>
-                </a:solidFill>
-                <a:latin typeface="Helvetica" panose="020B0604020202020204" pitchFamily="34" charset="0"/>
-                <a:ea typeface="MS PGothic" panose="020B0600070205080204" pitchFamily="34" charset="-128"/>
-                <a:cs typeface="+mn-cs"/>
-              </a:defRPr>
-            </a:lvl3pPr>
-            <a:lvl4pPr marL="1371600" algn="l" rtl="0" fontAlgn="base">
-              <a:spcBef>
-                <a:spcPct val="0"/>
-              </a:spcBef>
-              <a:spcAft>
-                <a:spcPct val="0"/>
-              </a:spcAft>
-              <a:defRPr sz="2000" kern="1200">
-                <a:solidFill>
-                  <a:schemeClr val="tx1"/>
-                </a:solidFill>
-                <a:latin typeface="Helvetica" panose="020B0604020202020204" pitchFamily="34" charset="0"/>
-                <a:ea typeface="MS PGothic" panose="020B0600070205080204" pitchFamily="34" charset="-128"/>
-                <a:cs typeface="+mn-cs"/>
-              </a:defRPr>
-            </a:lvl4pPr>
-            <a:lvl5pPr marL="1828800" algn="l" rtl="0" fontAlgn="base">
-              <a:spcBef>
-                <a:spcPct val="0"/>
-              </a:spcBef>
-              <a:spcAft>
-                <a:spcPct val="0"/>
-              </a:spcAft>
-              <a:defRPr sz="2000" kern="1200">
-                <a:solidFill>
-                  <a:schemeClr val="tx1"/>
-                </a:solidFill>
-                <a:latin typeface="Helvetica" panose="020B0604020202020204" pitchFamily="34" charset="0"/>
-                <a:ea typeface="MS PGothic" panose="020B0600070205080204" pitchFamily="34" charset="-128"/>
-                <a:cs typeface="+mn-cs"/>
-              </a:defRPr>
-            </a:lvl5pPr>
-            <a:lvl6pPr marL="2286000" algn="l" defTabSz="914400" rtl="0" eaLnBrk="1" latinLnBrk="0" hangingPunct="1">
-              <a:defRPr sz="2000" kern="1200">
-                <a:solidFill>
-                  <a:schemeClr val="tx1"/>
-                </a:solidFill>
-                <a:latin typeface="Helvetica" panose="020B0604020202020204" pitchFamily="34" charset="0"/>
-                <a:ea typeface="MS PGothic" panose="020B0600070205080204" pitchFamily="34" charset="-128"/>
-                <a:cs typeface="+mn-cs"/>
-              </a:defRPr>
-            </a:lvl6pPr>
-            <a:lvl7pPr marL="2743200" algn="l" defTabSz="914400" rtl="0" eaLnBrk="1" latinLnBrk="0" hangingPunct="1">
-              <a:defRPr sz="2000" kern="1200">
-                <a:solidFill>
-                  <a:schemeClr val="tx1"/>
-                </a:solidFill>
-                <a:latin typeface="Helvetica" panose="020B0604020202020204" pitchFamily="34" charset="0"/>
-                <a:ea typeface="MS PGothic" panose="020B0600070205080204" pitchFamily="34" charset="-128"/>
-                <a:cs typeface="+mn-cs"/>
-              </a:defRPr>
-            </a:lvl7pPr>
-            <a:lvl8pPr marL="3200400" algn="l" defTabSz="914400" rtl="0" eaLnBrk="1" latinLnBrk="0" hangingPunct="1">
-              <a:defRPr sz="2000" kern="1200">
-                <a:solidFill>
-                  <a:schemeClr val="tx1"/>
-                </a:solidFill>
-                <a:latin typeface="Helvetica" panose="020B0604020202020204" pitchFamily="34" charset="0"/>
-                <a:ea typeface="MS PGothic" panose="020B0600070205080204" pitchFamily="34" charset="-128"/>
-                <a:cs typeface="+mn-cs"/>
-              </a:defRPr>
-            </a:lvl8pPr>
-            <a:lvl9pPr marL="3657600" algn="l" defTabSz="914400" rtl="0" eaLnBrk="1" latinLnBrk="0" hangingPunct="1">
-              <a:defRPr sz="2000" kern="1200">
-                <a:solidFill>
-                  <a:schemeClr val="tx1"/>
-                </a:solidFill>
-                <a:latin typeface="Helvetica" panose="020B0604020202020204" pitchFamily="34" charset="0"/>
-                <a:ea typeface="MS PGothic" panose="020B0600070205080204" pitchFamily="34" charset="-128"/>
-                <a:cs typeface="+mn-cs"/>
-              </a:defRPr>
-            </a:lvl9pPr>
-          </a:lstStyle>
-          <a:p>
-            <a:pPr eaLnBrk="0" hangingPunct="0">
-              <a:lnSpc>
-                <a:spcPct val="120000"/>
-              </a:lnSpc>
-              <a:defRPr/>
-            </a:pPr>
-            <a:r>
-              <a:rPr lang="en-US" sz="1400" dirty="0" smtClean="0">
-                <a:solidFill>
-                  <a:srgbClr val="0070C0"/>
-                </a:solidFill>
-                <a:latin typeface="Times New Roman" panose="02020603050405020304" pitchFamily="18" charset="0"/>
-                <a:ea typeface="ＭＳ Ｐゴシック" charset="0"/>
-                <a:cs typeface="Times New Roman" panose="02020603050405020304" pitchFamily="18" charset="0"/>
-              </a:rPr>
-              <a:t>&gt;par(</a:t>
-            </a:r>
-            <a:r>
-              <a:rPr lang="en-US" sz="1400" dirty="0" err="1" smtClean="0">
-                <a:solidFill>
-                  <a:srgbClr val="0070C0"/>
-                </a:solidFill>
-                <a:latin typeface="Times New Roman" panose="02020603050405020304" pitchFamily="18" charset="0"/>
-                <a:ea typeface="ＭＳ Ｐゴシック" charset="0"/>
-                <a:cs typeface="Times New Roman" panose="02020603050405020304" pitchFamily="18" charset="0"/>
-              </a:rPr>
-              <a:t>mfrow</a:t>
-            </a:r>
-            <a:r>
-              <a:rPr lang="en-US" sz="1400" dirty="0" smtClean="0">
-                <a:solidFill>
-                  <a:srgbClr val="0070C0"/>
-                </a:solidFill>
-                <a:latin typeface="Times New Roman" panose="02020603050405020304" pitchFamily="18" charset="0"/>
-                <a:ea typeface="ＭＳ Ｐゴシック" charset="0"/>
-                <a:cs typeface="Times New Roman" panose="02020603050405020304" pitchFamily="18" charset="0"/>
-              </a:rPr>
-              <a:t>=c(2,2</a:t>
-            </a:r>
-            <a:r>
-              <a:rPr lang="en-US" sz="1400" dirty="0">
-                <a:solidFill>
-                  <a:srgbClr val="0070C0"/>
-                </a:solidFill>
-                <a:latin typeface="Times New Roman" panose="02020603050405020304" pitchFamily="18" charset="0"/>
-                <a:ea typeface="ＭＳ Ｐゴシック" charset="0"/>
-                <a:cs typeface="Times New Roman" panose="02020603050405020304" pitchFamily="18" charset="0"/>
-              </a:rPr>
-              <a:t>))</a:t>
-            </a:r>
-          </a:p>
-          <a:p>
-            <a:pPr eaLnBrk="0" hangingPunct="0">
-              <a:lnSpc>
-                <a:spcPct val="120000"/>
-              </a:lnSpc>
-              <a:defRPr/>
-            </a:pPr>
-            <a:r>
-              <a:rPr lang="en-US" sz="1400" dirty="0" smtClean="0">
-                <a:solidFill>
-                  <a:srgbClr val="0070C0"/>
-                </a:solidFill>
-                <a:latin typeface="Times New Roman" panose="02020603050405020304" pitchFamily="18" charset="0"/>
-                <a:ea typeface="ＭＳ Ｐゴシック" charset="0"/>
-                <a:cs typeface="Times New Roman" panose="02020603050405020304" pitchFamily="18" charset="0"/>
-              </a:rPr>
-              <a:t>&gt;</a:t>
-            </a:r>
-            <a:r>
-              <a:rPr lang="en-US" sz="1400" dirty="0" err="1" smtClean="0">
-                <a:solidFill>
-                  <a:srgbClr val="0070C0"/>
-                </a:solidFill>
-                <a:latin typeface="Times New Roman" panose="02020603050405020304" pitchFamily="18" charset="0"/>
-                <a:ea typeface="ＭＳ Ｐゴシック" charset="0"/>
-                <a:cs typeface="Times New Roman" panose="02020603050405020304" pitchFamily="18" charset="0"/>
-              </a:rPr>
-              <a:t>hist</a:t>
-            </a:r>
-            <a:r>
-              <a:rPr lang="en-US" sz="1400" dirty="0" smtClean="0">
-                <a:solidFill>
-                  <a:srgbClr val="0070C0"/>
-                </a:solidFill>
-                <a:latin typeface="Times New Roman" panose="02020603050405020304" pitchFamily="18" charset="0"/>
-                <a:ea typeface="ＭＳ Ｐゴシック" charset="0"/>
-                <a:cs typeface="Times New Roman" panose="02020603050405020304" pitchFamily="18" charset="0"/>
-              </a:rPr>
-              <a:t>(</a:t>
-            </a:r>
-            <a:r>
-              <a:rPr lang="en-US" sz="1400" dirty="0" err="1" smtClean="0">
-                <a:solidFill>
-                  <a:srgbClr val="0070C0"/>
-                </a:solidFill>
-                <a:latin typeface="Times New Roman" panose="02020603050405020304" pitchFamily="18" charset="0"/>
-                <a:ea typeface="ＭＳ Ｐゴシック" charset="0"/>
-                <a:cs typeface="Times New Roman" panose="02020603050405020304" pitchFamily="18" charset="0"/>
-              </a:rPr>
-              <a:t>mtcars$mpg</a:t>
-            </a:r>
-            <a:r>
-              <a:rPr lang="en-US" sz="1400" dirty="0">
-                <a:solidFill>
-                  <a:srgbClr val="0070C0"/>
-                </a:solidFill>
-                <a:latin typeface="Times New Roman" panose="02020603050405020304" pitchFamily="18" charset="0"/>
-                <a:ea typeface="ＭＳ Ｐゴシック" charset="0"/>
-                <a:cs typeface="Times New Roman" panose="02020603050405020304" pitchFamily="18" charset="0"/>
-              </a:rPr>
-              <a:t>)</a:t>
-            </a:r>
-          </a:p>
-          <a:p>
-            <a:pPr eaLnBrk="0" hangingPunct="0">
-              <a:lnSpc>
-                <a:spcPct val="120000"/>
-              </a:lnSpc>
-              <a:defRPr/>
-            </a:pPr>
-            <a:r>
-              <a:rPr lang="en-US" sz="1400" dirty="0" smtClean="0">
-                <a:solidFill>
-                  <a:srgbClr val="0070C0"/>
-                </a:solidFill>
-                <a:latin typeface="Times New Roman" panose="02020603050405020304" pitchFamily="18" charset="0"/>
-                <a:ea typeface="ＭＳ Ｐゴシック" charset="0"/>
-                <a:cs typeface="Times New Roman" panose="02020603050405020304" pitchFamily="18" charset="0"/>
-              </a:rPr>
-              <a:t>&gt;</a:t>
-            </a:r>
-            <a:r>
-              <a:rPr lang="en-US" sz="1400" dirty="0" err="1" smtClean="0">
-                <a:solidFill>
-                  <a:srgbClr val="0070C0"/>
-                </a:solidFill>
-                <a:latin typeface="Times New Roman" panose="02020603050405020304" pitchFamily="18" charset="0"/>
-                <a:ea typeface="ＭＳ Ｐゴシック" charset="0"/>
-                <a:cs typeface="Times New Roman" panose="02020603050405020304" pitchFamily="18" charset="0"/>
-              </a:rPr>
-              <a:t>hist</a:t>
-            </a:r>
-            <a:r>
-              <a:rPr lang="en-US" sz="1400" dirty="0" smtClean="0">
-                <a:solidFill>
-                  <a:srgbClr val="0070C0"/>
-                </a:solidFill>
-                <a:latin typeface="Times New Roman" panose="02020603050405020304" pitchFamily="18" charset="0"/>
-                <a:ea typeface="ＭＳ Ｐゴシック" charset="0"/>
-                <a:cs typeface="Times New Roman" panose="02020603050405020304" pitchFamily="18" charset="0"/>
-              </a:rPr>
-              <a:t>(</a:t>
-            </a:r>
-            <a:r>
-              <a:rPr lang="en-US" sz="1400" dirty="0" err="1" smtClean="0">
-                <a:solidFill>
-                  <a:srgbClr val="0070C0"/>
-                </a:solidFill>
-                <a:latin typeface="Times New Roman" panose="02020603050405020304" pitchFamily="18" charset="0"/>
-                <a:ea typeface="ＭＳ Ｐゴシック" charset="0"/>
-                <a:cs typeface="Times New Roman" panose="02020603050405020304" pitchFamily="18" charset="0"/>
-              </a:rPr>
-              <a:t>mtcars$mpg</a:t>
-            </a:r>
-            <a:r>
-              <a:rPr lang="en-US" sz="1400" dirty="0">
-                <a:solidFill>
-                  <a:srgbClr val="0070C0"/>
-                </a:solidFill>
-                <a:latin typeface="Times New Roman" panose="02020603050405020304" pitchFamily="18" charset="0"/>
-                <a:ea typeface="ＭＳ Ｐゴシック" charset="0"/>
-                <a:cs typeface="Times New Roman" panose="02020603050405020304" pitchFamily="18" charset="0"/>
-              </a:rPr>
-              <a:t>, breaks=12, col="red", </a:t>
-            </a:r>
-            <a:r>
-              <a:rPr lang="en-US" sz="1400" dirty="0" err="1">
-                <a:solidFill>
-                  <a:srgbClr val="0070C0"/>
-                </a:solidFill>
-                <a:latin typeface="Times New Roman" panose="02020603050405020304" pitchFamily="18" charset="0"/>
-                <a:ea typeface="ＭＳ Ｐゴシック" charset="0"/>
-                <a:cs typeface="Times New Roman" panose="02020603050405020304" pitchFamily="18" charset="0"/>
-              </a:rPr>
-              <a:t>xlab</a:t>
-            </a:r>
-            <a:r>
-              <a:rPr lang="en-US" sz="1400" dirty="0">
-                <a:solidFill>
-                  <a:srgbClr val="0070C0"/>
-                </a:solidFill>
-                <a:latin typeface="Times New Roman" panose="02020603050405020304" pitchFamily="18" charset="0"/>
-                <a:ea typeface="ＭＳ Ｐゴシック" charset="0"/>
-                <a:cs typeface="Times New Roman" panose="02020603050405020304" pitchFamily="18" charset="0"/>
-              </a:rPr>
-              <a:t>="Miles Per Gallon", </a:t>
-            </a:r>
-            <a:r>
-              <a:rPr lang="en-US" sz="1400" dirty="0" smtClean="0">
-                <a:solidFill>
-                  <a:srgbClr val="0070C0"/>
-                </a:solidFill>
-                <a:latin typeface="Times New Roman" panose="02020603050405020304" pitchFamily="18" charset="0"/>
-                <a:ea typeface="ＭＳ Ｐゴシック" charset="0"/>
-                <a:cs typeface="Times New Roman" panose="02020603050405020304" pitchFamily="18" charset="0"/>
-              </a:rPr>
-              <a:t>main</a:t>
-            </a:r>
-            <a:r>
-              <a:rPr lang="en-US" sz="1400" dirty="0">
-                <a:solidFill>
-                  <a:srgbClr val="0070C0"/>
-                </a:solidFill>
-                <a:latin typeface="Times New Roman" panose="02020603050405020304" pitchFamily="18" charset="0"/>
-                <a:ea typeface="ＭＳ Ｐゴシック" charset="0"/>
-                <a:cs typeface="Times New Roman" panose="02020603050405020304" pitchFamily="18" charset="0"/>
-              </a:rPr>
-              <a:t>="Colored histogram with 12 bins")</a:t>
-            </a:r>
-          </a:p>
-          <a:p>
-            <a:pPr eaLnBrk="0" hangingPunct="0">
-              <a:lnSpc>
-                <a:spcPct val="120000"/>
-              </a:lnSpc>
-              <a:defRPr/>
-            </a:pPr>
-            <a:r>
-              <a:rPr lang="en-US" sz="1400" dirty="0" smtClean="0">
-                <a:solidFill>
-                  <a:srgbClr val="0070C0"/>
-                </a:solidFill>
-                <a:latin typeface="Times New Roman" panose="02020603050405020304" pitchFamily="18" charset="0"/>
-                <a:ea typeface="ＭＳ Ｐゴシック" charset="0"/>
-                <a:cs typeface="Times New Roman" panose="02020603050405020304" pitchFamily="18" charset="0"/>
-              </a:rPr>
-              <a:t>&gt;</a:t>
-            </a:r>
-            <a:r>
-              <a:rPr lang="en-US" sz="1400" dirty="0" err="1" smtClean="0">
-                <a:solidFill>
-                  <a:srgbClr val="0070C0"/>
-                </a:solidFill>
-                <a:latin typeface="Times New Roman" panose="02020603050405020304" pitchFamily="18" charset="0"/>
-                <a:ea typeface="ＭＳ Ｐゴシック" charset="0"/>
-                <a:cs typeface="Times New Roman" panose="02020603050405020304" pitchFamily="18" charset="0"/>
-              </a:rPr>
-              <a:t>hist</a:t>
-            </a:r>
-            <a:r>
-              <a:rPr lang="en-US" sz="1400" dirty="0" smtClean="0">
-                <a:solidFill>
-                  <a:srgbClr val="0070C0"/>
-                </a:solidFill>
-                <a:latin typeface="Times New Roman" panose="02020603050405020304" pitchFamily="18" charset="0"/>
-                <a:ea typeface="ＭＳ Ｐゴシック" charset="0"/>
-                <a:cs typeface="Times New Roman" panose="02020603050405020304" pitchFamily="18" charset="0"/>
-              </a:rPr>
-              <a:t>(</a:t>
-            </a:r>
-            <a:r>
-              <a:rPr lang="en-US" sz="1400" dirty="0" err="1" smtClean="0">
-                <a:solidFill>
-                  <a:srgbClr val="0070C0"/>
-                </a:solidFill>
-                <a:latin typeface="Times New Roman" panose="02020603050405020304" pitchFamily="18" charset="0"/>
-                <a:ea typeface="ＭＳ Ｐゴシック" charset="0"/>
-                <a:cs typeface="Times New Roman" panose="02020603050405020304" pitchFamily="18" charset="0"/>
-              </a:rPr>
-              <a:t>mtcars$mpg</a:t>
-            </a:r>
-            <a:r>
-              <a:rPr lang="en-US" sz="1400" dirty="0">
-                <a:solidFill>
-                  <a:srgbClr val="0070C0"/>
-                </a:solidFill>
-                <a:latin typeface="Times New Roman" panose="02020603050405020304" pitchFamily="18" charset="0"/>
-                <a:ea typeface="ＭＳ Ｐゴシック" charset="0"/>
-                <a:cs typeface="Times New Roman" panose="02020603050405020304" pitchFamily="18" charset="0"/>
-              </a:rPr>
-              <a:t>, </a:t>
-            </a:r>
-            <a:r>
-              <a:rPr lang="en-US" sz="1400" dirty="0" err="1">
-                <a:solidFill>
-                  <a:srgbClr val="0070C0"/>
-                </a:solidFill>
-                <a:latin typeface="Times New Roman" panose="02020603050405020304" pitchFamily="18" charset="0"/>
-                <a:ea typeface="ＭＳ Ｐゴシック" charset="0"/>
-                <a:cs typeface="Times New Roman" panose="02020603050405020304" pitchFamily="18" charset="0"/>
-              </a:rPr>
-              <a:t>freq</a:t>
-            </a:r>
-            <a:r>
-              <a:rPr lang="en-US" sz="1400" dirty="0">
-                <a:solidFill>
-                  <a:srgbClr val="0070C0"/>
-                </a:solidFill>
-                <a:latin typeface="Times New Roman" panose="02020603050405020304" pitchFamily="18" charset="0"/>
-                <a:ea typeface="ＭＳ Ｐゴシック" charset="0"/>
-                <a:cs typeface="Times New Roman" panose="02020603050405020304" pitchFamily="18" charset="0"/>
-              </a:rPr>
-              <a:t>=FALSE, breaks=12, col="red", </a:t>
-            </a:r>
-            <a:r>
-              <a:rPr lang="en-US" sz="1400" dirty="0" err="1">
-                <a:solidFill>
-                  <a:srgbClr val="0070C0"/>
-                </a:solidFill>
-                <a:latin typeface="Times New Roman" panose="02020603050405020304" pitchFamily="18" charset="0"/>
-                <a:ea typeface="ＭＳ Ｐゴシック" charset="0"/>
-                <a:cs typeface="Times New Roman" panose="02020603050405020304" pitchFamily="18" charset="0"/>
-              </a:rPr>
-              <a:t>xlab</a:t>
-            </a:r>
-            <a:r>
-              <a:rPr lang="en-US" sz="1400" dirty="0">
-                <a:solidFill>
-                  <a:srgbClr val="0070C0"/>
-                </a:solidFill>
-                <a:latin typeface="Times New Roman" panose="02020603050405020304" pitchFamily="18" charset="0"/>
-                <a:ea typeface="ＭＳ Ｐゴシック" charset="0"/>
-                <a:cs typeface="Times New Roman" panose="02020603050405020304" pitchFamily="18" charset="0"/>
-              </a:rPr>
-              <a:t>="Miles Per Gallon", main="Histogram, rug plot ,density curve")</a:t>
-            </a:r>
-          </a:p>
-          <a:p>
-            <a:pPr eaLnBrk="0" hangingPunct="0">
-              <a:lnSpc>
-                <a:spcPct val="120000"/>
-              </a:lnSpc>
-              <a:defRPr/>
-            </a:pPr>
-            <a:r>
-              <a:rPr lang="en-US" sz="1400" dirty="0" smtClean="0">
-                <a:solidFill>
-                  <a:srgbClr val="0070C0"/>
-                </a:solidFill>
-                <a:latin typeface="Times New Roman" panose="02020603050405020304" pitchFamily="18" charset="0"/>
-                <a:ea typeface="ＭＳ Ｐゴシック" charset="0"/>
-                <a:cs typeface="Times New Roman" panose="02020603050405020304" pitchFamily="18" charset="0"/>
-              </a:rPr>
-              <a:t>&gt;rug(jitter(</a:t>
-            </a:r>
-            <a:r>
-              <a:rPr lang="en-US" sz="1400" dirty="0" err="1" smtClean="0">
-                <a:solidFill>
-                  <a:srgbClr val="0070C0"/>
-                </a:solidFill>
-                <a:latin typeface="Times New Roman" panose="02020603050405020304" pitchFamily="18" charset="0"/>
-                <a:ea typeface="ＭＳ Ｐゴシック" charset="0"/>
-                <a:cs typeface="Times New Roman" panose="02020603050405020304" pitchFamily="18" charset="0"/>
-              </a:rPr>
-              <a:t>mtcars$mpg</a:t>
-            </a:r>
-            <a:r>
-              <a:rPr lang="en-US" sz="1400" dirty="0">
-                <a:solidFill>
-                  <a:srgbClr val="0070C0"/>
-                </a:solidFill>
-                <a:latin typeface="Times New Roman" panose="02020603050405020304" pitchFamily="18" charset="0"/>
-                <a:ea typeface="ＭＳ Ｐゴシック" charset="0"/>
-                <a:cs typeface="Times New Roman" panose="02020603050405020304" pitchFamily="18" charset="0"/>
-              </a:rPr>
-              <a:t>))</a:t>
-            </a:r>
-          </a:p>
-          <a:p>
-            <a:pPr eaLnBrk="0" hangingPunct="0">
-              <a:lnSpc>
-                <a:spcPct val="120000"/>
-              </a:lnSpc>
-              <a:defRPr/>
-            </a:pPr>
-            <a:r>
-              <a:rPr lang="en-US" sz="1400" dirty="0" smtClean="0">
-                <a:solidFill>
-                  <a:srgbClr val="0070C0"/>
-                </a:solidFill>
-                <a:latin typeface="Times New Roman" panose="02020603050405020304" pitchFamily="18" charset="0"/>
-                <a:ea typeface="ＭＳ Ｐゴシック" charset="0"/>
-                <a:cs typeface="Times New Roman" panose="02020603050405020304" pitchFamily="18" charset="0"/>
-              </a:rPr>
-              <a:t>&gt;lines(density(</a:t>
-            </a:r>
-            <a:r>
-              <a:rPr lang="en-US" sz="1400" dirty="0" err="1" smtClean="0">
-                <a:solidFill>
-                  <a:srgbClr val="0070C0"/>
-                </a:solidFill>
-                <a:latin typeface="Times New Roman" panose="02020603050405020304" pitchFamily="18" charset="0"/>
-                <a:ea typeface="ＭＳ Ｐゴシック" charset="0"/>
-                <a:cs typeface="Times New Roman" panose="02020603050405020304" pitchFamily="18" charset="0"/>
-              </a:rPr>
-              <a:t>mtcars$mpg</a:t>
-            </a:r>
-            <a:r>
-              <a:rPr lang="en-US" sz="1400" dirty="0">
-                <a:solidFill>
-                  <a:srgbClr val="0070C0"/>
-                </a:solidFill>
-                <a:latin typeface="Times New Roman" panose="02020603050405020304" pitchFamily="18" charset="0"/>
-                <a:ea typeface="ＭＳ Ｐゴシック" charset="0"/>
-                <a:cs typeface="Times New Roman" panose="02020603050405020304" pitchFamily="18" charset="0"/>
-              </a:rPr>
-              <a:t>), col="blue", </a:t>
-            </a:r>
-            <a:r>
-              <a:rPr lang="en-US" sz="1400" dirty="0" err="1">
-                <a:solidFill>
-                  <a:srgbClr val="0070C0"/>
-                </a:solidFill>
-                <a:latin typeface="Times New Roman" panose="02020603050405020304" pitchFamily="18" charset="0"/>
-                <a:ea typeface="ＭＳ Ｐゴシック" charset="0"/>
-                <a:cs typeface="Times New Roman" panose="02020603050405020304" pitchFamily="18" charset="0"/>
-              </a:rPr>
-              <a:t>lwd</a:t>
-            </a:r>
-            <a:r>
-              <a:rPr lang="en-US" sz="1400" dirty="0">
-                <a:solidFill>
-                  <a:srgbClr val="0070C0"/>
-                </a:solidFill>
-                <a:latin typeface="Times New Roman" panose="02020603050405020304" pitchFamily="18" charset="0"/>
-                <a:ea typeface="ＭＳ Ｐゴシック" charset="0"/>
-                <a:cs typeface="Times New Roman" panose="02020603050405020304" pitchFamily="18" charset="0"/>
-              </a:rPr>
-              <a:t>=2)</a:t>
-            </a:r>
-          </a:p>
-          <a:p>
-            <a:pPr eaLnBrk="0" hangingPunct="0">
-              <a:lnSpc>
-                <a:spcPct val="120000"/>
-              </a:lnSpc>
-              <a:defRPr/>
-            </a:pPr>
-            <a:r>
-              <a:rPr lang="en-US" sz="1400" dirty="0">
-                <a:solidFill>
-                  <a:srgbClr val="0070C0"/>
-                </a:solidFill>
-                <a:latin typeface="Times New Roman" panose="02020603050405020304" pitchFamily="18" charset="0"/>
-                <a:ea typeface="ＭＳ Ｐゴシック" charset="0"/>
-                <a:cs typeface="Times New Roman" panose="02020603050405020304" pitchFamily="18" charset="0"/>
-              </a:rPr>
-              <a:t>x &lt;- </a:t>
-            </a:r>
-            <a:r>
-              <a:rPr lang="en-US" sz="1400" dirty="0" err="1">
-                <a:solidFill>
-                  <a:srgbClr val="0070C0"/>
-                </a:solidFill>
-                <a:latin typeface="Times New Roman" panose="02020603050405020304" pitchFamily="18" charset="0"/>
-                <a:ea typeface="ＭＳ Ｐゴシック" charset="0"/>
-                <a:cs typeface="Times New Roman" panose="02020603050405020304" pitchFamily="18" charset="0"/>
-              </a:rPr>
-              <a:t>mtcars$mpg</a:t>
-            </a:r>
-            <a:endParaRPr lang="en-US" sz="1400" dirty="0">
-              <a:solidFill>
-                <a:srgbClr val="0070C0"/>
-              </a:solidFill>
-              <a:latin typeface="Times New Roman" panose="02020603050405020304" pitchFamily="18" charset="0"/>
-              <a:ea typeface="ＭＳ Ｐゴシック" charset="0"/>
-              <a:cs typeface="Times New Roman" panose="02020603050405020304" pitchFamily="18" charset="0"/>
-            </a:endParaRPr>
-          </a:p>
-          <a:p>
-            <a:pPr eaLnBrk="0" hangingPunct="0">
-              <a:lnSpc>
-                <a:spcPct val="120000"/>
-              </a:lnSpc>
-              <a:defRPr/>
-            </a:pPr>
-            <a:r>
-              <a:rPr lang="en-US" sz="1400" dirty="0">
-                <a:solidFill>
-                  <a:srgbClr val="0070C0"/>
-                </a:solidFill>
-                <a:latin typeface="Times New Roman" panose="02020603050405020304" pitchFamily="18" charset="0"/>
-                <a:ea typeface="ＭＳ Ｐゴシック" charset="0"/>
-                <a:cs typeface="Times New Roman" panose="02020603050405020304" pitchFamily="18" charset="0"/>
-              </a:rPr>
-              <a:t>h &lt;- </a:t>
-            </a:r>
-            <a:r>
-              <a:rPr lang="en-US" sz="1400" dirty="0" err="1">
-                <a:solidFill>
-                  <a:srgbClr val="0070C0"/>
-                </a:solidFill>
-                <a:latin typeface="Times New Roman" panose="02020603050405020304" pitchFamily="18" charset="0"/>
-                <a:ea typeface="ＭＳ Ｐゴシック" charset="0"/>
-                <a:cs typeface="Times New Roman" panose="02020603050405020304" pitchFamily="18" charset="0"/>
-              </a:rPr>
-              <a:t>hist</a:t>
-            </a:r>
-            <a:r>
-              <a:rPr lang="en-US" sz="1400" dirty="0">
-                <a:solidFill>
-                  <a:srgbClr val="0070C0"/>
-                </a:solidFill>
-                <a:latin typeface="Times New Roman" panose="02020603050405020304" pitchFamily="18" charset="0"/>
-                <a:ea typeface="ＭＳ Ｐゴシック" charset="0"/>
-                <a:cs typeface="Times New Roman" panose="02020603050405020304" pitchFamily="18" charset="0"/>
-              </a:rPr>
-              <a:t>(x, breaks=12, col="red", </a:t>
-            </a:r>
-            <a:r>
-              <a:rPr lang="en-US" sz="1400" dirty="0" err="1">
-                <a:solidFill>
-                  <a:srgbClr val="0070C0"/>
-                </a:solidFill>
-                <a:latin typeface="Times New Roman" panose="02020603050405020304" pitchFamily="18" charset="0"/>
-                <a:ea typeface="ＭＳ Ｐゴシック" charset="0"/>
-                <a:cs typeface="Times New Roman" panose="02020603050405020304" pitchFamily="18" charset="0"/>
-              </a:rPr>
-              <a:t>xlab</a:t>
-            </a:r>
-            <a:r>
-              <a:rPr lang="en-US" sz="1400" dirty="0">
-                <a:solidFill>
-                  <a:srgbClr val="0070C0"/>
-                </a:solidFill>
-                <a:latin typeface="Times New Roman" panose="02020603050405020304" pitchFamily="18" charset="0"/>
-                <a:ea typeface="ＭＳ Ｐゴシック" charset="0"/>
-                <a:cs typeface="Times New Roman" panose="02020603050405020304" pitchFamily="18" charset="0"/>
-              </a:rPr>
-              <a:t>="Miles Per Gallon", main="Histogram with normal curve and box")</a:t>
-            </a:r>
-          </a:p>
-          <a:p>
-            <a:pPr eaLnBrk="0" hangingPunct="0">
-              <a:lnSpc>
-                <a:spcPct val="120000"/>
-              </a:lnSpc>
-              <a:defRPr/>
-            </a:pPr>
-            <a:r>
-              <a:rPr lang="en-US" sz="1400" dirty="0" err="1">
-                <a:solidFill>
-                  <a:srgbClr val="0070C0"/>
-                </a:solidFill>
-                <a:latin typeface="Times New Roman" panose="02020603050405020304" pitchFamily="18" charset="0"/>
-                <a:ea typeface="ＭＳ Ｐゴシック" charset="0"/>
-                <a:cs typeface="Times New Roman" panose="02020603050405020304" pitchFamily="18" charset="0"/>
-              </a:rPr>
-              <a:t>xfit</a:t>
-            </a:r>
-            <a:r>
-              <a:rPr lang="en-US" sz="1400" dirty="0">
-                <a:solidFill>
-                  <a:srgbClr val="0070C0"/>
-                </a:solidFill>
-                <a:latin typeface="Times New Roman" panose="02020603050405020304" pitchFamily="18" charset="0"/>
-                <a:ea typeface="ＭＳ Ｐゴシック" charset="0"/>
-                <a:cs typeface="Times New Roman" panose="02020603050405020304" pitchFamily="18" charset="0"/>
-              </a:rPr>
-              <a:t> &lt;- </a:t>
-            </a:r>
-            <a:r>
-              <a:rPr lang="en-US" sz="1400" dirty="0" err="1">
-                <a:solidFill>
-                  <a:srgbClr val="0070C0"/>
-                </a:solidFill>
-                <a:latin typeface="Times New Roman" panose="02020603050405020304" pitchFamily="18" charset="0"/>
-                <a:ea typeface="ＭＳ Ｐゴシック" charset="0"/>
-                <a:cs typeface="Times New Roman" panose="02020603050405020304" pitchFamily="18" charset="0"/>
-              </a:rPr>
-              <a:t>seq</a:t>
-            </a:r>
-            <a:r>
-              <a:rPr lang="en-US" sz="1400" dirty="0">
-                <a:solidFill>
-                  <a:srgbClr val="0070C0"/>
-                </a:solidFill>
-                <a:latin typeface="Times New Roman" panose="02020603050405020304" pitchFamily="18" charset="0"/>
-                <a:ea typeface="ＭＳ Ｐゴシック" charset="0"/>
-                <a:cs typeface="Times New Roman" panose="02020603050405020304" pitchFamily="18" charset="0"/>
-              </a:rPr>
-              <a:t>(min(x), max(x), length=40)</a:t>
-            </a:r>
-          </a:p>
-          <a:p>
-            <a:pPr eaLnBrk="0" hangingPunct="0">
-              <a:lnSpc>
-                <a:spcPct val="120000"/>
-              </a:lnSpc>
-              <a:defRPr/>
-            </a:pPr>
-            <a:r>
-              <a:rPr lang="en-US" sz="1400" dirty="0" err="1">
-                <a:solidFill>
-                  <a:srgbClr val="0070C0"/>
-                </a:solidFill>
-                <a:latin typeface="Times New Roman" panose="02020603050405020304" pitchFamily="18" charset="0"/>
-                <a:ea typeface="ＭＳ Ｐゴシック" charset="0"/>
-                <a:cs typeface="Times New Roman" panose="02020603050405020304" pitchFamily="18" charset="0"/>
-              </a:rPr>
-              <a:t>yfit</a:t>
-            </a:r>
-            <a:r>
-              <a:rPr lang="en-US" sz="1400" dirty="0">
-                <a:solidFill>
-                  <a:srgbClr val="0070C0"/>
-                </a:solidFill>
-                <a:latin typeface="Times New Roman" panose="02020603050405020304" pitchFamily="18" charset="0"/>
-                <a:ea typeface="ＭＳ Ｐゴシック" charset="0"/>
-                <a:cs typeface="Times New Roman" panose="02020603050405020304" pitchFamily="18" charset="0"/>
-              </a:rPr>
-              <a:t> &lt;- </a:t>
-            </a:r>
-            <a:r>
-              <a:rPr lang="en-US" sz="1400" dirty="0" err="1">
-                <a:solidFill>
-                  <a:srgbClr val="0070C0"/>
-                </a:solidFill>
-                <a:latin typeface="Times New Roman" panose="02020603050405020304" pitchFamily="18" charset="0"/>
-                <a:ea typeface="ＭＳ Ｐゴシック" charset="0"/>
-                <a:cs typeface="Times New Roman" panose="02020603050405020304" pitchFamily="18" charset="0"/>
-              </a:rPr>
-              <a:t>dnorm</a:t>
-            </a:r>
-            <a:r>
-              <a:rPr lang="en-US" sz="1400" dirty="0">
-                <a:solidFill>
-                  <a:srgbClr val="0070C0"/>
-                </a:solidFill>
-                <a:latin typeface="Times New Roman" panose="02020603050405020304" pitchFamily="18" charset="0"/>
-                <a:ea typeface="ＭＳ Ｐゴシック" charset="0"/>
-                <a:cs typeface="Times New Roman" panose="02020603050405020304" pitchFamily="18" charset="0"/>
-              </a:rPr>
-              <a:t>(</a:t>
-            </a:r>
-            <a:r>
-              <a:rPr lang="en-US" sz="1400" dirty="0" err="1">
-                <a:solidFill>
-                  <a:srgbClr val="0070C0"/>
-                </a:solidFill>
-                <a:latin typeface="Times New Roman" panose="02020603050405020304" pitchFamily="18" charset="0"/>
-                <a:ea typeface="ＭＳ Ｐゴシック" charset="0"/>
-                <a:cs typeface="Times New Roman" panose="02020603050405020304" pitchFamily="18" charset="0"/>
-              </a:rPr>
-              <a:t>xfit</a:t>
-            </a:r>
-            <a:r>
-              <a:rPr lang="en-US" sz="1400" dirty="0">
-                <a:solidFill>
-                  <a:srgbClr val="0070C0"/>
-                </a:solidFill>
-                <a:latin typeface="Times New Roman" panose="02020603050405020304" pitchFamily="18" charset="0"/>
-                <a:ea typeface="ＭＳ Ｐゴシック" charset="0"/>
-                <a:cs typeface="Times New Roman" panose="02020603050405020304" pitchFamily="18" charset="0"/>
-              </a:rPr>
-              <a:t>, mean=mean(x), </a:t>
-            </a:r>
-            <a:r>
-              <a:rPr lang="en-US" sz="1400" dirty="0" err="1">
-                <a:solidFill>
-                  <a:srgbClr val="0070C0"/>
-                </a:solidFill>
-                <a:latin typeface="Times New Roman" panose="02020603050405020304" pitchFamily="18" charset="0"/>
-                <a:ea typeface="ＭＳ Ｐゴシック" charset="0"/>
-                <a:cs typeface="Times New Roman" panose="02020603050405020304" pitchFamily="18" charset="0"/>
-              </a:rPr>
-              <a:t>sd</a:t>
-            </a:r>
-            <a:r>
-              <a:rPr lang="en-US" sz="1400" dirty="0">
-                <a:solidFill>
-                  <a:srgbClr val="0070C0"/>
-                </a:solidFill>
-                <a:latin typeface="Times New Roman" panose="02020603050405020304" pitchFamily="18" charset="0"/>
-                <a:ea typeface="ＭＳ Ｐゴシック" charset="0"/>
-                <a:cs typeface="Times New Roman" panose="02020603050405020304" pitchFamily="18" charset="0"/>
-              </a:rPr>
-              <a:t>=</a:t>
-            </a:r>
-            <a:r>
-              <a:rPr lang="en-US" sz="1400" dirty="0" err="1">
-                <a:solidFill>
-                  <a:srgbClr val="0070C0"/>
-                </a:solidFill>
-                <a:latin typeface="Times New Roman" panose="02020603050405020304" pitchFamily="18" charset="0"/>
-                <a:ea typeface="ＭＳ Ｐゴシック" charset="0"/>
-                <a:cs typeface="Times New Roman" panose="02020603050405020304" pitchFamily="18" charset="0"/>
-              </a:rPr>
-              <a:t>sd</a:t>
-            </a:r>
-            <a:r>
-              <a:rPr lang="en-US" sz="1400" dirty="0">
-                <a:solidFill>
-                  <a:srgbClr val="0070C0"/>
-                </a:solidFill>
-                <a:latin typeface="Times New Roman" panose="02020603050405020304" pitchFamily="18" charset="0"/>
-                <a:ea typeface="ＭＳ Ｐゴシック" charset="0"/>
-                <a:cs typeface="Times New Roman" panose="02020603050405020304" pitchFamily="18" charset="0"/>
-              </a:rPr>
-              <a:t>(x))</a:t>
-            </a:r>
-          </a:p>
-          <a:p>
-            <a:pPr eaLnBrk="0" hangingPunct="0">
-              <a:lnSpc>
-                <a:spcPct val="120000"/>
-              </a:lnSpc>
-              <a:defRPr/>
-            </a:pPr>
-            <a:r>
-              <a:rPr lang="en-US" sz="1400" dirty="0" err="1">
-                <a:solidFill>
-                  <a:srgbClr val="0070C0"/>
-                </a:solidFill>
-                <a:latin typeface="Times New Roman" panose="02020603050405020304" pitchFamily="18" charset="0"/>
-                <a:ea typeface="ＭＳ Ｐゴシック" charset="0"/>
-                <a:cs typeface="Times New Roman" panose="02020603050405020304" pitchFamily="18" charset="0"/>
-              </a:rPr>
-              <a:t>yfit</a:t>
-            </a:r>
-            <a:r>
-              <a:rPr lang="en-US" sz="1400" dirty="0">
-                <a:solidFill>
-                  <a:srgbClr val="0070C0"/>
-                </a:solidFill>
-                <a:latin typeface="Times New Roman" panose="02020603050405020304" pitchFamily="18" charset="0"/>
-                <a:ea typeface="ＭＳ Ｐゴシック" charset="0"/>
-                <a:cs typeface="Times New Roman" panose="02020603050405020304" pitchFamily="18" charset="0"/>
-              </a:rPr>
-              <a:t> &lt;- </a:t>
-            </a:r>
-            <a:r>
-              <a:rPr lang="en-US" sz="1400" dirty="0" err="1">
-                <a:solidFill>
-                  <a:srgbClr val="0070C0"/>
-                </a:solidFill>
-                <a:latin typeface="Times New Roman" panose="02020603050405020304" pitchFamily="18" charset="0"/>
-                <a:ea typeface="ＭＳ Ｐゴシック" charset="0"/>
-                <a:cs typeface="Times New Roman" panose="02020603050405020304" pitchFamily="18" charset="0"/>
-              </a:rPr>
-              <a:t>yfit</a:t>
-            </a:r>
-            <a:r>
-              <a:rPr lang="en-US" sz="1400" dirty="0">
-                <a:solidFill>
-                  <a:srgbClr val="0070C0"/>
-                </a:solidFill>
-                <a:latin typeface="Times New Roman" panose="02020603050405020304" pitchFamily="18" charset="0"/>
-                <a:ea typeface="ＭＳ Ｐゴシック" charset="0"/>
-                <a:cs typeface="Times New Roman" panose="02020603050405020304" pitchFamily="18" charset="0"/>
-              </a:rPr>
-              <a:t>*diff(</a:t>
-            </a:r>
-            <a:r>
-              <a:rPr lang="en-US" sz="1400" dirty="0" err="1">
-                <a:solidFill>
-                  <a:srgbClr val="0070C0"/>
-                </a:solidFill>
-                <a:latin typeface="Times New Roman" panose="02020603050405020304" pitchFamily="18" charset="0"/>
-                <a:ea typeface="ＭＳ Ｐゴシック" charset="0"/>
-                <a:cs typeface="Times New Roman" panose="02020603050405020304" pitchFamily="18" charset="0"/>
-              </a:rPr>
-              <a:t>h$mids</a:t>
-            </a:r>
-            <a:r>
-              <a:rPr lang="en-US" sz="1400" dirty="0">
-                <a:solidFill>
-                  <a:srgbClr val="0070C0"/>
-                </a:solidFill>
-                <a:latin typeface="Times New Roman" panose="02020603050405020304" pitchFamily="18" charset="0"/>
-                <a:ea typeface="ＭＳ Ｐゴシック" charset="0"/>
-                <a:cs typeface="Times New Roman" panose="02020603050405020304" pitchFamily="18" charset="0"/>
-              </a:rPr>
-              <a:t>[1:2])*length(x)</a:t>
-            </a:r>
-          </a:p>
-          <a:p>
-            <a:pPr eaLnBrk="0" hangingPunct="0">
-              <a:lnSpc>
-                <a:spcPct val="120000"/>
-              </a:lnSpc>
-              <a:defRPr/>
-            </a:pPr>
-            <a:r>
-              <a:rPr lang="en-US" sz="1400" dirty="0">
-                <a:solidFill>
-                  <a:srgbClr val="0070C0"/>
-                </a:solidFill>
-                <a:latin typeface="Times New Roman" panose="02020603050405020304" pitchFamily="18" charset="0"/>
-                <a:ea typeface="ＭＳ Ｐゴシック" charset="0"/>
-                <a:cs typeface="Times New Roman" panose="02020603050405020304" pitchFamily="18" charset="0"/>
-              </a:rPr>
-              <a:t>lines(</a:t>
-            </a:r>
-            <a:r>
-              <a:rPr lang="en-US" sz="1400" dirty="0" err="1">
-                <a:solidFill>
-                  <a:srgbClr val="0070C0"/>
-                </a:solidFill>
-                <a:latin typeface="Times New Roman" panose="02020603050405020304" pitchFamily="18" charset="0"/>
-                <a:ea typeface="ＭＳ Ｐゴシック" charset="0"/>
-                <a:cs typeface="Times New Roman" panose="02020603050405020304" pitchFamily="18" charset="0"/>
-              </a:rPr>
-              <a:t>xfit</a:t>
-            </a:r>
-            <a:r>
-              <a:rPr lang="en-US" sz="1400" dirty="0">
-                <a:solidFill>
-                  <a:srgbClr val="0070C0"/>
-                </a:solidFill>
-                <a:latin typeface="Times New Roman" panose="02020603050405020304" pitchFamily="18" charset="0"/>
-                <a:ea typeface="ＭＳ Ｐゴシック" charset="0"/>
-                <a:cs typeface="Times New Roman" panose="02020603050405020304" pitchFamily="18" charset="0"/>
-              </a:rPr>
-              <a:t>, </a:t>
-            </a:r>
-            <a:r>
-              <a:rPr lang="en-US" sz="1400" dirty="0" err="1">
-                <a:solidFill>
-                  <a:srgbClr val="0070C0"/>
-                </a:solidFill>
-                <a:latin typeface="Times New Roman" panose="02020603050405020304" pitchFamily="18" charset="0"/>
-                <a:ea typeface="ＭＳ Ｐゴシック" charset="0"/>
-                <a:cs typeface="Times New Roman" panose="02020603050405020304" pitchFamily="18" charset="0"/>
-              </a:rPr>
-              <a:t>yfit</a:t>
-            </a:r>
-            <a:r>
-              <a:rPr lang="en-US" sz="1400" dirty="0">
-                <a:solidFill>
-                  <a:srgbClr val="0070C0"/>
-                </a:solidFill>
-                <a:latin typeface="Times New Roman" panose="02020603050405020304" pitchFamily="18" charset="0"/>
-                <a:ea typeface="ＭＳ Ｐゴシック" charset="0"/>
-                <a:cs typeface="Times New Roman" panose="02020603050405020304" pitchFamily="18" charset="0"/>
-              </a:rPr>
-              <a:t>, col="blue", </a:t>
-            </a:r>
-            <a:r>
-              <a:rPr lang="en-US" sz="1400" dirty="0" err="1">
-                <a:solidFill>
-                  <a:srgbClr val="0070C0"/>
-                </a:solidFill>
-                <a:latin typeface="Times New Roman" panose="02020603050405020304" pitchFamily="18" charset="0"/>
-                <a:ea typeface="ＭＳ Ｐゴシック" charset="0"/>
-                <a:cs typeface="Times New Roman" panose="02020603050405020304" pitchFamily="18" charset="0"/>
-              </a:rPr>
-              <a:t>lwd</a:t>
-            </a:r>
-            <a:r>
-              <a:rPr lang="en-US" sz="1400" dirty="0">
-                <a:solidFill>
-                  <a:srgbClr val="0070C0"/>
-                </a:solidFill>
-                <a:latin typeface="Times New Roman" panose="02020603050405020304" pitchFamily="18" charset="0"/>
-                <a:ea typeface="ＭＳ Ｐゴシック" charset="0"/>
-                <a:cs typeface="Times New Roman" panose="02020603050405020304" pitchFamily="18" charset="0"/>
-              </a:rPr>
-              <a:t>=2)</a:t>
-            </a:r>
-          </a:p>
-          <a:p>
-            <a:pPr eaLnBrk="0" hangingPunct="0">
-              <a:lnSpc>
-                <a:spcPct val="120000"/>
-              </a:lnSpc>
-              <a:defRPr/>
-            </a:pPr>
-            <a:r>
-              <a:rPr lang="en-US" sz="1400" dirty="0">
-                <a:solidFill>
-                  <a:srgbClr val="0070C0"/>
-                </a:solidFill>
-                <a:latin typeface="Times New Roman" panose="02020603050405020304" pitchFamily="18" charset="0"/>
-                <a:ea typeface="ＭＳ Ｐゴシック" charset="0"/>
-                <a:cs typeface="Times New Roman" panose="02020603050405020304" pitchFamily="18" charset="0"/>
-              </a:rPr>
-              <a:t>box()</a:t>
-            </a:r>
-          </a:p>
-        </p:txBody>
-      </p:sp>
-    </p:spTree>
-    <p:extLst>
-      <p:ext uri="{BB962C8B-B14F-4D97-AF65-F5344CB8AC3E}">
-        <p14:creationId xmlns:p14="http://schemas.microsoft.com/office/powerpoint/2010/main" val="3914895849"/>
-      </p:ext>
-    </p:extLst>
-  </p:cSld>
-  <p:clrMapOvr>
-    <a:masterClrMapping/>
-  </p:clrMapOvr>
-  <p:timing>
-    <p:tnLst>
-      <p:par>
-        <p:cTn id="1" dur="indefinite" restart="never" nodeType="tmRoot"/>
-      </p:par>
-    </p:tnLst>
-  </p:timing>
-</p:sld>
-</file>
-
-<file path=ppt/slides/slide32.xml><?xml version="1.0" encoding="utf-8"?>
-<p:sld xmlns:a="http://schemas.openxmlformats.org/drawingml/2006/main" xmlns:r="http://schemas.openxmlformats.org/officeDocument/2006/relationships" xmlns:p="http://schemas.openxmlformats.org/presentationml/2006/main">
-  <p:cSld>
-    <p:spTree>
-      <p:nvGrpSpPr>
-        <p:cNvPr id="1" name=""/>
-        <p:cNvGrpSpPr/>
-        <p:nvPr/>
-      </p:nvGrpSpPr>
-      <p:grpSpPr>
-        <a:xfrm>
-          <a:off x="0" y="0"/>
-          <a:ext cx="0" cy="0"/>
-          <a:chOff x="0" y="0"/>
-          <a:chExt cx="0" cy="0"/>
-        </a:xfrm>
-      </p:grpSpPr>
-      <p:sp>
-        <p:nvSpPr>
-          <p:cNvPr id="2" name="标题 1"/>
-          <p:cNvSpPr>
-            <a:spLocks noGrp="1"/>
-          </p:cNvSpPr>
-          <p:nvPr>
-            <p:ph type="title"/>
-          </p:nvPr>
-        </p:nvSpPr>
-        <p:spPr/>
-        <p:txBody>
-          <a:bodyPr/>
-          <a:lstStyle/>
-          <a:p>
-            <a:r>
-              <a:rPr lang="zh-CN" altLang="en-US" dirty="0"/>
-              <a:t>代码分析</a:t>
-            </a:r>
-            <a:r>
-              <a:rPr lang="en-US" altLang="zh-CN" dirty="0" smtClean="0"/>
-              <a:t>-</a:t>
-            </a:r>
-            <a:r>
-              <a:rPr lang="zh-CN" altLang="en-US" dirty="0" smtClean="0"/>
-              <a:t>数据可视化</a:t>
-            </a:r>
-            <a:endParaRPr lang="zh-CN" altLang="en-US" dirty="0"/>
-          </a:p>
-        </p:txBody>
-      </p:sp>
-      <p:sp>
-        <p:nvSpPr>
-          <p:cNvPr id="3" name="内容占位符 2"/>
-          <p:cNvSpPr>
-            <a:spLocks noGrp="1"/>
-          </p:cNvSpPr>
-          <p:nvPr>
-            <p:ph idx="1"/>
-          </p:nvPr>
-        </p:nvSpPr>
-        <p:spPr>
-          <a:xfrm>
-            <a:off x="1097280" y="1845734"/>
-            <a:ext cx="4623296" cy="4023360"/>
-          </a:xfrm>
-        </p:spPr>
-        <p:txBody>
-          <a:bodyPr/>
-          <a:lstStyle/>
-          <a:p>
-            <a:r>
-              <a:rPr lang="zh-CN" altLang="en-US" dirty="0" smtClean="0"/>
-              <a:t>仿照</a:t>
-            </a:r>
-            <a:r>
-              <a:rPr lang="en-US" altLang="zh-CN" dirty="0" smtClean="0"/>
-              <a:t>plot</a:t>
-            </a:r>
-            <a:r>
-              <a:rPr lang="zh-CN" altLang="en-US" dirty="0" smtClean="0"/>
-              <a:t>的参数琢磨并完成右侧数据图，注意四幅图是画在同一个页面上</a:t>
-            </a:r>
-            <a:endParaRPr lang="en-US" altLang="zh-CN" dirty="0" smtClean="0"/>
-          </a:p>
-          <a:p>
-            <a:r>
-              <a:rPr lang="zh-CN" altLang="en-US" dirty="0" smtClean="0"/>
-              <a:t>调用内置数据集</a:t>
-            </a:r>
-            <a:r>
-              <a:rPr lang="en-US" altLang="zh-CN" dirty="0" err="1" smtClean="0"/>
-              <a:t>mtcars</a:t>
-            </a:r>
-            <a:r>
-              <a:rPr lang="en-US" altLang="zh-CN" dirty="0" smtClean="0"/>
-              <a:t>,</a:t>
-            </a:r>
-            <a:r>
-              <a:rPr lang="zh-CN" altLang="en-US" dirty="0" smtClean="0"/>
-              <a:t>查看数据含义</a:t>
-            </a:r>
-            <a:endParaRPr lang="en-US" altLang="zh-CN" dirty="0" smtClean="0"/>
-          </a:p>
-          <a:p>
-            <a:r>
-              <a:rPr lang="zh-CN" altLang="en-US" dirty="0" smtClean="0"/>
-              <a:t>对该数据集内的变量做直方图，并将页面划分为</a:t>
-            </a:r>
-            <a:r>
-              <a:rPr lang="en-US" altLang="zh-CN" dirty="0" smtClean="0"/>
-              <a:t>2X2</a:t>
-            </a:r>
-            <a:r>
-              <a:rPr lang="zh-CN" altLang="en-US" dirty="0" smtClean="0"/>
-              <a:t>的四份，每一份分别做一个图，效果如右侧所示</a:t>
-            </a:r>
-            <a:endParaRPr lang="en-US" altLang="zh-CN" dirty="0" smtClean="0"/>
-          </a:p>
-        </p:txBody>
-      </p:sp>
-      <p:pic>
-        <p:nvPicPr>
-          <p:cNvPr id="4" name="内容占位符 3"/>
-          <p:cNvPicPr>
-            <a:picLocks noChangeAspect="1"/>
-          </p:cNvPicPr>
-          <p:nvPr/>
-        </p:nvPicPr>
-        <p:blipFill>
-          <a:blip r:embed="rId2">
-            <a:extLst>
-              <a:ext uri="{28A0092B-C50C-407E-A947-70E740481C1C}">
-                <a14:useLocalDpi xmlns:a14="http://schemas.microsoft.com/office/drawing/2010/main" val="0"/>
-              </a:ext>
-            </a:extLst>
-          </a:blip>
-          <a:stretch>
-            <a:fillRect/>
-          </a:stretch>
-        </p:blipFill>
-        <p:spPr>
-          <a:xfrm>
-            <a:off x="6126480" y="1845734"/>
-            <a:ext cx="5457825" cy="3743325"/>
-          </a:xfrm>
-          <a:prstGeom prst="rect">
-            <a:avLst/>
-          </a:prstGeom>
-        </p:spPr>
-      </p:pic>
-    </p:spTree>
-    <p:extLst>
-      <p:ext uri="{BB962C8B-B14F-4D97-AF65-F5344CB8AC3E}">
-        <p14:creationId xmlns:p14="http://schemas.microsoft.com/office/powerpoint/2010/main" val="4110580865"/>
-      </p:ext>
-    </p:extLst>
-  </p:cSld>
-  <p:clrMapOvr>
-    <a:masterClrMapping/>
-  </p:clrMapOvr>
 </p:sld>
 </file>
 

--- a/实验3-探索性分析.pptx
+++ b/实验3-探索性分析.pptx
@@ -7180,16 +7180,34 @@
             <p:ph type="title"/>
           </p:nvPr>
         </p:nvSpPr>
-        <p:spPr/>
+        <p:spPr>
+          <a:xfrm>
+            <a:off x="1773044" y="286603"/>
+            <a:ext cx="9382636" cy="1328551"/>
+          </a:xfrm>
+        </p:spPr>
         <p:txBody>
-          <a:bodyPr/>
+          <a:bodyPr>
+            <a:normAutofit/>
+          </a:bodyPr>
           <a:lstStyle/>
           <a:p>
             <a:r>
-              <a:rPr lang="zh-CN" altLang="en-US" dirty="0" smtClean="0"/>
-              <a:t>深入理解函数</a:t>
-            </a:r>
-            <a:endParaRPr lang="zh-CN" altLang="en-US" dirty="0"/>
+              <a:rPr lang="zh-CN" altLang="en-US" sz="2800" dirty="0" smtClean="0"/>
+              <a:t>什么是函数</a:t>
+            </a:r>
+            <a:r>
+              <a:rPr lang="en-US" altLang="zh-CN" sz="2800" dirty="0" smtClean="0"/>
+              <a:t/>
+            </a:r>
+            <a:br>
+              <a:rPr lang="en-US" altLang="zh-CN" sz="2800" dirty="0" smtClean="0"/>
+            </a:br>
+            <a:r>
+              <a:rPr lang="zh-CN" altLang="en-US" sz="2800" dirty="0" smtClean="0"/>
+              <a:t>什么是公式</a:t>
+            </a:r>
+            <a:endParaRPr lang="zh-CN" altLang="en-US" sz="2800" dirty="0"/>
           </a:p>
         </p:txBody>
       </p:sp>
@@ -7208,6 +7226,11 @@
           <a:bodyPr/>
           <a:lstStyle/>
           <a:p>
+            <a:pPr>
+              <a:lnSpc>
+                <a:spcPct val="100000"/>
+              </a:lnSpc>
+            </a:pPr>
             <a:r>
               <a:rPr lang="zh-CN" altLang="en-US" dirty="0" smtClean="0"/>
               <a:t>为了继续后边的学习，我们需要先理解一个新的概念：</a:t>
@@ -7225,6 +7248,11 @@
             </a:endParaRPr>
           </a:p>
           <a:p>
+            <a:pPr>
+              <a:lnSpc>
+                <a:spcPct val="100000"/>
+              </a:lnSpc>
+            </a:pPr>
             <a:r>
               <a:rPr lang="zh-CN" altLang="en-US" dirty="0" smtClean="0"/>
               <a:t>正常的函数如：</a:t>
@@ -7284,6 +7312,11 @@
             <a:endParaRPr lang="en-US" altLang="zh-CN" dirty="0" smtClean="0"/>
           </a:p>
           <a:p>
+            <a:pPr>
+              <a:lnSpc>
+                <a:spcPct val="100000"/>
+              </a:lnSpc>
+            </a:pPr>
             <a:r>
               <a:rPr lang="en-US" altLang="zh-CN" dirty="0" smtClean="0"/>
               <a:t>R</a:t>
@@ -7319,6 +7352,11 @@
             <a:endParaRPr lang="en-US" altLang="zh-CN" dirty="0" smtClean="0"/>
           </a:p>
           <a:p>
+            <a:pPr>
+              <a:lnSpc>
+                <a:spcPct val="100000"/>
+              </a:lnSpc>
+            </a:pPr>
             <a:r>
               <a:rPr lang="zh-CN" altLang="en-US" dirty="0" smtClean="0"/>
               <a:t>建立在此基础上，理解一个新的运算符函数：创建公式的符号  </a:t>
@@ -7329,6 +7367,11 @@
             </a:r>
           </a:p>
           <a:p>
+            <a:pPr>
+              <a:lnSpc>
+                <a:spcPct val="100000"/>
+              </a:lnSpc>
+            </a:pPr>
             <a:r>
               <a:rPr lang="zh-CN" altLang="en-US" dirty="0" smtClean="0"/>
               <a:t>该函数作用为创建公式，一般右侧为自变量、或称为依据变量，而左侧则为响应变量或被决定变量，在</a:t>
@@ -7379,7 +7422,7 @@
         </p:nvSpPr>
         <p:spPr bwMode="auto">
           <a:xfrm>
-            <a:off x="6369987" y="5184617"/>
+            <a:off x="6325382" y="5340734"/>
             <a:ext cx="1022716" cy="553998"/>
           </a:xfrm>
           <a:prstGeom prst="rect">
@@ -7544,6 +7587,36 @@
               <a:effectLst/>
               <a:latin typeface="Arial" panose="020B0604020202020204" pitchFamily="34" charset="0"/>
             </a:endParaRPr>
+          </a:p>
+        </p:txBody>
+      </p:sp>
+      <p:sp>
+        <p:nvSpPr>
+          <p:cNvPr id="5" name="文本框 4"/>
+          <p:cNvSpPr txBox="1"/>
+          <p:nvPr/>
+        </p:nvSpPr>
+        <p:spPr>
+          <a:xfrm>
+            <a:off x="656062" y="950878"/>
+            <a:ext cx="1261884" cy="523220"/>
+          </a:xfrm>
+          <a:prstGeom prst="rect">
+            <a:avLst/>
+          </a:prstGeom>
+          <a:noFill/>
+        </p:spPr>
+        <p:txBody>
+          <a:bodyPr wrap="none" rtlCol="0">
+            <a:spAutoFit/>
+          </a:bodyPr>
+          <a:lstStyle/>
+          <a:p>
+            <a:r>
+              <a:rPr lang="zh-CN" altLang="en-US" sz="2800" dirty="0" smtClean="0"/>
+              <a:t>理解：</a:t>
+            </a:r>
+            <a:endParaRPr lang="zh-CN" altLang="en-US" sz="2800" dirty="0"/>
           </a:p>
         </p:txBody>
       </p:sp>
@@ -10727,11 +10800,7 @@
           <a:p>
             <a:r>
               <a:rPr lang="zh-CN" altLang="en-US" dirty="0" smtClean="0"/>
-              <a:t>列</a:t>
-            </a:r>
-            <a:r>
-              <a:rPr lang="zh-CN" altLang="en-US" dirty="0" smtClean="0"/>
-              <a:t>求均值 </a:t>
+              <a:t>列求均值 </a:t>
             </a:r>
             <a:r>
               <a:rPr lang="en-US" altLang="zh-CN" dirty="0" err="1" smtClean="0"/>
@@ -10742,11 +10811,7 @@
           <a:p>
             <a:r>
               <a:rPr lang="zh-CN" altLang="en-US" dirty="0" smtClean="0"/>
-              <a:t>行</a:t>
-            </a:r>
-            <a:r>
-              <a:rPr lang="zh-CN" altLang="en-US" dirty="0" smtClean="0"/>
-              <a:t>求均值</a:t>
+              <a:t>行求均值</a:t>
             </a:r>
             <a:r>
               <a:rPr lang="en-US" altLang="zh-CN" dirty="0" err="1" smtClean="0"/>

--- a/实验3-探索性分析.pptx
+++ b/实验3-探索性分析.pptx
@@ -360,7 +360,7 @@
           <a:p>
             <a:fld id="{22B5609F-EBEC-463B-AA32-A5BE38243DB0}" type="datetimeFigureOut">
               <a:rPr lang="zh-CN" altLang="en-US" smtClean="0"/>
-              <a:t>2017/10/12</a:t>
+              <a:t>2017/10/13</a:t>
             </a:fld>
             <a:endParaRPr lang="zh-CN" altLang="en-US"/>
           </a:p>
@@ -568,7 +568,7 @@
           <a:p>
             <a:fld id="{22B5609F-EBEC-463B-AA32-A5BE38243DB0}" type="datetimeFigureOut">
               <a:rPr lang="zh-CN" altLang="en-US" smtClean="0"/>
-              <a:t>2017/10/12</a:t>
+              <a:t>2017/10/13</a:t>
             </a:fld>
             <a:endParaRPr lang="zh-CN" altLang="en-US"/>
           </a:p>
@@ -824,7 +824,7 @@
           <a:p>
             <a:fld id="{22B5609F-EBEC-463B-AA32-A5BE38243DB0}" type="datetimeFigureOut">
               <a:rPr lang="zh-CN" altLang="en-US" smtClean="0"/>
-              <a:t>2017/10/12</a:t>
+              <a:t>2017/10/13</a:t>
             </a:fld>
             <a:endParaRPr lang="zh-CN" altLang="en-US"/>
           </a:p>
@@ -1035,7 +1035,7 @@
           <a:p>
             <a:fld id="{22B5609F-EBEC-463B-AA32-A5BE38243DB0}" type="datetimeFigureOut">
               <a:rPr lang="zh-CN" altLang="en-US" smtClean="0"/>
-              <a:t>2017/10/12</a:t>
+              <a:t>2017/10/13</a:t>
             </a:fld>
             <a:endParaRPr lang="zh-CN" altLang="en-US"/>
           </a:p>
@@ -1377,7 +1377,7 @@
           <a:p>
             <a:fld id="{22B5609F-EBEC-463B-AA32-A5BE38243DB0}" type="datetimeFigureOut">
               <a:rPr lang="zh-CN" altLang="en-US" smtClean="0"/>
-              <a:t>2017/10/12</a:t>
+              <a:t>2017/10/13</a:t>
             </a:fld>
             <a:endParaRPr lang="zh-CN" altLang="en-US"/>
           </a:p>
@@ -1652,7 +1652,7 @@
           <a:p>
             <a:fld id="{22B5609F-EBEC-463B-AA32-A5BE38243DB0}" type="datetimeFigureOut">
               <a:rPr lang="zh-CN" altLang="en-US" smtClean="0"/>
-              <a:t>2017/10/12</a:t>
+              <a:t>2017/10/13</a:t>
             </a:fld>
             <a:endParaRPr lang="zh-CN" altLang="en-US"/>
           </a:p>
@@ -2031,7 +2031,7 @@
           <a:p>
             <a:fld id="{22B5609F-EBEC-463B-AA32-A5BE38243DB0}" type="datetimeFigureOut">
               <a:rPr lang="zh-CN" altLang="en-US" smtClean="0"/>
-              <a:t>2017/10/12</a:t>
+              <a:t>2017/10/13</a:t>
             </a:fld>
             <a:endParaRPr lang="zh-CN" altLang="en-US"/>
           </a:p>
@@ -2149,7 +2149,7 @@
           <a:p>
             <a:fld id="{22B5609F-EBEC-463B-AA32-A5BE38243DB0}" type="datetimeFigureOut">
               <a:rPr lang="zh-CN" altLang="en-US" smtClean="0"/>
-              <a:t>2017/10/12</a:t>
+              <a:t>2017/10/13</a:t>
             </a:fld>
             <a:endParaRPr lang="zh-CN" altLang="en-US"/>
           </a:p>
@@ -2335,7 +2335,7 @@
           <a:p>
             <a:fld id="{22B5609F-EBEC-463B-AA32-A5BE38243DB0}" type="datetimeFigureOut">
               <a:rPr lang="zh-CN" altLang="en-US" smtClean="0"/>
-              <a:t>2017/10/12</a:t>
+              <a:t>2017/10/13</a:t>
             </a:fld>
             <a:endParaRPr lang="zh-CN" altLang="en-US"/>
           </a:p>
@@ -2696,7 +2696,7 @@
           <a:p>
             <a:fld id="{22B5609F-EBEC-463B-AA32-A5BE38243DB0}" type="datetimeFigureOut">
               <a:rPr lang="zh-CN" altLang="en-US" smtClean="0"/>
-              <a:t>2017/10/12</a:t>
+              <a:t>2017/10/13</a:t>
             </a:fld>
             <a:endParaRPr lang="zh-CN" altLang="en-US"/>
           </a:p>
@@ -3078,7 +3078,7 @@
           <a:p>
             <a:fld id="{22B5609F-EBEC-463B-AA32-A5BE38243DB0}" type="datetimeFigureOut">
               <a:rPr lang="zh-CN" altLang="en-US" smtClean="0"/>
-              <a:t>2017/10/12</a:t>
+              <a:t>2017/10/13</a:t>
             </a:fld>
             <a:endParaRPr lang="zh-CN" altLang="en-US"/>
           </a:p>
@@ -3365,7 +3365,7 @@
           <a:p>
             <a:fld id="{22B5609F-EBEC-463B-AA32-A5BE38243DB0}" type="datetimeFigureOut">
               <a:rPr lang="zh-CN" altLang="en-US" smtClean="0"/>
-              <a:t>2017/10/12</a:t>
+              <a:t>2017/10/13</a:t>
             </a:fld>
             <a:endParaRPr lang="zh-CN" altLang="en-US"/>
           </a:p>
@@ -7374,7 +7374,23 @@
             </a:pPr>
             <a:r>
               <a:rPr lang="zh-CN" altLang="en-US" dirty="0" smtClean="0"/>
-              <a:t>该函数作用为创建公式，一般右侧为自变量、或称为依据变量，而左侧则为响应变量或被决定变量，在</a:t>
+              <a:t>该函数作用为创建公式，一般右侧为自变量、或</a:t>
+            </a:r>
+            <a:r>
+              <a:rPr lang="zh-CN" altLang="en-US" dirty="0" smtClean="0"/>
+              <a:t>称为解释变量（依据变量），</a:t>
+            </a:r>
+            <a:r>
+              <a:rPr lang="zh-CN" altLang="en-US" dirty="0" smtClean="0"/>
+              <a:t>而左侧则为响应变量或</a:t>
+            </a:r>
+            <a:r>
+              <a:rPr lang="zh-CN" altLang="en-US" dirty="0" smtClean="0"/>
+              <a:t>被解释变量</a:t>
+            </a:r>
+            <a:r>
+              <a:rPr lang="zh-CN" altLang="en-US" dirty="0" smtClean="0"/>
+              <a:t>，在</a:t>
             </a:r>
             <a:r>
               <a:rPr lang="en-US" altLang="zh-CN" dirty="0" smtClean="0"/>
@@ -7422,7 +7438,7 @@
         </p:nvSpPr>
         <p:spPr bwMode="auto">
           <a:xfrm>
-            <a:off x="6325382" y="5340734"/>
+            <a:off x="7775040" y="5340734"/>
             <a:ext cx="1022716" cy="553998"/>
           </a:xfrm>
           <a:prstGeom prst="rect">
@@ -10396,7 +10412,15 @@
             </a:pPr>
             <a:r>
               <a:rPr lang="zh-CN" altLang="en-US" dirty="0" smtClean="0"/>
-              <a:t>以上代码中第一行制定了要对数据集</a:t>
+              <a:t>以上代码中第</a:t>
+            </a:r>
+            <a:r>
+              <a:rPr lang="zh-CN" altLang="en-US" dirty="0" smtClean="0"/>
+              <a:t>一行指定了</a:t>
+            </a:r>
+            <a:r>
+              <a:rPr lang="zh-CN" altLang="en-US" dirty="0" smtClean="0"/>
+              <a:t>要对数据集</a:t>
             </a:r>
             <a:r>
               <a:rPr lang="en-US" altLang="zh-CN" dirty="0" smtClean="0"/>
@@ -10412,7 +10436,7 @@
             </a:r>
             <a:r>
               <a:rPr lang="zh-CN" altLang="en-US" dirty="0" smtClean="0"/>
-              <a:t>将该</a:t>
+              <a:t>将</a:t>
             </a:r>
             <a:r>
               <a:rPr lang="en-US" altLang="zh-CN" dirty="0" smtClean="0"/>

--- a/实验3-探索性分析.pptx
+++ b/实验3-探索性分析.pptx
@@ -6,12 +6,12 @@
   </p:sldMasterIdLst>
   <p:sldIdLst>
     <p:sldId id="256" r:id="rId2"/>
-    <p:sldId id="257" r:id="rId3"/>
-    <p:sldId id="271" r:id="rId4"/>
+    <p:sldId id="290" r:id="rId3"/>
+    <p:sldId id="257" r:id="rId4"/>
     <p:sldId id="258" r:id="rId5"/>
-    <p:sldId id="273" r:id="rId6"/>
-    <p:sldId id="286" r:id="rId7"/>
-    <p:sldId id="259" r:id="rId8"/>
+    <p:sldId id="259" r:id="rId6"/>
+    <p:sldId id="273" r:id="rId7"/>
+    <p:sldId id="286" r:id="rId8"/>
     <p:sldId id="274" r:id="rId9"/>
     <p:sldId id="270" r:id="rId10"/>
     <p:sldId id="272" r:id="rId11"/>
@@ -360,7 +360,7 @@
           <a:p>
             <a:fld id="{22B5609F-EBEC-463B-AA32-A5BE38243DB0}" type="datetimeFigureOut">
               <a:rPr lang="zh-CN" altLang="en-US" smtClean="0"/>
-              <a:t>2017/10/13</a:t>
+              <a:t>2017/10/17</a:t>
             </a:fld>
             <a:endParaRPr lang="zh-CN" altLang="en-US"/>
           </a:p>
@@ -568,7 +568,7 @@
           <a:p>
             <a:fld id="{22B5609F-EBEC-463B-AA32-A5BE38243DB0}" type="datetimeFigureOut">
               <a:rPr lang="zh-CN" altLang="en-US" smtClean="0"/>
-              <a:t>2017/10/13</a:t>
+              <a:t>2017/10/17</a:t>
             </a:fld>
             <a:endParaRPr lang="zh-CN" altLang="en-US"/>
           </a:p>
@@ -824,7 +824,7 @@
           <a:p>
             <a:fld id="{22B5609F-EBEC-463B-AA32-A5BE38243DB0}" type="datetimeFigureOut">
               <a:rPr lang="zh-CN" altLang="en-US" smtClean="0"/>
-              <a:t>2017/10/13</a:t>
+              <a:t>2017/10/17</a:t>
             </a:fld>
             <a:endParaRPr lang="zh-CN" altLang="en-US"/>
           </a:p>
@@ -1035,7 +1035,7 @@
           <a:p>
             <a:fld id="{22B5609F-EBEC-463B-AA32-A5BE38243DB0}" type="datetimeFigureOut">
               <a:rPr lang="zh-CN" altLang="en-US" smtClean="0"/>
-              <a:t>2017/10/13</a:t>
+              <a:t>2017/10/17</a:t>
             </a:fld>
             <a:endParaRPr lang="zh-CN" altLang="en-US"/>
           </a:p>
@@ -1377,7 +1377,7 @@
           <a:p>
             <a:fld id="{22B5609F-EBEC-463B-AA32-A5BE38243DB0}" type="datetimeFigureOut">
               <a:rPr lang="zh-CN" altLang="en-US" smtClean="0"/>
-              <a:t>2017/10/13</a:t>
+              <a:t>2017/10/17</a:t>
             </a:fld>
             <a:endParaRPr lang="zh-CN" altLang="en-US"/>
           </a:p>
@@ -1652,7 +1652,7 @@
           <a:p>
             <a:fld id="{22B5609F-EBEC-463B-AA32-A5BE38243DB0}" type="datetimeFigureOut">
               <a:rPr lang="zh-CN" altLang="en-US" smtClean="0"/>
-              <a:t>2017/10/13</a:t>
+              <a:t>2017/10/17</a:t>
             </a:fld>
             <a:endParaRPr lang="zh-CN" altLang="en-US"/>
           </a:p>
@@ -2031,7 +2031,7 @@
           <a:p>
             <a:fld id="{22B5609F-EBEC-463B-AA32-A5BE38243DB0}" type="datetimeFigureOut">
               <a:rPr lang="zh-CN" altLang="en-US" smtClean="0"/>
-              <a:t>2017/10/13</a:t>
+              <a:t>2017/10/17</a:t>
             </a:fld>
             <a:endParaRPr lang="zh-CN" altLang="en-US"/>
           </a:p>
@@ -2149,7 +2149,7 @@
           <a:p>
             <a:fld id="{22B5609F-EBEC-463B-AA32-A5BE38243DB0}" type="datetimeFigureOut">
               <a:rPr lang="zh-CN" altLang="en-US" smtClean="0"/>
-              <a:t>2017/10/13</a:t>
+              <a:t>2017/10/17</a:t>
             </a:fld>
             <a:endParaRPr lang="zh-CN" altLang="en-US"/>
           </a:p>
@@ -2335,7 +2335,7 @@
           <a:p>
             <a:fld id="{22B5609F-EBEC-463B-AA32-A5BE38243DB0}" type="datetimeFigureOut">
               <a:rPr lang="zh-CN" altLang="en-US" smtClean="0"/>
-              <a:t>2017/10/13</a:t>
+              <a:t>2017/10/17</a:t>
             </a:fld>
             <a:endParaRPr lang="zh-CN" altLang="en-US"/>
           </a:p>
@@ -2696,7 +2696,7 @@
           <a:p>
             <a:fld id="{22B5609F-EBEC-463B-AA32-A5BE38243DB0}" type="datetimeFigureOut">
               <a:rPr lang="zh-CN" altLang="en-US" smtClean="0"/>
-              <a:t>2017/10/13</a:t>
+              <a:t>2017/10/17</a:t>
             </a:fld>
             <a:endParaRPr lang="zh-CN" altLang="en-US"/>
           </a:p>
@@ -3078,7 +3078,7 @@
           <a:p>
             <a:fld id="{22B5609F-EBEC-463B-AA32-A5BE38243DB0}" type="datetimeFigureOut">
               <a:rPr lang="zh-CN" altLang="en-US" smtClean="0"/>
-              <a:t>2017/10/13</a:t>
+              <a:t>2017/10/17</a:t>
             </a:fld>
             <a:endParaRPr lang="zh-CN" altLang="en-US"/>
           </a:p>
@@ -3365,7 +3365,7 @@
           <a:p>
             <a:fld id="{22B5609F-EBEC-463B-AA32-A5BE38243DB0}" type="datetimeFigureOut">
               <a:rPr lang="zh-CN" altLang="en-US" smtClean="0"/>
-              <a:t>2017/10/13</a:t>
+              <a:t>2017/10/17</a:t>
             </a:fld>
             <a:endParaRPr lang="zh-CN" altLang="en-US"/>
           </a:p>
@@ -5888,6 +5888,36 @@
           </a:p>
         </p:txBody>
       </p:sp>
+      <p:sp>
+        <p:nvSpPr>
+          <p:cNvPr id="8" name="文本框 7"/>
+          <p:cNvSpPr txBox="1"/>
+          <p:nvPr/>
+        </p:nvSpPr>
+        <p:spPr>
+          <a:xfrm>
+            <a:off x="6981834" y="1686706"/>
+            <a:ext cx="646331" cy="369332"/>
+          </a:xfrm>
+          <a:prstGeom prst="rect">
+            <a:avLst/>
+          </a:prstGeom>
+          <a:noFill/>
+        </p:spPr>
+        <p:txBody>
+          <a:bodyPr wrap="none" rtlCol="0">
+            <a:spAutoFit/>
+          </a:bodyPr>
+          <a:lstStyle/>
+          <a:p>
+            <a:r>
+              <a:rPr lang="zh-CN" altLang="en-US" dirty="0" smtClean="0"/>
+              <a:t>示例</a:t>
+            </a:r>
+            <a:endParaRPr lang="zh-CN" altLang="en-US" dirty="0"/>
+          </a:p>
+        </p:txBody>
+      </p:sp>
     </p:spTree>
     <p:extLst>
       <p:ext uri="{BB962C8B-B14F-4D97-AF65-F5344CB8AC3E}">
@@ -7374,23 +7404,7 @@
             </a:pPr>
             <a:r>
               <a:rPr lang="zh-CN" altLang="en-US" dirty="0" smtClean="0"/>
-              <a:t>该函数作用为创建公式，一般右侧为自变量、或</a:t>
-            </a:r>
-            <a:r>
-              <a:rPr lang="zh-CN" altLang="en-US" dirty="0" smtClean="0"/>
-              <a:t>称为解释变量（依据变量），</a:t>
-            </a:r>
-            <a:r>
-              <a:rPr lang="zh-CN" altLang="en-US" dirty="0" smtClean="0"/>
-              <a:t>而左侧则为响应变量或</a:t>
-            </a:r>
-            <a:r>
-              <a:rPr lang="zh-CN" altLang="en-US" dirty="0" smtClean="0"/>
-              <a:t>被解释变量</a:t>
-            </a:r>
-            <a:r>
-              <a:rPr lang="zh-CN" altLang="en-US" dirty="0" smtClean="0"/>
-              <a:t>，在</a:t>
+              <a:t>该函数作用为创建公式，一般右侧为自变量、或称为解释变量（依据变量），而左侧则为响应变量或被解释变量，在</a:t>
             </a:r>
             <a:r>
               <a:rPr lang="en-US" altLang="zh-CN" dirty="0" smtClean="0"/>
@@ -8877,7 +8891,15 @@
           <a:p>
             <a:r>
               <a:rPr lang="zh-CN" altLang="en-US" dirty="0" smtClean="0"/>
-              <a:t>用到的案例数据集</a:t>
+              <a:t>环境</a:t>
+            </a:r>
+            <a:r>
+              <a:rPr lang="zh-CN" altLang="en-US" dirty="0"/>
+              <a:t>配置</a:t>
+            </a:r>
+            <a:r>
+              <a:rPr lang="zh-CN" altLang="en-US" dirty="0" smtClean="0"/>
+              <a:t>建议</a:t>
             </a:r>
             <a:endParaRPr lang="zh-CN" altLang="en-US" dirty="0"/>
           </a:p>
@@ -8895,286 +8917,62 @@
         </p:nvSpPr>
         <p:spPr/>
         <p:txBody>
-          <a:bodyPr/>
-          <a:lstStyle/>
-          <a:p>
-            <a:r>
-              <a:rPr lang="en-US" altLang="zh-CN" dirty="0" smtClean="0"/>
-              <a:t>cars #</a:t>
-            </a:r>
-            <a:r>
-              <a:rPr lang="zh-CN" altLang="en-US" dirty="0" smtClean="0"/>
-              <a:t>车速和刹车距离</a:t>
-            </a:r>
-            <a:endParaRPr lang="en-US" altLang="zh-CN" dirty="0" smtClean="0"/>
-          </a:p>
-          <a:p>
-            <a:r>
-              <a:rPr lang="en-US" altLang="zh-CN" dirty="0" err="1" smtClean="0"/>
-              <a:t>mtcars</a:t>
-            </a:r>
-            <a:r>
-              <a:rPr lang="en-US" altLang="zh-CN" dirty="0" smtClean="0"/>
-              <a:t>  #1974</a:t>
-            </a:r>
-            <a:r>
-              <a:rPr lang="zh-CN" altLang="en-US" dirty="0" smtClean="0"/>
-              <a:t>年美国某杂志收集的机动车油耗以及其他</a:t>
-            </a:r>
-            <a:r>
-              <a:rPr lang="en-US" altLang="zh-CN" dirty="0" smtClean="0"/>
-              <a:t>10</a:t>
-            </a:r>
-            <a:r>
-              <a:rPr lang="zh-CN" altLang="en-US" dirty="0" smtClean="0"/>
-              <a:t>个方面的表现情况，</a:t>
-            </a:r>
-            <a:r>
-              <a:rPr lang="en-US" altLang="zh-CN" dirty="0" smtClean="0"/>
-              <a:t>32</a:t>
-            </a:r>
-            <a:r>
-              <a:rPr lang="zh-CN" altLang="en-US" dirty="0" smtClean="0"/>
-              <a:t>个对象</a:t>
-            </a:r>
-            <a:endParaRPr lang="en-US" altLang="zh-CN" dirty="0"/>
-          </a:p>
-          <a:p>
-            <a:endParaRPr lang="en-US" altLang="zh-CN" dirty="0" smtClean="0"/>
-          </a:p>
-          <a:p>
-            <a:endParaRPr lang="en-US" altLang="zh-CN" dirty="0" smtClean="0"/>
-          </a:p>
-          <a:p>
-            <a:r>
-              <a:rPr lang="en-US" altLang="zh-CN" dirty="0" smtClean="0"/>
-              <a:t>iris  #R</a:t>
-            </a:r>
-            <a:r>
-              <a:rPr lang="zh-CN" altLang="en-US" dirty="0" smtClean="0"/>
-              <a:t>语言基础包中的案例数据，一种名为</a:t>
-            </a:r>
-            <a:r>
-              <a:rPr lang="en-US" altLang="zh-CN" dirty="0" smtClean="0"/>
-              <a:t>iris</a:t>
-            </a:r>
-            <a:r>
-              <a:rPr lang="zh-CN" altLang="en-US" dirty="0" smtClean="0"/>
-              <a:t>的花朵测量数据，</a:t>
-            </a:r>
-            <a:r>
-              <a:rPr lang="en-US" altLang="zh-CN" dirty="0" smtClean="0"/>
-              <a:t>150</a:t>
-            </a:r>
-            <a:r>
-              <a:rPr lang="zh-CN" altLang="en-US" dirty="0" smtClean="0"/>
-              <a:t>个对象</a:t>
-            </a:r>
-            <a:r>
-              <a:rPr lang="en-US" altLang="zh-CN" dirty="0" smtClean="0"/>
-              <a:t>5</a:t>
-            </a:r>
-            <a:r>
-              <a:rPr lang="zh-CN" altLang="en-US" dirty="0" smtClean="0"/>
-              <a:t>个变量</a:t>
-            </a:r>
-            <a:endParaRPr lang="en-US" altLang="zh-CN" dirty="0" smtClean="0"/>
-          </a:p>
-          <a:p>
-            <a:r>
-              <a:rPr lang="en-US" altLang="zh-CN" dirty="0" smtClean="0"/>
-              <a:t>Arthritis #</a:t>
-            </a:r>
-            <a:r>
-              <a:rPr lang="zh-CN" altLang="en-US" dirty="0"/>
-              <a:t>一项双盲临床试验研究类风湿性关节炎的新</a:t>
-            </a:r>
-            <a:r>
-              <a:rPr lang="zh-CN" altLang="en-US" dirty="0" smtClean="0"/>
-              <a:t>疗法效果数据，</a:t>
-            </a:r>
-            <a:r>
-              <a:rPr lang="en-US" altLang="zh-CN" dirty="0" err="1" smtClean="0"/>
-              <a:t>vcd</a:t>
-            </a:r>
-            <a:r>
-              <a:rPr lang="zh-CN" altLang="en-US" dirty="0" smtClean="0"/>
-              <a:t>包中的案例数据</a:t>
-            </a:r>
-            <a:r>
-              <a:rPr lang="en-US" altLang="zh-CN" dirty="0" smtClean="0"/>
-              <a:t>84</a:t>
-            </a:r>
-            <a:r>
-              <a:rPr lang="zh-CN" altLang="en-US" dirty="0" smtClean="0"/>
-              <a:t>个对象</a:t>
-            </a:r>
-            <a:r>
-              <a:rPr lang="en-US" altLang="zh-CN" dirty="0" smtClean="0"/>
-              <a:t>5</a:t>
-            </a:r>
-            <a:r>
-              <a:rPr lang="zh-CN" altLang="en-US" dirty="0" smtClean="0"/>
-              <a:t>个变量</a:t>
-            </a:r>
-            <a:endParaRPr lang="zh-CN" altLang="en-US" dirty="0"/>
-          </a:p>
-        </p:txBody>
-      </p:sp>
-      <p:sp>
-        <p:nvSpPr>
-          <p:cNvPr id="4" name="Rectangle 1"/>
-          <p:cNvSpPr>
-            <a:spLocks noChangeArrowheads="1"/>
-          </p:cNvSpPr>
-          <p:nvPr/>
-        </p:nvSpPr>
-        <p:spPr bwMode="auto">
-          <a:xfrm>
-            <a:off x="1154083" y="2697924"/>
-            <a:ext cx="6508192" cy="369332"/>
-          </a:xfrm>
-          <a:prstGeom prst="rect">
-            <a:avLst/>
-          </a:prstGeom>
-          <a:solidFill>
-            <a:srgbClr val="FFFFFF"/>
-          </a:solidFill>
-          <a:ln>
-            <a:noFill/>
-          </a:ln>
-          <a:effectLst/>
-          <a:extLst>
-            <a:ext uri="{91240B29-F687-4F45-9708-019B960494DF}">
-              <a14:hiddenLine xmlns:a14="http://schemas.microsoft.com/office/drawing/2010/main" w="9525">
-                <a:solidFill>
-                  <a:schemeClr val="tx1"/>
-                </a:solidFill>
-                <a:miter lim="800000"/>
-                <a:headEnd/>
-                <a:tailEnd/>
-              </a14:hiddenLine>
-            </a:ext>
-            <a:ext uri="{AF507438-7753-43E0-B8FC-AC1667EBCBE1}">
-              <a14:hiddenEffects xmlns:a14="http://schemas.microsoft.com/office/drawing/2010/main">
-                <a:effectLst>
-                  <a:outerShdw dist="35921" dir="2700000" algn="ctr" rotWithShape="0">
-                    <a:schemeClr val="bg2"/>
-                  </a:outerShdw>
-                </a:effectLst>
-              </a14:hiddenEffects>
-            </a:ext>
-          </a:extLst>
-        </p:spPr>
-        <p:txBody>
-          <a:bodyPr vert="horz" wrap="none" lIns="0" tIns="0" rIns="0" bIns="0" numCol="1" anchor="ctr" anchorCtr="0" compatLnSpc="1">
-            <a:prstTxWarp prst="textNoShape">
-              <a:avLst/>
-            </a:prstTxWarp>
-            <a:spAutoFit/>
+          <a:bodyPr>
+            <a:normAutofit/>
           </a:bodyPr>
           <a:lstStyle/>
           <a:p>
-            <a:pPr marL="0" marR="0" lvl="0" indent="0" algn="l" defTabSz="914400" rtl="0" eaLnBrk="0" fontAlgn="base" latinLnBrk="0" hangingPunct="0">
-              <a:lnSpc>
-                <a:spcPct val="100000"/>
-              </a:lnSpc>
-              <a:spcBef>
-                <a:spcPct val="0"/>
-              </a:spcBef>
-              <a:spcAft>
-                <a:spcPct val="0"/>
-              </a:spcAft>
-              <a:buClrTx/>
-              <a:buSzTx/>
-              <a:buFontTx/>
-              <a:buNone/>
-              <a:tabLst/>
-            </a:pPr>
-            <a:r>
-              <a:rPr kumimoji="0" lang="zh-CN" altLang="zh-CN" sz="1200" b="0" i="0" u="none" strike="noStrike" cap="none" normalizeH="0" baseline="0" dirty="0" smtClean="0">
-                <a:ln>
-                  <a:noFill/>
-                </a:ln>
-                <a:solidFill>
-                  <a:srgbClr val="0000FF"/>
-                </a:solidFill>
-                <a:effectLst/>
-                <a:latin typeface="Lucida Console" panose="020B0609040504020204" pitchFamily="49" charset="0"/>
-              </a:rPr>
-              <a:t>&gt; names(mtcars) </a:t>
-            </a:r>
-            <a:endParaRPr kumimoji="0" lang="en-US" altLang="zh-CN" sz="1200" b="0" i="0" u="none" strike="noStrike" cap="none" normalizeH="0" baseline="0" dirty="0" smtClean="0">
-              <a:ln>
-                <a:noFill/>
-              </a:ln>
-              <a:solidFill>
-                <a:srgbClr val="0000FF"/>
-              </a:solidFill>
-              <a:effectLst/>
-              <a:latin typeface="Lucida Console" panose="020B0609040504020204" pitchFamily="49" charset="0"/>
-            </a:endParaRPr>
-          </a:p>
-          <a:p>
-            <a:pPr marL="0" marR="0" lvl="0" indent="0" algn="l" defTabSz="914400" rtl="0" eaLnBrk="0" fontAlgn="base" latinLnBrk="0" hangingPunct="0">
-              <a:lnSpc>
-                <a:spcPct val="100000"/>
-              </a:lnSpc>
-              <a:spcBef>
-                <a:spcPct val="0"/>
-              </a:spcBef>
-              <a:spcAft>
-                <a:spcPct val="0"/>
-              </a:spcAft>
-              <a:buClrTx/>
-              <a:buSzTx/>
-              <a:buFontTx/>
-              <a:buNone/>
-              <a:tabLst/>
-            </a:pPr>
-            <a:r>
-              <a:rPr kumimoji="0" lang="zh-CN" altLang="zh-CN" sz="1200" b="0" i="0" u="none" strike="noStrike" cap="none" normalizeH="0" baseline="0" dirty="0" smtClean="0">
-                <a:ln>
-                  <a:noFill/>
-                </a:ln>
-                <a:solidFill>
-                  <a:srgbClr val="000000"/>
-                </a:solidFill>
-                <a:effectLst/>
-                <a:latin typeface="Lucida Console" panose="020B0609040504020204" pitchFamily="49" charset="0"/>
-              </a:rPr>
-              <a:t>[1] "mpg" "cyl" "disp" "hp" "drat" "wt" "qsec" "vs" "am" "gear" "carb"</a:t>
-            </a:r>
-            <a:endParaRPr kumimoji="0" lang="zh-CN" altLang="zh-CN" sz="2800" b="0" i="0" u="none" strike="noStrike" cap="none" normalizeH="0" baseline="0" dirty="0" smtClean="0">
-              <a:ln>
-                <a:noFill/>
-              </a:ln>
-              <a:solidFill>
-                <a:schemeClr val="tx1"/>
-              </a:solidFill>
-              <a:effectLst/>
-              <a:latin typeface="Arial" panose="020B0604020202020204" pitchFamily="34" charset="0"/>
-            </a:endParaRPr>
+            <a:r>
+              <a:rPr lang="zh-CN" altLang="en-US" sz="3200" dirty="0" smtClean="0"/>
+              <a:t>将第三次课案例文件夹中的</a:t>
+            </a:r>
+            <a:r>
+              <a:rPr lang="en-US" altLang="zh-CN" sz="3200" dirty="0" smtClean="0"/>
+              <a:t>.</a:t>
+            </a:r>
+            <a:r>
+              <a:rPr lang="en-US" altLang="zh-CN" sz="3200" dirty="0" err="1" smtClean="0"/>
+              <a:t>Rda</a:t>
+            </a:r>
+            <a:r>
+              <a:rPr lang="zh-CN" altLang="en-US" sz="3200" dirty="0" smtClean="0"/>
+              <a:t>数据文件放入工作目录</a:t>
+            </a:r>
+            <a:endParaRPr lang="en-US" altLang="zh-CN" sz="3200" dirty="0" smtClean="0"/>
+          </a:p>
+          <a:p>
+            <a:r>
+              <a:rPr lang="zh-CN" altLang="en-US" sz="3200" dirty="0" smtClean="0"/>
+              <a:t>加载包</a:t>
+            </a:r>
+            <a:r>
+              <a:rPr lang="en-US" altLang="zh-CN" sz="3200" dirty="0" smtClean="0"/>
+              <a:t>psych</a:t>
+            </a:r>
+          </a:p>
+          <a:p>
+            <a:r>
+              <a:rPr lang="zh-CN" altLang="en-US" sz="3200" dirty="0" smtClean="0"/>
+              <a:t>加载包</a:t>
+            </a:r>
+            <a:r>
+              <a:rPr lang="en-US" altLang="zh-CN" sz="3200" dirty="0" err="1" smtClean="0"/>
+              <a:t>dplyr</a:t>
+            </a:r>
+            <a:endParaRPr lang="zh-CN" altLang="en-US" sz="3200" dirty="0"/>
           </a:p>
         </p:txBody>
       </p:sp>
     </p:spTree>
     <p:extLst>
       <p:ext uri="{BB962C8B-B14F-4D97-AF65-F5344CB8AC3E}">
-        <p14:creationId xmlns:p14="http://schemas.microsoft.com/office/powerpoint/2010/main" val="2145126751"/>
+        <p14:creationId xmlns:p14="http://schemas.microsoft.com/office/powerpoint/2010/main" val="160004220"/>
       </p:ext>
     </p:extLst>
   </p:cSld>
   <p:clrMapOvr>
     <a:masterClrMapping/>
   </p:clrMapOvr>
-  <p:timing>
-    <p:tnLst>
-      <p:par>
-        <p:cTn id="1" dur="indefinite" restart="never" nodeType="tmRoot"/>
-      </p:par>
-    </p:tnLst>
-  </p:timing>
 </p:sld>
 </file>
 
@@ -10412,19 +10210,11 @@
             </a:pPr>
             <a:r>
               <a:rPr lang="zh-CN" altLang="en-US" dirty="0" smtClean="0"/>
-              <a:t>以上代码中第</a:t>
-            </a:r>
-            <a:r>
-              <a:rPr lang="zh-CN" altLang="en-US" dirty="0" smtClean="0"/>
-              <a:t>一行指定了</a:t>
-            </a:r>
-            <a:r>
-              <a:rPr lang="zh-CN" altLang="en-US" dirty="0" smtClean="0"/>
-              <a:t>要对数据集</a:t>
+              <a:t>以上代码中第一行指定了要对数据集</a:t>
             </a:r>
             <a:r>
               <a:rPr lang="en-US" altLang="zh-CN" dirty="0" smtClean="0"/>
-              <a:t>iris</a:t>
+              <a:t>Arthritis</a:t>
             </a:r>
             <a:r>
               <a:rPr lang="zh-CN" altLang="en-US" dirty="0" smtClean="0"/>
@@ -10439,16 +10229,16 @@
               <a:t>将</a:t>
             </a:r>
             <a:r>
-              <a:rPr lang="en-US" altLang="zh-CN" dirty="0" smtClean="0"/>
-              <a:t>iris</a:t>
+              <a:rPr lang="en-US" altLang="zh-CN" dirty="0"/>
+              <a:t>Arthritis</a:t>
             </a:r>
             <a:r>
               <a:rPr lang="zh-CN" altLang="en-US" dirty="0" smtClean="0"/>
               <a:t>传递到了后续函数第一个参数中，因此我们不必再重复写入</a:t>
             </a:r>
             <a:r>
-              <a:rPr lang="en-US" altLang="zh-CN" dirty="0" smtClean="0"/>
-              <a:t>iris</a:t>
+              <a:rPr lang="en-US" altLang="zh-CN" dirty="0"/>
+              <a:t>Arthritis</a:t>
             </a:r>
             <a:endParaRPr lang="zh-CN" altLang="en-US" dirty="0"/>
           </a:p>
@@ -10801,7 +10591,7 @@
           <a:p>
             <a:r>
               <a:rPr lang="zh-CN" altLang="en-US" dirty="0" smtClean="0"/>
-              <a:t>矩阵行列操作</a:t>
+              <a:t>近几次课用到的案例数据集</a:t>
             </a:r>
             <a:endParaRPr lang="zh-CN" altLang="en-US" dirty="0"/>
           </a:p>
@@ -10823,39 +10613,231 @@
           <a:lstStyle/>
           <a:p>
             <a:r>
-              <a:rPr lang="zh-CN" altLang="en-US" dirty="0" smtClean="0"/>
-              <a:t>列求均值 </a:t>
-            </a:r>
+              <a:rPr lang="en-US" altLang="zh-CN" dirty="0" smtClean="0"/>
+              <a:t>cars #</a:t>
+            </a:r>
+            <a:r>
+              <a:rPr lang="zh-CN" altLang="en-US" dirty="0" smtClean="0"/>
+              <a:t>车速和刹车距离</a:t>
+            </a:r>
+            <a:endParaRPr lang="en-US" altLang="zh-CN" dirty="0" smtClean="0"/>
+          </a:p>
+          <a:p>
             <a:r>
               <a:rPr lang="en-US" altLang="zh-CN" dirty="0" err="1" smtClean="0"/>
-              <a:t>colMeans</a:t>
-            </a:r>
+              <a:t>mtcars</a:t>
+            </a:r>
+            <a:r>
+              <a:rPr lang="en-US" altLang="zh-CN" dirty="0" smtClean="0"/>
+              <a:t>  #1974</a:t>
+            </a:r>
+            <a:r>
+              <a:rPr lang="zh-CN" altLang="en-US" dirty="0" smtClean="0"/>
+              <a:t>年美国某杂志收集的机动车油耗以及其他</a:t>
+            </a:r>
+            <a:r>
+              <a:rPr lang="en-US" altLang="zh-CN" dirty="0" smtClean="0"/>
+              <a:t>10</a:t>
+            </a:r>
+            <a:r>
+              <a:rPr lang="zh-CN" altLang="en-US" dirty="0" smtClean="0"/>
+              <a:t>个方面的表现情况，</a:t>
+            </a:r>
+            <a:r>
+              <a:rPr lang="en-US" altLang="zh-CN" dirty="0" smtClean="0"/>
+              <a:t>32</a:t>
+            </a:r>
+            <a:r>
+              <a:rPr lang="zh-CN" altLang="en-US" dirty="0" smtClean="0"/>
+              <a:t>个对象</a:t>
+            </a:r>
+            <a:endParaRPr lang="en-US" altLang="zh-CN" dirty="0"/>
+          </a:p>
+          <a:p>
             <a:endParaRPr lang="en-US" altLang="zh-CN" dirty="0" smtClean="0"/>
           </a:p>
           <a:p>
             <a:r>
-              <a:rPr lang="zh-CN" altLang="en-US" dirty="0" smtClean="0"/>
-              <a:t>行求均值</a:t>
+              <a:rPr lang="en-US" altLang="zh-CN" dirty="0" smtClean="0"/>
+              <a:t>Arthritis #</a:t>
+            </a:r>
+            <a:r>
+              <a:rPr lang="zh-CN" altLang="en-US" dirty="0"/>
+              <a:t>一项双盲临床试验研究类风湿性关节炎的新</a:t>
+            </a:r>
+            <a:r>
+              <a:rPr lang="zh-CN" altLang="en-US" dirty="0" smtClean="0"/>
+              <a:t>疗法效果数据，</a:t>
             </a:r>
             <a:r>
               <a:rPr lang="en-US" altLang="zh-CN" dirty="0" err="1" smtClean="0"/>
-              <a:t>rowMeans</a:t>
-            </a:r>
-            <a:endParaRPr lang="en-US" altLang="zh-CN" dirty="0" smtClean="0"/>
-          </a:p>
-          <a:p>
-            <a:r>
-              <a:rPr lang="zh-CN" altLang="en-US" dirty="0" smtClean="0"/>
-              <a:t>同样适用于数据集</a:t>
+              <a:t>vcd</a:t>
+            </a:r>
+            <a:r>
+              <a:rPr lang="zh-CN" altLang="en-US" dirty="0" smtClean="0"/>
+              <a:t>包中的案例数据</a:t>
+            </a:r>
+            <a:r>
+              <a:rPr lang="en-US" altLang="zh-CN" dirty="0" smtClean="0"/>
+              <a:t>84</a:t>
+            </a:r>
+            <a:r>
+              <a:rPr lang="zh-CN" altLang="en-US" dirty="0" smtClean="0"/>
+              <a:t>个对象</a:t>
+            </a:r>
+            <a:r>
+              <a:rPr lang="en-US" altLang="zh-CN" dirty="0" smtClean="0"/>
+              <a:t>5</a:t>
+            </a:r>
+            <a:r>
+              <a:rPr lang="zh-CN" altLang="en-US" dirty="0" smtClean="0"/>
+              <a:t>个变量</a:t>
             </a:r>
             <a:endParaRPr lang="zh-CN" altLang="en-US" dirty="0"/>
+          </a:p>
+        </p:txBody>
+      </p:sp>
+      <p:sp>
+        <p:nvSpPr>
+          <p:cNvPr id="4" name="Rectangle 1"/>
+          <p:cNvSpPr>
+            <a:spLocks noChangeArrowheads="1"/>
+          </p:cNvSpPr>
+          <p:nvPr/>
+        </p:nvSpPr>
+        <p:spPr bwMode="auto">
+          <a:xfrm>
+            <a:off x="1154083" y="2697924"/>
+            <a:ext cx="6508192" cy="369332"/>
+          </a:xfrm>
+          <a:prstGeom prst="rect">
+            <a:avLst/>
+          </a:prstGeom>
+          <a:solidFill>
+            <a:srgbClr val="FFFFFF"/>
+          </a:solidFill>
+          <a:ln>
+            <a:noFill/>
+          </a:ln>
+          <a:effectLst/>
+          <a:extLst>
+            <a:ext uri="{91240B29-F687-4F45-9708-019B960494DF}">
+              <a14:hiddenLine xmlns:a14="http://schemas.microsoft.com/office/drawing/2010/main" w="9525">
+                <a:solidFill>
+                  <a:schemeClr val="tx1"/>
+                </a:solidFill>
+                <a:miter lim="800000"/>
+                <a:headEnd/>
+                <a:tailEnd/>
+              </a14:hiddenLine>
+            </a:ext>
+            <a:ext uri="{AF507438-7753-43E0-B8FC-AC1667EBCBE1}">
+              <a14:hiddenEffects xmlns:a14="http://schemas.microsoft.com/office/drawing/2010/main">
+                <a:effectLst>
+                  <a:outerShdw dist="35921" dir="2700000" algn="ctr" rotWithShape="0">
+                    <a:schemeClr val="bg2"/>
+                  </a:outerShdw>
+                </a:effectLst>
+              </a14:hiddenEffects>
+            </a:ext>
+          </a:extLst>
+        </p:spPr>
+        <p:txBody>
+          <a:bodyPr vert="horz" wrap="none" lIns="0" tIns="0" rIns="0" bIns="0" numCol="1" anchor="ctr" anchorCtr="0" compatLnSpc="1">
+            <a:prstTxWarp prst="textNoShape">
+              <a:avLst/>
+            </a:prstTxWarp>
+            <a:spAutoFit/>
+          </a:bodyPr>
+          <a:lstStyle/>
+          <a:p>
+            <a:pPr marL="0" marR="0" lvl="0" indent="0" algn="l" defTabSz="914400" rtl="0" eaLnBrk="0" fontAlgn="base" latinLnBrk="0" hangingPunct="0">
+              <a:lnSpc>
+                <a:spcPct val="100000"/>
+              </a:lnSpc>
+              <a:spcBef>
+                <a:spcPct val="0"/>
+              </a:spcBef>
+              <a:spcAft>
+                <a:spcPct val="0"/>
+              </a:spcAft>
+              <a:buClrTx/>
+              <a:buSzTx/>
+              <a:buFontTx/>
+              <a:buNone/>
+              <a:tabLst/>
+            </a:pPr>
+            <a:r>
+              <a:rPr kumimoji="0" lang="zh-CN" altLang="zh-CN" sz="1200" b="0" i="0" u="none" strike="noStrike" cap="none" normalizeH="0" baseline="0" dirty="0" smtClean="0">
+                <a:ln>
+                  <a:noFill/>
+                </a:ln>
+                <a:solidFill>
+                  <a:srgbClr val="0000FF"/>
+                </a:solidFill>
+                <a:effectLst/>
+                <a:latin typeface="Lucida Console" panose="020B0609040504020204" pitchFamily="49" charset="0"/>
+              </a:rPr>
+              <a:t>&gt; names(mtcars) </a:t>
+            </a:r>
+            <a:endParaRPr kumimoji="0" lang="en-US" altLang="zh-CN" sz="1200" b="0" i="0" u="none" strike="noStrike" cap="none" normalizeH="0" baseline="0" dirty="0" smtClean="0">
+              <a:ln>
+                <a:noFill/>
+              </a:ln>
+              <a:solidFill>
+                <a:srgbClr val="0000FF"/>
+              </a:solidFill>
+              <a:effectLst/>
+              <a:latin typeface="Lucida Console" panose="020B0609040504020204" pitchFamily="49" charset="0"/>
+            </a:endParaRPr>
+          </a:p>
+          <a:p>
+            <a:pPr marL="0" marR="0" lvl="0" indent="0" algn="l" defTabSz="914400" rtl="0" eaLnBrk="0" fontAlgn="base" latinLnBrk="0" hangingPunct="0">
+              <a:lnSpc>
+                <a:spcPct val="100000"/>
+              </a:lnSpc>
+              <a:spcBef>
+                <a:spcPct val="0"/>
+              </a:spcBef>
+              <a:spcAft>
+                <a:spcPct val="0"/>
+              </a:spcAft>
+              <a:buClrTx/>
+              <a:buSzTx/>
+              <a:buFontTx/>
+              <a:buNone/>
+              <a:tabLst/>
+            </a:pPr>
+            <a:r>
+              <a:rPr kumimoji="0" lang="zh-CN" altLang="zh-CN" sz="1200" b="0" i="0" u="none" strike="noStrike" cap="none" normalizeH="0" baseline="0" dirty="0" smtClean="0">
+                <a:ln>
+                  <a:noFill/>
+                </a:ln>
+                <a:solidFill>
+                  <a:srgbClr val="000000"/>
+                </a:solidFill>
+                <a:effectLst/>
+                <a:latin typeface="Lucida Console" panose="020B0609040504020204" pitchFamily="49" charset="0"/>
+              </a:rPr>
+              <a:t>[1] "mpg" "cyl" "disp" "hp" "drat" "wt" "qsec" "vs" "am" "gear" "carb"</a:t>
+            </a:r>
+            <a:endParaRPr kumimoji="0" lang="zh-CN" altLang="zh-CN" sz="2800" b="0" i="0" u="none" strike="noStrike" cap="none" normalizeH="0" baseline="0" dirty="0" smtClean="0">
+              <a:ln>
+                <a:noFill/>
+              </a:ln>
+              <a:solidFill>
+                <a:schemeClr val="tx1"/>
+              </a:solidFill>
+              <a:effectLst/>
+              <a:latin typeface="Arial" panose="020B0604020202020204" pitchFamily="34" charset="0"/>
+            </a:endParaRPr>
           </a:p>
         </p:txBody>
       </p:sp>
     </p:spTree>
     <p:extLst>
       <p:ext uri="{BB962C8B-B14F-4D97-AF65-F5344CB8AC3E}">
-        <p14:creationId xmlns:p14="http://schemas.microsoft.com/office/powerpoint/2010/main" val="3951597653"/>
+        <p14:creationId xmlns:p14="http://schemas.microsoft.com/office/powerpoint/2010/main" val="2145126751"/>
       </p:ext>
     </p:extLst>
   </p:cSld>
@@ -10941,6 +10923,32 @@
               <a:buNone/>
             </a:pPr>
             <a:r>
+              <a:rPr lang="zh-CN" altLang="en-US" dirty="0"/>
+              <a:t>监测缺失</a:t>
+            </a:r>
+            <a:r>
+              <a:rPr lang="zh-CN" altLang="en-US" dirty="0" smtClean="0"/>
+              <a:t>值</a:t>
+            </a:r>
+            <a:endParaRPr lang="en-US" altLang="zh-CN" dirty="0" smtClean="0"/>
+          </a:p>
+          <a:p>
+            <a:pPr marL="0" indent="0">
+              <a:buNone/>
+            </a:pPr>
+            <a:endParaRPr lang="en-US" altLang="zh-CN" dirty="0"/>
+          </a:p>
+          <a:p>
+            <a:pPr marL="0" indent="0">
+              <a:buNone/>
+            </a:pPr>
+            <a:endParaRPr lang="en-US" altLang="zh-CN" dirty="0"/>
+          </a:p>
+          <a:p>
+            <a:pPr marL="0" indent="0">
+              <a:buNone/>
+            </a:pPr>
+            <a:r>
               <a:rPr lang="zh-CN" altLang="en-US" dirty="0" smtClean="0"/>
               <a:t>打开参数</a:t>
             </a:r>
@@ -10980,16 +10988,6 @@
             <a:pPr marL="0" indent="0">
               <a:buNone/>
             </a:pPr>
-            <a:endParaRPr lang="en-US" altLang="zh-CN" dirty="0" smtClean="0"/>
-          </a:p>
-          <a:p>
-            <a:pPr marL="0" indent="0">
-              <a:buNone/>
-            </a:pPr>
-            <a:r>
-              <a:rPr lang="zh-CN" altLang="en-US" dirty="0" smtClean="0"/>
-              <a:t>监测缺失值</a:t>
-            </a:r>
             <a:endParaRPr lang="en-US" altLang="zh-CN" dirty="0" smtClean="0"/>
           </a:p>
           <a:p>
@@ -11007,7 +11005,7 @@
         </p:nvSpPr>
         <p:spPr bwMode="auto">
           <a:xfrm>
-            <a:off x="1097280" y="2381981"/>
+            <a:off x="1154083" y="3730948"/>
             <a:ext cx="1952458" cy="553998"/>
           </a:xfrm>
           <a:prstGeom prst="rect">
@@ -11185,7 +11183,7 @@
         </p:nvSpPr>
         <p:spPr bwMode="auto">
           <a:xfrm>
-            <a:off x="1097280" y="4707995"/>
+            <a:off x="1154083" y="2303719"/>
             <a:ext cx="1952458" cy="738664"/>
           </a:xfrm>
           <a:prstGeom prst="rect">
@@ -11402,7 +11400,7 @@
         </p:nvSpPr>
         <p:spPr>
           <a:xfrm>
-            <a:off x="1097280" y="3672748"/>
+            <a:off x="997692" y="5193731"/>
             <a:ext cx="3252814" cy="276999"/>
           </a:xfrm>
           <a:prstGeom prst="rect">
@@ -11520,7 +11518,15 @@
           <a:p>
             <a:r>
               <a:rPr lang="zh-CN" altLang="en-US" sz="3600" dirty="0" smtClean="0"/>
-              <a:t>标准化</a:t>
+              <a:t>数据清洗</a:t>
+            </a:r>
+            <a:r>
+              <a:rPr lang="en-US" altLang="zh-CN" sz="3600" dirty="0" smtClean="0"/>
+              <a:t>-</a:t>
+            </a:r>
+            <a:r>
+              <a:rPr lang="zh-CN" altLang="en-US" sz="3600" dirty="0" smtClean="0"/>
+              <a:t>其他方法</a:t>
             </a:r>
             <a:endParaRPr lang="zh-CN" altLang="en-US" sz="3600" dirty="0"/>
           </a:p>
@@ -11543,110 +11549,80 @@
           <a:p>
             <a:r>
               <a:rPr lang="zh-CN" altLang="en-US" dirty="0" smtClean="0"/>
-              <a:t>标准化主要使用</a:t>
+              <a:t>删除重复（或提取唯一）</a:t>
+            </a:r>
+            <a:endParaRPr lang="en-US" altLang="zh-CN" dirty="0" smtClean="0"/>
+          </a:p>
+          <a:p>
+            <a:pPr lvl="1"/>
+            <a:r>
+              <a:rPr lang="en-US" altLang="zh-CN" dirty="0" err="1" smtClean="0"/>
+              <a:t>mydata</a:t>
             </a:r>
             <a:r>
               <a:rPr lang="en-US" altLang="zh-CN" dirty="0" smtClean="0"/>
-              <a:t>scale</a:t>
-            </a:r>
-            <a:r>
-              <a:rPr lang="zh-CN" altLang="en-US" dirty="0" smtClean="0"/>
-              <a:t>函数进行处理，标准化后的数据均值为</a:t>
+              <a:t>&lt;-unique(x)</a:t>
+            </a:r>
+          </a:p>
+          <a:p>
+            <a:r>
+              <a:rPr lang="zh-CN" altLang="en-US" dirty="0" smtClean="0"/>
+              <a:t>删除缺失数据</a:t>
+            </a:r>
+            <a:endParaRPr lang="en-US" altLang="zh-CN" dirty="0" smtClean="0"/>
+          </a:p>
+          <a:p>
+            <a:pPr lvl="1"/>
+            <a:r>
+              <a:rPr lang="en-US" altLang="zh-CN" dirty="0" err="1" smtClean="0"/>
+              <a:t>mydata</a:t>
             </a:r>
             <a:r>
               <a:rPr lang="en-US" altLang="zh-CN" dirty="0" smtClean="0"/>
-              <a:t>0</a:t>
-            </a:r>
-            <a:r>
-              <a:rPr lang="zh-CN" altLang="en-US" dirty="0" smtClean="0"/>
-              <a:t>，标准差为</a:t>
+              <a:t>&lt;-</a:t>
+            </a:r>
+            <a:r>
+              <a:rPr lang="en-US" altLang="zh-CN" dirty="0" err="1" smtClean="0"/>
+              <a:t>na.omit</a:t>
             </a:r>
             <a:r>
               <a:rPr lang="en-US" altLang="zh-CN" dirty="0" smtClean="0"/>
-              <a:t>1</a:t>
-            </a:r>
-          </a:p>
-          <a:p>
-            <a:endParaRPr lang="en-US" altLang="zh-CN" dirty="0"/>
-          </a:p>
-          <a:p>
+              <a:t>(dataset)</a:t>
+            </a:r>
+          </a:p>
+          <a:p>
+            <a:r>
+              <a:rPr lang="zh-CN" altLang="en-US" dirty="0" smtClean="0"/>
+              <a:t>清理无用空格</a:t>
+            </a:r>
             <a:endParaRPr lang="en-US" altLang="zh-CN" dirty="0" smtClean="0"/>
           </a:p>
           <a:p>
-            <a:endParaRPr lang="en-US" altLang="zh-CN" dirty="0"/>
-          </a:p>
-          <a:p>
-            <a:endParaRPr lang="en-US" altLang="zh-CN" dirty="0" smtClean="0"/>
-          </a:p>
-          <a:p>
-            <a:r>
-              <a:rPr lang="zh-CN" altLang="en-US" dirty="0" smtClean="0"/>
-              <a:t>若改变标准差和均值，可以在</a:t>
+            <a:pPr lvl="1"/>
+            <a:r>
+              <a:rPr lang="en-US" altLang="zh-CN" dirty="0" err="1" smtClean="0"/>
+              <a:t>mydata</a:t>
             </a:r>
             <a:r>
               <a:rPr lang="en-US" altLang="zh-CN" dirty="0" smtClean="0"/>
-              <a:t>scale</a:t>
-            </a:r>
-            <a:r>
-              <a:rPr lang="zh-CN" altLang="en-US" dirty="0" smtClean="0"/>
-              <a:t>基础上加上系数，如</a:t>
+              <a:t>&lt;-trim(x)   </a:t>
+            </a:r>
+            <a:r>
+              <a:rPr lang="zh-CN" altLang="en-US" dirty="0" smtClean="0"/>
+              <a:t>需事先载入包</a:t>
+            </a:r>
+            <a:r>
+              <a:rPr lang="en-US" altLang="zh-CN" dirty="0" smtClean="0"/>
+              <a:t>raster</a:t>
             </a:r>
             <a:endParaRPr lang="zh-CN" altLang="en-US" dirty="0"/>
           </a:p>
         </p:txBody>
       </p:sp>
-      <p:pic>
-        <p:nvPicPr>
-          <p:cNvPr id="4" name="图片 3"/>
-          <p:cNvPicPr>
-            <a:picLocks noChangeAspect="1"/>
-          </p:cNvPicPr>
-          <p:nvPr/>
-        </p:nvPicPr>
-        <p:blipFill>
-          <a:blip r:embed="rId2"/>
-          <a:stretch>
-            <a:fillRect/>
-          </a:stretch>
-        </p:blipFill>
-        <p:spPr>
-          <a:xfrm>
-            <a:off x="1476238" y="2331856"/>
-            <a:ext cx="2028825" cy="1724025"/>
-          </a:xfrm>
-          <a:prstGeom prst="rect">
-            <a:avLst/>
-          </a:prstGeom>
-        </p:spPr>
-      </p:pic>
-      <p:pic>
-        <p:nvPicPr>
-          <p:cNvPr id="5" name="图片 4"/>
-          <p:cNvPicPr>
-            <a:picLocks noChangeAspect="1"/>
-          </p:cNvPicPr>
-          <p:nvPr/>
-        </p:nvPicPr>
-        <p:blipFill>
-          <a:blip r:embed="rId3"/>
-          <a:stretch>
-            <a:fillRect/>
-          </a:stretch>
-        </p:blipFill>
-        <p:spPr>
-          <a:xfrm>
-            <a:off x="1476238" y="4531700"/>
-            <a:ext cx="2266950" cy="1619250"/>
-          </a:xfrm>
-          <a:prstGeom prst="rect">
-            <a:avLst/>
-          </a:prstGeom>
-        </p:spPr>
-      </p:pic>
     </p:spTree>
     <p:extLst>
       <p:ext uri="{BB962C8B-B14F-4D97-AF65-F5344CB8AC3E}">
-        <p14:creationId xmlns:p14="http://schemas.microsoft.com/office/powerpoint/2010/main" val="3292272671"/>
+        <p14:creationId xmlns:p14="http://schemas.microsoft.com/office/powerpoint/2010/main" val="1677500688"/>
       </p:ext>
     </p:extLst>
   </p:cSld>
@@ -11692,14 +11668,16 @@
         </p:nvSpPr>
         <p:spPr/>
         <p:txBody>
-          <a:bodyPr/>
+          <a:bodyPr>
+            <a:normAutofit/>
+          </a:bodyPr>
           <a:lstStyle/>
           <a:p>
             <a:r>
-              <a:rPr lang="zh-CN" altLang="en-US" dirty="0" smtClean="0"/>
-              <a:t>描述性统计量计算</a:t>
-            </a:r>
-            <a:endParaRPr lang="zh-CN" altLang="en-US" dirty="0"/>
+              <a:rPr lang="zh-CN" altLang="en-US" sz="3600" dirty="0" smtClean="0"/>
+              <a:t>标准化</a:t>
+            </a:r>
+            <a:endParaRPr lang="zh-CN" altLang="en-US" sz="3600" dirty="0"/>
           </a:p>
         </p:txBody>
       </p:sp>
@@ -11720,155 +11698,123 @@
           <a:p>
             <a:r>
               <a:rPr lang="zh-CN" altLang="en-US" dirty="0" smtClean="0"/>
-              <a:t>集中性统计量：算术均值 </a:t>
+              <a:t>标准化主要使用</a:t>
             </a:r>
             <a:r>
               <a:rPr lang="en-US" altLang="zh-CN" dirty="0" smtClean="0"/>
-              <a:t>mean   </a:t>
-            </a:r>
-            <a:r>
-              <a:rPr lang="zh-CN" altLang="en-US" dirty="0" smtClean="0"/>
-              <a:t>几何均值 </a:t>
+              <a:t>scale</a:t>
+            </a:r>
+            <a:r>
+              <a:rPr lang="zh-CN" altLang="en-US" dirty="0" smtClean="0"/>
+              <a:t>函数进行处理，标准化后的数据均值为</a:t>
             </a:r>
             <a:r>
               <a:rPr lang="en-US" altLang="zh-CN" dirty="0" smtClean="0"/>
-              <a:t>psych::</a:t>
-            </a:r>
-            <a:r>
-              <a:rPr lang="en-US" altLang="zh-CN" dirty="0" err="1" smtClean="0"/>
-              <a:t>geometric.mean</a:t>
-            </a:r>
+              <a:t>0</a:t>
+            </a:r>
+            <a:r>
+              <a:rPr lang="zh-CN" altLang="en-US" dirty="0" smtClean="0"/>
+              <a:t>，标准差为</a:t>
+            </a:r>
+            <a:r>
+              <a:rPr lang="en-US" altLang="zh-CN" dirty="0" smtClean="0"/>
+              <a:t>1</a:t>
+            </a:r>
+          </a:p>
+          <a:p>
+            <a:endParaRPr lang="en-US" altLang="zh-CN" dirty="0"/>
+          </a:p>
+          <a:p>
             <a:endParaRPr lang="en-US" altLang="zh-CN" dirty="0" smtClean="0"/>
           </a:p>
           <a:p>
-            <a:r>
-              <a:rPr lang="zh-CN" altLang="en-US" dirty="0" smtClean="0"/>
-              <a:t>差异性统计量：极差</a:t>
+            <a:endParaRPr lang="en-US" altLang="zh-CN" dirty="0"/>
+          </a:p>
+          <a:p>
+            <a:endParaRPr lang="en-US" altLang="zh-CN" dirty="0" smtClean="0"/>
+          </a:p>
+          <a:p>
+            <a:r>
+              <a:rPr lang="zh-CN" altLang="en-US" dirty="0" smtClean="0"/>
+              <a:t>若改变标准差和均值，可以在</a:t>
             </a:r>
             <a:r>
               <a:rPr lang="en-US" altLang="zh-CN" dirty="0" smtClean="0"/>
-              <a:t>range </a:t>
-            </a:r>
-            <a:r>
-              <a:rPr lang="zh-CN" altLang="en-US" dirty="0" smtClean="0"/>
-              <a:t>方差</a:t>
-            </a:r>
-            <a:r>
-              <a:rPr lang="en-US" altLang="zh-CN" dirty="0" err="1" smtClean="0"/>
-              <a:t>var</a:t>
-            </a:r>
-            <a:r>
-              <a:rPr lang="en-US" altLang="zh-CN" dirty="0" smtClean="0"/>
-              <a:t> </a:t>
-            </a:r>
-            <a:r>
-              <a:rPr lang="zh-CN" altLang="en-US" dirty="0" smtClean="0"/>
-              <a:t>标准差 </a:t>
-            </a:r>
-            <a:r>
-              <a:rPr lang="en-US" altLang="zh-CN" dirty="0" err="1" smtClean="0"/>
-              <a:t>sd</a:t>
-            </a:r>
-            <a:endParaRPr lang="en-US" altLang="zh-CN" dirty="0"/>
-          </a:p>
-          <a:p>
-            <a:r>
-              <a:rPr lang="zh-CN" altLang="en-US" dirty="0" smtClean="0"/>
-              <a:t>分位数</a:t>
-            </a:r>
-            <a:endParaRPr lang="en-US" altLang="zh-CN" dirty="0" smtClean="0"/>
-          </a:p>
-          <a:p>
-            <a:pPr lvl="1"/>
-            <a:r>
-              <a:rPr lang="en-US" altLang="zh-CN" dirty="0" smtClean="0"/>
-              <a:t>quantile</a:t>
-            </a:r>
-          </a:p>
-          <a:p>
-            <a:pPr lvl="1"/>
-            <a:r>
-              <a:rPr lang="en-US" altLang="zh-CN" dirty="0" err="1" smtClean="0"/>
-              <a:t>fivenum</a:t>
+              <a:t>scale</a:t>
+            </a:r>
+            <a:r>
+              <a:rPr lang="zh-CN" altLang="en-US" dirty="0" smtClean="0"/>
+              <a:t>基础上加上系数，如</a:t>
             </a:r>
             <a:endParaRPr lang="zh-CN" altLang="en-US" dirty="0"/>
           </a:p>
         </p:txBody>
       </p:sp>
-      <p:sp>
-        <p:nvSpPr>
-          <p:cNvPr id="4" name="文本框 3"/>
-          <p:cNvSpPr txBox="1"/>
+      <p:pic>
+        <p:nvPicPr>
+          <p:cNvPr id="4" name="图片 3"/>
+          <p:cNvPicPr>
+            <a:picLocks noChangeAspect="1"/>
+          </p:cNvPicPr>
           <p:nvPr/>
-        </p:nvSpPr>
+        </p:nvPicPr>
+        <p:blipFill>
+          <a:blip r:embed="rId2"/>
+          <a:stretch>
+            <a:fillRect/>
+          </a:stretch>
+        </p:blipFill>
         <p:spPr>
           <a:xfrm>
-            <a:off x="6766561" y="5504619"/>
-            <a:ext cx="4972049" cy="584775"/>
+            <a:off x="1476238" y="2250375"/>
+            <a:ext cx="2136095" cy="1815179"/>
           </a:xfrm>
           <a:prstGeom prst="rect">
             <a:avLst/>
           </a:prstGeom>
-          <a:noFill/>
         </p:spPr>
-        <p:txBody>
-          <a:bodyPr wrap="square" rtlCol="0">
-            <a:spAutoFit/>
-          </a:bodyPr>
-          <a:lstStyle/>
-          <a:p>
-            <a:r>
-              <a:rPr lang="zh-CN" altLang="en-US" sz="1600" dirty="0" smtClean="0">
-                <a:latin typeface="华文楷体" panose="02010600040101010101" pitchFamily="2" charset="-122"/>
-                <a:ea typeface="华文楷体" panose="02010600040101010101" pitchFamily="2" charset="-122"/>
-              </a:rPr>
-              <a:t>基本的统计量计算是数据分析的基础，在</a:t>
-            </a:r>
-            <a:r>
-              <a:rPr lang="en-US" altLang="zh-CN" sz="1600" dirty="0" smtClean="0">
-                <a:latin typeface="华文楷体" panose="02010600040101010101" pitchFamily="2" charset="-122"/>
-                <a:ea typeface="华文楷体" panose="02010600040101010101" pitchFamily="2" charset="-122"/>
-              </a:rPr>
-              <a:t>R</a:t>
-            </a:r>
-            <a:r>
-              <a:rPr lang="zh-CN" altLang="en-US" sz="1600" dirty="0" smtClean="0">
-                <a:latin typeface="华文楷体" panose="02010600040101010101" pitchFamily="2" charset="-122"/>
-                <a:ea typeface="华文楷体" panose="02010600040101010101" pitchFamily="2" charset="-122"/>
-              </a:rPr>
-              <a:t>语言中也非常简单。更多统计量计算参见</a:t>
-            </a:r>
-            <a:r>
-              <a:rPr lang="zh-CN" altLang="en-US" sz="1600" b="1" dirty="0" smtClean="0">
-                <a:latin typeface="华文楷体" panose="02010600040101010101" pitchFamily="2" charset="-122"/>
-                <a:ea typeface="华文楷体" panose="02010600040101010101" pitchFamily="2" charset="-122"/>
-              </a:rPr>
-              <a:t>附录</a:t>
-            </a:r>
-            <a:r>
-              <a:rPr lang="en-US" altLang="zh-CN" sz="1600" b="1" dirty="0" smtClean="0">
-                <a:latin typeface="华文楷体" panose="02010600040101010101" pitchFamily="2" charset="-122"/>
-                <a:ea typeface="华文楷体" panose="02010600040101010101" pitchFamily="2" charset="-122"/>
-              </a:rPr>
-              <a:t>2</a:t>
-            </a:r>
-            <a:endParaRPr lang="zh-CN" altLang="en-US" sz="1600" b="1" dirty="0">
-              <a:latin typeface="华文楷体" panose="02010600040101010101" pitchFamily="2" charset="-122"/>
-              <a:ea typeface="华文楷体" panose="02010600040101010101" pitchFamily="2" charset="-122"/>
-            </a:endParaRPr>
-          </a:p>
-        </p:txBody>
-      </p:sp>
+      </p:pic>
+      <p:pic>
+        <p:nvPicPr>
+          <p:cNvPr id="5" name="图片 4"/>
+          <p:cNvPicPr>
+            <a:picLocks noChangeAspect="1"/>
+          </p:cNvPicPr>
+          <p:nvPr/>
+        </p:nvPicPr>
+        <p:blipFill>
+          <a:blip r:embed="rId3"/>
+          <a:stretch>
+            <a:fillRect/>
+          </a:stretch>
+        </p:blipFill>
+        <p:spPr>
+          <a:xfrm>
+            <a:off x="1476237" y="4531699"/>
+            <a:ext cx="2438849" cy="1742035"/>
+          </a:xfrm>
+          <a:prstGeom prst="rect">
+            <a:avLst/>
+          </a:prstGeom>
+        </p:spPr>
+      </p:pic>
     </p:spTree>
     <p:extLst>
       <p:ext uri="{BB962C8B-B14F-4D97-AF65-F5344CB8AC3E}">
-        <p14:creationId xmlns:p14="http://schemas.microsoft.com/office/powerpoint/2010/main" val="2748365451"/>
+        <p14:creationId xmlns:p14="http://schemas.microsoft.com/office/powerpoint/2010/main" val="3292272671"/>
       </p:ext>
     </p:extLst>
   </p:cSld>
   <p:clrMapOvr>
     <a:masterClrMapping/>
   </p:clrMapOvr>
+  <p:timing>
+    <p:tnLst>
+      <p:par>
+        <p:cTn id="1" dur="indefinite" restart="never" nodeType="tmRoot"/>
+      </p:par>
+    </p:tnLst>
+  </p:timing>
 </p:sld>
 </file>
 
@@ -11901,24 +11847,14 @@
         </p:nvSpPr>
         <p:spPr/>
         <p:txBody>
-          <a:bodyPr>
-            <a:normAutofit/>
-          </a:bodyPr>
+          <a:bodyPr/>
           <a:lstStyle/>
           <a:p>
             <a:r>
-              <a:rPr lang="zh-CN" altLang="en-US" sz="3600" dirty="0" smtClean="0"/>
-              <a:t>数据清洗</a:t>
-            </a:r>
-            <a:r>
-              <a:rPr lang="en-US" altLang="zh-CN" sz="3600" dirty="0" smtClean="0"/>
-              <a:t>-</a:t>
-            </a:r>
-            <a:r>
-              <a:rPr lang="zh-CN" altLang="en-US" sz="3600" dirty="0" smtClean="0"/>
-              <a:t>其他方法</a:t>
-            </a:r>
-            <a:endParaRPr lang="zh-CN" altLang="en-US" sz="3600" dirty="0"/>
+              <a:rPr lang="zh-CN" altLang="en-US" dirty="0" smtClean="0"/>
+              <a:t>描述性统计量计算</a:t>
+            </a:r>
+            <a:endParaRPr lang="zh-CN" altLang="en-US" dirty="0"/>
           </a:p>
         </p:txBody>
       </p:sp>
@@ -11939,93 +11875,155 @@
           <a:p>
             <a:r>
               <a:rPr lang="zh-CN" altLang="en-US" dirty="0" smtClean="0"/>
-              <a:t>删除重复（一行数据全部一样的数据）</a:t>
+              <a:t>集中性统计量：算术均值 </a:t>
+            </a:r>
+            <a:r>
+              <a:rPr lang="en-US" altLang="zh-CN" dirty="0" smtClean="0"/>
+              <a:t>mean   </a:t>
+            </a:r>
+            <a:r>
+              <a:rPr lang="zh-CN" altLang="en-US" dirty="0" smtClean="0"/>
+              <a:t>几何均值 </a:t>
+            </a:r>
+            <a:r>
+              <a:rPr lang="en-US" altLang="zh-CN" dirty="0" smtClean="0"/>
+              <a:t>psych::</a:t>
+            </a:r>
+            <a:r>
+              <a:rPr lang="en-US" altLang="zh-CN" dirty="0" err="1" smtClean="0"/>
+              <a:t>geometric.mean</a:t>
             </a:r>
             <a:endParaRPr lang="en-US" altLang="zh-CN" dirty="0" smtClean="0"/>
           </a:p>
           <a:p>
+            <a:r>
+              <a:rPr lang="zh-CN" altLang="en-US" dirty="0" smtClean="0"/>
+              <a:t>差异性统计量：极差</a:t>
+            </a:r>
+            <a:r>
+              <a:rPr lang="en-US" altLang="zh-CN" dirty="0" smtClean="0"/>
+              <a:t>range </a:t>
+            </a:r>
+            <a:r>
+              <a:rPr lang="zh-CN" altLang="en-US" dirty="0" smtClean="0"/>
+              <a:t>方差</a:t>
+            </a:r>
+            <a:r>
+              <a:rPr lang="en-US" altLang="zh-CN" dirty="0" err="1" smtClean="0"/>
+              <a:t>var</a:t>
+            </a:r>
+            <a:r>
+              <a:rPr lang="en-US" altLang="zh-CN" dirty="0" smtClean="0"/>
+              <a:t> </a:t>
+            </a:r>
+            <a:r>
+              <a:rPr lang="zh-CN" altLang="en-US" dirty="0" smtClean="0"/>
+              <a:t>标准差 </a:t>
+            </a:r>
+            <a:r>
+              <a:rPr lang="en-US" altLang="zh-CN" dirty="0" err="1" smtClean="0"/>
+              <a:t>sd</a:t>
+            </a:r>
+            <a:endParaRPr lang="en-US" altLang="zh-CN" dirty="0"/>
+          </a:p>
+          <a:p>
+            <a:r>
+              <a:rPr lang="zh-CN" altLang="en-US" dirty="0" smtClean="0"/>
+              <a:t>分位数</a:t>
+            </a:r>
+            <a:endParaRPr lang="en-US" altLang="zh-CN" dirty="0" smtClean="0"/>
+          </a:p>
+          <a:p>
             <a:pPr lvl="1"/>
             <a:r>
+              <a:rPr lang="en-US" altLang="zh-CN" dirty="0" smtClean="0"/>
+              <a:t>quantile</a:t>
+            </a:r>
+          </a:p>
+          <a:p>
+            <a:pPr lvl="1"/>
+            <a:r>
               <a:rPr lang="en-US" altLang="zh-CN" dirty="0" err="1" smtClean="0"/>
-              <a:t>mydata</a:t>
-            </a:r>
-            <a:r>
-              <a:rPr lang="en-US" altLang="zh-CN" dirty="0" smtClean="0"/>
-              <a:t>&lt;-unique(x)</a:t>
-            </a:r>
-          </a:p>
-          <a:p>
-            <a:r>
-              <a:rPr lang="zh-CN" altLang="en-US" dirty="0" smtClean="0"/>
-              <a:t>删除缺失数据</a:t>
-            </a:r>
-            <a:endParaRPr lang="en-US" altLang="zh-CN" dirty="0" smtClean="0"/>
-          </a:p>
-          <a:p>
-            <a:pPr lvl="1"/>
-            <a:r>
-              <a:rPr lang="en-US" altLang="zh-CN" dirty="0" err="1" smtClean="0"/>
-              <a:t>mydata</a:t>
-            </a:r>
-            <a:r>
-              <a:rPr lang="en-US" altLang="zh-CN" dirty="0" smtClean="0"/>
-              <a:t>&lt;-</a:t>
-            </a:r>
-            <a:r>
-              <a:rPr lang="en-US" altLang="zh-CN" dirty="0" err="1" smtClean="0"/>
-              <a:t>na.omit</a:t>
-            </a:r>
-            <a:r>
-              <a:rPr lang="en-US" altLang="zh-CN" dirty="0" smtClean="0"/>
-              <a:t>(x)</a:t>
-            </a:r>
-          </a:p>
-          <a:p>
-            <a:r>
-              <a:rPr lang="zh-CN" altLang="en-US" dirty="0" smtClean="0"/>
-              <a:t>清理无用空格</a:t>
-            </a:r>
-            <a:endParaRPr lang="en-US" altLang="zh-CN" dirty="0" smtClean="0"/>
-          </a:p>
-          <a:p>
-            <a:pPr lvl="1"/>
-            <a:r>
-              <a:rPr lang="en-US" altLang="zh-CN" dirty="0" err="1" smtClean="0"/>
-              <a:t>mydata</a:t>
-            </a:r>
-            <a:r>
-              <a:rPr lang="en-US" altLang="zh-CN" dirty="0" smtClean="0"/>
-              <a:t>&lt;-trim(x)   </a:t>
-            </a:r>
-            <a:r>
-              <a:rPr lang="zh-CN" altLang="en-US" dirty="0" smtClean="0"/>
-              <a:t>需事先载入包</a:t>
-            </a:r>
-            <a:r>
-              <a:rPr lang="en-US" altLang="zh-CN" dirty="0" smtClean="0"/>
-              <a:t>raster</a:t>
+              <a:t>fivenum</a:t>
             </a:r>
             <a:endParaRPr lang="zh-CN" altLang="en-US" dirty="0"/>
+          </a:p>
+        </p:txBody>
+      </p:sp>
+      <p:sp>
+        <p:nvSpPr>
+          <p:cNvPr id="4" name="文本框 3"/>
+          <p:cNvSpPr txBox="1"/>
+          <p:nvPr/>
+        </p:nvSpPr>
+        <p:spPr>
+          <a:xfrm>
+            <a:off x="6766561" y="5504619"/>
+            <a:ext cx="4972049" cy="584775"/>
+          </a:xfrm>
+          <a:prstGeom prst="rect">
+            <a:avLst/>
+          </a:prstGeom>
+          <a:noFill/>
+        </p:spPr>
+        <p:txBody>
+          <a:bodyPr wrap="square" rtlCol="0">
+            <a:spAutoFit/>
+          </a:bodyPr>
+          <a:lstStyle/>
+          <a:p>
+            <a:r>
+              <a:rPr lang="zh-CN" altLang="en-US" sz="1600" dirty="0" smtClean="0">
+                <a:latin typeface="华文楷体" panose="02010600040101010101" pitchFamily="2" charset="-122"/>
+                <a:ea typeface="华文楷体" panose="02010600040101010101" pitchFamily="2" charset="-122"/>
+              </a:rPr>
+              <a:t>基本的统计量计算是数据分析的基础，在</a:t>
+            </a:r>
+            <a:r>
+              <a:rPr lang="en-US" altLang="zh-CN" sz="1600" dirty="0" smtClean="0">
+                <a:latin typeface="华文楷体" panose="02010600040101010101" pitchFamily="2" charset="-122"/>
+                <a:ea typeface="华文楷体" panose="02010600040101010101" pitchFamily="2" charset="-122"/>
+              </a:rPr>
+              <a:t>R</a:t>
+            </a:r>
+            <a:r>
+              <a:rPr lang="zh-CN" altLang="en-US" sz="1600" dirty="0" smtClean="0">
+                <a:latin typeface="华文楷体" panose="02010600040101010101" pitchFamily="2" charset="-122"/>
+                <a:ea typeface="华文楷体" panose="02010600040101010101" pitchFamily="2" charset="-122"/>
+              </a:rPr>
+              <a:t>语言中也非常简单。更多统计量计算参见</a:t>
+            </a:r>
+            <a:r>
+              <a:rPr lang="zh-CN" altLang="en-US" sz="1600" b="1" dirty="0" smtClean="0">
+                <a:latin typeface="华文楷体" panose="02010600040101010101" pitchFamily="2" charset="-122"/>
+                <a:ea typeface="华文楷体" panose="02010600040101010101" pitchFamily="2" charset="-122"/>
+              </a:rPr>
+              <a:t>附录</a:t>
+            </a:r>
+            <a:r>
+              <a:rPr lang="en-US" altLang="zh-CN" sz="1600" b="1" dirty="0" smtClean="0">
+                <a:latin typeface="华文楷体" panose="02010600040101010101" pitchFamily="2" charset="-122"/>
+                <a:ea typeface="华文楷体" panose="02010600040101010101" pitchFamily="2" charset="-122"/>
+              </a:rPr>
+              <a:t>2</a:t>
+            </a:r>
+            <a:endParaRPr lang="zh-CN" altLang="en-US" sz="1600" b="1" dirty="0">
+              <a:latin typeface="华文楷体" panose="02010600040101010101" pitchFamily="2" charset="-122"/>
+              <a:ea typeface="华文楷体" panose="02010600040101010101" pitchFamily="2" charset="-122"/>
+            </a:endParaRPr>
           </a:p>
         </p:txBody>
       </p:sp>
     </p:spTree>
     <p:extLst>
       <p:ext uri="{BB962C8B-B14F-4D97-AF65-F5344CB8AC3E}">
-        <p14:creationId xmlns:p14="http://schemas.microsoft.com/office/powerpoint/2010/main" val="1677500688"/>
+        <p14:creationId xmlns:p14="http://schemas.microsoft.com/office/powerpoint/2010/main" val="2748365451"/>
       </p:ext>
     </p:extLst>
   </p:cSld>
   <p:clrMapOvr>
     <a:masterClrMapping/>
   </p:clrMapOvr>
-  <p:timing>
-    <p:tnLst>
-      <p:par>
-        <p:cTn id="1" dur="indefinite" restart="never" nodeType="tmRoot"/>
-      </p:par>
-    </p:tnLst>
-  </p:timing>
 </p:sld>
 </file>
 
@@ -14653,7 +14651,33 @@
                 <a:effectLst/>
                 <a:latin typeface="Lucida Console" panose="020B0609040504020204" pitchFamily="49" charset="0"/>
               </a:rPr>
-              <a:t>&gt; s&lt;-sample(1:nrow(iris),10)</a:t>
+              <a:t>&gt; s&lt;-sample(1:nrow(</a:t>
+            </a:r>
+            <a:r>
+              <a:rPr kumimoji="0" lang="en-US" altLang="zh-CN" sz="1200" b="0" i="0" u="none" strike="noStrike" cap="none" normalizeH="0" baseline="0" dirty="0" smtClean="0">
+                <a:ln>
+                  <a:noFill/>
+                </a:ln>
+                <a:solidFill>
+                  <a:srgbClr val="0000FF"/>
+                </a:solidFill>
+                <a:effectLst/>
+                <a:latin typeface="Lucida Console" panose="020B0609040504020204" pitchFamily="49" charset="0"/>
+              </a:rPr>
+              <a:t>cars</a:t>
+            </a:r>
+            <a:r>
+              <a:rPr kumimoji="0" lang="zh-CN" altLang="zh-CN" sz="1200" b="0" i="0" u="none" strike="noStrike" cap="none" normalizeH="0" baseline="0" dirty="0" smtClean="0">
+                <a:ln>
+                  <a:noFill/>
+                </a:ln>
+                <a:solidFill>
+                  <a:srgbClr val="0000FF"/>
+                </a:solidFill>
+                <a:effectLst/>
+                <a:latin typeface="Lucida Console" panose="020B0609040504020204" pitchFamily="49" charset="0"/>
+              </a:rPr>
+              <a:t>),10)</a:t>
             </a:r>
             <a:endParaRPr kumimoji="0" lang="en-US" altLang="zh-CN" sz="1200" b="0" i="0" u="none" strike="noStrike" cap="none" normalizeH="0" baseline="0" dirty="0" smtClean="0">
               <a:ln>
@@ -14682,7 +14706,43 @@
                 </a:solidFill>
                 <a:latin typeface="Lucida Console" panose="020B0609040504020204" pitchFamily="49" charset="0"/>
               </a:rPr>
-              <a:t>&gt; spl&lt;-iris[s</a:t>
+              <a:t>&gt; spl</a:t>
+            </a:r>
+            <a:r>
+              <a:rPr lang="zh-CN" altLang="zh-CN" sz="1200" dirty="0" smtClean="0">
+                <a:solidFill>
+                  <a:srgbClr val="0000FF"/>
+                </a:solidFill>
+                <a:latin typeface="Lucida Console" panose="020B0609040504020204" pitchFamily="49" charset="0"/>
+              </a:rPr>
+              <a:t>&lt;-</a:t>
+            </a:r>
+            <a:r>
+              <a:rPr lang="en-US" altLang="zh-CN" sz="1200" dirty="0" smtClean="0">
+                <a:solidFill>
+                  <a:srgbClr val="0000FF"/>
+                </a:solidFill>
+                <a:latin typeface="Lucida Console" panose="020B0609040504020204" pitchFamily="49" charset="0"/>
+              </a:rPr>
+              <a:t>car</a:t>
+            </a:r>
+            <a:r>
+              <a:rPr lang="zh-CN" altLang="zh-CN" sz="1200" dirty="0" smtClean="0">
+                <a:solidFill>
+                  <a:srgbClr val="0000FF"/>
+                </a:solidFill>
+                <a:latin typeface="Lucida Console" panose="020B0609040504020204" pitchFamily="49" charset="0"/>
+              </a:rPr>
+              <a:t>s</a:t>
+            </a:r>
+            <a:r>
+              <a:rPr lang="zh-CN" altLang="zh-CN" sz="1200" dirty="0">
+                <a:solidFill>
+                  <a:srgbClr val="0000FF"/>
+                </a:solidFill>
+                <a:latin typeface="Lucida Console" panose="020B0609040504020204" pitchFamily="49" charset="0"/>
+              </a:rPr>
+              <a:t>[s</a:t>
             </a:r>
             <a:r>
               <a:rPr lang="zh-CN" altLang="zh-CN" sz="1200" dirty="0" smtClean="0">
